--- a/Thesis presentation ATC.pptx
+++ b/Thesis presentation ATC.pptx
@@ -6,7 +6,7 @@
     <p:sldMasterId id="2147483673" r:id="rId2"/>
   </p:sldMasterIdLst>
   <p:notesMasterIdLst>
-    <p:notesMasterId r:id="rId22"/>
+    <p:notesMasterId r:id="rId31"/>
   </p:notesMasterIdLst>
   <p:sldIdLst>
     <p:sldId id="256" r:id="rId3"/>
@@ -26,8 +26,17 @@
     <p:sldId id="275" r:id="rId17"/>
     <p:sldId id="276" r:id="rId18"/>
     <p:sldId id="266" r:id="rId19"/>
-    <p:sldId id="267" r:id="rId20"/>
-    <p:sldId id="261" r:id="rId21"/>
+    <p:sldId id="277" r:id="rId20"/>
+    <p:sldId id="278" r:id="rId21"/>
+    <p:sldId id="279" r:id="rId22"/>
+    <p:sldId id="280" r:id="rId23"/>
+    <p:sldId id="281" r:id="rId24"/>
+    <p:sldId id="282" r:id="rId25"/>
+    <p:sldId id="283" r:id="rId26"/>
+    <p:sldId id="284" r:id="rId27"/>
+    <p:sldId id="285" r:id="rId28"/>
+    <p:sldId id="267" r:id="rId29"/>
+    <p:sldId id="261" r:id="rId30"/>
   </p:sldIdLst>
   <p:sldSz cx="9144000" cy="6858000" type="screen4x3"/>
   <p:notesSz cx="6858000" cy="9144000"/>
@@ -216,7 +225,7 @@
           <a:p>
             <a:fld id="{D629BCAA-3248-4FC9-8652-C27287EE51FE}" type="datetimeFigureOut">
               <a:rPr lang="en-US" smtClean="0"/>
-              <a:t>10/1/2022</a:t>
+              <a:t>10/2/2022</a:t>
             </a:fld>
             <a:endParaRPr lang="en-US"/>
           </a:p>
@@ -698,7 +707,7 @@
           <a:p>
             <a:fld id="{18130A72-798E-4C06-9A59-DB007F4D64ED}" type="datetime1">
               <a:rPr lang="nl-NL" smtClean="0"/>
-              <a:t>1-10-2022</a:t>
+              <a:t>2-10-2022</a:t>
             </a:fld>
             <a:endParaRPr lang="nl-NL"/>
           </a:p>
@@ -868,7 +877,7 @@
           <a:p>
             <a:fld id="{4189B83E-1FC0-419B-B5C8-B7E9C09BD398}" type="datetime1">
               <a:rPr lang="nl-NL" smtClean="0"/>
-              <a:t>1-10-2022</a:t>
+              <a:t>2-10-2022</a:t>
             </a:fld>
             <a:endParaRPr lang="nl-NL"/>
           </a:p>
@@ -1048,7 +1057,7 @@
           <a:p>
             <a:fld id="{1CA840BC-1DAD-43FF-A554-13E5E31D4947}" type="datetime1">
               <a:rPr lang="nl-NL" smtClean="0"/>
-              <a:t>1-10-2022</a:t>
+              <a:t>2-10-2022</a:t>
             </a:fld>
             <a:endParaRPr lang="nl-NL"/>
           </a:p>
@@ -1177,7 +1186,7 @@
           <a:p>
             <a:fld id="{D8720F31-A0D8-4809-BE7F-6A59FC4DE6AD}" type="datetime1">
               <a:rPr lang="nl-NL" smtClean="0"/>
-              <a:t>1-10-2022</a:t>
+              <a:t>2-10-2022</a:t>
             </a:fld>
             <a:endParaRPr lang="nl-NL" dirty="0">
               <a:latin typeface="Open Sans" panose="020B0606030504020204" pitchFamily="34" charset="0"/>
@@ -1410,7 +1419,7 @@
           <a:p>
             <a:fld id="{782D92BB-CDF8-4AA2-B3F9-7F6830C377B1}" type="datetime1">
               <a:rPr lang="nl-NL" smtClean="0"/>
-              <a:t>1-10-2022</a:t>
+              <a:t>2-10-2022</a:t>
             </a:fld>
             <a:endParaRPr lang="nl-NL"/>
           </a:p>
@@ -1608,7 +1617,7 @@
           <a:p>
             <a:fld id="{B4BE20E8-EC78-4344-8E9A-A4B6FB5F8AC9}" type="datetime1">
               <a:rPr lang="nl-NL" smtClean="0"/>
-              <a:t>1-10-2022</a:t>
+              <a:t>2-10-2022</a:t>
             </a:fld>
             <a:endParaRPr lang="nl-NL"/>
           </a:p>
@@ -1883,7 +1892,7 @@
           <a:p>
             <a:fld id="{AB090569-E398-4B11-9228-BC4A73119814}" type="datetime1">
               <a:rPr lang="nl-NL" smtClean="0"/>
-              <a:t>1-10-2022</a:t>
+              <a:t>2-10-2022</a:t>
             </a:fld>
             <a:endParaRPr lang="nl-NL"/>
           </a:p>
@@ -2148,7 +2157,7 @@
           <a:p>
             <a:fld id="{DEA5E422-6963-405C-A1AC-04831DE82936}" type="datetime1">
               <a:rPr lang="nl-NL" smtClean="0"/>
-              <a:t>1-10-2022</a:t>
+              <a:t>2-10-2022</a:t>
             </a:fld>
             <a:endParaRPr lang="nl-NL"/>
           </a:p>
@@ -2560,7 +2569,7 @@
           <a:p>
             <a:fld id="{F8F9D86C-9988-45FF-B7E6-B8961E8A07B3}" type="datetime1">
               <a:rPr lang="nl-NL" smtClean="0"/>
-              <a:t>1-10-2022</a:t>
+              <a:t>2-10-2022</a:t>
             </a:fld>
             <a:endParaRPr lang="nl-NL"/>
           </a:p>
@@ -2701,7 +2710,7 @@
           <a:p>
             <a:fld id="{5A551417-7EF5-433C-AA7C-514377B8C0AF}" type="datetime1">
               <a:rPr lang="nl-NL" smtClean="0"/>
-              <a:t>1-10-2022</a:t>
+              <a:t>2-10-2022</a:t>
             </a:fld>
             <a:endParaRPr lang="nl-NL"/>
           </a:p>
@@ -2814,7 +2823,7 @@
           <a:p>
             <a:fld id="{175C7022-05F1-4A64-A1D8-940DC1A6F753}" type="datetime1">
               <a:rPr lang="nl-NL" smtClean="0"/>
-              <a:t>1-10-2022</a:t>
+              <a:t>2-10-2022</a:t>
             </a:fld>
             <a:endParaRPr lang="nl-NL"/>
           </a:p>
@@ -3001,7 +3010,7 @@
           <a:p>
             <a:fld id="{01EA445C-D728-4B0A-B2BB-5493D648EA02}" type="datetime1">
               <a:rPr lang="nl-NL" smtClean="0"/>
-              <a:t>1-10-2022</a:t>
+              <a:t>2-10-2022</a:t>
             </a:fld>
             <a:endParaRPr lang="nl-NL"/>
           </a:p>
@@ -3305,7 +3314,7 @@
           <a:p>
             <a:fld id="{FD32A731-21D8-4ADE-9475-F626FB02C611}" type="datetime1">
               <a:rPr lang="nl-NL" smtClean="0"/>
-              <a:t>1-10-2022</a:t>
+              <a:t>2-10-2022</a:t>
             </a:fld>
             <a:endParaRPr lang="nl-NL"/>
           </a:p>
@@ -3593,7 +3602,7 @@
           <a:p>
             <a:fld id="{1BE0784C-A773-4E69-ACAA-73A3EE4CC8DB}" type="datetime1">
               <a:rPr lang="nl-NL" smtClean="0"/>
-              <a:t>1-10-2022</a:t>
+              <a:t>2-10-2022</a:t>
             </a:fld>
             <a:endParaRPr lang="nl-NL"/>
           </a:p>
@@ -3791,7 +3800,7 @@
           <a:p>
             <a:fld id="{764F9B4E-FE62-4B34-B3FA-D5F6F458898F}" type="datetime1">
               <a:rPr lang="nl-NL" smtClean="0"/>
-              <a:t>1-10-2022</a:t>
+              <a:t>2-10-2022</a:t>
             </a:fld>
             <a:endParaRPr lang="nl-NL"/>
           </a:p>
@@ -3999,7 +4008,7 @@
           <a:p>
             <a:fld id="{69E4275D-6497-4CDA-98DC-1E6DFA2C47E1}" type="datetime1">
               <a:rPr lang="nl-NL" smtClean="0"/>
-              <a:t>1-10-2022</a:t>
+              <a:t>2-10-2022</a:t>
             </a:fld>
             <a:endParaRPr lang="nl-NL"/>
           </a:p>
@@ -4255,7 +4264,7 @@
           <a:p>
             <a:fld id="{75FC15D6-2DD3-456A-A5C9-643FC2C96214}" type="datetime1">
               <a:rPr lang="nl-NL" smtClean="0"/>
-              <a:t>1-10-2022</a:t>
+              <a:t>2-10-2022</a:t>
             </a:fld>
             <a:endParaRPr lang="nl-NL"/>
           </a:p>
@@ -4487,7 +4496,7 @@
           <a:p>
             <a:fld id="{9CC0C4B4-C60E-4107-8338-A16F47E712BA}" type="datetime1">
               <a:rPr lang="nl-NL" smtClean="0"/>
-              <a:t>1-10-2022</a:t>
+              <a:t>2-10-2022</a:t>
             </a:fld>
             <a:endParaRPr lang="nl-NL"/>
           </a:p>
@@ -4854,7 +4863,7 @@
           <a:p>
             <a:fld id="{ED97B69D-25EE-4F6B-A025-C9356BF5196F}" type="datetime1">
               <a:rPr lang="nl-NL" smtClean="0"/>
-              <a:t>1-10-2022</a:t>
+              <a:t>2-10-2022</a:t>
             </a:fld>
             <a:endParaRPr lang="nl-NL"/>
           </a:p>
@@ -4972,7 +4981,7 @@
           <a:p>
             <a:fld id="{135BA7EE-4350-4E9D-8482-E4106E74C348}" type="datetime1">
               <a:rPr lang="nl-NL" smtClean="0"/>
-              <a:t>1-10-2022</a:t>
+              <a:t>2-10-2022</a:t>
             </a:fld>
             <a:endParaRPr lang="nl-NL"/>
           </a:p>
@@ -5067,7 +5076,7 @@
           <a:p>
             <a:fld id="{5985CAE9-7880-4C9A-8D76-CF15052E52CC}" type="datetime1">
               <a:rPr lang="nl-NL" smtClean="0"/>
-              <a:t>1-10-2022</a:t>
+              <a:t>2-10-2022</a:t>
             </a:fld>
             <a:endParaRPr lang="nl-NL"/>
           </a:p>
@@ -5344,7 +5353,7 @@
           <a:p>
             <a:fld id="{9F7639AC-17FC-4D70-A0E3-0F8D800275E8}" type="datetime1">
               <a:rPr lang="nl-NL" smtClean="0"/>
-              <a:t>1-10-2022</a:t>
+              <a:t>2-10-2022</a:t>
             </a:fld>
             <a:endParaRPr lang="nl-NL"/>
           </a:p>
@@ -5601,7 +5610,7 @@
           <a:p>
             <a:fld id="{A7D1C640-FDFA-4B54-ACC0-9BFA0F6DC2E5}" type="datetime1">
               <a:rPr lang="nl-NL" smtClean="0"/>
-              <a:t>1-10-2022</a:t>
+              <a:t>2-10-2022</a:t>
             </a:fld>
             <a:endParaRPr lang="nl-NL"/>
           </a:p>
@@ -5826,7 +5835,7 @@
           <a:p>
             <a:fld id="{7D9CE99F-90D7-49FC-BFC9-DC2836ABCB14}" type="datetime1">
               <a:rPr lang="nl-NL" smtClean="0"/>
-              <a:t>1-10-2022</a:t>
+              <a:t>2-10-2022</a:t>
             </a:fld>
             <a:endParaRPr lang="nl-NL" dirty="0">
               <a:latin typeface="Open Sans" panose="020B0606030504020204" pitchFamily="34" charset="0"/>
@@ -6412,7 +6421,7 @@
           <a:p>
             <a:fld id="{DDB7B9B1-682F-4483-B0F1-5BF417E9590B}" type="datetime1">
               <a:rPr lang="nl-NL" smtClean="0"/>
-              <a:t>1-10-2022</a:t>
+              <a:t>2-10-2022</a:t>
             </a:fld>
             <a:endParaRPr lang="nl-NL" dirty="0">
               <a:latin typeface="Open Sans" panose="020B0606030504020204" pitchFamily="34" charset="0"/>
@@ -7949,8 +7958,8 @@
         </p:blipFill>
         <p:spPr>
           <a:xfrm>
-            <a:off x="1103347" y="1336963"/>
-            <a:ext cx="6937305" cy="4184073"/>
+            <a:off x="285929" y="1120947"/>
+            <a:ext cx="5340804" cy="3221181"/>
           </a:xfrm>
           <a:prstGeom prst="rect">
             <a:avLst/>
@@ -8011,8 +8020,8 @@
         </p:nvSpPr>
         <p:spPr>
           <a:xfrm>
-            <a:off x="1185519" y="5537057"/>
-            <a:ext cx="6845420" cy="276999"/>
+            <a:off x="285929" y="4428561"/>
+            <a:ext cx="3989153" cy="461665"/>
           </a:xfrm>
           <a:prstGeom prst="rect">
             <a:avLst/>
@@ -8057,7 +8066,7 @@
         </p:blipFill>
         <p:spPr>
           <a:xfrm>
-            <a:off x="6036841" y="85754"/>
+            <a:off x="5937948" y="1256246"/>
             <a:ext cx="2920123" cy="1322892"/>
           </a:xfrm>
           <a:prstGeom prst="rect">
@@ -8095,6 +8104,48 @@
           </a:sp3d>
         </p:spPr>
       </p:pic>
+      <p:sp>
+        <p:nvSpPr>
+          <p:cNvPr id="3" name="TextBox 2">
+            <a:extLst>
+              <a:ext uri="{FF2B5EF4-FFF2-40B4-BE49-F238E27FC236}">
+                <a16:creationId xmlns:a16="http://schemas.microsoft.com/office/drawing/2014/main" id="{EF55255C-FA8E-C3BB-C7DD-F58FE5F9C6F1}"/>
+              </a:ext>
+            </a:extLst>
+          </p:cNvPr>
+          <p:cNvSpPr txBox="1"/>
+          <p:nvPr/>
+        </p:nvSpPr>
+        <p:spPr>
+          <a:xfrm>
+            <a:off x="5992091" y="2819400"/>
+            <a:ext cx="2660073" cy="1015663"/>
+          </a:xfrm>
+          <a:prstGeom prst="rect">
+            <a:avLst/>
+          </a:prstGeom>
+          <a:noFill/>
+        </p:spPr>
+        <p:txBody>
+          <a:bodyPr wrap="square" rtlCol="0">
+            <a:spAutoFit/>
+          </a:bodyPr>
+          <a:lstStyle/>
+          <a:p>
+            <a:r>
+              <a:rPr lang="en-US" sz="1200" dirty="0"/>
+              <a:t>Table 2: The columns ’WERR’ and ’CERR’ represent the increase in performances found in</a:t>
+            </a:r>
+            <a:br>
+              <a:rPr lang="en-US" sz="1200" dirty="0"/>
+            </a:br>
+            <a:r>
+              <a:rPr lang="en-US" sz="1200" dirty="0"/>
+              <a:t>figure 3 (in-domain LM), relative to figure 2 (no in-domain LM).</a:t>
+            </a:r>
+          </a:p>
+        </p:txBody>
+      </p:sp>
     </p:spTree>
     <p:extLst>
       <p:ext uri="{BB962C8B-B14F-4D97-AF65-F5344CB8AC3E}">
@@ -8294,12 +8345,45 @@
             <p:ph idx="1"/>
           </p:nvPr>
         </p:nvSpPr>
-        <p:spPr/>
-        <p:txBody>
-          <a:bodyPr/>
-          <a:lstStyle/>
-          <a:p>
-            <a:endParaRPr lang="en-US"/>
+        <p:spPr>
+          <a:xfrm>
+            <a:off x="628650" y="1825625"/>
+            <a:ext cx="7886700" cy="1818120"/>
+          </a:xfrm>
+        </p:spPr>
+        <p:txBody>
+          <a:bodyPr>
+            <a:normAutofit/>
+          </a:bodyPr>
+          <a:lstStyle/>
+          <a:p>
+            <a:pPr marL="0" indent="0">
+              <a:buNone/>
+            </a:pPr>
+            <a:r>
+              <a:rPr lang="en-US" sz="2400" dirty="0"/>
+              <a:t>Comparison to </a:t>
+            </a:r>
+            <a:r>
+              <a:rPr lang="en-US" sz="2400" dirty="0" err="1"/>
+              <a:t>Zuluaga</a:t>
+            </a:r>
+            <a:r>
+              <a:rPr lang="en-US" sz="2400" dirty="0"/>
+              <a:t>-Gomez et al. 2022</a:t>
+            </a:r>
+          </a:p>
+          <a:p>
+            <a:r>
+              <a:rPr lang="en-US" sz="2000" dirty="0"/>
+              <a:t>Achieved WERs of 40% and 43% on 5 minutes of ISAVIA and NATS data</a:t>
+            </a:r>
+          </a:p>
+          <a:p>
+            <a:r>
+              <a:rPr lang="en-US" sz="2000" dirty="0"/>
+              <a:t>XLS-R-10* achieved WER of 29% using ~40 seconds of ATCOSIM data</a:t>
+            </a:r>
           </a:p>
         </p:txBody>
       </p:sp>
@@ -8329,6 +8413,45 @@
               <a:t>17</a:t>
             </a:fld>
             <a:endParaRPr lang="nl-NL"/>
+          </a:p>
+        </p:txBody>
+      </p:sp>
+      <p:sp>
+        <p:nvSpPr>
+          <p:cNvPr id="5" name="TextBox 4">
+            <a:extLst>
+              <a:ext uri="{FF2B5EF4-FFF2-40B4-BE49-F238E27FC236}">
+                <a16:creationId xmlns:a16="http://schemas.microsoft.com/office/drawing/2014/main" id="{E298B5C0-8CB3-C3A1-1C47-6042389B2474}"/>
+              </a:ext>
+            </a:extLst>
+          </p:cNvPr>
+          <p:cNvSpPr txBox="1"/>
+          <p:nvPr/>
+        </p:nvSpPr>
+        <p:spPr>
+          <a:xfrm>
+            <a:off x="685800" y="4128655"/>
+            <a:ext cx="5867400" cy="646331"/>
+          </a:xfrm>
+          <a:prstGeom prst="rect">
+            <a:avLst/>
+          </a:prstGeom>
+          <a:noFill/>
+        </p:spPr>
+        <p:txBody>
+          <a:bodyPr wrap="square" rtlCol="0">
+            <a:spAutoFit/>
+          </a:bodyPr>
+          <a:lstStyle/>
+          <a:p>
+            <a:r>
+              <a:rPr lang="en-US" sz="1800" dirty="0"/>
+              <a:t>Comparison should not be made</a:t>
+            </a:r>
+            <a:endParaRPr lang="en-US" sz="1600" dirty="0"/>
+          </a:p>
+          <a:p>
+            <a:endParaRPr lang="en-US" dirty="0"/>
           </a:p>
         </p:txBody>
       </p:sp>
@@ -8342,6 +8465,84 @@
   <p:clrMapOvr>
     <a:masterClrMapping/>
   </p:clrMapOvr>
+  <p:timing>
+    <p:tnLst>
+      <p:par>
+        <p:cTn id="1" dur="indefinite" restart="never" nodeType="tmRoot">
+          <p:childTnLst>
+            <p:seq concurrent="1" nextAc="seek">
+              <p:cTn id="2" dur="indefinite" nodeType="mainSeq">
+                <p:childTnLst>
+                  <p:par>
+                    <p:cTn id="3" fill="hold">
+                      <p:stCondLst>
+                        <p:cond delay="indefinite"/>
+                      </p:stCondLst>
+                      <p:childTnLst>
+                        <p:par>
+                          <p:cTn id="4" fill="hold">
+                            <p:stCondLst>
+                              <p:cond delay="0"/>
+                            </p:stCondLst>
+                            <p:childTnLst>
+                              <p:par>
+                                <p:cTn id="5" presetID="1" presetClass="entr" presetSubtype="0" fill="hold" grpId="0" nodeType="clickEffect">
+                                  <p:stCondLst>
+                                    <p:cond delay="0"/>
+                                  </p:stCondLst>
+                                  <p:childTnLst>
+                                    <p:set>
+                                      <p:cBhvr>
+                                        <p:cTn id="6" dur="1" fill="hold">
+                                          <p:stCondLst>
+                                            <p:cond delay="0"/>
+                                          </p:stCondLst>
+                                        </p:cTn>
+                                        <p:tgtEl>
+                                          <p:spTgt spid="5"/>
+                                        </p:tgtEl>
+                                        <p:attrNameLst>
+                                          <p:attrName>style.visibility</p:attrName>
+                                        </p:attrNameLst>
+                                      </p:cBhvr>
+                                      <p:to>
+                                        <p:strVal val="visible"/>
+                                      </p:to>
+                                    </p:set>
+                                  </p:childTnLst>
+                                </p:cTn>
+                              </p:par>
+                            </p:childTnLst>
+                          </p:cTn>
+                        </p:par>
+                      </p:childTnLst>
+                    </p:cTn>
+                  </p:par>
+                </p:childTnLst>
+              </p:cTn>
+              <p:prevCondLst>
+                <p:cond evt="onPrev" delay="0">
+                  <p:tgtEl>
+                    <p:sldTgt/>
+                  </p:tgtEl>
+                </p:cond>
+              </p:prevCondLst>
+              <p:nextCondLst>
+                <p:cond evt="onNext" delay="0">
+                  <p:tgtEl>
+                    <p:sldTgt/>
+                  </p:tgtEl>
+                </p:cond>
+              </p:nextCondLst>
+            </p:seq>
+          </p:childTnLst>
+        </p:cTn>
+      </p:par>
+    </p:tnLst>
+    <p:bldLst>
+      <p:bldP spid="5" grpId="0"/>
+    </p:bldLst>
+  </p:timing>
 </p:sld>
 </file>
 
@@ -8385,7 +8586,7 @@
           <a:p>
             <a:r>
               <a:rPr lang="nl-NL" dirty="0"/>
-              <a:t>Conclusion</a:t>
+              <a:t>Discussion</a:t>
             </a:r>
             <a:endParaRPr lang="en-US" dirty="0"/>
           </a:p>
@@ -8407,12 +8608,49 @@
             <p:ph idx="1"/>
           </p:nvPr>
         </p:nvSpPr>
-        <p:spPr/>
-        <p:txBody>
-          <a:bodyPr/>
-          <a:lstStyle/>
-          <a:p>
-            <a:endParaRPr lang="en-US"/>
+        <p:spPr>
+          <a:xfrm>
+            <a:off x="628650" y="1825624"/>
+            <a:ext cx="7886700" cy="3106593"/>
+          </a:xfrm>
+        </p:spPr>
+        <p:txBody>
+          <a:bodyPr>
+            <a:normAutofit/>
+          </a:bodyPr>
+          <a:lstStyle/>
+          <a:p>
+            <a:pPr marL="0" indent="0">
+              <a:buNone/>
+            </a:pPr>
+            <a:r>
+              <a:rPr lang="en-US" sz="2400" dirty="0"/>
+              <a:t>Unusually high performance – Overfitting</a:t>
+            </a:r>
+          </a:p>
+          <a:p>
+            <a:r>
+              <a:rPr lang="en-US" sz="2000" dirty="0"/>
+              <a:t>WERR and CERR of ∼95.5% and ∼96.1%</a:t>
+            </a:r>
+          </a:p>
+          <a:p>
+            <a:r>
+              <a:rPr lang="en-US" sz="2000" dirty="0"/>
+              <a:t>Similar data – 10 speakers</a:t>
+            </a:r>
+          </a:p>
+          <a:p>
+            <a:r>
+              <a:rPr lang="en-US" sz="2000" dirty="0"/>
+              <a:t>Language model constructed from 90% of data</a:t>
+            </a:r>
+          </a:p>
+          <a:p>
+            <a:endParaRPr lang="en-US" sz="2000" dirty="0"/>
+          </a:p>
+          <a:p>
+            <a:endParaRPr lang="en-US" sz="2000" dirty="0"/>
           </a:p>
         </p:txBody>
       </p:sp>
@@ -8448,7 +8686,7 @@
     </p:spTree>
     <p:extLst>
       <p:ext uri="{BB962C8B-B14F-4D97-AF65-F5344CB8AC3E}">
-        <p14:creationId xmlns:p14="http://schemas.microsoft.com/office/powerpoint/2010/main" val="344043352"/>
+        <p14:creationId xmlns:p14="http://schemas.microsoft.com/office/powerpoint/2010/main" val="3009541144"/>
       </p:ext>
     </p:extLst>
   </p:cSld>
@@ -8480,7 +8718,7 @@
           <p:cNvPr id="2" name="Title 1">
             <a:extLst>
               <a:ext uri="{FF2B5EF4-FFF2-40B4-BE49-F238E27FC236}">
-                <a16:creationId xmlns:a16="http://schemas.microsoft.com/office/drawing/2014/main" id="{8934F46E-19B9-4235-8CDC-EEBF0A5E2819}"/>
+                <a16:creationId xmlns:a16="http://schemas.microsoft.com/office/drawing/2014/main" id="{E2656710-A520-C2CA-3BA9-8B1562F4EBF4}"/>
               </a:ext>
             </a:extLst>
           </p:cNvPr>
@@ -8497,8 +8735,8 @@
           <a:lstStyle/>
           <a:p>
             <a:r>
-              <a:rPr lang="nl-NL" dirty="0"/>
-              <a:t>References</a:t>
+              <a:rPr lang="en-US" sz="4400" dirty="0"/>
+              <a:t>Evaluation XLS-R-1000*</a:t>
             </a:r>
             <a:endParaRPr lang="en-US" dirty="0"/>
           </a:p>
@@ -8509,7 +8747,7 @@
           <p:cNvPr id="3" name="Content Placeholder 2">
             <a:extLst>
               <a:ext uri="{FF2B5EF4-FFF2-40B4-BE49-F238E27FC236}">
-                <a16:creationId xmlns:a16="http://schemas.microsoft.com/office/drawing/2014/main" id="{58D2BA99-339B-4FBB-8776-3159EA466D62}"/>
+                <a16:creationId xmlns:a16="http://schemas.microsoft.com/office/drawing/2014/main" id="{95889E8C-B29A-4113-CC32-FC5EE6ECBE1D}"/>
               </a:ext>
             </a:extLst>
           </p:cNvPr>
@@ -8523,7 +8761,7 @@
         <p:spPr>
           <a:xfrm>
             <a:off x="628650" y="1825624"/>
-            <a:ext cx="8164830" cy="4956175"/>
+            <a:ext cx="7886700" cy="876012"/>
           </a:xfrm>
         </p:spPr>
         <p:txBody>
@@ -8536,168 +8774,14 @@
               <a:buNone/>
             </a:pPr>
             <a:r>
-              <a:rPr lang="en-US" sz="1050" dirty="0"/>
-              <a:t>Helmke, H., </a:t>
-            </a:r>
-            <a:r>
-              <a:rPr lang="en-US" sz="1050" dirty="0" err="1"/>
-              <a:t>Ohneiser</a:t>
-            </a:r>
-            <a:r>
-              <a:rPr lang="en-US" sz="1050" dirty="0"/>
-              <a:t>, O., </a:t>
-            </a:r>
-            <a:r>
-              <a:rPr lang="en-US" sz="1050" dirty="0" err="1"/>
-              <a:t>Muhlhausen</a:t>
-            </a:r>
-            <a:r>
-              <a:rPr lang="en-US" sz="1050" dirty="0"/>
-              <a:t>, T., &amp; </a:t>
-            </a:r>
-            <a:r>
-              <a:rPr lang="en-US" sz="1050" dirty="0" err="1"/>
-              <a:t>Wies</a:t>
-            </a:r>
-            <a:r>
-              <a:rPr lang="en-US" sz="1050" dirty="0"/>
-              <a:t>, M. (2016). Reducing controller workload with automatic speech recognition. 	AIAA/IEEE Digital Avionics Systems Conference - Proceedings, 2016-December. 	https://doi.org/10.1109/DASC.2016.7778024</a:t>
-            </a:r>
-          </a:p>
-          <a:p>
-            <a:pPr marL="0" indent="0">
-              <a:buNone/>
-            </a:pPr>
-            <a:r>
-              <a:rPr lang="en-US" sz="1050" dirty="0" err="1"/>
-              <a:t>Hofbauer</a:t>
-            </a:r>
-            <a:r>
-              <a:rPr lang="en-US" sz="1050" dirty="0"/>
-              <a:t>, K., Petrik, S., &amp; </a:t>
-            </a:r>
-            <a:r>
-              <a:rPr lang="en-US" sz="1050" dirty="0" err="1"/>
-              <a:t>Hering</a:t>
-            </a:r>
-            <a:r>
-              <a:rPr lang="en-US" sz="1050" dirty="0"/>
-              <a:t>, H. (n.d.). The ATCOSIM Corpus of Non-Prompted Clean Air Traffic Control Speech</a:t>
-            </a:r>
-          </a:p>
-          <a:p>
-            <a:pPr marL="0" indent="0">
-              <a:buNone/>
-            </a:pPr>
-            <a:r>
-              <a:rPr lang="en-US" sz="1050" dirty="0" err="1"/>
-              <a:t>Trentin</a:t>
-            </a:r>
-            <a:r>
-              <a:rPr lang="en-US" sz="1050" dirty="0"/>
-              <a:t>, E., &amp; Gori, M. (2001). A survey of hybrid ANN/HMM models for automatic speech recognition.</a:t>
-            </a:r>
-            <a:br>
-              <a:rPr lang="en-US" sz="1050" dirty="0"/>
-            </a:br>
-            <a:r>
-              <a:rPr lang="en-US" sz="1050" dirty="0"/>
-              <a:t>	In Neurocomputing (Vol. 	37).</a:t>
-            </a:r>
-          </a:p>
-          <a:p>
-            <a:pPr marL="0" indent="0">
-              <a:buNone/>
-            </a:pPr>
-            <a:r>
-              <a:rPr lang="en-US" sz="1050" dirty="0"/>
-              <a:t>Yi, C., Wang, J., Cheng, N., Zhou, S., &amp; Xu, B. (2020). Applying Wav2vec2.0 to Speech Recognition in Various Low-resource 	Languages. http://arxiv.org/abs/2012.12121</a:t>
-            </a:r>
-          </a:p>
-          <a:p>
-            <a:pPr marL="0" indent="0">
-              <a:buNone/>
-            </a:pPr>
-            <a:r>
-              <a:rPr lang="en-US" sz="1050" dirty="0" err="1"/>
-              <a:t>Zuluaga</a:t>
-            </a:r>
-            <a:r>
-              <a:rPr lang="en-US" sz="1050" dirty="0"/>
-              <a:t>-Gomez, J., Prasad, A., </a:t>
-            </a:r>
-            <a:r>
-              <a:rPr lang="en-US" sz="1050" dirty="0" err="1"/>
-              <a:t>Nigmatulina</a:t>
-            </a:r>
-            <a:r>
-              <a:rPr lang="en-US" sz="1050" dirty="0"/>
-              <a:t>, I., </a:t>
-            </a:r>
-            <a:r>
-              <a:rPr lang="en-US" sz="1050" dirty="0" err="1"/>
-              <a:t>Sarfjoo</a:t>
-            </a:r>
-            <a:r>
-              <a:rPr lang="en-US" sz="1050" dirty="0"/>
-              <a:t>, S., </a:t>
-            </a:r>
-            <a:r>
-              <a:rPr lang="en-US" sz="1050" dirty="0" err="1"/>
-              <a:t>Motlicek</a:t>
-            </a:r>
-            <a:r>
-              <a:rPr lang="en-US" sz="1050" dirty="0"/>
-              <a:t>, P., Kleinert, M., Helmke, H., </a:t>
-            </a:r>
-            <a:r>
-              <a:rPr lang="en-US" sz="1050" dirty="0" err="1"/>
-              <a:t>Ohneiser</a:t>
-            </a:r>
-            <a:r>
-              <a:rPr lang="en-US" sz="1050" dirty="0"/>
-              <a:t>, O., &amp; Zhan, Q. (2022). 	How Does Pre-trained Wav2Vec2.0 Perform on Domain Shifted ASR? An Extensive Benchmark on Air Traffic 	Control Communications. http://arxiv.org/abs/2203.16822</a:t>
-            </a:r>
-          </a:p>
-          <a:p>
-            <a:pPr marL="0" indent="0">
-              <a:buNone/>
-            </a:pPr>
-            <a:r>
-              <a:rPr lang="en-US" sz="1050" dirty="0"/>
-              <a:t>Babu, A., Wang, C., </a:t>
-            </a:r>
-            <a:r>
-              <a:rPr lang="en-US" sz="1050" dirty="0" err="1"/>
-              <a:t>Tjandra</a:t>
-            </a:r>
-            <a:r>
-              <a:rPr lang="en-US" sz="1050" dirty="0"/>
-              <a:t>, A., </a:t>
-            </a:r>
-            <a:r>
-              <a:rPr lang="en-US" sz="1050" dirty="0" err="1"/>
-              <a:t>Lakhotia</a:t>
-            </a:r>
-            <a:r>
-              <a:rPr lang="en-US" sz="1050" dirty="0"/>
-              <a:t>, K., Xu, Q., Goyal, N., Singh, K., von Platen, P., Saraf, Y., Pino, J., </a:t>
-            </a:r>
-            <a:r>
-              <a:rPr lang="en-US" sz="1050" dirty="0" err="1"/>
-              <a:t>Baevski</a:t>
-            </a:r>
-            <a:r>
-              <a:rPr lang="en-US" sz="1050" dirty="0"/>
-              <a:t>, A., </a:t>
-            </a:r>
-            <a:r>
-              <a:rPr lang="en-US" sz="1050" dirty="0" err="1"/>
-              <a:t>Conneau</a:t>
-            </a:r>
-            <a:r>
-              <a:rPr lang="en-US" sz="1050" dirty="0"/>
-              <a:t>, A., &amp; 	Auli, M. (2021). XLS-R: Self-supervised Cross-lingual Speech Representation Learning at Scale. 	http://arxiv.org/abs/2111.09296</a:t>
+              <a:rPr lang="en-US" sz="2400" dirty="0"/>
+              <a:t>Callsign Detection</a:t>
+            </a:r>
+          </a:p>
+          <a:p>
+            <a:r>
+              <a:rPr lang="en-US" sz="2000" dirty="0"/>
+              <a:t>Recognizable, but incorrect</a:t>
             </a:r>
           </a:p>
         </p:txBody>
@@ -8707,7 +8791,7 @@
           <p:cNvPr id="4" name="Slide Number Placeholder 3">
             <a:extLst>
               <a:ext uri="{FF2B5EF4-FFF2-40B4-BE49-F238E27FC236}">
-                <a16:creationId xmlns:a16="http://schemas.microsoft.com/office/drawing/2014/main" id="{8EE0F5D7-6D51-491F-9FB8-08145EC87FAB}"/>
+                <a16:creationId xmlns:a16="http://schemas.microsoft.com/office/drawing/2014/main" id="{07DD0B38-D143-4A81-E5F8-987B8C9537D6}"/>
               </a:ext>
             </a:extLst>
           </p:cNvPr>
@@ -8731,10 +8815,469 @@
           </a:p>
         </p:txBody>
       </p:sp>
+      <p:graphicFrame>
+        <p:nvGraphicFramePr>
+          <p:cNvPr id="6" name="Table 5">
+            <a:extLst>
+              <a:ext uri="{FF2B5EF4-FFF2-40B4-BE49-F238E27FC236}">
+                <a16:creationId xmlns:a16="http://schemas.microsoft.com/office/drawing/2014/main" id="{E304D438-1AA8-DC3A-F4BE-E34A24FBA433}"/>
+              </a:ext>
+            </a:extLst>
+          </p:cNvPr>
+          <p:cNvGraphicFramePr>
+            <a:graphicFrameLocks noGrp="1"/>
+          </p:cNvGraphicFramePr>
+          <p:nvPr>
+            <p:extLst>
+              <p:ext uri="{D42A27DB-BD31-4B8C-83A1-F6EECF244321}">
+                <p14:modId xmlns:p14="http://schemas.microsoft.com/office/powerpoint/2010/main" val="4013104529"/>
+              </p:ext>
+            </p:extLst>
+          </p:nvPr>
+        </p:nvGraphicFramePr>
+        <p:xfrm>
+          <a:off x="533400" y="2777838"/>
+          <a:ext cx="8285018" cy="3096489"/>
+        </p:xfrm>
+        <a:graphic>
+          <a:graphicData uri="http://schemas.openxmlformats.org/drawingml/2006/table">
+            <a:tbl>
+              <a:tblPr>
+                <a:tableStyleId>{8799B23B-EC83-4686-B30A-512413B5E67A}</a:tableStyleId>
+              </a:tblPr>
+              <a:tblGrid>
+                <a:gridCol w="1905000">
+                  <a:extLst>
+                    <a:ext uri="{9D8B030D-6E8A-4147-A177-3AD203B41FA5}">
+                      <a16:colId xmlns:a16="http://schemas.microsoft.com/office/drawing/2014/main" val="1878286377"/>
+                    </a:ext>
+                  </a:extLst>
+                </a:gridCol>
+                <a:gridCol w="1530927">
+                  <a:extLst>
+                    <a:ext uri="{9D8B030D-6E8A-4147-A177-3AD203B41FA5}">
+                      <a16:colId xmlns:a16="http://schemas.microsoft.com/office/drawing/2014/main" val="804173087"/>
+                    </a:ext>
+                  </a:extLst>
+                </a:gridCol>
+                <a:gridCol w="2769022">
+                  <a:extLst>
+                    <a:ext uri="{9D8B030D-6E8A-4147-A177-3AD203B41FA5}">
+                      <a16:colId xmlns:a16="http://schemas.microsoft.com/office/drawing/2014/main" val="3386221360"/>
+                    </a:ext>
+                  </a:extLst>
+                </a:gridCol>
+                <a:gridCol w="2080069">
+                  <a:extLst>
+                    <a:ext uri="{9D8B030D-6E8A-4147-A177-3AD203B41FA5}">
+                      <a16:colId xmlns:a16="http://schemas.microsoft.com/office/drawing/2014/main" val="2266367497"/>
+                    </a:ext>
+                  </a:extLst>
+                </a:gridCol>
+              </a:tblGrid>
+              <a:tr h="291065">
+                <a:tc>
+                  <a:txBody>
+                    <a:bodyPr/>
+                    <a:lstStyle/>
+                    <a:p>
+                      <a:pPr algn="l" fontAlgn="b"/>
+                      <a:r>
+                        <a:rPr lang="en-US" sz="1800" b="1" u="none" strike="noStrike" dirty="0">
+                          <a:effectLst/>
+                        </a:rPr>
+                        <a:t>transcription</a:t>
+                      </a:r>
+                      <a:endParaRPr lang="en-US" sz="1800" b="1" i="0" u="none" strike="noStrike" dirty="0">
+                        <a:solidFill>
+                          <a:srgbClr val="000000"/>
+                        </a:solidFill>
+                        <a:effectLst/>
+                        <a:latin typeface="Calibri" panose="020F0502020204030204" pitchFamily="34" charset="0"/>
+                      </a:endParaRPr>
+                    </a:p>
+                  </a:txBody>
+                  <a:tcPr marL="5443" marR="5443" marT="5443" marB="0" anchor="b"/>
+                </a:tc>
+                <a:tc>
+                  <a:txBody>
+                    <a:bodyPr/>
+                    <a:lstStyle/>
+                    <a:p>
+                      <a:pPr algn="l" fontAlgn="b"/>
+                      <a:r>
+                        <a:rPr lang="en-US" sz="1800" b="1" u="none" strike="noStrike">
+                          <a:effectLst/>
+                        </a:rPr>
+                        <a:t>recording_id</a:t>
+                      </a:r>
+                      <a:endParaRPr lang="en-US" sz="1800" b="1" i="0" u="none" strike="noStrike">
+                        <a:solidFill>
+                          <a:srgbClr val="000000"/>
+                        </a:solidFill>
+                        <a:effectLst/>
+                        <a:latin typeface="Calibri" panose="020F0502020204030204" pitchFamily="34" charset="0"/>
+                      </a:endParaRPr>
+                    </a:p>
+                  </a:txBody>
+                  <a:tcPr marL="5443" marR="5443" marT="5443" marB="0" anchor="b"/>
+                </a:tc>
+                <a:tc>
+                  <a:txBody>
+                    <a:bodyPr/>
+                    <a:lstStyle/>
+                    <a:p>
+                      <a:pPr algn="l" fontAlgn="b"/>
+                      <a:r>
+                        <a:rPr lang="en-US" sz="1800" b="1" u="none" strike="noStrike">
+                          <a:effectLst/>
+                        </a:rPr>
+                        <a:t>model_transcription</a:t>
+                      </a:r>
+                      <a:endParaRPr lang="en-US" sz="1800" b="1" i="0" u="none" strike="noStrike">
+                        <a:solidFill>
+                          <a:srgbClr val="000000"/>
+                        </a:solidFill>
+                        <a:effectLst/>
+                        <a:latin typeface="Calibri" panose="020F0502020204030204" pitchFamily="34" charset="0"/>
+                      </a:endParaRPr>
+                    </a:p>
+                  </a:txBody>
+                  <a:tcPr marL="5443" marR="5443" marT="5443" marB="0" anchor="b"/>
+                </a:tc>
+                <a:tc>
+                  <a:txBody>
+                    <a:bodyPr/>
+                    <a:lstStyle/>
+                    <a:p>
+                      <a:pPr algn="l" fontAlgn="b"/>
+                      <a:r>
+                        <a:rPr lang="en-US" sz="1800" b="1" u="none" strike="noStrike" dirty="0">
+                          <a:effectLst/>
+                        </a:rPr>
+                        <a:t>difference</a:t>
+                      </a:r>
+                      <a:endParaRPr lang="en-US" sz="1800" b="1" i="0" u="none" strike="noStrike" dirty="0">
+                        <a:solidFill>
+                          <a:srgbClr val="000000"/>
+                        </a:solidFill>
+                        <a:effectLst/>
+                        <a:latin typeface="Calibri" panose="020F0502020204030204" pitchFamily="34" charset="0"/>
+                      </a:endParaRPr>
+                    </a:p>
+                  </a:txBody>
+                  <a:tcPr marL="5443" marR="5443" marT="5443" marB="0" anchor="b"/>
+                </a:tc>
+                <a:extLst>
+                  <a:ext uri="{0D108BD9-81ED-4DB2-BD59-A6C34878D82A}">
+                    <a16:rowId xmlns:a16="http://schemas.microsoft.com/office/drawing/2014/main" val="1524618448"/>
+                  </a:ext>
+                </a:extLst>
+              </a:tr>
+              <a:tr h="1429904">
+                <a:tc>
+                  <a:txBody>
+                    <a:bodyPr/>
+                    <a:lstStyle/>
+                    <a:p>
+                      <a:pPr algn="l" fontAlgn="b"/>
+                      <a:r>
+                        <a:rPr lang="en-US" sz="1600" u="none" strike="noStrike" dirty="0">
+                          <a:effectLst/>
+                        </a:rPr>
+                        <a:t>golf bravo victor </a:t>
+                      </a:r>
+                      <a:r>
+                        <a:rPr lang="en-US" sz="1600" u="none" strike="noStrike" dirty="0" err="1">
+                          <a:effectLst/>
+                        </a:rPr>
+                        <a:t>juliett</a:t>
+                      </a:r>
+                      <a:r>
+                        <a:rPr lang="en-US" sz="1600" u="none" strike="noStrike" dirty="0">
+                          <a:effectLst/>
+                        </a:rPr>
+                        <a:t> </a:t>
+                      </a:r>
+                      <a:r>
+                        <a:rPr lang="en-US" sz="1600" u="none" strike="noStrike" dirty="0" err="1">
+                          <a:effectLst/>
+                        </a:rPr>
+                        <a:t>india</a:t>
+                      </a:r>
+                      <a:r>
+                        <a:rPr lang="en-US" sz="1600" u="none" strike="noStrike" dirty="0">
+                          <a:effectLst/>
+                        </a:rPr>
+                        <a:t> is identified good afternoon</a:t>
+                      </a:r>
+                      <a:endParaRPr lang="en-US" sz="1600" b="0" i="0" u="none" strike="noStrike" dirty="0">
+                        <a:solidFill>
+                          <a:srgbClr val="000000"/>
+                        </a:solidFill>
+                        <a:effectLst/>
+                        <a:latin typeface="Calibri" panose="020F0502020204030204" pitchFamily="34" charset="0"/>
+                      </a:endParaRPr>
+                    </a:p>
+                  </a:txBody>
+                  <a:tcPr marL="5443" marR="5443" marT="5443" marB="0" anchor="b"/>
+                </a:tc>
+                <a:tc>
+                  <a:txBody>
+                    <a:bodyPr/>
+                    <a:lstStyle/>
+                    <a:p>
+                      <a:pPr algn="l" fontAlgn="b"/>
+                      <a:r>
+                        <a:rPr lang="en-US" sz="1600" u="none" strike="noStrike" dirty="0">
+                          <a:effectLst/>
+                        </a:rPr>
+                        <a:t>051_0227</a:t>
+                      </a:r>
+                      <a:endParaRPr lang="en-US" sz="1600" b="0" i="0" u="none" strike="noStrike" dirty="0">
+                        <a:solidFill>
+                          <a:srgbClr val="000000"/>
+                        </a:solidFill>
+                        <a:effectLst/>
+                        <a:latin typeface="Calibri" panose="020F0502020204030204" pitchFamily="34" charset="0"/>
+                      </a:endParaRPr>
+                    </a:p>
+                  </a:txBody>
+                  <a:tcPr marL="5443" marR="5443" marT="5443" marB="0" anchor="b"/>
+                </a:tc>
+                <a:tc>
+                  <a:txBody>
+                    <a:bodyPr/>
+                    <a:lstStyle/>
+                    <a:p>
+                      <a:pPr algn="l" fontAlgn="b"/>
+                      <a:r>
+                        <a:rPr lang="en-US" sz="1600" u="none" strike="noStrike" dirty="0" err="1">
+                          <a:effectLst/>
+                        </a:rPr>
+                        <a:t>goll</a:t>
+                      </a:r>
+                      <a:r>
+                        <a:rPr lang="en-US" sz="1600" u="none" strike="noStrike" dirty="0">
+                          <a:effectLst/>
+                        </a:rPr>
+                        <a:t> bravo victor </a:t>
+                      </a:r>
+                      <a:r>
+                        <a:rPr lang="en-US" sz="1600" u="none" strike="noStrike" dirty="0" err="1">
+                          <a:effectLst/>
+                        </a:rPr>
+                        <a:t>juliett</a:t>
+                      </a:r>
+                      <a:r>
+                        <a:rPr lang="en-US" sz="1600" u="none" strike="noStrike" dirty="0">
+                          <a:effectLst/>
+                        </a:rPr>
+                        <a:t> </a:t>
+                      </a:r>
+                      <a:r>
+                        <a:rPr lang="en-US" sz="1600" u="none" strike="noStrike" dirty="0" err="1">
+                          <a:effectLst/>
+                        </a:rPr>
+                        <a:t>india</a:t>
+                      </a:r>
+                      <a:r>
+                        <a:rPr lang="en-US" sz="1600" u="none" strike="noStrike" dirty="0">
+                          <a:effectLst/>
+                        </a:rPr>
+                        <a:t> is identified good afternoon</a:t>
+                      </a:r>
+                      <a:endParaRPr lang="en-US" sz="1600" b="0" i="0" u="none" strike="noStrike" dirty="0">
+                        <a:solidFill>
+                          <a:srgbClr val="000000"/>
+                        </a:solidFill>
+                        <a:effectLst/>
+                        <a:latin typeface="Calibri" panose="020F0502020204030204" pitchFamily="34" charset="0"/>
+                      </a:endParaRPr>
+                    </a:p>
+                  </a:txBody>
+                  <a:tcPr marL="5443" marR="5443" marT="5443" marB="0" anchor="b"/>
+                </a:tc>
+                <a:tc>
+                  <a:txBody>
+                    <a:bodyPr/>
+                    <a:lstStyle/>
+                    <a:p>
+                      <a:pPr algn="l" fontAlgn="b"/>
+                      <a:r>
+                        <a:rPr lang="en-US" sz="1600" u="none" strike="noStrike" dirty="0">
+                          <a:effectLst/>
+                        </a:rPr>
+                        <a:t>{'golf'}</a:t>
+                      </a:r>
+                      <a:endParaRPr lang="en-US" sz="1600" b="0" i="0" u="none" strike="noStrike" dirty="0">
+                        <a:solidFill>
+                          <a:srgbClr val="000000"/>
+                        </a:solidFill>
+                        <a:effectLst/>
+                        <a:latin typeface="Calibri" panose="020F0502020204030204" pitchFamily="34" charset="0"/>
+                      </a:endParaRPr>
+                    </a:p>
+                  </a:txBody>
+                  <a:tcPr marL="5443" marR="5443" marT="5443" marB="0" anchor="b"/>
+                </a:tc>
+                <a:extLst>
+                  <a:ext uri="{0D108BD9-81ED-4DB2-BD59-A6C34878D82A}">
+                    <a16:rowId xmlns:a16="http://schemas.microsoft.com/office/drawing/2014/main" val="2095923737"/>
+                  </a:ext>
+                </a:extLst>
+              </a:tr>
+              <a:tr h="1375520">
+                <a:tc>
+                  <a:txBody>
+                    <a:bodyPr/>
+                    <a:lstStyle/>
+                    <a:p>
+                      <a:pPr algn="l" fontAlgn="b"/>
+                      <a:r>
+                        <a:rPr lang="en-US" sz="1600" u="none" strike="noStrike" kern="1200">
+                          <a:solidFill>
+                            <a:schemeClr val="tx1"/>
+                          </a:solidFill>
+                          <a:effectLst/>
+                          <a:latin typeface="+mn-lt"/>
+                          <a:ea typeface="+mn-ea"/>
+                          <a:cs typeface="+mn-cs"/>
+                        </a:rPr>
+                        <a:t>hallo lufthansa five two nine four radar contact climb flight level three three zero</a:t>
+                      </a:r>
+                    </a:p>
+                  </a:txBody>
+                  <a:tcPr marL="5443" marR="5443" marT="5443" marB="0" anchor="b"/>
+                </a:tc>
+                <a:tc>
+                  <a:txBody>
+                    <a:bodyPr/>
+                    <a:lstStyle/>
+                    <a:p>
+                      <a:pPr algn="l" fontAlgn="b"/>
+                      <a:r>
+                        <a:rPr lang="en-US" sz="1600" u="none" strike="noStrike" kern="1200">
+                          <a:solidFill>
+                            <a:schemeClr val="tx1"/>
+                          </a:solidFill>
+                          <a:effectLst/>
+                          <a:latin typeface="+mn-lt"/>
+                          <a:ea typeface="+mn-ea"/>
+                          <a:cs typeface="+mn-cs"/>
+                        </a:rPr>
+                        <a:t>111_0387</a:t>
+                      </a:r>
+                    </a:p>
+                  </a:txBody>
+                  <a:tcPr marL="5443" marR="5443" marT="5443" marB="0" anchor="b"/>
+                </a:tc>
+                <a:tc>
+                  <a:txBody>
+                    <a:bodyPr/>
+                    <a:lstStyle/>
+                    <a:p>
+                      <a:pPr algn="l" fontAlgn="b"/>
+                      <a:r>
+                        <a:rPr lang="en-US" sz="1600" u="none" strike="noStrike" kern="1200" dirty="0">
+                          <a:solidFill>
+                            <a:schemeClr val="tx1"/>
+                          </a:solidFill>
+                          <a:effectLst/>
+                          <a:latin typeface="+mn-lt"/>
+                          <a:ea typeface="+mn-ea"/>
+                          <a:cs typeface="+mn-cs"/>
+                        </a:rPr>
+                        <a:t>hallo </a:t>
+                      </a:r>
+                      <a:r>
+                        <a:rPr lang="en-US" sz="1600" u="none" strike="noStrike" kern="1200" dirty="0" err="1">
+                          <a:solidFill>
+                            <a:schemeClr val="tx1"/>
+                          </a:solidFill>
+                          <a:effectLst/>
+                          <a:latin typeface="+mn-lt"/>
+                          <a:ea typeface="+mn-ea"/>
+                          <a:cs typeface="+mn-cs"/>
+                        </a:rPr>
+                        <a:t>lufthansa</a:t>
+                      </a:r>
+                      <a:r>
+                        <a:rPr lang="en-US" sz="1600" u="none" strike="noStrike" kern="1200" dirty="0">
+                          <a:solidFill>
+                            <a:schemeClr val="tx1"/>
+                          </a:solidFill>
+                          <a:effectLst/>
+                          <a:latin typeface="+mn-lt"/>
+                          <a:ea typeface="+mn-ea"/>
+                          <a:cs typeface="+mn-cs"/>
+                        </a:rPr>
+                        <a:t> five to nine four radar contact climb flight level three </a:t>
+                      </a:r>
+                      <a:r>
+                        <a:rPr lang="en-US" sz="1600" u="none" strike="noStrike" kern="1200" dirty="0" err="1">
+                          <a:solidFill>
+                            <a:schemeClr val="tx1"/>
+                          </a:solidFill>
+                          <a:effectLst/>
+                          <a:latin typeface="+mn-lt"/>
+                          <a:ea typeface="+mn-ea"/>
+                          <a:cs typeface="+mn-cs"/>
+                        </a:rPr>
+                        <a:t>three</a:t>
+                      </a:r>
+                      <a:r>
+                        <a:rPr lang="en-US" sz="1600" u="none" strike="noStrike" kern="1200" dirty="0">
+                          <a:solidFill>
+                            <a:schemeClr val="tx1"/>
+                          </a:solidFill>
+                          <a:effectLst/>
+                          <a:latin typeface="+mn-lt"/>
+                          <a:ea typeface="+mn-ea"/>
+                          <a:cs typeface="+mn-cs"/>
+                        </a:rPr>
+                        <a:t> zero</a:t>
+                      </a:r>
+                    </a:p>
+                  </a:txBody>
+                  <a:tcPr marL="5443" marR="5443" marT="5443" marB="0" anchor="b"/>
+                </a:tc>
+                <a:tc>
+                  <a:txBody>
+                    <a:bodyPr/>
+                    <a:lstStyle/>
+                    <a:p>
+                      <a:pPr algn="l" fontAlgn="b"/>
+                      <a:r>
+                        <a:rPr lang="en-US" sz="1600" u="none" strike="noStrike" kern="1200" dirty="0">
+                          <a:solidFill>
+                            <a:schemeClr val="tx1"/>
+                          </a:solidFill>
+                          <a:effectLst/>
+                          <a:latin typeface="+mn-lt"/>
+                          <a:ea typeface="+mn-ea"/>
+                          <a:cs typeface="+mn-cs"/>
+                        </a:rPr>
+                        <a:t>{'two'}</a:t>
+                      </a:r>
+                    </a:p>
+                  </a:txBody>
+                  <a:tcPr marL="5443" marR="5443" marT="5443" marB="0" anchor="b"/>
+                </a:tc>
+                <a:extLst>
+                  <a:ext uri="{0D108BD9-81ED-4DB2-BD59-A6C34878D82A}">
+                    <a16:rowId xmlns:a16="http://schemas.microsoft.com/office/drawing/2014/main" val="1839823431"/>
+                  </a:ext>
+                </a:extLst>
+              </a:tr>
+            </a:tbl>
+          </a:graphicData>
+        </a:graphic>
+      </p:graphicFrame>
     </p:spTree>
     <p:extLst>
       <p:ext uri="{BB962C8B-B14F-4D97-AF65-F5344CB8AC3E}">
-        <p14:creationId xmlns:p14="http://schemas.microsoft.com/office/powerpoint/2010/main" val="2508083898"/>
+        <p14:creationId xmlns:p14="http://schemas.microsoft.com/office/powerpoint/2010/main" val="880149312"/>
       </p:ext>
     </p:extLst>
   </p:cSld>
@@ -8892,6 +9435,2389 @@
     <p:extLst>
       <p:ext uri="{BB962C8B-B14F-4D97-AF65-F5344CB8AC3E}">
         <p14:creationId xmlns:p14="http://schemas.microsoft.com/office/powerpoint/2010/main" val="2292544160"/>
+      </p:ext>
+    </p:extLst>
+  </p:cSld>
+  <p:clrMapOvr>
+    <a:masterClrMapping/>
+  </p:clrMapOvr>
+</p:sld>
+</file>
+
+<file path=ppt/slides/slide20.xml><?xml version="1.0" encoding="utf-8"?>
+<p:sld xmlns:a="http://schemas.openxmlformats.org/drawingml/2006/main" xmlns:r="http://schemas.openxmlformats.org/officeDocument/2006/relationships" xmlns:p="http://schemas.openxmlformats.org/presentationml/2006/main">
+  <p:cSld>
+    <p:spTree>
+      <p:nvGrpSpPr>
+        <p:cNvPr id="1" name=""/>
+        <p:cNvGrpSpPr/>
+        <p:nvPr/>
+      </p:nvGrpSpPr>
+      <p:grpSpPr>
+        <a:xfrm>
+          <a:off x="0" y="0"/>
+          <a:ext cx="0" cy="0"/>
+          <a:chOff x="0" y="0"/>
+          <a:chExt cx="0" cy="0"/>
+        </a:xfrm>
+      </p:grpSpPr>
+      <p:sp>
+        <p:nvSpPr>
+          <p:cNvPr id="2" name="Title 1">
+            <a:extLst>
+              <a:ext uri="{FF2B5EF4-FFF2-40B4-BE49-F238E27FC236}">
+                <a16:creationId xmlns:a16="http://schemas.microsoft.com/office/drawing/2014/main" id="{E2656710-A520-C2CA-3BA9-8B1562F4EBF4}"/>
+              </a:ext>
+            </a:extLst>
+          </p:cNvPr>
+          <p:cNvSpPr>
+            <a:spLocks noGrp="1"/>
+          </p:cNvSpPr>
+          <p:nvPr>
+            <p:ph type="title"/>
+          </p:nvPr>
+        </p:nvSpPr>
+        <p:spPr/>
+        <p:txBody>
+          <a:bodyPr/>
+          <a:lstStyle/>
+          <a:p>
+            <a:r>
+              <a:rPr lang="en-US" sz="4400" dirty="0"/>
+              <a:t>Evaluation XLS-R-1000*</a:t>
+            </a:r>
+            <a:endParaRPr lang="en-US" dirty="0"/>
+          </a:p>
+        </p:txBody>
+      </p:sp>
+      <p:sp>
+        <p:nvSpPr>
+          <p:cNvPr id="3" name="Content Placeholder 2">
+            <a:extLst>
+              <a:ext uri="{FF2B5EF4-FFF2-40B4-BE49-F238E27FC236}">
+                <a16:creationId xmlns:a16="http://schemas.microsoft.com/office/drawing/2014/main" id="{95889E8C-B29A-4113-CC32-FC5EE6ECBE1D}"/>
+              </a:ext>
+            </a:extLst>
+          </p:cNvPr>
+          <p:cNvSpPr>
+            <a:spLocks noGrp="1"/>
+          </p:cNvSpPr>
+          <p:nvPr>
+            <p:ph idx="1"/>
+          </p:nvPr>
+        </p:nvSpPr>
+        <p:spPr>
+          <a:xfrm>
+            <a:off x="628650" y="1825623"/>
+            <a:ext cx="7886700" cy="1388631"/>
+          </a:xfrm>
+        </p:spPr>
+        <p:txBody>
+          <a:bodyPr>
+            <a:normAutofit/>
+          </a:bodyPr>
+          <a:lstStyle/>
+          <a:p>
+            <a:pPr marL="0" indent="0">
+              <a:buNone/>
+            </a:pPr>
+            <a:r>
+              <a:rPr lang="en-US" sz="2400" dirty="0"/>
+              <a:t>Single word prediction</a:t>
+            </a:r>
+          </a:p>
+          <a:p>
+            <a:r>
+              <a:rPr lang="en-US" sz="2000" dirty="0"/>
+              <a:t>Without context, model relies on the LM</a:t>
+            </a:r>
+          </a:p>
+          <a:p>
+            <a:r>
+              <a:rPr lang="en-US" sz="2000" dirty="0"/>
+              <a:t>Implications in practice?</a:t>
+            </a:r>
+          </a:p>
+          <a:p>
+            <a:endParaRPr lang="en-US" sz="2000" dirty="0"/>
+          </a:p>
+        </p:txBody>
+      </p:sp>
+      <p:sp>
+        <p:nvSpPr>
+          <p:cNvPr id="4" name="Slide Number Placeholder 3">
+            <a:extLst>
+              <a:ext uri="{FF2B5EF4-FFF2-40B4-BE49-F238E27FC236}">
+                <a16:creationId xmlns:a16="http://schemas.microsoft.com/office/drawing/2014/main" id="{07DD0B38-D143-4A81-E5F8-987B8C9537D6}"/>
+              </a:ext>
+            </a:extLst>
+          </p:cNvPr>
+          <p:cNvSpPr>
+            <a:spLocks noGrp="1"/>
+          </p:cNvSpPr>
+          <p:nvPr>
+            <p:ph type="sldNum" sz="quarter" idx="12"/>
+          </p:nvPr>
+        </p:nvSpPr>
+        <p:spPr/>
+        <p:txBody>
+          <a:bodyPr/>
+          <a:lstStyle/>
+          <a:p>
+            <a:fld id="{557A3E6A-0FDC-2641-BE73-5835A252D50B}" type="slidenum">
+              <a:rPr lang="nl-NL" smtClean="0"/>
+              <a:t>20</a:t>
+            </a:fld>
+            <a:endParaRPr lang="nl-NL"/>
+          </a:p>
+        </p:txBody>
+      </p:sp>
+      <p:graphicFrame>
+        <p:nvGraphicFramePr>
+          <p:cNvPr id="6" name="Table 5">
+            <a:extLst>
+              <a:ext uri="{FF2B5EF4-FFF2-40B4-BE49-F238E27FC236}">
+                <a16:creationId xmlns:a16="http://schemas.microsoft.com/office/drawing/2014/main" id="{E304D438-1AA8-DC3A-F4BE-E34A24FBA433}"/>
+              </a:ext>
+            </a:extLst>
+          </p:cNvPr>
+          <p:cNvGraphicFramePr>
+            <a:graphicFrameLocks noGrp="1"/>
+          </p:cNvGraphicFramePr>
+          <p:nvPr>
+            <p:extLst>
+              <p:ext uri="{D42A27DB-BD31-4B8C-83A1-F6EECF244321}">
+                <p14:modId xmlns:p14="http://schemas.microsoft.com/office/powerpoint/2010/main" val="313610084"/>
+              </p:ext>
+            </p:extLst>
+          </p:nvPr>
+        </p:nvGraphicFramePr>
+        <p:xfrm>
+          <a:off x="533400" y="3455433"/>
+          <a:ext cx="8285018" cy="1007617"/>
+        </p:xfrm>
+        <a:graphic>
+          <a:graphicData uri="http://schemas.openxmlformats.org/drawingml/2006/table">
+            <a:tbl>
+              <a:tblPr>
+                <a:tableStyleId>{8799B23B-EC83-4686-B30A-512413B5E67A}</a:tableStyleId>
+              </a:tblPr>
+              <a:tblGrid>
+                <a:gridCol w="1905000">
+                  <a:extLst>
+                    <a:ext uri="{9D8B030D-6E8A-4147-A177-3AD203B41FA5}">
+                      <a16:colId xmlns:a16="http://schemas.microsoft.com/office/drawing/2014/main" val="1878286377"/>
+                    </a:ext>
+                  </a:extLst>
+                </a:gridCol>
+                <a:gridCol w="1530927">
+                  <a:extLst>
+                    <a:ext uri="{9D8B030D-6E8A-4147-A177-3AD203B41FA5}">
+                      <a16:colId xmlns:a16="http://schemas.microsoft.com/office/drawing/2014/main" val="804173087"/>
+                    </a:ext>
+                  </a:extLst>
+                </a:gridCol>
+                <a:gridCol w="2769022">
+                  <a:extLst>
+                    <a:ext uri="{9D8B030D-6E8A-4147-A177-3AD203B41FA5}">
+                      <a16:colId xmlns:a16="http://schemas.microsoft.com/office/drawing/2014/main" val="3386221360"/>
+                    </a:ext>
+                  </a:extLst>
+                </a:gridCol>
+                <a:gridCol w="2080069">
+                  <a:extLst>
+                    <a:ext uri="{9D8B030D-6E8A-4147-A177-3AD203B41FA5}">
+                      <a16:colId xmlns:a16="http://schemas.microsoft.com/office/drawing/2014/main" val="2266367497"/>
+                    </a:ext>
+                  </a:extLst>
+                </a:gridCol>
+              </a:tblGrid>
+              <a:tr h="148159">
+                <a:tc>
+                  <a:txBody>
+                    <a:bodyPr/>
+                    <a:lstStyle/>
+                    <a:p>
+                      <a:pPr algn="l" fontAlgn="b"/>
+                      <a:r>
+                        <a:rPr lang="en-US" sz="1800" b="1" u="none" strike="noStrike" dirty="0">
+                          <a:effectLst/>
+                        </a:rPr>
+                        <a:t>transcription</a:t>
+                      </a:r>
+                      <a:endParaRPr lang="en-US" sz="1800" b="1" i="0" u="none" strike="noStrike" dirty="0">
+                        <a:solidFill>
+                          <a:srgbClr val="000000"/>
+                        </a:solidFill>
+                        <a:effectLst/>
+                        <a:latin typeface="Calibri" panose="020F0502020204030204" pitchFamily="34" charset="0"/>
+                      </a:endParaRPr>
+                    </a:p>
+                  </a:txBody>
+                  <a:tcPr marL="5443" marR="5443" marT="5443" marB="0" anchor="b"/>
+                </a:tc>
+                <a:tc>
+                  <a:txBody>
+                    <a:bodyPr/>
+                    <a:lstStyle/>
+                    <a:p>
+                      <a:pPr algn="l" fontAlgn="b"/>
+                      <a:r>
+                        <a:rPr lang="en-US" sz="1800" b="1" u="none" strike="noStrike">
+                          <a:effectLst/>
+                        </a:rPr>
+                        <a:t>recording_id</a:t>
+                      </a:r>
+                      <a:endParaRPr lang="en-US" sz="1800" b="1" i="0" u="none" strike="noStrike">
+                        <a:solidFill>
+                          <a:srgbClr val="000000"/>
+                        </a:solidFill>
+                        <a:effectLst/>
+                        <a:latin typeface="Calibri" panose="020F0502020204030204" pitchFamily="34" charset="0"/>
+                      </a:endParaRPr>
+                    </a:p>
+                  </a:txBody>
+                  <a:tcPr marL="5443" marR="5443" marT="5443" marB="0" anchor="b"/>
+                </a:tc>
+                <a:tc>
+                  <a:txBody>
+                    <a:bodyPr/>
+                    <a:lstStyle/>
+                    <a:p>
+                      <a:pPr algn="l" fontAlgn="b"/>
+                      <a:r>
+                        <a:rPr lang="en-US" sz="1800" b="1" u="none" strike="noStrike">
+                          <a:effectLst/>
+                        </a:rPr>
+                        <a:t>model_transcription</a:t>
+                      </a:r>
+                      <a:endParaRPr lang="en-US" sz="1800" b="1" i="0" u="none" strike="noStrike">
+                        <a:solidFill>
+                          <a:srgbClr val="000000"/>
+                        </a:solidFill>
+                        <a:effectLst/>
+                        <a:latin typeface="Calibri" panose="020F0502020204030204" pitchFamily="34" charset="0"/>
+                      </a:endParaRPr>
+                    </a:p>
+                  </a:txBody>
+                  <a:tcPr marL="5443" marR="5443" marT="5443" marB="0" anchor="b"/>
+                </a:tc>
+                <a:tc>
+                  <a:txBody>
+                    <a:bodyPr/>
+                    <a:lstStyle/>
+                    <a:p>
+                      <a:pPr algn="l" fontAlgn="b"/>
+                      <a:r>
+                        <a:rPr lang="en-US" sz="1800" b="1" u="none" strike="noStrike" dirty="0">
+                          <a:effectLst/>
+                        </a:rPr>
+                        <a:t>difference</a:t>
+                      </a:r>
+                      <a:endParaRPr lang="en-US" sz="1800" b="1" i="0" u="none" strike="noStrike" dirty="0">
+                        <a:solidFill>
+                          <a:srgbClr val="000000"/>
+                        </a:solidFill>
+                        <a:effectLst/>
+                        <a:latin typeface="Calibri" panose="020F0502020204030204" pitchFamily="34" charset="0"/>
+                      </a:endParaRPr>
+                    </a:p>
+                  </a:txBody>
+                  <a:tcPr marL="5443" marR="5443" marT="5443" marB="0" anchor="b"/>
+                </a:tc>
+                <a:extLst>
+                  <a:ext uri="{0D108BD9-81ED-4DB2-BD59-A6C34878D82A}">
+                    <a16:rowId xmlns:a16="http://schemas.microsoft.com/office/drawing/2014/main" val="1524618448"/>
+                  </a:ext>
+                </a:extLst>
+              </a:tr>
+              <a:tr h="727854">
+                <a:tc>
+                  <a:txBody>
+                    <a:bodyPr/>
+                    <a:lstStyle/>
+                    <a:p>
+                      <a:pPr algn="l" fontAlgn="b"/>
+                      <a:r>
+                        <a:rPr lang="en-US" sz="1600" u="none" strike="noStrike" kern="1200" dirty="0">
+                          <a:solidFill>
+                            <a:schemeClr val="tx1"/>
+                          </a:solidFill>
+                          <a:effectLst/>
+                          <a:latin typeface="+mn-lt"/>
+                          <a:ea typeface="+mn-ea"/>
+                          <a:cs typeface="+mn-cs"/>
+                        </a:rPr>
+                        <a:t>exact</a:t>
+                      </a:r>
+                    </a:p>
+                  </a:txBody>
+                  <a:tcPr marL="5443" marR="5443" marT="5443" marB="0" anchor="b"/>
+                </a:tc>
+                <a:tc>
+                  <a:txBody>
+                    <a:bodyPr/>
+                    <a:lstStyle/>
+                    <a:p>
+                      <a:pPr algn="l" fontAlgn="b"/>
+                      <a:r>
+                        <a:rPr lang="en-US" sz="1600" u="none" strike="noStrike" kern="1200">
+                          <a:solidFill>
+                            <a:schemeClr val="tx1"/>
+                          </a:solidFill>
+                          <a:effectLst/>
+                          <a:latin typeface="+mn-lt"/>
+                          <a:ea typeface="+mn-ea"/>
+                          <a:cs typeface="+mn-cs"/>
+                        </a:rPr>
+                        <a:t>111_0627</a:t>
+                      </a:r>
+                    </a:p>
+                  </a:txBody>
+                  <a:tcPr marL="5443" marR="5443" marT="5443" marB="0" anchor="b"/>
+                </a:tc>
+                <a:tc>
+                  <a:txBody>
+                    <a:bodyPr/>
+                    <a:lstStyle/>
+                    <a:p>
+                      <a:pPr algn="l" fontAlgn="b"/>
+                      <a:r>
+                        <a:rPr lang="en-US" sz="1600" u="none" strike="noStrike" kern="1200">
+                          <a:solidFill>
+                            <a:schemeClr val="tx1"/>
+                          </a:solidFill>
+                          <a:effectLst/>
+                          <a:latin typeface="+mn-lt"/>
+                          <a:ea typeface="+mn-ea"/>
+                          <a:cs typeface="+mn-cs"/>
+                        </a:rPr>
+                        <a:t>expect</a:t>
+                      </a:r>
+                    </a:p>
+                  </a:txBody>
+                  <a:tcPr marL="5443" marR="5443" marT="5443" marB="0" anchor="b"/>
+                </a:tc>
+                <a:tc>
+                  <a:txBody>
+                    <a:bodyPr/>
+                    <a:lstStyle/>
+                    <a:p>
+                      <a:pPr algn="l" fontAlgn="b"/>
+                      <a:r>
+                        <a:rPr lang="en-US" sz="1600" u="none" strike="noStrike" kern="1200" dirty="0">
+                          <a:solidFill>
+                            <a:schemeClr val="tx1"/>
+                          </a:solidFill>
+                          <a:effectLst/>
+                          <a:latin typeface="+mn-lt"/>
+                          <a:ea typeface="+mn-ea"/>
+                          <a:cs typeface="+mn-cs"/>
+                        </a:rPr>
+                        <a:t>{'exact'}</a:t>
+                      </a:r>
+                    </a:p>
+                  </a:txBody>
+                  <a:tcPr marL="5443" marR="5443" marT="5443" marB="0" anchor="b"/>
+                </a:tc>
+                <a:extLst>
+                  <a:ext uri="{0D108BD9-81ED-4DB2-BD59-A6C34878D82A}">
+                    <a16:rowId xmlns:a16="http://schemas.microsoft.com/office/drawing/2014/main" val="2095923737"/>
+                  </a:ext>
+                </a:extLst>
+              </a:tr>
+            </a:tbl>
+          </a:graphicData>
+        </a:graphic>
+      </p:graphicFrame>
+    </p:spTree>
+    <p:extLst>
+      <p:ext uri="{BB962C8B-B14F-4D97-AF65-F5344CB8AC3E}">
+        <p14:creationId xmlns:p14="http://schemas.microsoft.com/office/powerpoint/2010/main" val="2129214749"/>
+      </p:ext>
+    </p:extLst>
+  </p:cSld>
+  <p:clrMapOvr>
+    <a:masterClrMapping/>
+  </p:clrMapOvr>
+</p:sld>
+</file>
+
+<file path=ppt/slides/slide21.xml><?xml version="1.0" encoding="utf-8"?>
+<p:sld xmlns:a="http://schemas.openxmlformats.org/drawingml/2006/main" xmlns:r="http://schemas.openxmlformats.org/officeDocument/2006/relationships" xmlns:p="http://schemas.openxmlformats.org/presentationml/2006/main">
+  <p:cSld>
+    <p:spTree>
+      <p:nvGrpSpPr>
+        <p:cNvPr id="1" name=""/>
+        <p:cNvGrpSpPr/>
+        <p:nvPr/>
+      </p:nvGrpSpPr>
+      <p:grpSpPr>
+        <a:xfrm>
+          <a:off x="0" y="0"/>
+          <a:ext cx="0" cy="0"/>
+          <a:chOff x="0" y="0"/>
+          <a:chExt cx="0" cy="0"/>
+        </a:xfrm>
+      </p:grpSpPr>
+      <p:sp>
+        <p:nvSpPr>
+          <p:cNvPr id="2" name="Title 1">
+            <a:extLst>
+              <a:ext uri="{FF2B5EF4-FFF2-40B4-BE49-F238E27FC236}">
+                <a16:creationId xmlns:a16="http://schemas.microsoft.com/office/drawing/2014/main" id="{E2656710-A520-C2CA-3BA9-8B1562F4EBF4}"/>
+              </a:ext>
+            </a:extLst>
+          </p:cNvPr>
+          <p:cNvSpPr>
+            <a:spLocks noGrp="1"/>
+          </p:cNvSpPr>
+          <p:nvPr>
+            <p:ph type="title"/>
+          </p:nvPr>
+        </p:nvSpPr>
+        <p:spPr/>
+        <p:txBody>
+          <a:bodyPr/>
+          <a:lstStyle/>
+          <a:p>
+            <a:r>
+              <a:rPr lang="en-US" sz="4400" dirty="0"/>
+              <a:t>Evaluation XLS-R-1000*</a:t>
+            </a:r>
+            <a:endParaRPr lang="en-US" dirty="0"/>
+          </a:p>
+        </p:txBody>
+      </p:sp>
+      <p:sp>
+        <p:nvSpPr>
+          <p:cNvPr id="3" name="Content Placeholder 2">
+            <a:extLst>
+              <a:ext uri="{FF2B5EF4-FFF2-40B4-BE49-F238E27FC236}">
+                <a16:creationId xmlns:a16="http://schemas.microsoft.com/office/drawing/2014/main" id="{95889E8C-B29A-4113-CC32-FC5EE6ECBE1D}"/>
+              </a:ext>
+            </a:extLst>
+          </p:cNvPr>
+          <p:cNvSpPr>
+            <a:spLocks noGrp="1"/>
+          </p:cNvSpPr>
+          <p:nvPr>
+            <p:ph idx="1"/>
+          </p:nvPr>
+        </p:nvSpPr>
+        <p:spPr>
+          <a:xfrm>
+            <a:off x="628650" y="1825623"/>
+            <a:ext cx="7886700" cy="1388631"/>
+          </a:xfrm>
+        </p:spPr>
+        <p:txBody>
+          <a:bodyPr>
+            <a:normAutofit/>
+          </a:bodyPr>
+          <a:lstStyle/>
+          <a:p>
+            <a:pPr marL="0" indent="0">
+              <a:buNone/>
+            </a:pPr>
+            <a:r>
+              <a:rPr lang="en-US" sz="2400" dirty="0"/>
+              <a:t>Uh, Oh</a:t>
+            </a:r>
+          </a:p>
+          <a:p>
+            <a:r>
+              <a:rPr lang="en-US" sz="2000" dirty="0"/>
+              <a:t>Small ambiguous ‘errors’</a:t>
+            </a:r>
+          </a:p>
+          <a:p>
+            <a:r>
+              <a:rPr lang="en-US" sz="2000" dirty="0"/>
+              <a:t>Should this impact performance?</a:t>
+            </a:r>
+          </a:p>
+        </p:txBody>
+      </p:sp>
+      <p:sp>
+        <p:nvSpPr>
+          <p:cNvPr id="4" name="Slide Number Placeholder 3">
+            <a:extLst>
+              <a:ext uri="{FF2B5EF4-FFF2-40B4-BE49-F238E27FC236}">
+                <a16:creationId xmlns:a16="http://schemas.microsoft.com/office/drawing/2014/main" id="{07DD0B38-D143-4A81-E5F8-987B8C9537D6}"/>
+              </a:ext>
+            </a:extLst>
+          </p:cNvPr>
+          <p:cNvSpPr>
+            <a:spLocks noGrp="1"/>
+          </p:cNvSpPr>
+          <p:nvPr>
+            <p:ph type="sldNum" sz="quarter" idx="12"/>
+          </p:nvPr>
+        </p:nvSpPr>
+        <p:spPr/>
+        <p:txBody>
+          <a:bodyPr/>
+          <a:lstStyle/>
+          <a:p>
+            <a:fld id="{557A3E6A-0FDC-2641-BE73-5835A252D50B}" type="slidenum">
+              <a:rPr lang="nl-NL" smtClean="0"/>
+              <a:t>21</a:t>
+            </a:fld>
+            <a:endParaRPr lang="nl-NL"/>
+          </a:p>
+        </p:txBody>
+      </p:sp>
+      <p:graphicFrame>
+        <p:nvGraphicFramePr>
+          <p:cNvPr id="6" name="Table 5">
+            <a:extLst>
+              <a:ext uri="{FF2B5EF4-FFF2-40B4-BE49-F238E27FC236}">
+                <a16:creationId xmlns:a16="http://schemas.microsoft.com/office/drawing/2014/main" id="{E304D438-1AA8-DC3A-F4BE-E34A24FBA433}"/>
+              </a:ext>
+            </a:extLst>
+          </p:cNvPr>
+          <p:cNvGraphicFramePr>
+            <a:graphicFrameLocks noGrp="1"/>
+          </p:cNvGraphicFramePr>
+          <p:nvPr>
+            <p:extLst>
+              <p:ext uri="{D42A27DB-BD31-4B8C-83A1-F6EECF244321}">
+                <p14:modId xmlns:p14="http://schemas.microsoft.com/office/powerpoint/2010/main" val="260871800"/>
+              </p:ext>
+            </p:extLst>
+          </p:nvPr>
+        </p:nvGraphicFramePr>
+        <p:xfrm>
+          <a:off x="533400" y="3455433"/>
+          <a:ext cx="8285018" cy="1019585"/>
+        </p:xfrm>
+        <a:graphic>
+          <a:graphicData uri="http://schemas.openxmlformats.org/drawingml/2006/table">
+            <a:tbl>
+              <a:tblPr>
+                <a:tableStyleId>{8799B23B-EC83-4686-B30A-512413B5E67A}</a:tableStyleId>
+              </a:tblPr>
+              <a:tblGrid>
+                <a:gridCol w="1905000">
+                  <a:extLst>
+                    <a:ext uri="{9D8B030D-6E8A-4147-A177-3AD203B41FA5}">
+                      <a16:colId xmlns:a16="http://schemas.microsoft.com/office/drawing/2014/main" val="1878286377"/>
+                    </a:ext>
+                  </a:extLst>
+                </a:gridCol>
+                <a:gridCol w="1530927">
+                  <a:extLst>
+                    <a:ext uri="{9D8B030D-6E8A-4147-A177-3AD203B41FA5}">
+                      <a16:colId xmlns:a16="http://schemas.microsoft.com/office/drawing/2014/main" val="804173087"/>
+                    </a:ext>
+                  </a:extLst>
+                </a:gridCol>
+                <a:gridCol w="2769022">
+                  <a:extLst>
+                    <a:ext uri="{9D8B030D-6E8A-4147-A177-3AD203B41FA5}">
+                      <a16:colId xmlns:a16="http://schemas.microsoft.com/office/drawing/2014/main" val="3386221360"/>
+                    </a:ext>
+                  </a:extLst>
+                </a:gridCol>
+                <a:gridCol w="2080069">
+                  <a:extLst>
+                    <a:ext uri="{9D8B030D-6E8A-4147-A177-3AD203B41FA5}">
+                      <a16:colId xmlns:a16="http://schemas.microsoft.com/office/drawing/2014/main" val="2266367497"/>
+                    </a:ext>
+                  </a:extLst>
+                </a:gridCol>
+              </a:tblGrid>
+              <a:tr h="148159">
+                <a:tc>
+                  <a:txBody>
+                    <a:bodyPr/>
+                    <a:lstStyle/>
+                    <a:p>
+                      <a:pPr algn="l" fontAlgn="b"/>
+                      <a:r>
+                        <a:rPr lang="en-US" sz="1800" b="1" u="none" strike="noStrike" dirty="0">
+                          <a:effectLst/>
+                        </a:rPr>
+                        <a:t>transcription</a:t>
+                      </a:r>
+                      <a:endParaRPr lang="en-US" sz="1800" b="1" i="0" u="none" strike="noStrike" dirty="0">
+                        <a:solidFill>
+                          <a:srgbClr val="000000"/>
+                        </a:solidFill>
+                        <a:effectLst/>
+                        <a:latin typeface="Calibri" panose="020F0502020204030204" pitchFamily="34" charset="0"/>
+                      </a:endParaRPr>
+                    </a:p>
+                  </a:txBody>
+                  <a:tcPr marL="5443" marR="5443" marT="5443" marB="0" anchor="b"/>
+                </a:tc>
+                <a:tc>
+                  <a:txBody>
+                    <a:bodyPr/>
+                    <a:lstStyle/>
+                    <a:p>
+                      <a:pPr algn="l" fontAlgn="b"/>
+                      <a:r>
+                        <a:rPr lang="en-US" sz="1800" b="1" u="none" strike="noStrike">
+                          <a:effectLst/>
+                        </a:rPr>
+                        <a:t>recording_id</a:t>
+                      </a:r>
+                      <a:endParaRPr lang="en-US" sz="1800" b="1" i="0" u="none" strike="noStrike">
+                        <a:solidFill>
+                          <a:srgbClr val="000000"/>
+                        </a:solidFill>
+                        <a:effectLst/>
+                        <a:latin typeface="Calibri" panose="020F0502020204030204" pitchFamily="34" charset="0"/>
+                      </a:endParaRPr>
+                    </a:p>
+                  </a:txBody>
+                  <a:tcPr marL="5443" marR="5443" marT="5443" marB="0" anchor="b"/>
+                </a:tc>
+                <a:tc>
+                  <a:txBody>
+                    <a:bodyPr/>
+                    <a:lstStyle/>
+                    <a:p>
+                      <a:pPr algn="l" fontAlgn="b"/>
+                      <a:r>
+                        <a:rPr lang="en-US" sz="1800" b="1" u="none" strike="noStrike">
+                          <a:effectLst/>
+                        </a:rPr>
+                        <a:t>model_transcription</a:t>
+                      </a:r>
+                      <a:endParaRPr lang="en-US" sz="1800" b="1" i="0" u="none" strike="noStrike">
+                        <a:solidFill>
+                          <a:srgbClr val="000000"/>
+                        </a:solidFill>
+                        <a:effectLst/>
+                        <a:latin typeface="Calibri" panose="020F0502020204030204" pitchFamily="34" charset="0"/>
+                      </a:endParaRPr>
+                    </a:p>
+                  </a:txBody>
+                  <a:tcPr marL="5443" marR="5443" marT="5443" marB="0" anchor="b"/>
+                </a:tc>
+                <a:tc>
+                  <a:txBody>
+                    <a:bodyPr/>
+                    <a:lstStyle/>
+                    <a:p>
+                      <a:pPr algn="l" fontAlgn="b"/>
+                      <a:r>
+                        <a:rPr lang="en-US" sz="1800" b="1" u="none" strike="noStrike" dirty="0">
+                          <a:effectLst/>
+                        </a:rPr>
+                        <a:t>difference</a:t>
+                      </a:r>
+                      <a:endParaRPr lang="en-US" sz="1800" b="1" i="0" u="none" strike="noStrike" dirty="0">
+                        <a:solidFill>
+                          <a:srgbClr val="000000"/>
+                        </a:solidFill>
+                        <a:effectLst/>
+                        <a:latin typeface="Calibri" panose="020F0502020204030204" pitchFamily="34" charset="0"/>
+                      </a:endParaRPr>
+                    </a:p>
+                  </a:txBody>
+                  <a:tcPr marL="5443" marR="5443" marT="5443" marB="0" anchor="b"/>
+                </a:tc>
+                <a:extLst>
+                  <a:ext uri="{0D108BD9-81ED-4DB2-BD59-A6C34878D82A}">
+                    <a16:rowId xmlns:a16="http://schemas.microsoft.com/office/drawing/2014/main" val="1524618448"/>
+                  </a:ext>
+                </a:extLst>
+              </a:tr>
+              <a:tr h="739822">
+                <a:tc>
+                  <a:txBody>
+                    <a:bodyPr/>
+                    <a:lstStyle/>
+                    <a:p>
+                      <a:pPr algn="l" fontAlgn="b"/>
+                      <a:r>
+                        <a:rPr lang="en-US" sz="1600" u="none" strike="noStrike" kern="1200" dirty="0">
+                          <a:solidFill>
+                            <a:schemeClr val="tx1"/>
+                          </a:solidFill>
+                          <a:effectLst/>
+                          <a:latin typeface="+mn-lt"/>
+                          <a:ea typeface="+mn-ea"/>
+                          <a:cs typeface="+mn-cs"/>
+                        </a:rPr>
+                        <a:t>roger what is your position</a:t>
+                      </a:r>
+                    </a:p>
+                  </a:txBody>
+                  <a:tcPr marL="5443" marR="5443" marT="5443" marB="0" anchor="b"/>
+                </a:tc>
+                <a:tc>
+                  <a:txBody>
+                    <a:bodyPr/>
+                    <a:lstStyle/>
+                    <a:p>
+                      <a:pPr algn="l" fontAlgn="b"/>
+                      <a:r>
+                        <a:rPr lang="en-US" sz="1600" u="none" strike="noStrike" kern="1200">
+                          <a:solidFill>
+                            <a:schemeClr val="tx1"/>
+                          </a:solidFill>
+                          <a:effectLst/>
+                          <a:latin typeface="+mn-lt"/>
+                          <a:ea typeface="+mn-ea"/>
+                          <a:cs typeface="+mn-cs"/>
+                        </a:rPr>
+                        <a:t>101_0199</a:t>
+                      </a:r>
+                    </a:p>
+                  </a:txBody>
+                  <a:tcPr marL="5443" marR="5443" marT="5443" marB="0" anchor="b"/>
+                </a:tc>
+                <a:tc>
+                  <a:txBody>
+                    <a:bodyPr/>
+                    <a:lstStyle/>
+                    <a:p>
+                      <a:pPr algn="l" fontAlgn="b"/>
+                      <a:r>
+                        <a:rPr lang="en-US" sz="1600" u="none" strike="noStrike" kern="1200" dirty="0">
+                          <a:solidFill>
+                            <a:schemeClr val="tx1"/>
+                          </a:solidFill>
+                          <a:effectLst/>
+                          <a:latin typeface="+mn-lt"/>
+                          <a:ea typeface="+mn-ea"/>
+                          <a:cs typeface="+mn-cs"/>
+                        </a:rPr>
+                        <a:t>roger ah what is your position</a:t>
+                      </a:r>
+                    </a:p>
+                  </a:txBody>
+                  <a:tcPr marL="5443" marR="5443" marT="5443" marB="0" anchor="b"/>
+                </a:tc>
+                <a:tc>
+                  <a:txBody>
+                    <a:bodyPr/>
+                    <a:lstStyle/>
+                    <a:p>
+                      <a:pPr algn="l" fontAlgn="b"/>
+                      <a:r>
+                        <a:rPr lang="en-US" sz="1600" u="none" strike="noStrike" kern="1200" dirty="0">
+                          <a:solidFill>
+                            <a:schemeClr val="tx1"/>
+                          </a:solidFill>
+                          <a:effectLst/>
+                          <a:latin typeface="+mn-lt"/>
+                          <a:ea typeface="+mn-ea"/>
+                          <a:cs typeface="+mn-cs"/>
+                        </a:rPr>
+                        <a:t>set()</a:t>
+                      </a:r>
+                    </a:p>
+                  </a:txBody>
+                  <a:tcPr marL="5443" marR="5443" marT="5443" marB="0" anchor="b"/>
+                </a:tc>
+                <a:extLst>
+                  <a:ext uri="{0D108BD9-81ED-4DB2-BD59-A6C34878D82A}">
+                    <a16:rowId xmlns:a16="http://schemas.microsoft.com/office/drawing/2014/main" val="2095923737"/>
+                  </a:ext>
+                </a:extLst>
+              </a:tr>
+            </a:tbl>
+          </a:graphicData>
+        </a:graphic>
+      </p:graphicFrame>
+    </p:spTree>
+    <p:extLst>
+      <p:ext uri="{BB962C8B-B14F-4D97-AF65-F5344CB8AC3E}">
+        <p14:creationId xmlns:p14="http://schemas.microsoft.com/office/powerpoint/2010/main" val="3616834843"/>
+      </p:ext>
+    </p:extLst>
+  </p:cSld>
+  <p:clrMapOvr>
+    <a:masterClrMapping/>
+  </p:clrMapOvr>
+</p:sld>
+</file>
+
+<file path=ppt/slides/slide22.xml><?xml version="1.0" encoding="utf-8"?>
+<p:sld xmlns:a="http://schemas.openxmlformats.org/drawingml/2006/main" xmlns:r="http://schemas.openxmlformats.org/officeDocument/2006/relationships" xmlns:p="http://schemas.openxmlformats.org/presentationml/2006/main">
+  <p:cSld>
+    <p:spTree>
+      <p:nvGrpSpPr>
+        <p:cNvPr id="1" name=""/>
+        <p:cNvGrpSpPr/>
+        <p:nvPr/>
+      </p:nvGrpSpPr>
+      <p:grpSpPr>
+        <a:xfrm>
+          <a:off x="0" y="0"/>
+          <a:ext cx="0" cy="0"/>
+          <a:chOff x="0" y="0"/>
+          <a:chExt cx="0" cy="0"/>
+        </a:xfrm>
+      </p:grpSpPr>
+      <p:sp>
+        <p:nvSpPr>
+          <p:cNvPr id="2" name="Title 1">
+            <a:extLst>
+              <a:ext uri="{FF2B5EF4-FFF2-40B4-BE49-F238E27FC236}">
+                <a16:creationId xmlns:a16="http://schemas.microsoft.com/office/drawing/2014/main" id="{E2656710-A520-C2CA-3BA9-8B1562F4EBF4}"/>
+              </a:ext>
+            </a:extLst>
+          </p:cNvPr>
+          <p:cNvSpPr>
+            <a:spLocks noGrp="1"/>
+          </p:cNvSpPr>
+          <p:nvPr>
+            <p:ph type="title"/>
+          </p:nvPr>
+        </p:nvSpPr>
+        <p:spPr/>
+        <p:txBody>
+          <a:bodyPr/>
+          <a:lstStyle/>
+          <a:p>
+            <a:r>
+              <a:rPr lang="en-US" sz="4400" dirty="0"/>
+              <a:t>Evaluation Metric</a:t>
+            </a:r>
+            <a:endParaRPr lang="en-US" dirty="0"/>
+          </a:p>
+        </p:txBody>
+      </p:sp>
+      <p:sp>
+        <p:nvSpPr>
+          <p:cNvPr id="3" name="Content Placeholder 2">
+            <a:extLst>
+              <a:ext uri="{FF2B5EF4-FFF2-40B4-BE49-F238E27FC236}">
+                <a16:creationId xmlns:a16="http://schemas.microsoft.com/office/drawing/2014/main" id="{95889E8C-B29A-4113-CC32-FC5EE6ECBE1D}"/>
+              </a:ext>
+            </a:extLst>
+          </p:cNvPr>
+          <p:cNvSpPr>
+            <a:spLocks noGrp="1"/>
+          </p:cNvSpPr>
+          <p:nvPr>
+            <p:ph idx="1"/>
+          </p:nvPr>
+        </p:nvSpPr>
+        <p:spPr>
+          <a:xfrm>
+            <a:off x="628650" y="1825624"/>
+            <a:ext cx="7886700" cy="529650"/>
+          </a:xfrm>
+        </p:spPr>
+        <p:txBody>
+          <a:bodyPr>
+            <a:normAutofit/>
+          </a:bodyPr>
+          <a:lstStyle/>
+          <a:p>
+            <a:pPr marL="0" indent="0">
+              <a:buNone/>
+            </a:pPr>
+            <a:r>
+              <a:rPr lang="nl-NL" sz="2400" dirty="0"/>
+              <a:t>What is captured by WER and CER?</a:t>
+            </a:r>
+          </a:p>
+          <a:p>
+            <a:endParaRPr lang="en-US" sz="2400" dirty="0"/>
+          </a:p>
+        </p:txBody>
+      </p:sp>
+      <p:sp>
+        <p:nvSpPr>
+          <p:cNvPr id="4" name="Slide Number Placeholder 3">
+            <a:extLst>
+              <a:ext uri="{FF2B5EF4-FFF2-40B4-BE49-F238E27FC236}">
+                <a16:creationId xmlns:a16="http://schemas.microsoft.com/office/drawing/2014/main" id="{07DD0B38-D143-4A81-E5F8-987B8C9537D6}"/>
+              </a:ext>
+            </a:extLst>
+          </p:cNvPr>
+          <p:cNvSpPr>
+            <a:spLocks noGrp="1"/>
+          </p:cNvSpPr>
+          <p:nvPr>
+            <p:ph type="sldNum" sz="quarter" idx="12"/>
+          </p:nvPr>
+        </p:nvSpPr>
+        <p:spPr/>
+        <p:txBody>
+          <a:bodyPr/>
+          <a:lstStyle/>
+          <a:p>
+            <a:fld id="{557A3E6A-0FDC-2641-BE73-5835A252D50B}" type="slidenum">
+              <a:rPr lang="nl-NL" smtClean="0"/>
+              <a:t>22</a:t>
+            </a:fld>
+            <a:endParaRPr lang="nl-NL"/>
+          </a:p>
+        </p:txBody>
+      </p:sp>
+      <p:sp>
+        <p:nvSpPr>
+          <p:cNvPr id="5" name="TextBox 4">
+            <a:extLst>
+              <a:ext uri="{FF2B5EF4-FFF2-40B4-BE49-F238E27FC236}">
+                <a16:creationId xmlns:a16="http://schemas.microsoft.com/office/drawing/2014/main" id="{01975B67-1C7C-9BB1-30C1-3767CBCB9A22}"/>
+              </a:ext>
+            </a:extLst>
+          </p:cNvPr>
+          <p:cNvSpPr txBox="1"/>
+          <p:nvPr/>
+        </p:nvSpPr>
+        <p:spPr>
+          <a:xfrm>
+            <a:off x="628649" y="2410691"/>
+            <a:ext cx="7322127" cy="3046988"/>
+          </a:xfrm>
+          <a:prstGeom prst="rect">
+            <a:avLst/>
+          </a:prstGeom>
+          <a:noFill/>
+        </p:spPr>
+        <p:txBody>
+          <a:bodyPr wrap="square" rtlCol="0">
+            <a:spAutoFit/>
+          </a:bodyPr>
+          <a:lstStyle/>
+          <a:p>
+            <a:r>
+              <a:rPr lang="nl-NL" sz="2400" dirty="0"/>
+              <a:t>Concept Error Rate (ConER)</a:t>
+            </a:r>
+          </a:p>
+          <a:p>
+            <a:pPr marL="342900" indent="-342900">
+              <a:buFont typeface="Arial" panose="020B0604020202020204" pitchFamily="34" charset="0"/>
+              <a:buChar char="•"/>
+            </a:pPr>
+            <a:r>
+              <a:rPr lang="nl-NL" sz="2000" dirty="0"/>
+              <a:t>Use labelled transcribed data for classification (Command or callsign)</a:t>
+            </a:r>
+          </a:p>
+          <a:p>
+            <a:pPr marL="342900" indent="-342900">
+              <a:buFont typeface="Arial" panose="020B0604020202020204" pitchFamily="34" charset="0"/>
+              <a:buChar char="•"/>
+            </a:pPr>
+            <a:r>
+              <a:rPr lang="nl-NL" sz="2000" dirty="0"/>
+              <a:t>Ratio of correctly transcribed concept</a:t>
+            </a:r>
+          </a:p>
+          <a:p>
+            <a:endParaRPr lang="nl-NL" sz="2400" dirty="0"/>
+          </a:p>
+          <a:p>
+            <a:r>
+              <a:rPr lang="nl-NL" sz="2400" dirty="0"/>
+              <a:t>Command Error Rate (CmdER)</a:t>
+            </a:r>
+          </a:p>
+          <a:p>
+            <a:pPr marL="342900" indent="-342900">
+              <a:buFont typeface="Arial" panose="020B0604020202020204" pitchFamily="34" charset="0"/>
+              <a:buChar char="•"/>
+            </a:pPr>
+            <a:r>
+              <a:rPr lang="en-US" sz="2000" dirty="0"/>
+              <a:t>Rate of correctly transcribed concepts in a sentence</a:t>
+            </a:r>
+          </a:p>
+          <a:p>
+            <a:pPr marL="342900" indent="-342900">
+              <a:buFont typeface="Arial" panose="020B0604020202020204" pitchFamily="34" charset="0"/>
+              <a:buChar char="•"/>
+            </a:pPr>
+            <a:endParaRPr lang="en-US" sz="2000" dirty="0"/>
+          </a:p>
+          <a:p>
+            <a:r>
+              <a:rPr lang="en-US" sz="2000" dirty="0"/>
+              <a:t>(</a:t>
+            </a:r>
+            <a:r>
+              <a:rPr lang="en-US" sz="2000" dirty="0" err="1"/>
+              <a:t>Oualil</a:t>
+            </a:r>
+            <a:r>
+              <a:rPr lang="en-US" sz="2000" dirty="0"/>
+              <a:t> et al., 2015)</a:t>
+            </a:r>
+          </a:p>
+        </p:txBody>
+      </p:sp>
+    </p:spTree>
+    <p:extLst>
+      <p:ext uri="{BB962C8B-B14F-4D97-AF65-F5344CB8AC3E}">
+        <p14:creationId xmlns:p14="http://schemas.microsoft.com/office/powerpoint/2010/main" val="1881781134"/>
+      </p:ext>
+    </p:extLst>
+  </p:cSld>
+  <p:clrMapOvr>
+    <a:masterClrMapping/>
+  </p:clrMapOvr>
+  <p:timing>
+    <p:tnLst>
+      <p:par>
+        <p:cTn id="1" dur="indefinite" restart="never" nodeType="tmRoot">
+          <p:childTnLst>
+            <p:seq concurrent="1" nextAc="seek">
+              <p:cTn id="2" dur="indefinite" nodeType="mainSeq">
+                <p:childTnLst>
+                  <p:par>
+                    <p:cTn id="3" fill="hold">
+                      <p:stCondLst>
+                        <p:cond delay="indefinite"/>
+                      </p:stCondLst>
+                      <p:childTnLst>
+                        <p:par>
+                          <p:cTn id="4" fill="hold">
+                            <p:stCondLst>
+                              <p:cond delay="0"/>
+                            </p:stCondLst>
+                            <p:childTnLst>
+                              <p:par>
+                                <p:cTn id="5" presetID="1" presetClass="entr" presetSubtype="0" fill="hold" grpId="0" nodeType="clickEffect">
+                                  <p:stCondLst>
+                                    <p:cond delay="0"/>
+                                  </p:stCondLst>
+                                  <p:childTnLst>
+                                    <p:set>
+                                      <p:cBhvr>
+                                        <p:cTn id="6" dur="1" fill="hold">
+                                          <p:stCondLst>
+                                            <p:cond delay="0"/>
+                                          </p:stCondLst>
+                                        </p:cTn>
+                                        <p:tgtEl>
+                                          <p:spTgt spid="5"/>
+                                        </p:tgtEl>
+                                        <p:attrNameLst>
+                                          <p:attrName>style.visibility</p:attrName>
+                                        </p:attrNameLst>
+                                      </p:cBhvr>
+                                      <p:to>
+                                        <p:strVal val="visible"/>
+                                      </p:to>
+                                    </p:set>
+                                  </p:childTnLst>
+                                </p:cTn>
+                              </p:par>
+                            </p:childTnLst>
+                          </p:cTn>
+                        </p:par>
+                      </p:childTnLst>
+                    </p:cTn>
+                  </p:par>
+                </p:childTnLst>
+              </p:cTn>
+              <p:prevCondLst>
+                <p:cond evt="onPrev" delay="0">
+                  <p:tgtEl>
+                    <p:sldTgt/>
+                  </p:tgtEl>
+                </p:cond>
+              </p:prevCondLst>
+              <p:nextCondLst>
+                <p:cond evt="onNext" delay="0">
+                  <p:tgtEl>
+                    <p:sldTgt/>
+                  </p:tgtEl>
+                </p:cond>
+              </p:nextCondLst>
+            </p:seq>
+          </p:childTnLst>
+        </p:cTn>
+      </p:par>
+    </p:tnLst>
+    <p:bldLst>
+      <p:bldP spid="5" grpId="0"/>
+    </p:bldLst>
+  </p:timing>
+</p:sld>
+</file>
+
+<file path=ppt/slides/slide23.xml><?xml version="1.0" encoding="utf-8"?>
+<p:sld xmlns:a="http://schemas.openxmlformats.org/drawingml/2006/main" xmlns:r="http://schemas.openxmlformats.org/officeDocument/2006/relationships" xmlns:p="http://schemas.openxmlformats.org/presentationml/2006/main">
+  <p:cSld>
+    <p:spTree>
+      <p:nvGrpSpPr>
+        <p:cNvPr id="1" name=""/>
+        <p:cNvGrpSpPr/>
+        <p:nvPr/>
+      </p:nvGrpSpPr>
+      <p:grpSpPr>
+        <a:xfrm>
+          <a:off x="0" y="0"/>
+          <a:ext cx="0" cy="0"/>
+          <a:chOff x="0" y="0"/>
+          <a:chExt cx="0" cy="0"/>
+        </a:xfrm>
+      </p:grpSpPr>
+      <p:sp>
+        <p:nvSpPr>
+          <p:cNvPr id="2" name="Title 1">
+            <a:extLst>
+              <a:ext uri="{FF2B5EF4-FFF2-40B4-BE49-F238E27FC236}">
+                <a16:creationId xmlns:a16="http://schemas.microsoft.com/office/drawing/2014/main" id="{7EC1F7AB-11B3-FEF1-CBA1-A1F3754E429F}"/>
+              </a:ext>
+            </a:extLst>
+          </p:cNvPr>
+          <p:cNvSpPr>
+            <a:spLocks noGrp="1"/>
+          </p:cNvSpPr>
+          <p:nvPr>
+            <p:ph type="title"/>
+          </p:nvPr>
+        </p:nvSpPr>
+        <p:spPr/>
+        <p:txBody>
+          <a:bodyPr>
+            <a:noAutofit/>
+          </a:bodyPr>
+          <a:lstStyle/>
+          <a:p>
+            <a:r>
+              <a:rPr lang="en-US" sz="3200" b="0" i="0" dirty="0">
+                <a:effectLst/>
+                <a:latin typeface="+mj-lt"/>
+              </a:rPr>
+              <a:t>How robust are pretrained and fine-tuned ASR models on ATC data?</a:t>
+            </a:r>
+            <a:endParaRPr lang="en-US" sz="3200" dirty="0">
+              <a:latin typeface="+mj-lt"/>
+            </a:endParaRPr>
+          </a:p>
+        </p:txBody>
+      </p:sp>
+      <p:sp>
+        <p:nvSpPr>
+          <p:cNvPr id="3" name="Content Placeholder 2">
+            <a:extLst>
+              <a:ext uri="{FF2B5EF4-FFF2-40B4-BE49-F238E27FC236}">
+                <a16:creationId xmlns:a16="http://schemas.microsoft.com/office/drawing/2014/main" id="{B88B2141-BCA0-4331-EBC3-607D68CDF2F6}"/>
+              </a:ext>
+            </a:extLst>
+          </p:cNvPr>
+          <p:cNvSpPr>
+            <a:spLocks noGrp="1"/>
+          </p:cNvSpPr>
+          <p:nvPr>
+            <p:ph idx="1"/>
+          </p:nvPr>
+        </p:nvSpPr>
+        <p:spPr>
+          <a:xfrm>
+            <a:off x="628649" y="1957732"/>
+            <a:ext cx="7886700" cy="3949010"/>
+          </a:xfrm>
+        </p:spPr>
+        <p:txBody>
+          <a:bodyPr>
+            <a:normAutofit/>
+          </a:bodyPr>
+          <a:lstStyle/>
+          <a:p>
+            <a:r>
+              <a:rPr lang="nl-NL" sz="2000" dirty="0"/>
+              <a:t>Models imported from HuggingFace are not robust;</a:t>
+            </a:r>
+            <a:br>
+              <a:rPr lang="nl-NL" sz="2000" dirty="0"/>
+            </a:br>
+            <a:r>
+              <a:rPr lang="nl-NL" sz="2000" dirty="0"/>
+              <a:t>WER and CER of 51% and 22% respectively (huBERT)</a:t>
+            </a:r>
+          </a:p>
+          <a:p>
+            <a:r>
+              <a:rPr lang="nl-NL" sz="2000" dirty="0"/>
+              <a:t>Fine-tuned XLS-R-1000 model achieved a reasonable (</a:t>
+            </a:r>
+            <a:r>
+              <a:rPr lang="en-US" sz="2000" dirty="0"/>
+              <a:t>Helmke et al., 2016)</a:t>
+            </a:r>
+            <a:r>
+              <a:rPr lang="nl-NL" sz="2000" dirty="0"/>
+              <a:t> WER of ~5%</a:t>
+            </a:r>
+          </a:p>
+          <a:p>
+            <a:r>
+              <a:rPr lang="nl-NL" sz="2000" dirty="0"/>
+              <a:t>Addition of an in-domain LM provides a high performance XLS-R-1000* model</a:t>
+            </a:r>
+          </a:p>
+          <a:p>
+            <a:pPr marL="0" indent="0">
+              <a:buNone/>
+            </a:pPr>
+            <a:endParaRPr lang="nl-NL" sz="2000" dirty="0"/>
+          </a:p>
+          <a:p>
+            <a:pPr marL="0" indent="0">
+              <a:buNone/>
+            </a:pPr>
+            <a:r>
+              <a:rPr lang="nl-NL" sz="2000" dirty="0"/>
+              <a:t>Minor training and an LM can have a major impact on performance</a:t>
+            </a:r>
+          </a:p>
+          <a:p>
+            <a:endParaRPr lang="nl-NL" sz="2000" dirty="0"/>
+          </a:p>
+          <a:p>
+            <a:endParaRPr lang="en-US" sz="2400" dirty="0"/>
+          </a:p>
+        </p:txBody>
+      </p:sp>
+      <p:sp>
+        <p:nvSpPr>
+          <p:cNvPr id="4" name="Slide Number Placeholder 3">
+            <a:extLst>
+              <a:ext uri="{FF2B5EF4-FFF2-40B4-BE49-F238E27FC236}">
+                <a16:creationId xmlns:a16="http://schemas.microsoft.com/office/drawing/2014/main" id="{8B749717-610B-7C2A-3A1A-A74BC286D0C4}"/>
+              </a:ext>
+            </a:extLst>
+          </p:cNvPr>
+          <p:cNvSpPr>
+            <a:spLocks noGrp="1"/>
+          </p:cNvSpPr>
+          <p:nvPr>
+            <p:ph type="sldNum" sz="quarter" idx="12"/>
+          </p:nvPr>
+        </p:nvSpPr>
+        <p:spPr/>
+        <p:txBody>
+          <a:bodyPr/>
+          <a:lstStyle/>
+          <a:p>
+            <a:fld id="{557A3E6A-0FDC-2641-BE73-5835A252D50B}" type="slidenum">
+              <a:rPr lang="nl-NL" smtClean="0"/>
+              <a:t>23</a:t>
+            </a:fld>
+            <a:endParaRPr lang="nl-NL"/>
+          </a:p>
+        </p:txBody>
+      </p:sp>
+    </p:spTree>
+    <p:extLst>
+      <p:ext uri="{BB962C8B-B14F-4D97-AF65-F5344CB8AC3E}">
+        <p14:creationId xmlns:p14="http://schemas.microsoft.com/office/powerpoint/2010/main" val="3033445330"/>
+      </p:ext>
+    </p:extLst>
+  </p:cSld>
+  <p:clrMapOvr>
+    <a:masterClrMapping/>
+  </p:clrMapOvr>
+</p:sld>
+</file>
+
+<file path=ppt/slides/slide24.xml><?xml version="1.0" encoding="utf-8"?>
+<p:sld xmlns:a="http://schemas.openxmlformats.org/drawingml/2006/main" xmlns:r="http://schemas.openxmlformats.org/officeDocument/2006/relationships" xmlns:p="http://schemas.openxmlformats.org/presentationml/2006/main">
+  <p:cSld>
+    <p:spTree>
+      <p:nvGrpSpPr>
+        <p:cNvPr id="1" name=""/>
+        <p:cNvGrpSpPr/>
+        <p:nvPr/>
+      </p:nvGrpSpPr>
+      <p:grpSpPr>
+        <a:xfrm>
+          <a:off x="0" y="0"/>
+          <a:ext cx="0" cy="0"/>
+          <a:chOff x="0" y="0"/>
+          <a:chExt cx="0" cy="0"/>
+        </a:xfrm>
+      </p:grpSpPr>
+      <p:sp>
+        <p:nvSpPr>
+          <p:cNvPr id="2" name="Title 1">
+            <a:extLst>
+              <a:ext uri="{FF2B5EF4-FFF2-40B4-BE49-F238E27FC236}">
+                <a16:creationId xmlns:a16="http://schemas.microsoft.com/office/drawing/2014/main" id="{7EC1F7AB-11B3-FEF1-CBA1-A1F3754E429F}"/>
+              </a:ext>
+            </a:extLst>
+          </p:cNvPr>
+          <p:cNvSpPr>
+            <a:spLocks noGrp="1"/>
+          </p:cNvSpPr>
+          <p:nvPr>
+            <p:ph type="title"/>
+          </p:nvPr>
+        </p:nvSpPr>
+        <p:spPr/>
+        <p:txBody>
+          <a:bodyPr>
+            <a:noAutofit/>
+          </a:bodyPr>
+          <a:lstStyle/>
+          <a:p>
+            <a:r>
+              <a:rPr lang="en-US" sz="3200" b="0" i="0" dirty="0">
+                <a:effectLst/>
+                <a:latin typeface="+mj-lt"/>
+              </a:rPr>
+              <a:t>How does a language model affect the performance of a fine-tuned XLS-R model on ATC data?</a:t>
+            </a:r>
+            <a:endParaRPr lang="en-US" sz="3200" dirty="0">
+              <a:latin typeface="+mj-lt"/>
+            </a:endParaRPr>
+          </a:p>
+        </p:txBody>
+      </p:sp>
+      <p:sp>
+        <p:nvSpPr>
+          <p:cNvPr id="3" name="Content Placeholder 2">
+            <a:extLst>
+              <a:ext uri="{FF2B5EF4-FFF2-40B4-BE49-F238E27FC236}">
+                <a16:creationId xmlns:a16="http://schemas.microsoft.com/office/drawing/2014/main" id="{B88B2141-BCA0-4331-EBC3-607D68CDF2F6}"/>
+              </a:ext>
+            </a:extLst>
+          </p:cNvPr>
+          <p:cNvSpPr>
+            <a:spLocks noGrp="1"/>
+          </p:cNvSpPr>
+          <p:nvPr>
+            <p:ph idx="1"/>
+          </p:nvPr>
+        </p:nvSpPr>
+        <p:spPr>
+          <a:xfrm>
+            <a:off x="628649" y="1957732"/>
+            <a:ext cx="7718715" cy="1352529"/>
+          </a:xfrm>
+        </p:spPr>
+        <p:txBody>
+          <a:bodyPr>
+            <a:normAutofit/>
+          </a:bodyPr>
+          <a:lstStyle/>
+          <a:p>
+            <a:r>
+              <a:rPr lang="nl-NL" sz="2000" dirty="0"/>
+              <a:t>~33% decrease of WER</a:t>
+            </a:r>
+          </a:p>
+          <a:p>
+            <a:r>
+              <a:rPr lang="nl-NL" sz="2000" dirty="0"/>
+              <a:t>~20% decrease of CER</a:t>
+            </a:r>
+          </a:p>
+          <a:p>
+            <a:r>
+              <a:rPr lang="nl-NL" sz="2000" dirty="0"/>
+              <a:t>Cheap performance boost</a:t>
+            </a:r>
+          </a:p>
+          <a:p>
+            <a:endParaRPr lang="en-US" sz="2000" dirty="0"/>
+          </a:p>
+        </p:txBody>
+      </p:sp>
+      <p:sp>
+        <p:nvSpPr>
+          <p:cNvPr id="4" name="Slide Number Placeholder 3">
+            <a:extLst>
+              <a:ext uri="{FF2B5EF4-FFF2-40B4-BE49-F238E27FC236}">
+                <a16:creationId xmlns:a16="http://schemas.microsoft.com/office/drawing/2014/main" id="{8B749717-610B-7C2A-3A1A-A74BC286D0C4}"/>
+              </a:ext>
+            </a:extLst>
+          </p:cNvPr>
+          <p:cNvSpPr>
+            <a:spLocks noGrp="1"/>
+          </p:cNvSpPr>
+          <p:nvPr>
+            <p:ph type="sldNum" sz="quarter" idx="12"/>
+          </p:nvPr>
+        </p:nvSpPr>
+        <p:spPr/>
+        <p:txBody>
+          <a:bodyPr/>
+          <a:lstStyle/>
+          <a:p>
+            <a:fld id="{557A3E6A-0FDC-2641-BE73-5835A252D50B}" type="slidenum">
+              <a:rPr lang="nl-NL" smtClean="0"/>
+              <a:t>24</a:t>
+            </a:fld>
+            <a:endParaRPr lang="nl-NL"/>
+          </a:p>
+        </p:txBody>
+      </p:sp>
+      <p:pic>
+        <p:nvPicPr>
+          <p:cNvPr id="5" name="Picture 4">
+            <a:extLst>
+              <a:ext uri="{FF2B5EF4-FFF2-40B4-BE49-F238E27FC236}">
+                <a16:creationId xmlns:a16="http://schemas.microsoft.com/office/drawing/2014/main" id="{7353D74B-1CC9-18BF-2874-92D8ECF93874}"/>
+              </a:ext>
+            </a:extLst>
+          </p:cNvPr>
+          <p:cNvPicPr>
+            <a:picLocks noChangeAspect="1"/>
+          </p:cNvPicPr>
+          <p:nvPr/>
+        </p:nvPicPr>
+        <p:blipFill>
+          <a:blip r:embed="rId2"/>
+          <a:stretch>
+            <a:fillRect/>
+          </a:stretch>
+        </p:blipFill>
+        <p:spPr>
+          <a:xfrm>
+            <a:off x="628650" y="3655802"/>
+            <a:ext cx="4795406" cy="2172444"/>
+          </a:xfrm>
+          <a:prstGeom prst="rect">
+            <a:avLst/>
+          </a:prstGeom>
+          <a:solidFill>
+            <a:srgbClr val="FFFFFF">
+              <a:shade val="85000"/>
+            </a:srgbClr>
+          </a:solidFill>
+          <a:ln w="88900" cap="sq">
+            <a:solidFill>
+              <a:srgbClr val="FFFFFF"/>
+            </a:solidFill>
+            <a:miter lim="800000"/>
+          </a:ln>
+          <a:effectLst>
+            <a:outerShdw blurRad="55000" dist="18000" dir="5400000" algn="tl" rotWithShape="0">
+              <a:srgbClr val="000000">
+                <a:alpha val="40000"/>
+              </a:srgbClr>
+            </a:outerShdw>
+          </a:effectLst>
+          <a:scene3d>
+            <a:camera prst="orthographicFront"/>
+            <a:lightRig rig="twoPt" dir="t">
+              <a:rot lat="0" lon="0" rev="7200000"/>
+            </a:lightRig>
+          </a:scene3d>
+          <a:sp3d>
+            <a:bevelT w="25400" h="19050"/>
+            <a:contourClr>
+              <a:srgbClr val="FFFFFF"/>
+            </a:contourClr>
+          </a:sp3d>
+        </p:spPr>
+      </p:pic>
+      <p:sp>
+        <p:nvSpPr>
+          <p:cNvPr id="7" name="TextBox 6">
+            <a:extLst>
+              <a:ext uri="{FF2B5EF4-FFF2-40B4-BE49-F238E27FC236}">
+                <a16:creationId xmlns:a16="http://schemas.microsoft.com/office/drawing/2014/main" id="{8964830B-46B7-50CE-D16F-737E262ADE5C}"/>
+              </a:ext>
+            </a:extLst>
+          </p:cNvPr>
+          <p:cNvSpPr txBox="1"/>
+          <p:nvPr/>
+        </p:nvSpPr>
+        <p:spPr>
+          <a:xfrm>
+            <a:off x="5543548" y="3899899"/>
+            <a:ext cx="3205597" cy="1569660"/>
+          </a:xfrm>
+          <a:prstGeom prst="rect">
+            <a:avLst/>
+          </a:prstGeom>
+          <a:noFill/>
+        </p:spPr>
+        <p:txBody>
+          <a:bodyPr wrap="square" rtlCol="0">
+            <a:spAutoFit/>
+          </a:bodyPr>
+          <a:lstStyle/>
+          <a:p>
+            <a:r>
+              <a:rPr lang="en-US" sz="1600" dirty="0"/>
+              <a:t>Table 2: The columns ’WERR’ and ’CERR’ represent the increase in performances found in figure 3 (in-domain LM), relative to figure 2 (no in-domain LM).</a:t>
+            </a:r>
+          </a:p>
+        </p:txBody>
+      </p:sp>
+    </p:spTree>
+    <p:extLst>
+      <p:ext uri="{BB962C8B-B14F-4D97-AF65-F5344CB8AC3E}">
+        <p14:creationId xmlns:p14="http://schemas.microsoft.com/office/powerpoint/2010/main" val="3238112038"/>
+      </p:ext>
+    </p:extLst>
+  </p:cSld>
+  <p:clrMapOvr>
+    <a:masterClrMapping/>
+  </p:clrMapOvr>
+</p:sld>
+</file>
+
+<file path=ppt/slides/slide25.xml><?xml version="1.0" encoding="utf-8"?>
+<p:sld xmlns:a="http://schemas.openxmlformats.org/drawingml/2006/main" xmlns:r="http://schemas.openxmlformats.org/officeDocument/2006/relationships" xmlns:p="http://schemas.openxmlformats.org/presentationml/2006/main">
+  <p:cSld>
+    <p:spTree>
+      <p:nvGrpSpPr>
+        <p:cNvPr id="1" name=""/>
+        <p:cNvGrpSpPr/>
+        <p:nvPr/>
+      </p:nvGrpSpPr>
+      <p:grpSpPr>
+        <a:xfrm>
+          <a:off x="0" y="0"/>
+          <a:ext cx="0" cy="0"/>
+          <a:chOff x="0" y="0"/>
+          <a:chExt cx="0" cy="0"/>
+        </a:xfrm>
+      </p:grpSpPr>
+      <p:sp>
+        <p:nvSpPr>
+          <p:cNvPr id="2" name="Title 1">
+            <a:extLst>
+              <a:ext uri="{FF2B5EF4-FFF2-40B4-BE49-F238E27FC236}">
+                <a16:creationId xmlns:a16="http://schemas.microsoft.com/office/drawing/2014/main" id="{7EC1F7AB-11B3-FEF1-CBA1-A1F3754E429F}"/>
+              </a:ext>
+            </a:extLst>
+          </p:cNvPr>
+          <p:cNvSpPr>
+            <a:spLocks noGrp="1"/>
+          </p:cNvSpPr>
+          <p:nvPr>
+            <p:ph type="title"/>
+          </p:nvPr>
+        </p:nvSpPr>
+        <p:spPr>
+          <a:xfrm>
+            <a:off x="628649" y="365125"/>
+            <a:ext cx="8085859" cy="1789257"/>
+          </a:xfrm>
+        </p:spPr>
+        <p:txBody>
+          <a:bodyPr>
+            <a:noAutofit/>
+          </a:bodyPr>
+          <a:lstStyle/>
+          <a:p>
+            <a:r>
+              <a:rPr lang="en-US" sz="3200" b="0" i="0" dirty="0">
+                <a:effectLst/>
+                <a:latin typeface="+mj-lt"/>
+              </a:rPr>
+              <a:t>How does the amount of data used to fine-tune affect performance of a fine-tuned XLS-R model on ATC data?</a:t>
+            </a:r>
+            <a:endParaRPr lang="en-US" sz="3200" dirty="0">
+              <a:latin typeface="+mj-lt"/>
+            </a:endParaRPr>
+          </a:p>
+        </p:txBody>
+      </p:sp>
+      <p:sp>
+        <p:nvSpPr>
+          <p:cNvPr id="3" name="Content Placeholder 2">
+            <a:extLst>
+              <a:ext uri="{FF2B5EF4-FFF2-40B4-BE49-F238E27FC236}">
+                <a16:creationId xmlns:a16="http://schemas.microsoft.com/office/drawing/2014/main" id="{B88B2141-BCA0-4331-EBC3-607D68CDF2F6}"/>
+              </a:ext>
+            </a:extLst>
+          </p:cNvPr>
+          <p:cNvSpPr>
+            <a:spLocks noGrp="1"/>
+          </p:cNvSpPr>
+          <p:nvPr>
+            <p:ph idx="1"/>
+          </p:nvPr>
+        </p:nvSpPr>
+        <p:spPr>
+          <a:xfrm>
+            <a:off x="628649" y="2222091"/>
+            <a:ext cx="7886700" cy="3167327"/>
+          </a:xfrm>
+        </p:spPr>
+        <p:txBody>
+          <a:bodyPr>
+            <a:normAutofit/>
+          </a:bodyPr>
+          <a:lstStyle/>
+          <a:p>
+            <a:r>
+              <a:rPr lang="nl-NL" sz="2000" dirty="0"/>
+              <a:t>More training data = higher performance</a:t>
+            </a:r>
+          </a:p>
+          <a:p>
+            <a:r>
+              <a:rPr lang="nl-NL" sz="2000" dirty="0"/>
+              <a:t>Maximum of 10% of available training data is used</a:t>
+            </a:r>
+          </a:p>
+          <a:p>
+            <a:pPr marL="0" indent="0">
+              <a:buNone/>
+            </a:pPr>
+            <a:endParaRPr lang="en-US" sz="2400" dirty="0"/>
+          </a:p>
+        </p:txBody>
+      </p:sp>
+      <p:sp>
+        <p:nvSpPr>
+          <p:cNvPr id="4" name="Slide Number Placeholder 3">
+            <a:extLst>
+              <a:ext uri="{FF2B5EF4-FFF2-40B4-BE49-F238E27FC236}">
+                <a16:creationId xmlns:a16="http://schemas.microsoft.com/office/drawing/2014/main" id="{8B749717-610B-7C2A-3A1A-A74BC286D0C4}"/>
+              </a:ext>
+            </a:extLst>
+          </p:cNvPr>
+          <p:cNvSpPr>
+            <a:spLocks noGrp="1"/>
+          </p:cNvSpPr>
+          <p:nvPr>
+            <p:ph type="sldNum" sz="quarter" idx="12"/>
+          </p:nvPr>
+        </p:nvSpPr>
+        <p:spPr/>
+        <p:txBody>
+          <a:bodyPr/>
+          <a:lstStyle/>
+          <a:p>
+            <a:fld id="{557A3E6A-0FDC-2641-BE73-5835A252D50B}" type="slidenum">
+              <a:rPr lang="nl-NL" smtClean="0"/>
+              <a:t>25</a:t>
+            </a:fld>
+            <a:endParaRPr lang="nl-NL"/>
+          </a:p>
+        </p:txBody>
+      </p:sp>
+      <p:pic>
+        <p:nvPicPr>
+          <p:cNvPr id="5" name="Picture 4">
+            <a:extLst>
+              <a:ext uri="{FF2B5EF4-FFF2-40B4-BE49-F238E27FC236}">
+                <a16:creationId xmlns:a16="http://schemas.microsoft.com/office/drawing/2014/main" id="{54D7664A-21B7-88D5-7A08-8EFFB9171371}"/>
+              </a:ext>
+            </a:extLst>
+          </p:cNvPr>
+          <p:cNvPicPr>
+            <a:picLocks noChangeAspect="1"/>
+          </p:cNvPicPr>
+          <p:nvPr/>
+        </p:nvPicPr>
+        <p:blipFill>
+          <a:blip r:embed="rId2"/>
+          <a:stretch>
+            <a:fillRect/>
+          </a:stretch>
+        </p:blipFill>
+        <p:spPr>
+          <a:xfrm>
+            <a:off x="671693" y="3173298"/>
+            <a:ext cx="4422309" cy="2666393"/>
+          </a:xfrm>
+          <a:prstGeom prst="rect">
+            <a:avLst/>
+          </a:prstGeom>
+        </p:spPr>
+      </p:pic>
+      <p:sp>
+        <p:nvSpPr>
+          <p:cNvPr id="6" name="TextBox 5">
+            <a:extLst>
+              <a:ext uri="{FF2B5EF4-FFF2-40B4-BE49-F238E27FC236}">
+                <a16:creationId xmlns:a16="http://schemas.microsoft.com/office/drawing/2014/main" id="{5ED0E021-55EE-892B-1D32-D3D8E199A836}"/>
+              </a:ext>
+            </a:extLst>
+          </p:cNvPr>
+          <p:cNvSpPr txBox="1"/>
+          <p:nvPr/>
+        </p:nvSpPr>
+        <p:spPr>
+          <a:xfrm>
+            <a:off x="5137046" y="3916175"/>
+            <a:ext cx="2990125" cy="830997"/>
+          </a:xfrm>
+          <a:prstGeom prst="rect">
+            <a:avLst/>
+          </a:prstGeom>
+          <a:noFill/>
+        </p:spPr>
+        <p:txBody>
+          <a:bodyPr wrap="square" rtlCol="0">
+            <a:spAutoFit/>
+          </a:bodyPr>
+          <a:lstStyle/>
+          <a:p>
+            <a:r>
+              <a:rPr lang="en-US" sz="1600" b="0" i="0" dirty="0">
+                <a:effectLst/>
+              </a:rPr>
+              <a:t>Figure 2: Evaluation of the fine-tuned XLS-R models in WER and CER.</a:t>
+            </a:r>
+            <a:endParaRPr lang="en-US" sz="1600" dirty="0"/>
+          </a:p>
+        </p:txBody>
+      </p:sp>
+    </p:spTree>
+    <p:extLst>
+      <p:ext uri="{BB962C8B-B14F-4D97-AF65-F5344CB8AC3E}">
+        <p14:creationId xmlns:p14="http://schemas.microsoft.com/office/powerpoint/2010/main" val="3144890256"/>
+      </p:ext>
+    </p:extLst>
+  </p:cSld>
+  <p:clrMapOvr>
+    <a:masterClrMapping/>
+  </p:clrMapOvr>
+</p:sld>
+</file>
+
+<file path=ppt/slides/slide26.xml><?xml version="1.0" encoding="utf-8"?>
+<p:sld xmlns:a="http://schemas.openxmlformats.org/drawingml/2006/main" xmlns:r="http://schemas.openxmlformats.org/officeDocument/2006/relationships" xmlns:p="http://schemas.openxmlformats.org/presentationml/2006/main">
+  <p:cSld>
+    <p:spTree>
+      <p:nvGrpSpPr>
+        <p:cNvPr id="1" name=""/>
+        <p:cNvGrpSpPr/>
+        <p:nvPr/>
+      </p:nvGrpSpPr>
+      <p:grpSpPr>
+        <a:xfrm>
+          <a:off x="0" y="0"/>
+          <a:ext cx="0" cy="0"/>
+          <a:chOff x="0" y="0"/>
+          <a:chExt cx="0" cy="0"/>
+        </a:xfrm>
+      </p:grpSpPr>
+      <p:sp>
+        <p:nvSpPr>
+          <p:cNvPr id="2" name="Title 1">
+            <a:extLst>
+              <a:ext uri="{FF2B5EF4-FFF2-40B4-BE49-F238E27FC236}">
+                <a16:creationId xmlns:a16="http://schemas.microsoft.com/office/drawing/2014/main" id="{6F31BF42-52FC-468B-6C29-CD0DFE0593EF}"/>
+              </a:ext>
+            </a:extLst>
+          </p:cNvPr>
+          <p:cNvSpPr>
+            <a:spLocks noGrp="1"/>
+          </p:cNvSpPr>
+          <p:nvPr>
+            <p:ph type="title"/>
+          </p:nvPr>
+        </p:nvSpPr>
+        <p:spPr/>
+        <p:txBody>
+          <a:bodyPr/>
+          <a:lstStyle/>
+          <a:p>
+            <a:r>
+              <a:rPr lang="nl-NL" dirty="0"/>
+              <a:t>Further Research</a:t>
+            </a:r>
+            <a:endParaRPr lang="en-US" dirty="0"/>
+          </a:p>
+        </p:txBody>
+      </p:sp>
+      <p:sp>
+        <p:nvSpPr>
+          <p:cNvPr id="3" name="Content Placeholder 2">
+            <a:extLst>
+              <a:ext uri="{FF2B5EF4-FFF2-40B4-BE49-F238E27FC236}">
+                <a16:creationId xmlns:a16="http://schemas.microsoft.com/office/drawing/2014/main" id="{B549E681-36EA-E681-A6BE-7432224DBE59}"/>
+              </a:ext>
+            </a:extLst>
+          </p:cNvPr>
+          <p:cNvSpPr>
+            <a:spLocks noGrp="1"/>
+          </p:cNvSpPr>
+          <p:nvPr>
+            <p:ph idx="1"/>
+          </p:nvPr>
+        </p:nvSpPr>
+        <p:spPr>
+          <a:xfrm>
+            <a:off x="628649" y="1590097"/>
+            <a:ext cx="7886700" cy="4173393"/>
+          </a:xfrm>
+        </p:spPr>
+        <p:txBody>
+          <a:bodyPr>
+            <a:normAutofit lnSpcReduction="10000"/>
+          </a:bodyPr>
+          <a:lstStyle/>
+          <a:p>
+            <a:r>
+              <a:rPr lang="nl-NL" sz="2400" dirty="0"/>
+              <a:t>Additional models</a:t>
+            </a:r>
+          </a:p>
+          <a:p>
+            <a:pPr lvl="1"/>
+            <a:r>
+              <a:rPr lang="nl-NL" sz="2000" dirty="0"/>
+              <a:t>Only XLS-R model is fine-tuned</a:t>
+            </a:r>
+          </a:p>
+          <a:p>
+            <a:pPr lvl="1"/>
+            <a:r>
+              <a:rPr lang="nl-NL" sz="2000" dirty="0"/>
+              <a:t>Addition of LM to raw HuggingFace Models</a:t>
+            </a:r>
+            <a:endParaRPr lang="en-US" sz="2000" dirty="0"/>
+          </a:p>
+          <a:p>
+            <a:r>
+              <a:rPr lang="en-US" sz="2400" dirty="0"/>
+              <a:t>Variable training data</a:t>
+            </a:r>
+          </a:p>
+          <a:p>
+            <a:pPr lvl="1"/>
+            <a:r>
+              <a:rPr lang="en-US" sz="2000" dirty="0"/>
+              <a:t>~1 hour of training data</a:t>
+            </a:r>
+          </a:p>
+          <a:p>
+            <a:r>
+              <a:rPr lang="en-US" sz="2400" dirty="0"/>
+              <a:t>Tuning hyperparameters</a:t>
+            </a:r>
+            <a:endParaRPr lang="en-US" sz="2000" dirty="0"/>
+          </a:p>
+          <a:p>
+            <a:r>
+              <a:rPr lang="en-US" sz="2400" dirty="0"/>
+              <a:t>Generalization</a:t>
+            </a:r>
+          </a:p>
+          <a:p>
+            <a:pPr lvl="1"/>
+            <a:r>
+              <a:rPr lang="en-US" sz="2000" dirty="0"/>
+              <a:t>Evaluate on different datasets</a:t>
+            </a:r>
+          </a:p>
+          <a:p>
+            <a:r>
+              <a:rPr lang="en-US" sz="2400" dirty="0"/>
+              <a:t>Additional language models</a:t>
+            </a:r>
+          </a:p>
+          <a:p>
+            <a:pPr lvl="1"/>
+            <a:r>
+              <a:rPr lang="en-US" sz="2000" dirty="0"/>
+              <a:t>N-grams</a:t>
+            </a:r>
+          </a:p>
+          <a:p>
+            <a:pPr lvl="1"/>
+            <a:r>
+              <a:rPr lang="en-US" sz="2000" dirty="0"/>
+              <a:t>Finite state machine for utterance generation </a:t>
+            </a:r>
+            <a:br>
+              <a:rPr lang="en-US" sz="2000" dirty="0"/>
+            </a:br>
+            <a:r>
+              <a:rPr lang="en-US" sz="2000" dirty="0"/>
+              <a:t>(</a:t>
+            </a:r>
+            <a:r>
+              <a:rPr lang="en-US" sz="2000" dirty="0" err="1"/>
+              <a:t>Yitsz</a:t>
+            </a:r>
+            <a:r>
+              <a:rPr lang="en-US" sz="2000" dirty="0"/>
+              <a:t> </a:t>
+            </a:r>
+            <a:r>
+              <a:rPr lang="en-US" sz="2000" dirty="0" err="1"/>
+              <a:t>Neurink</a:t>
+            </a:r>
+            <a:r>
+              <a:rPr lang="en-US" sz="2000" dirty="0"/>
+              <a:t>)</a:t>
+            </a:r>
+          </a:p>
+          <a:p>
+            <a:endParaRPr lang="nl-NL" sz="2400" dirty="0"/>
+          </a:p>
+        </p:txBody>
+      </p:sp>
+      <p:sp>
+        <p:nvSpPr>
+          <p:cNvPr id="4" name="Slide Number Placeholder 3">
+            <a:extLst>
+              <a:ext uri="{FF2B5EF4-FFF2-40B4-BE49-F238E27FC236}">
+                <a16:creationId xmlns:a16="http://schemas.microsoft.com/office/drawing/2014/main" id="{886F31BC-92BD-E0DA-A27B-D70241D50243}"/>
+              </a:ext>
+            </a:extLst>
+          </p:cNvPr>
+          <p:cNvSpPr>
+            <a:spLocks noGrp="1"/>
+          </p:cNvSpPr>
+          <p:nvPr>
+            <p:ph type="sldNum" sz="quarter" idx="12"/>
+          </p:nvPr>
+        </p:nvSpPr>
+        <p:spPr/>
+        <p:txBody>
+          <a:bodyPr/>
+          <a:lstStyle/>
+          <a:p>
+            <a:fld id="{557A3E6A-0FDC-2641-BE73-5835A252D50B}" type="slidenum">
+              <a:rPr lang="nl-NL" smtClean="0"/>
+              <a:t>26</a:t>
+            </a:fld>
+            <a:endParaRPr lang="nl-NL"/>
+          </a:p>
+        </p:txBody>
+      </p:sp>
+    </p:spTree>
+    <p:extLst>
+      <p:ext uri="{BB962C8B-B14F-4D97-AF65-F5344CB8AC3E}">
+        <p14:creationId xmlns:p14="http://schemas.microsoft.com/office/powerpoint/2010/main" val="3205283178"/>
+      </p:ext>
+    </p:extLst>
+  </p:cSld>
+  <p:clrMapOvr>
+    <a:masterClrMapping/>
+  </p:clrMapOvr>
+</p:sld>
+</file>
+
+<file path=ppt/slides/slide27.xml><?xml version="1.0" encoding="utf-8"?>
+<p:sld xmlns:a="http://schemas.openxmlformats.org/drawingml/2006/main" xmlns:r="http://schemas.openxmlformats.org/officeDocument/2006/relationships" xmlns:p="http://schemas.openxmlformats.org/presentationml/2006/main">
+  <p:cSld>
+    <p:spTree>
+      <p:nvGrpSpPr>
+        <p:cNvPr id="1" name=""/>
+        <p:cNvGrpSpPr/>
+        <p:nvPr/>
+      </p:nvGrpSpPr>
+      <p:grpSpPr>
+        <a:xfrm>
+          <a:off x="0" y="0"/>
+          <a:ext cx="0" cy="0"/>
+          <a:chOff x="0" y="0"/>
+          <a:chExt cx="0" cy="0"/>
+        </a:xfrm>
+      </p:grpSpPr>
+      <p:sp>
+        <p:nvSpPr>
+          <p:cNvPr id="2" name="Title 1">
+            <a:extLst>
+              <a:ext uri="{FF2B5EF4-FFF2-40B4-BE49-F238E27FC236}">
+                <a16:creationId xmlns:a16="http://schemas.microsoft.com/office/drawing/2014/main" id="{E2656710-A520-C2CA-3BA9-8B1562F4EBF4}"/>
+              </a:ext>
+            </a:extLst>
+          </p:cNvPr>
+          <p:cNvSpPr>
+            <a:spLocks noGrp="1"/>
+          </p:cNvSpPr>
+          <p:nvPr>
+            <p:ph type="title"/>
+          </p:nvPr>
+        </p:nvSpPr>
+        <p:spPr/>
+        <p:txBody>
+          <a:bodyPr/>
+          <a:lstStyle/>
+          <a:p>
+            <a:r>
+              <a:rPr lang="nl-NL" dirty="0"/>
+              <a:t>Conclusion</a:t>
+            </a:r>
+            <a:endParaRPr lang="en-US" dirty="0"/>
+          </a:p>
+        </p:txBody>
+      </p:sp>
+      <p:sp>
+        <p:nvSpPr>
+          <p:cNvPr id="3" name="Content Placeholder 2">
+            <a:extLst>
+              <a:ext uri="{FF2B5EF4-FFF2-40B4-BE49-F238E27FC236}">
+                <a16:creationId xmlns:a16="http://schemas.microsoft.com/office/drawing/2014/main" id="{95889E8C-B29A-4113-CC32-FC5EE6ECBE1D}"/>
+              </a:ext>
+            </a:extLst>
+          </p:cNvPr>
+          <p:cNvSpPr>
+            <a:spLocks noGrp="1"/>
+          </p:cNvSpPr>
+          <p:nvPr>
+            <p:ph idx="1"/>
+          </p:nvPr>
+        </p:nvSpPr>
+        <p:spPr/>
+        <p:txBody>
+          <a:bodyPr/>
+          <a:lstStyle/>
+          <a:p>
+            <a:endParaRPr lang="en-US"/>
+          </a:p>
+        </p:txBody>
+      </p:sp>
+      <p:sp>
+        <p:nvSpPr>
+          <p:cNvPr id="4" name="Slide Number Placeholder 3">
+            <a:extLst>
+              <a:ext uri="{FF2B5EF4-FFF2-40B4-BE49-F238E27FC236}">
+                <a16:creationId xmlns:a16="http://schemas.microsoft.com/office/drawing/2014/main" id="{07DD0B38-D143-4A81-E5F8-987B8C9537D6}"/>
+              </a:ext>
+            </a:extLst>
+          </p:cNvPr>
+          <p:cNvSpPr>
+            <a:spLocks noGrp="1"/>
+          </p:cNvSpPr>
+          <p:nvPr>
+            <p:ph type="sldNum" sz="quarter" idx="12"/>
+          </p:nvPr>
+        </p:nvSpPr>
+        <p:spPr/>
+        <p:txBody>
+          <a:bodyPr/>
+          <a:lstStyle/>
+          <a:p>
+            <a:fld id="{557A3E6A-0FDC-2641-BE73-5835A252D50B}" type="slidenum">
+              <a:rPr lang="nl-NL" smtClean="0"/>
+              <a:t>27</a:t>
+            </a:fld>
+            <a:endParaRPr lang="nl-NL"/>
+          </a:p>
+        </p:txBody>
+      </p:sp>
+    </p:spTree>
+    <p:extLst>
+      <p:ext uri="{BB962C8B-B14F-4D97-AF65-F5344CB8AC3E}">
+        <p14:creationId xmlns:p14="http://schemas.microsoft.com/office/powerpoint/2010/main" val="344043352"/>
+      </p:ext>
+    </p:extLst>
+  </p:cSld>
+  <p:clrMapOvr>
+    <a:masterClrMapping/>
+  </p:clrMapOvr>
+</p:sld>
+</file>
+
+<file path=ppt/slides/slide28.xml><?xml version="1.0" encoding="utf-8"?>
+<p:sld xmlns:a="http://schemas.openxmlformats.org/drawingml/2006/main" xmlns:r="http://schemas.openxmlformats.org/officeDocument/2006/relationships" xmlns:p="http://schemas.openxmlformats.org/presentationml/2006/main">
+  <p:cSld>
+    <p:spTree>
+      <p:nvGrpSpPr>
+        <p:cNvPr id="1" name=""/>
+        <p:cNvGrpSpPr/>
+        <p:nvPr/>
+      </p:nvGrpSpPr>
+      <p:grpSpPr>
+        <a:xfrm>
+          <a:off x="0" y="0"/>
+          <a:ext cx="0" cy="0"/>
+          <a:chOff x="0" y="0"/>
+          <a:chExt cx="0" cy="0"/>
+        </a:xfrm>
+      </p:grpSpPr>
+      <p:sp>
+        <p:nvSpPr>
+          <p:cNvPr id="2" name="Title 1">
+            <a:extLst>
+              <a:ext uri="{FF2B5EF4-FFF2-40B4-BE49-F238E27FC236}">
+                <a16:creationId xmlns:a16="http://schemas.microsoft.com/office/drawing/2014/main" id="{8934F46E-19B9-4235-8CDC-EEBF0A5E2819}"/>
+              </a:ext>
+            </a:extLst>
+          </p:cNvPr>
+          <p:cNvSpPr>
+            <a:spLocks noGrp="1"/>
+          </p:cNvSpPr>
+          <p:nvPr>
+            <p:ph type="title"/>
+          </p:nvPr>
+        </p:nvSpPr>
+        <p:spPr/>
+        <p:txBody>
+          <a:bodyPr/>
+          <a:lstStyle/>
+          <a:p>
+            <a:r>
+              <a:rPr lang="nl-NL" dirty="0"/>
+              <a:t>References</a:t>
+            </a:r>
+            <a:endParaRPr lang="en-US" dirty="0"/>
+          </a:p>
+        </p:txBody>
+      </p:sp>
+      <p:sp>
+        <p:nvSpPr>
+          <p:cNvPr id="3" name="Content Placeholder 2">
+            <a:extLst>
+              <a:ext uri="{FF2B5EF4-FFF2-40B4-BE49-F238E27FC236}">
+                <a16:creationId xmlns:a16="http://schemas.microsoft.com/office/drawing/2014/main" id="{58D2BA99-339B-4FBB-8776-3159EA466D62}"/>
+              </a:ext>
+            </a:extLst>
+          </p:cNvPr>
+          <p:cNvSpPr>
+            <a:spLocks noGrp="1"/>
+          </p:cNvSpPr>
+          <p:nvPr>
+            <p:ph idx="1"/>
+          </p:nvPr>
+        </p:nvSpPr>
+        <p:spPr>
+          <a:xfrm>
+            <a:off x="628650" y="1825624"/>
+            <a:ext cx="8164830" cy="4956175"/>
+          </a:xfrm>
+        </p:spPr>
+        <p:txBody>
+          <a:bodyPr>
+            <a:normAutofit/>
+          </a:bodyPr>
+          <a:lstStyle/>
+          <a:p>
+            <a:pPr marL="0" indent="0">
+              <a:buNone/>
+            </a:pPr>
+            <a:r>
+              <a:rPr lang="en-US" sz="1050" dirty="0"/>
+              <a:t>Helmke, H., </a:t>
+            </a:r>
+            <a:r>
+              <a:rPr lang="en-US" sz="1050" dirty="0" err="1"/>
+              <a:t>Ohneiser</a:t>
+            </a:r>
+            <a:r>
+              <a:rPr lang="en-US" sz="1050" dirty="0"/>
+              <a:t>, O., </a:t>
+            </a:r>
+            <a:r>
+              <a:rPr lang="en-US" sz="1050" dirty="0" err="1"/>
+              <a:t>Muhlhausen</a:t>
+            </a:r>
+            <a:r>
+              <a:rPr lang="en-US" sz="1050" dirty="0"/>
+              <a:t>, T., &amp; </a:t>
+            </a:r>
+            <a:r>
+              <a:rPr lang="en-US" sz="1050" dirty="0" err="1"/>
+              <a:t>Wies</a:t>
+            </a:r>
+            <a:r>
+              <a:rPr lang="en-US" sz="1050" dirty="0"/>
+              <a:t>, M. (2016). Reducing controller workload with automatic speech recognition. 	AIAA/IEEE Digital Avionics Systems Conference - Proceedings, 2016-December. 	https://doi.org/10.1109/DASC.2016.7778024</a:t>
+            </a:r>
+          </a:p>
+          <a:p>
+            <a:pPr marL="0" indent="0">
+              <a:buNone/>
+            </a:pPr>
+            <a:r>
+              <a:rPr lang="en-US" sz="1050" dirty="0" err="1"/>
+              <a:t>Hofbauer</a:t>
+            </a:r>
+            <a:r>
+              <a:rPr lang="en-US" sz="1050" dirty="0"/>
+              <a:t>, K., Petrik, S., &amp; </a:t>
+            </a:r>
+            <a:r>
+              <a:rPr lang="en-US" sz="1050" dirty="0" err="1"/>
+              <a:t>Hering</a:t>
+            </a:r>
+            <a:r>
+              <a:rPr lang="en-US" sz="1050" dirty="0"/>
+              <a:t>, H. (n.d.). The ATCOSIM Corpus of Non-Prompted Clean Air Traffic Control Speech</a:t>
+            </a:r>
+          </a:p>
+          <a:p>
+            <a:pPr marL="0" indent="0">
+              <a:buNone/>
+            </a:pPr>
+            <a:r>
+              <a:rPr lang="en-US" sz="1050" dirty="0" err="1"/>
+              <a:t>Trentin</a:t>
+            </a:r>
+            <a:r>
+              <a:rPr lang="en-US" sz="1050" dirty="0"/>
+              <a:t>, E., &amp; Gori, M. (2001). A survey of hybrid ANN/HMM models for automatic speech recognition.</a:t>
+            </a:r>
+            <a:br>
+              <a:rPr lang="en-US" sz="1050" dirty="0"/>
+            </a:br>
+            <a:r>
+              <a:rPr lang="en-US" sz="1050" dirty="0"/>
+              <a:t>	In Neurocomputing (Vol. 	37).</a:t>
+            </a:r>
+          </a:p>
+          <a:p>
+            <a:pPr marL="0" indent="0">
+              <a:buNone/>
+            </a:pPr>
+            <a:r>
+              <a:rPr lang="en-US" sz="1050" dirty="0"/>
+              <a:t>Yi, C., Wang, J., Cheng, N., Zhou, S., &amp; Xu, B. (2020). Applying Wav2vec2.0 to Speech Recognition in Various Low-resource 	Languages. http://arxiv.org/abs/2012.12121</a:t>
+            </a:r>
+          </a:p>
+          <a:p>
+            <a:pPr marL="0" indent="0">
+              <a:buNone/>
+            </a:pPr>
+            <a:r>
+              <a:rPr lang="en-US" sz="1050" dirty="0" err="1"/>
+              <a:t>Zuluaga</a:t>
+            </a:r>
+            <a:r>
+              <a:rPr lang="en-US" sz="1050" dirty="0"/>
+              <a:t>-Gomez, J., Prasad, A., </a:t>
+            </a:r>
+            <a:r>
+              <a:rPr lang="en-US" sz="1050" dirty="0" err="1"/>
+              <a:t>Nigmatulina</a:t>
+            </a:r>
+            <a:r>
+              <a:rPr lang="en-US" sz="1050" dirty="0"/>
+              <a:t>, I., </a:t>
+            </a:r>
+            <a:r>
+              <a:rPr lang="en-US" sz="1050" dirty="0" err="1"/>
+              <a:t>Sarfjoo</a:t>
+            </a:r>
+            <a:r>
+              <a:rPr lang="en-US" sz="1050" dirty="0"/>
+              <a:t>, S., </a:t>
+            </a:r>
+            <a:r>
+              <a:rPr lang="en-US" sz="1050" dirty="0" err="1"/>
+              <a:t>Motlicek</a:t>
+            </a:r>
+            <a:r>
+              <a:rPr lang="en-US" sz="1050" dirty="0"/>
+              <a:t>, P., Kleinert, M., Helmke, H., </a:t>
+            </a:r>
+            <a:r>
+              <a:rPr lang="en-US" sz="1050" dirty="0" err="1"/>
+              <a:t>Ohneiser</a:t>
+            </a:r>
+            <a:r>
+              <a:rPr lang="en-US" sz="1050" dirty="0"/>
+              <a:t>, O., &amp; Zhan, Q. (2022). 	How Does Pre-trained Wav2Vec2.0 Perform on Domain Shifted ASR? An Extensive Benchmark on Air Traffic 	Control Communications. http://arxiv.org/abs/2203.16822</a:t>
+            </a:r>
+          </a:p>
+          <a:p>
+            <a:pPr marL="0" indent="0">
+              <a:buNone/>
+            </a:pPr>
+            <a:r>
+              <a:rPr lang="en-US" sz="1050" dirty="0"/>
+              <a:t>Babu, A., Wang, C., </a:t>
+            </a:r>
+            <a:r>
+              <a:rPr lang="en-US" sz="1050" dirty="0" err="1"/>
+              <a:t>Tjandra</a:t>
+            </a:r>
+            <a:r>
+              <a:rPr lang="en-US" sz="1050" dirty="0"/>
+              <a:t>, A., </a:t>
+            </a:r>
+            <a:r>
+              <a:rPr lang="en-US" sz="1050" dirty="0" err="1"/>
+              <a:t>Lakhotia</a:t>
+            </a:r>
+            <a:r>
+              <a:rPr lang="en-US" sz="1050" dirty="0"/>
+              <a:t>, K., Xu, Q., Goyal, N., Singh, K., von Platen, P., Saraf, Y., Pino, J., </a:t>
+            </a:r>
+            <a:r>
+              <a:rPr lang="en-US" sz="1050" dirty="0" err="1"/>
+              <a:t>Baevski</a:t>
+            </a:r>
+            <a:r>
+              <a:rPr lang="en-US" sz="1050" dirty="0"/>
+              <a:t>, A., </a:t>
+            </a:r>
+            <a:r>
+              <a:rPr lang="en-US" sz="1050" dirty="0" err="1"/>
+              <a:t>Conneau</a:t>
+            </a:r>
+            <a:r>
+              <a:rPr lang="en-US" sz="1050" dirty="0"/>
+              <a:t>, A., &amp; 	Auli, M. (2021). XLS-R: Self-supervised Cross-lingual Speech Representation Learning at Scale. 	http://arxiv.org/abs/2111.09296</a:t>
+            </a:r>
+          </a:p>
+          <a:p>
+            <a:pPr marL="0" indent="0">
+              <a:buNone/>
+            </a:pPr>
+            <a:r>
+              <a:rPr lang="en-US" sz="1050" dirty="0" err="1"/>
+              <a:t>Oualil</a:t>
+            </a:r>
+            <a:r>
+              <a:rPr lang="en-US" sz="1050" dirty="0"/>
+              <a:t>, Y., </a:t>
+            </a:r>
+            <a:r>
+              <a:rPr lang="en-US" sz="1050" dirty="0" err="1"/>
+              <a:t>Schulder</a:t>
+            </a:r>
+            <a:r>
+              <a:rPr lang="en-US" sz="1050" dirty="0"/>
+              <a:t>, M., Helmke, H., Schmidt, A., &amp; </a:t>
+            </a:r>
+            <a:r>
+              <a:rPr lang="en-US" sz="1050" dirty="0" err="1"/>
+              <a:t>Klakow</a:t>
+            </a:r>
+            <a:r>
+              <a:rPr lang="en-US" sz="1050" dirty="0"/>
+              <a:t>, D. (2015). Real-Time Integration of Dynamic Context Information for 	Improving Automatic Speech Recognition. In Sixteenth Annual Conference of the International Speech 	Communication Association. https://www.isca-speech.org/archive v0/</a:t>
+            </a:r>
+            <a:r>
+              <a:rPr lang="en-US" sz="1050" dirty="0" err="1"/>
+              <a:t>interspeech</a:t>
+            </a:r>
+            <a:r>
+              <a:rPr lang="en-US" sz="1050" dirty="0"/>
+              <a:t> 2015/papers/i15 2107.pdf</a:t>
+            </a:r>
+          </a:p>
+        </p:txBody>
+      </p:sp>
+      <p:sp>
+        <p:nvSpPr>
+          <p:cNvPr id="4" name="Slide Number Placeholder 3">
+            <a:extLst>
+              <a:ext uri="{FF2B5EF4-FFF2-40B4-BE49-F238E27FC236}">
+                <a16:creationId xmlns:a16="http://schemas.microsoft.com/office/drawing/2014/main" id="{8EE0F5D7-6D51-491F-9FB8-08145EC87FAB}"/>
+              </a:ext>
+            </a:extLst>
+          </p:cNvPr>
+          <p:cNvSpPr>
+            <a:spLocks noGrp="1"/>
+          </p:cNvSpPr>
+          <p:nvPr>
+            <p:ph type="sldNum" sz="quarter" idx="12"/>
+          </p:nvPr>
+        </p:nvSpPr>
+        <p:spPr/>
+        <p:txBody>
+          <a:bodyPr/>
+          <a:lstStyle/>
+          <a:p>
+            <a:fld id="{557A3E6A-0FDC-2641-BE73-5835A252D50B}" type="slidenum">
+              <a:rPr lang="nl-NL" smtClean="0"/>
+              <a:t>28</a:t>
+            </a:fld>
+            <a:endParaRPr lang="nl-NL"/>
+          </a:p>
+        </p:txBody>
+      </p:sp>
+    </p:spTree>
+    <p:extLst>
+      <p:ext uri="{BB962C8B-B14F-4D97-AF65-F5344CB8AC3E}">
+        <p14:creationId xmlns:p14="http://schemas.microsoft.com/office/powerpoint/2010/main" val="2508083898"/>
       </p:ext>
     </p:extLst>
   </p:cSld>

--- a/Thesis presentation ATC.pptx
+++ b/Thesis presentation ATC.pptx
@@ -143,6 +143,4361 @@
 </p:presentation>
 </file>
 
+<file path=ppt/charts/chart1.xml><?xml version="1.0" encoding="utf-8"?>
+<c:chartSpace xmlns:c="http://schemas.openxmlformats.org/drawingml/2006/chart" xmlns:a="http://schemas.openxmlformats.org/drawingml/2006/main" xmlns:r="http://schemas.openxmlformats.org/officeDocument/2006/relationships" xmlns:c16r2="http://schemas.microsoft.com/office/drawing/2015/06/chart">
+  <c:date1904 val="0"/>
+  <c:lang val="en-US"/>
+  <c:roundedCorners val="0"/>
+  <mc:AlternateContent xmlns:mc="http://schemas.openxmlformats.org/markup-compatibility/2006">
+    <mc:Choice xmlns:c14="http://schemas.microsoft.com/office/drawing/2007/8/2/chart" Requires="c14">
+      <c14:style val="102"/>
+    </mc:Choice>
+    <mc:Fallback>
+      <c:style val="2"/>
+    </mc:Fallback>
+  </mc:AlternateContent>
+  <c:chart>
+    <c:title>
+      <c:tx>
+        <c:rich>
+          <a:bodyPr rot="0" spcFirstLastPara="1" vertOverflow="ellipsis" vert="horz" wrap="square" anchor="ctr" anchorCtr="1"/>
+          <a:lstStyle/>
+          <a:p>
+            <a:pPr>
+              <a:defRPr sz="1400" b="0" i="0" u="none" strike="noStrike" kern="1200" spc="0" baseline="0">
+                <a:solidFill>
+                  <a:schemeClr val="tx1">
+                    <a:lumMod val="65000"/>
+                    <a:lumOff val="35000"/>
+                  </a:schemeClr>
+                </a:solidFill>
+                <a:latin typeface="+mn-lt"/>
+                <a:ea typeface="+mn-ea"/>
+                <a:cs typeface="+mn-cs"/>
+              </a:defRPr>
+            </a:pPr>
+            <a:r>
+              <a:rPr lang="en-US"/>
+              <a:t>Evaluation Pretrained Models</a:t>
+            </a:r>
+          </a:p>
+        </c:rich>
+      </c:tx>
+      <c:overlay val="0"/>
+      <c:spPr>
+        <a:noFill/>
+        <a:ln>
+          <a:noFill/>
+        </a:ln>
+        <a:effectLst/>
+      </c:spPr>
+      <c:txPr>
+        <a:bodyPr rot="0" spcFirstLastPara="1" vertOverflow="ellipsis" vert="horz" wrap="square" anchor="ctr" anchorCtr="1"/>
+        <a:lstStyle/>
+        <a:p>
+          <a:pPr>
+            <a:defRPr sz="1400" b="0" i="0" u="none" strike="noStrike" kern="1200" spc="0" baseline="0">
+              <a:solidFill>
+                <a:schemeClr val="tx1">
+                  <a:lumMod val="65000"/>
+                  <a:lumOff val="35000"/>
+                </a:schemeClr>
+              </a:solidFill>
+              <a:latin typeface="+mn-lt"/>
+              <a:ea typeface="+mn-ea"/>
+              <a:cs typeface="+mn-cs"/>
+            </a:defRPr>
+          </a:pPr>
+          <a:endParaRPr lang="en-US"/>
+        </a:p>
+      </c:txPr>
+    </c:title>
+    <c:autoTitleDeleted val="0"/>
+    <c:plotArea>
+      <c:layout/>
+      <c:barChart>
+        <c:barDir val="col"/>
+        <c:grouping val="clustered"/>
+        <c:varyColors val="0"/>
+        <c:ser>
+          <c:idx val="0"/>
+          <c:order val="0"/>
+          <c:tx>
+            <c:strRef>
+              <c:f>transcribed_metrics_graphs!$H$1</c:f>
+              <c:strCache>
+                <c:ptCount val="1"/>
+                <c:pt idx="0">
+                  <c:v>WER</c:v>
+                </c:pt>
+              </c:strCache>
+            </c:strRef>
+          </c:tx>
+          <c:spPr>
+            <a:solidFill>
+              <a:srgbClr val="C00000"/>
+            </a:solidFill>
+            <a:ln>
+              <a:noFill/>
+            </a:ln>
+            <a:effectLst/>
+          </c:spPr>
+          <c:invertIfNegative val="0"/>
+          <c:dLbls>
+            <c:numFmt formatCode="#,##0.00" sourceLinked="0"/>
+            <c:spPr>
+              <a:noFill/>
+              <a:ln>
+                <a:noFill/>
+              </a:ln>
+              <a:effectLst/>
+            </c:spPr>
+            <c:txPr>
+              <a:bodyPr rot="0" spcFirstLastPara="1" vertOverflow="ellipsis" vert="horz" wrap="square" lIns="38100" tIns="19050" rIns="38100" bIns="19050" anchor="ctr" anchorCtr="1">
+                <a:spAutoFit/>
+              </a:bodyPr>
+              <a:lstStyle/>
+              <a:p>
+                <a:pPr>
+                  <a:defRPr sz="900" b="0" i="0" u="none" strike="noStrike" kern="1200" baseline="0">
+                    <a:solidFill>
+                      <a:schemeClr val="tx1">
+                        <a:lumMod val="75000"/>
+                        <a:lumOff val="25000"/>
+                      </a:schemeClr>
+                    </a:solidFill>
+                    <a:latin typeface="+mn-lt"/>
+                    <a:ea typeface="+mn-ea"/>
+                    <a:cs typeface="+mn-cs"/>
+                  </a:defRPr>
+                </a:pPr>
+                <a:endParaRPr lang="en-US"/>
+              </a:p>
+            </c:txPr>
+            <c:dLblPos val="outEnd"/>
+            <c:showLegendKey val="0"/>
+            <c:showVal val="1"/>
+            <c:showCatName val="0"/>
+            <c:showSerName val="0"/>
+            <c:showPercent val="0"/>
+            <c:showBubbleSize val="0"/>
+            <c:showLeaderLines val="0"/>
+            <c:extLst>
+              <c:ext xmlns:c15="http://schemas.microsoft.com/office/drawing/2012/chart" uri="{CE6537A1-D6FC-4f65-9D91-7224C49458BB}">
+                <c15:showLeaderLines val="1"/>
+                <c15:leaderLines>
+                  <c:spPr>
+                    <a:ln w="9525" cap="flat" cmpd="sng" algn="ctr">
+                      <a:solidFill>
+                        <a:schemeClr val="tx1">
+                          <a:lumMod val="35000"/>
+                          <a:lumOff val="65000"/>
+                        </a:schemeClr>
+                      </a:solidFill>
+                      <a:round/>
+                    </a:ln>
+                    <a:effectLst/>
+                  </c:spPr>
+                </c15:leaderLines>
+              </c:ext>
+            </c:extLst>
+          </c:dLbls>
+          <c:cat>
+            <c:strRef>
+              <c:f>transcribed_metrics_graphs!$G$2:$G$5</c:f>
+              <c:strCache>
+                <c:ptCount val="4"/>
+                <c:pt idx="0">
+                  <c:v>base</c:v>
+                </c:pt>
+                <c:pt idx="1">
+                  <c:v>robust</c:v>
+                </c:pt>
+                <c:pt idx="2">
+                  <c:v>hubert</c:v>
+                </c:pt>
+                <c:pt idx="3">
+                  <c:v>xls-r</c:v>
+                </c:pt>
+              </c:strCache>
+            </c:strRef>
+          </c:cat>
+          <c:val>
+            <c:numRef>
+              <c:f>transcribed_metrics_graphs!$H$2:$H$5</c:f>
+              <c:numCache>
+                <c:formatCode>General</c:formatCode>
+                <c:ptCount val="4"/>
+                <c:pt idx="0">
+                  <c:v>0.71082999999999996</c:v>
+                </c:pt>
+                <c:pt idx="1">
+                  <c:v>0.59216999999999997</c:v>
+                </c:pt>
+                <c:pt idx="2">
+                  <c:v>0.51312999999999998</c:v>
+                </c:pt>
+                <c:pt idx="3">
+                  <c:v>0.66610000000000003</c:v>
+                </c:pt>
+              </c:numCache>
+            </c:numRef>
+          </c:val>
+          <c:extLst>
+            <c:ext xmlns:c16="http://schemas.microsoft.com/office/drawing/2014/chart" uri="{C3380CC4-5D6E-409C-BE32-E72D297353CC}">
+              <c16:uniqueId val="{00000000-8C4F-43AE-AF1B-107A79968F0F}"/>
+            </c:ext>
+          </c:extLst>
+        </c:ser>
+        <c:ser>
+          <c:idx val="1"/>
+          <c:order val="1"/>
+          <c:tx>
+            <c:strRef>
+              <c:f>transcribed_metrics_graphs!$I$1</c:f>
+              <c:strCache>
+                <c:ptCount val="1"/>
+                <c:pt idx="0">
+                  <c:v>CER</c:v>
+                </c:pt>
+              </c:strCache>
+            </c:strRef>
+          </c:tx>
+          <c:spPr>
+            <a:pattFill prst="wdUpDiag">
+              <a:fgClr>
+                <a:srgbClr val="C00000"/>
+              </a:fgClr>
+              <a:bgClr>
+                <a:schemeClr val="bg1"/>
+              </a:bgClr>
+            </a:pattFill>
+            <a:ln>
+              <a:noFill/>
+            </a:ln>
+            <a:effectLst/>
+          </c:spPr>
+          <c:invertIfNegative val="0"/>
+          <c:dLbls>
+            <c:numFmt formatCode="#,##0.00" sourceLinked="0"/>
+            <c:spPr>
+              <a:noFill/>
+              <a:ln>
+                <a:noFill/>
+              </a:ln>
+              <a:effectLst/>
+            </c:spPr>
+            <c:txPr>
+              <a:bodyPr rot="0" spcFirstLastPara="1" vertOverflow="ellipsis" vert="horz" wrap="square" lIns="38100" tIns="19050" rIns="38100" bIns="19050" anchor="ctr" anchorCtr="1">
+                <a:spAutoFit/>
+              </a:bodyPr>
+              <a:lstStyle/>
+              <a:p>
+                <a:pPr>
+                  <a:defRPr sz="900" b="0" i="0" u="none" strike="noStrike" kern="1200" baseline="0">
+                    <a:solidFill>
+                      <a:schemeClr val="tx1">
+                        <a:lumMod val="75000"/>
+                        <a:lumOff val="25000"/>
+                      </a:schemeClr>
+                    </a:solidFill>
+                    <a:latin typeface="+mn-lt"/>
+                    <a:ea typeface="+mn-ea"/>
+                    <a:cs typeface="+mn-cs"/>
+                  </a:defRPr>
+                </a:pPr>
+                <a:endParaRPr lang="en-US"/>
+              </a:p>
+            </c:txPr>
+            <c:dLblPos val="outEnd"/>
+            <c:showLegendKey val="0"/>
+            <c:showVal val="1"/>
+            <c:showCatName val="0"/>
+            <c:showSerName val="0"/>
+            <c:showPercent val="0"/>
+            <c:showBubbleSize val="0"/>
+            <c:showLeaderLines val="0"/>
+            <c:extLst>
+              <c:ext xmlns:c15="http://schemas.microsoft.com/office/drawing/2012/chart" uri="{CE6537A1-D6FC-4f65-9D91-7224C49458BB}">
+                <c15:showLeaderLines val="1"/>
+                <c15:leaderLines>
+                  <c:spPr>
+                    <a:ln w="9525" cap="flat" cmpd="sng" algn="ctr">
+                      <a:solidFill>
+                        <a:schemeClr val="tx1">
+                          <a:lumMod val="35000"/>
+                          <a:lumOff val="65000"/>
+                        </a:schemeClr>
+                      </a:solidFill>
+                      <a:round/>
+                    </a:ln>
+                    <a:effectLst/>
+                  </c:spPr>
+                </c15:leaderLines>
+              </c:ext>
+            </c:extLst>
+          </c:dLbls>
+          <c:cat>
+            <c:strRef>
+              <c:f>transcribed_metrics_graphs!$G$2:$G$5</c:f>
+              <c:strCache>
+                <c:ptCount val="4"/>
+                <c:pt idx="0">
+                  <c:v>base</c:v>
+                </c:pt>
+                <c:pt idx="1">
+                  <c:v>robust</c:v>
+                </c:pt>
+                <c:pt idx="2">
+                  <c:v>hubert</c:v>
+                </c:pt>
+                <c:pt idx="3">
+                  <c:v>xls-r</c:v>
+                </c:pt>
+              </c:strCache>
+            </c:strRef>
+          </c:cat>
+          <c:val>
+            <c:numRef>
+              <c:f>transcribed_metrics_graphs!$I$2:$I$5</c:f>
+              <c:numCache>
+                <c:formatCode>General</c:formatCode>
+                <c:ptCount val="4"/>
+                <c:pt idx="0">
+                  <c:v>0.31637999999999999</c:v>
+                </c:pt>
+                <c:pt idx="1">
+                  <c:v>0.26707999999999998</c:v>
+                </c:pt>
+                <c:pt idx="2">
+                  <c:v>0.21518000000000001</c:v>
+                </c:pt>
+                <c:pt idx="3">
+                  <c:v>0.26167000000000001</c:v>
+                </c:pt>
+              </c:numCache>
+            </c:numRef>
+          </c:val>
+          <c:extLst>
+            <c:ext xmlns:c16="http://schemas.microsoft.com/office/drawing/2014/chart" uri="{C3380CC4-5D6E-409C-BE32-E72D297353CC}">
+              <c16:uniqueId val="{00000001-8C4F-43AE-AF1B-107A79968F0F}"/>
+            </c:ext>
+          </c:extLst>
+        </c:ser>
+        <c:dLbls>
+          <c:dLblPos val="outEnd"/>
+          <c:showLegendKey val="0"/>
+          <c:showVal val="1"/>
+          <c:showCatName val="0"/>
+          <c:showSerName val="0"/>
+          <c:showPercent val="0"/>
+          <c:showBubbleSize val="0"/>
+        </c:dLbls>
+        <c:gapWidth val="219"/>
+        <c:overlap val="-27"/>
+        <c:axId val="519174144"/>
+        <c:axId val="519175456"/>
+      </c:barChart>
+      <c:catAx>
+        <c:axId val="519174144"/>
+        <c:scaling>
+          <c:orientation val="minMax"/>
+        </c:scaling>
+        <c:delete val="0"/>
+        <c:axPos val="b"/>
+        <c:title>
+          <c:tx>
+            <c:rich>
+              <a:bodyPr rot="0" spcFirstLastPara="1" vertOverflow="ellipsis" vert="horz" wrap="square" anchor="ctr" anchorCtr="1"/>
+              <a:lstStyle/>
+              <a:p>
+                <a:pPr>
+                  <a:defRPr sz="1000" b="0" i="0" u="none" strike="noStrike" kern="1200" baseline="0">
+                    <a:solidFill>
+                      <a:schemeClr val="tx1">
+                        <a:lumMod val="65000"/>
+                        <a:lumOff val="35000"/>
+                      </a:schemeClr>
+                    </a:solidFill>
+                    <a:latin typeface="+mn-lt"/>
+                    <a:ea typeface="+mn-ea"/>
+                    <a:cs typeface="+mn-cs"/>
+                  </a:defRPr>
+                </a:pPr>
+                <a:r>
+                  <a:rPr lang="en-US"/>
+                  <a:t>Models</a:t>
+                </a:r>
+              </a:p>
+            </c:rich>
+          </c:tx>
+          <c:overlay val="0"/>
+          <c:spPr>
+            <a:noFill/>
+            <a:ln>
+              <a:noFill/>
+            </a:ln>
+            <a:effectLst/>
+          </c:spPr>
+          <c:txPr>
+            <a:bodyPr rot="0" spcFirstLastPara="1" vertOverflow="ellipsis" vert="horz" wrap="square" anchor="ctr" anchorCtr="1"/>
+            <a:lstStyle/>
+            <a:p>
+              <a:pPr>
+                <a:defRPr sz="1000" b="0" i="0" u="none" strike="noStrike" kern="1200" baseline="0">
+                  <a:solidFill>
+                    <a:schemeClr val="tx1">
+                      <a:lumMod val="65000"/>
+                      <a:lumOff val="35000"/>
+                    </a:schemeClr>
+                  </a:solidFill>
+                  <a:latin typeface="+mn-lt"/>
+                  <a:ea typeface="+mn-ea"/>
+                  <a:cs typeface="+mn-cs"/>
+                </a:defRPr>
+              </a:pPr>
+              <a:endParaRPr lang="en-US"/>
+            </a:p>
+          </c:txPr>
+        </c:title>
+        <c:numFmt formatCode="General" sourceLinked="1"/>
+        <c:majorTickMark val="none"/>
+        <c:minorTickMark val="none"/>
+        <c:tickLblPos val="nextTo"/>
+        <c:spPr>
+          <a:noFill/>
+          <a:ln w="9525" cap="flat" cmpd="sng" algn="ctr">
+            <a:solidFill>
+              <a:schemeClr val="tx1">
+                <a:lumMod val="15000"/>
+                <a:lumOff val="85000"/>
+              </a:schemeClr>
+            </a:solidFill>
+            <a:round/>
+          </a:ln>
+          <a:effectLst/>
+        </c:spPr>
+        <c:txPr>
+          <a:bodyPr rot="-60000000" spcFirstLastPara="1" vertOverflow="ellipsis" vert="horz" wrap="square" anchor="ctr" anchorCtr="1"/>
+          <a:lstStyle/>
+          <a:p>
+            <a:pPr>
+              <a:defRPr sz="900" b="0" i="0" u="none" strike="noStrike" kern="1200" baseline="0">
+                <a:solidFill>
+                  <a:schemeClr val="tx1">
+                    <a:lumMod val="65000"/>
+                    <a:lumOff val="35000"/>
+                  </a:schemeClr>
+                </a:solidFill>
+                <a:latin typeface="+mn-lt"/>
+                <a:ea typeface="+mn-ea"/>
+                <a:cs typeface="+mn-cs"/>
+              </a:defRPr>
+            </a:pPr>
+            <a:endParaRPr lang="en-US"/>
+          </a:p>
+        </c:txPr>
+        <c:crossAx val="519175456"/>
+        <c:crosses val="autoZero"/>
+        <c:auto val="1"/>
+        <c:lblAlgn val="ctr"/>
+        <c:lblOffset val="100"/>
+        <c:noMultiLvlLbl val="0"/>
+      </c:catAx>
+      <c:valAx>
+        <c:axId val="519175456"/>
+        <c:scaling>
+          <c:orientation val="minMax"/>
+          <c:max val="1"/>
+        </c:scaling>
+        <c:delete val="0"/>
+        <c:axPos val="l"/>
+        <c:majorGridlines>
+          <c:spPr>
+            <a:ln w="9525" cap="flat" cmpd="sng" algn="ctr">
+              <a:solidFill>
+                <a:schemeClr val="bg1">
+                  <a:lumMod val="95000"/>
+                </a:schemeClr>
+              </a:solidFill>
+              <a:round/>
+            </a:ln>
+            <a:effectLst/>
+          </c:spPr>
+        </c:majorGridlines>
+        <c:title>
+          <c:tx>
+            <c:rich>
+              <a:bodyPr rot="-5400000" spcFirstLastPara="1" vertOverflow="ellipsis" vert="horz" wrap="square" anchor="ctr" anchorCtr="1"/>
+              <a:lstStyle/>
+              <a:p>
+                <a:pPr>
+                  <a:defRPr sz="1000" b="0" i="0" u="none" strike="noStrike" kern="1200" baseline="0">
+                    <a:solidFill>
+                      <a:schemeClr val="tx1">
+                        <a:lumMod val="65000"/>
+                        <a:lumOff val="35000"/>
+                      </a:schemeClr>
+                    </a:solidFill>
+                    <a:latin typeface="+mn-lt"/>
+                    <a:ea typeface="+mn-ea"/>
+                    <a:cs typeface="+mn-cs"/>
+                  </a:defRPr>
+                </a:pPr>
+                <a:r>
+                  <a:rPr lang="en-US"/>
+                  <a:t>Error</a:t>
+                </a:r>
+                <a:r>
+                  <a:rPr lang="en-US" baseline="0"/>
+                  <a:t> Rate</a:t>
+                </a:r>
+              </a:p>
+              <a:p>
+                <a:pPr>
+                  <a:defRPr/>
+                </a:pPr>
+                <a:endParaRPr lang="en-US"/>
+              </a:p>
+            </c:rich>
+          </c:tx>
+          <c:overlay val="0"/>
+          <c:spPr>
+            <a:noFill/>
+            <a:ln>
+              <a:noFill/>
+            </a:ln>
+            <a:effectLst/>
+          </c:spPr>
+          <c:txPr>
+            <a:bodyPr rot="-5400000" spcFirstLastPara="1" vertOverflow="ellipsis" vert="horz" wrap="square" anchor="ctr" anchorCtr="1"/>
+            <a:lstStyle/>
+            <a:p>
+              <a:pPr>
+                <a:defRPr sz="1000" b="0" i="0" u="none" strike="noStrike" kern="1200" baseline="0">
+                  <a:solidFill>
+                    <a:schemeClr val="tx1">
+                      <a:lumMod val="65000"/>
+                      <a:lumOff val="35000"/>
+                    </a:schemeClr>
+                  </a:solidFill>
+                  <a:latin typeface="+mn-lt"/>
+                  <a:ea typeface="+mn-ea"/>
+                  <a:cs typeface="+mn-cs"/>
+                </a:defRPr>
+              </a:pPr>
+              <a:endParaRPr lang="en-US"/>
+            </a:p>
+          </c:txPr>
+        </c:title>
+        <c:numFmt formatCode="General" sourceLinked="1"/>
+        <c:majorTickMark val="none"/>
+        <c:minorTickMark val="none"/>
+        <c:tickLblPos val="nextTo"/>
+        <c:spPr>
+          <a:noFill/>
+          <a:ln>
+            <a:noFill/>
+          </a:ln>
+          <a:effectLst/>
+        </c:spPr>
+        <c:txPr>
+          <a:bodyPr rot="-60000000" spcFirstLastPara="1" vertOverflow="ellipsis" vert="horz" wrap="square" anchor="ctr" anchorCtr="1"/>
+          <a:lstStyle/>
+          <a:p>
+            <a:pPr>
+              <a:defRPr sz="900" b="0" i="0" u="none" strike="noStrike" kern="1200" baseline="0">
+                <a:solidFill>
+                  <a:schemeClr val="tx1">
+                    <a:lumMod val="65000"/>
+                    <a:lumOff val="35000"/>
+                  </a:schemeClr>
+                </a:solidFill>
+                <a:latin typeface="+mn-lt"/>
+                <a:ea typeface="+mn-ea"/>
+                <a:cs typeface="+mn-cs"/>
+              </a:defRPr>
+            </a:pPr>
+            <a:endParaRPr lang="en-US"/>
+          </a:p>
+        </c:txPr>
+        <c:crossAx val="519174144"/>
+        <c:crosses val="autoZero"/>
+        <c:crossBetween val="between"/>
+      </c:valAx>
+      <c:spPr>
+        <a:noFill/>
+        <a:ln>
+          <a:noFill/>
+        </a:ln>
+        <a:effectLst/>
+      </c:spPr>
+    </c:plotArea>
+    <c:legend>
+      <c:legendPos val="t"/>
+      <c:overlay val="0"/>
+      <c:spPr>
+        <a:noFill/>
+        <a:ln>
+          <a:noFill/>
+        </a:ln>
+        <a:effectLst/>
+      </c:spPr>
+      <c:txPr>
+        <a:bodyPr rot="0" spcFirstLastPara="1" vertOverflow="ellipsis" vert="horz" wrap="square" anchor="ctr" anchorCtr="1"/>
+        <a:lstStyle/>
+        <a:p>
+          <a:pPr>
+            <a:defRPr sz="900" b="0" i="0" u="none" strike="noStrike" kern="1200" baseline="0">
+              <a:solidFill>
+                <a:schemeClr val="tx1">
+                  <a:lumMod val="65000"/>
+                  <a:lumOff val="35000"/>
+                </a:schemeClr>
+              </a:solidFill>
+              <a:latin typeface="+mn-lt"/>
+              <a:ea typeface="+mn-ea"/>
+              <a:cs typeface="+mn-cs"/>
+            </a:defRPr>
+          </a:pPr>
+          <a:endParaRPr lang="en-US"/>
+        </a:p>
+      </c:txPr>
+    </c:legend>
+    <c:plotVisOnly val="1"/>
+    <c:dispBlanksAs val="gap"/>
+    <c:extLst>
+      <c:ext xmlns:c16r3="http://schemas.microsoft.com/office/drawing/2017/03/chart" uri="{56B9EC1D-385E-4148-901F-78D8002777C0}">
+        <c16r3:dataDisplayOptions16>
+          <c16r3:dispNaAsBlank val="1"/>
+        </c16r3:dataDisplayOptions16>
+      </c:ext>
+    </c:extLst>
+    <c:showDLblsOverMax val="0"/>
+  </c:chart>
+  <c:spPr>
+    <a:noFill/>
+    <a:ln>
+      <a:noFill/>
+    </a:ln>
+    <a:effectLst/>
+  </c:spPr>
+  <c:txPr>
+    <a:bodyPr/>
+    <a:lstStyle/>
+    <a:p>
+      <a:pPr>
+        <a:defRPr/>
+      </a:pPr>
+      <a:endParaRPr lang="en-US"/>
+    </a:p>
+  </c:txPr>
+  <c:externalData r:id="rId3">
+    <c:autoUpdate val="0"/>
+  </c:externalData>
+</c:chartSpace>
+</file>
+
+<file path=ppt/charts/chart2.xml><?xml version="1.0" encoding="utf-8"?>
+<c:chartSpace xmlns:c="http://schemas.openxmlformats.org/drawingml/2006/chart" xmlns:a="http://schemas.openxmlformats.org/drawingml/2006/main" xmlns:r="http://schemas.openxmlformats.org/officeDocument/2006/relationships" xmlns:c16r2="http://schemas.microsoft.com/office/drawing/2015/06/chart">
+  <c:date1904 val="0"/>
+  <c:lang val="en-US"/>
+  <c:roundedCorners val="0"/>
+  <mc:AlternateContent xmlns:mc="http://schemas.openxmlformats.org/markup-compatibility/2006">
+    <mc:Choice xmlns:c14="http://schemas.microsoft.com/office/drawing/2007/8/2/chart" Requires="c14">
+      <c14:style val="102"/>
+    </mc:Choice>
+    <mc:Fallback>
+      <c:style val="2"/>
+    </mc:Fallback>
+  </mc:AlternateContent>
+  <c:chart>
+    <c:title>
+      <c:tx>
+        <c:rich>
+          <a:bodyPr rot="0" spcFirstLastPara="1" vertOverflow="ellipsis" vert="horz" wrap="square" anchor="ctr" anchorCtr="1"/>
+          <a:lstStyle/>
+          <a:p>
+            <a:pPr>
+              <a:defRPr sz="1400" b="0" i="0" u="none" strike="noStrike" kern="1200" spc="0" baseline="0">
+                <a:solidFill>
+                  <a:schemeClr val="tx1">
+                    <a:lumMod val="65000"/>
+                    <a:lumOff val="35000"/>
+                  </a:schemeClr>
+                </a:solidFill>
+                <a:latin typeface="+mn-lt"/>
+                <a:ea typeface="+mn-ea"/>
+                <a:cs typeface="+mn-cs"/>
+              </a:defRPr>
+            </a:pPr>
+            <a:r>
+              <a:rPr lang="en-US"/>
+              <a:t>Evaluation Finetuned</a:t>
+            </a:r>
+            <a:r>
+              <a:rPr lang="en-US" baseline="0"/>
+              <a:t> Models</a:t>
+            </a:r>
+            <a:endParaRPr lang="en-US"/>
+          </a:p>
+        </c:rich>
+      </c:tx>
+      <c:overlay val="0"/>
+      <c:spPr>
+        <a:noFill/>
+        <a:ln>
+          <a:noFill/>
+        </a:ln>
+        <a:effectLst/>
+      </c:spPr>
+      <c:txPr>
+        <a:bodyPr rot="0" spcFirstLastPara="1" vertOverflow="ellipsis" vert="horz" wrap="square" anchor="ctr" anchorCtr="1"/>
+        <a:lstStyle/>
+        <a:p>
+          <a:pPr>
+            <a:defRPr sz="1400" b="0" i="0" u="none" strike="noStrike" kern="1200" spc="0" baseline="0">
+              <a:solidFill>
+                <a:schemeClr val="tx1">
+                  <a:lumMod val="65000"/>
+                  <a:lumOff val="35000"/>
+                </a:schemeClr>
+              </a:solidFill>
+              <a:latin typeface="+mn-lt"/>
+              <a:ea typeface="+mn-ea"/>
+              <a:cs typeface="+mn-cs"/>
+            </a:defRPr>
+          </a:pPr>
+          <a:endParaRPr lang="en-US"/>
+        </a:p>
+      </c:txPr>
+    </c:title>
+    <c:autoTitleDeleted val="0"/>
+    <c:plotArea>
+      <c:layout/>
+      <c:barChart>
+        <c:barDir val="col"/>
+        <c:grouping val="clustered"/>
+        <c:varyColors val="0"/>
+        <c:ser>
+          <c:idx val="0"/>
+          <c:order val="0"/>
+          <c:tx>
+            <c:strRef>
+              <c:f>transcribed_metrics_graphs!$H$1</c:f>
+              <c:strCache>
+                <c:ptCount val="1"/>
+                <c:pt idx="0">
+                  <c:v>WER</c:v>
+                </c:pt>
+              </c:strCache>
+            </c:strRef>
+          </c:tx>
+          <c:spPr>
+            <a:solidFill>
+              <a:srgbClr val="C00000"/>
+            </a:solidFill>
+            <a:ln>
+              <a:noFill/>
+            </a:ln>
+            <a:effectLst/>
+          </c:spPr>
+          <c:invertIfNegative val="0"/>
+          <c:dLbls>
+            <c:numFmt formatCode="#,##0.00" sourceLinked="0"/>
+            <c:spPr>
+              <a:noFill/>
+              <a:ln>
+                <a:noFill/>
+              </a:ln>
+              <a:effectLst/>
+            </c:spPr>
+            <c:txPr>
+              <a:bodyPr rot="0" spcFirstLastPara="1" vertOverflow="ellipsis" vert="horz" wrap="square" lIns="38100" tIns="19050" rIns="38100" bIns="19050" anchor="ctr" anchorCtr="1">
+                <a:spAutoFit/>
+              </a:bodyPr>
+              <a:lstStyle/>
+              <a:p>
+                <a:pPr>
+                  <a:defRPr sz="900" b="0" i="0" u="none" strike="noStrike" kern="1200" baseline="0">
+                    <a:solidFill>
+                      <a:schemeClr val="tx1">
+                        <a:lumMod val="75000"/>
+                        <a:lumOff val="25000"/>
+                      </a:schemeClr>
+                    </a:solidFill>
+                    <a:latin typeface="+mn-lt"/>
+                    <a:ea typeface="+mn-ea"/>
+                    <a:cs typeface="+mn-cs"/>
+                  </a:defRPr>
+                </a:pPr>
+                <a:endParaRPr lang="en-US"/>
+              </a:p>
+            </c:txPr>
+            <c:dLblPos val="outEnd"/>
+            <c:showLegendKey val="0"/>
+            <c:showVal val="1"/>
+            <c:showCatName val="0"/>
+            <c:showSerName val="0"/>
+            <c:showPercent val="0"/>
+            <c:showBubbleSize val="0"/>
+            <c:showLeaderLines val="0"/>
+            <c:extLst>
+              <c:ext xmlns:c15="http://schemas.microsoft.com/office/drawing/2012/chart" uri="{CE6537A1-D6FC-4f65-9D91-7224C49458BB}">
+                <c15:showLeaderLines val="1"/>
+                <c15:leaderLines>
+                  <c:spPr>
+                    <a:ln w="9525" cap="flat" cmpd="sng" algn="ctr">
+                      <a:solidFill>
+                        <a:schemeClr val="tx1">
+                          <a:lumMod val="35000"/>
+                          <a:lumOff val="65000"/>
+                        </a:schemeClr>
+                      </a:solidFill>
+                      <a:round/>
+                    </a:ln>
+                    <a:effectLst/>
+                  </c:spPr>
+                </c15:leaderLines>
+              </c:ext>
+            </c:extLst>
+          </c:dLbls>
+          <c:cat>
+            <c:strRef>
+              <c:f>transcribed_metrics_graphs!$G$7:$G$11</c:f>
+              <c:strCache>
+                <c:ptCount val="5"/>
+                <c:pt idx="0">
+                  <c:v>xls-r-10</c:v>
+                </c:pt>
+                <c:pt idx="1">
+                  <c:v>xls-r-50</c:v>
+                </c:pt>
+                <c:pt idx="2">
+                  <c:v>xls-r-150</c:v>
+                </c:pt>
+                <c:pt idx="3">
+                  <c:v>xls-r-500</c:v>
+                </c:pt>
+                <c:pt idx="4">
+                  <c:v>xls-r-1000</c:v>
+                </c:pt>
+              </c:strCache>
+            </c:strRef>
+          </c:cat>
+          <c:val>
+            <c:numRef>
+              <c:f>transcribed_metrics_graphs!$H$7:$H$11</c:f>
+              <c:numCache>
+                <c:formatCode>General</c:formatCode>
+                <c:ptCount val="5"/>
+                <c:pt idx="0">
+                  <c:v>0.43075999999999998</c:v>
+                </c:pt>
+                <c:pt idx="1">
+                  <c:v>0.26016</c:v>
+                </c:pt>
+                <c:pt idx="2">
+                  <c:v>0.16975000000000001</c:v>
+                </c:pt>
+                <c:pt idx="3">
+                  <c:v>8.3210000000000006E-2</c:v>
+                </c:pt>
+                <c:pt idx="4">
+                  <c:v>4.6440000000000002E-2</c:v>
+                </c:pt>
+              </c:numCache>
+            </c:numRef>
+          </c:val>
+          <c:extLst>
+            <c:ext xmlns:c16="http://schemas.microsoft.com/office/drawing/2014/chart" uri="{C3380CC4-5D6E-409C-BE32-E72D297353CC}">
+              <c16:uniqueId val="{00000000-BE8C-400D-ADB7-031847549F19}"/>
+            </c:ext>
+          </c:extLst>
+        </c:ser>
+        <c:ser>
+          <c:idx val="1"/>
+          <c:order val="1"/>
+          <c:tx>
+            <c:strRef>
+              <c:f>transcribed_metrics_graphs!$I$1</c:f>
+              <c:strCache>
+                <c:ptCount val="1"/>
+                <c:pt idx="0">
+                  <c:v>CER</c:v>
+                </c:pt>
+              </c:strCache>
+            </c:strRef>
+          </c:tx>
+          <c:spPr>
+            <a:pattFill prst="wdUpDiag">
+              <a:fgClr>
+                <a:srgbClr val="C00000"/>
+              </a:fgClr>
+              <a:bgClr>
+                <a:schemeClr val="bg1"/>
+              </a:bgClr>
+            </a:pattFill>
+            <a:ln>
+              <a:noFill/>
+            </a:ln>
+            <a:effectLst/>
+          </c:spPr>
+          <c:invertIfNegative val="0"/>
+          <c:dLbls>
+            <c:numFmt formatCode="#,##0.00" sourceLinked="0"/>
+            <c:spPr>
+              <a:noFill/>
+              <a:ln>
+                <a:noFill/>
+              </a:ln>
+              <a:effectLst/>
+            </c:spPr>
+            <c:txPr>
+              <a:bodyPr rot="0" spcFirstLastPara="1" vertOverflow="ellipsis" vert="horz" wrap="square" lIns="38100" tIns="19050" rIns="38100" bIns="19050" anchor="ctr" anchorCtr="1">
+                <a:spAutoFit/>
+              </a:bodyPr>
+              <a:lstStyle/>
+              <a:p>
+                <a:pPr>
+                  <a:defRPr sz="900" b="0" i="0" u="none" strike="noStrike" kern="1200" baseline="0">
+                    <a:solidFill>
+                      <a:schemeClr val="tx1">
+                        <a:lumMod val="75000"/>
+                        <a:lumOff val="25000"/>
+                      </a:schemeClr>
+                    </a:solidFill>
+                    <a:latin typeface="+mn-lt"/>
+                    <a:ea typeface="+mn-ea"/>
+                    <a:cs typeface="+mn-cs"/>
+                  </a:defRPr>
+                </a:pPr>
+                <a:endParaRPr lang="en-US"/>
+              </a:p>
+            </c:txPr>
+            <c:dLblPos val="outEnd"/>
+            <c:showLegendKey val="0"/>
+            <c:showVal val="1"/>
+            <c:showCatName val="0"/>
+            <c:showSerName val="0"/>
+            <c:showPercent val="0"/>
+            <c:showBubbleSize val="0"/>
+            <c:showLeaderLines val="0"/>
+            <c:extLst>
+              <c:ext xmlns:c15="http://schemas.microsoft.com/office/drawing/2012/chart" uri="{CE6537A1-D6FC-4f65-9D91-7224C49458BB}">
+                <c15:showLeaderLines val="1"/>
+                <c15:leaderLines>
+                  <c:spPr>
+                    <a:ln w="9525" cap="flat" cmpd="sng" algn="ctr">
+                      <a:solidFill>
+                        <a:schemeClr val="tx1">
+                          <a:lumMod val="35000"/>
+                          <a:lumOff val="65000"/>
+                        </a:schemeClr>
+                      </a:solidFill>
+                      <a:round/>
+                    </a:ln>
+                    <a:effectLst/>
+                  </c:spPr>
+                </c15:leaderLines>
+              </c:ext>
+            </c:extLst>
+          </c:dLbls>
+          <c:cat>
+            <c:strRef>
+              <c:f>transcribed_metrics_graphs!$G$7:$G$11</c:f>
+              <c:strCache>
+                <c:ptCount val="5"/>
+                <c:pt idx="0">
+                  <c:v>xls-r-10</c:v>
+                </c:pt>
+                <c:pt idx="1">
+                  <c:v>xls-r-50</c:v>
+                </c:pt>
+                <c:pt idx="2">
+                  <c:v>xls-r-150</c:v>
+                </c:pt>
+                <c:pt idx="3">
+                  <c:v>xls-r-500</c:v>
+                </c:pt>
+                <c:pt idx="4">
+                  <c:v>xls-r-1000</c:v>
+                </c:pt>
+              </c:strCache>
+            </c:strRef>
+          </c:cat>
+          <c:val>
+            <c:numRef>
+              <c:f>transcribed_metrics_graphs!$I$7:$I$11</c:f>
+              <c:numCache>
+                <c:formatCode>General</c:formatCode>
+                <c:ptCount val="5"/>
+                <c:pt idx="0">
+                  <c:v>0.17469999999999999</c:v>
+                </c:pt>
+                <c:pt idx="1">
+                  <c:v>9.5299999999999996E-2</c:v>
+                </c:pt>
+                <c:pt idx="2">
+                  <c:v>5.799E-2</c:v>
+                </c:pt>
+                <c:pt idx="3">
+                  <c:v>2.6249999999999999E-2</c:v>
+                </c:pt>
+                <c:pt idx="4">
+                  <c:v>1.541E-2</c:v>
+                </c:pt>
+              </c:numCache>
+            </c:numRef>
+          </c:val>
+          <c:extLst>
+            <c:ext xmlns:c16="http://schemas.microsoft.com/office/drawing/2014/chart" uri="{C3380CC4-5D6E-409C-BE32-E72D297353CC}">
+              <c16:uniqueId val="{00000001-BE8C-400D-ADB7-031847549F19}"/>
+            </c:ext>
+          </c:extLst>
+        </c:ser>
+        <c:dLbls>
+          <c:dLblPos val="outEnd"/>
+          <c:showLegendKey val="0"/>
+          <c:showVal val="1"/>
+          <c:showCatName val="0"/>
+          <c:showSerName val="0"/>
+          <c:showPercent val="0"/>
+          <c:showBubbleSize val="0"/>
+        </c:dLbls>
+        <c:gapWidth val="219"/>
+        <c:overlap val="-27"/>
+        <c:axId val="519174144"/>
+        <c:axId val="519175456"/>
+      </c:barChart>
+      <c:catAx>
+        <c:axId val="519174144"/>
+        <c:scaling>
+          <c:orientation val="minMax"/>
+        </c:scaling>
+        <c:delete val="0"/>
+        <c:axPos val="b"/>
+        <c:title>
+          <c:tx>
+            <c:rich>
+              <a:bodyPr rot="0" spcFirstLastPara="1" vertOverflow="ellipsis" vert="horz" wrap="square" anchor="ctr" anchorCtr="1"/>
+              <a:lstStyle/>
+              <a:p>
+                <a:pPr>
+                  <a:defRPr sz="1000" b="0" i="0" u="none" strike="noStrike" kern="1200" baseline="0">
+                    <a:solidFill>
+                      <a:schemeClr val="tx1">
+                        <a:lumMod val="65000"/>
+                        <a:lumOff val="35000"/>
+                      </a:schemeClr>
+                    </a:solidFill>
+                    <a:latin typeface="+mn-lt"/>
+                    <a:ea typeface="+mn-ea"/>
+                    <a:cs typeface="+mn-cs"/>
+                  </a:defRPr>
+                </a:pPr>
+                <a:r>
+                  <a:rPr lang="en-US"/>
+                  <a:t>Models</a:t>
+                </a:r>
+              </a:p>
+            </c:rich>
+          </c:tx>
+          <c:overlay val="0"/>
+          <c:spPr>
+            <a:noFill/>
+            <a:ln>
+              <a:noFill/>
+            </a:ln>
+            <a:effectLst/>
+          </c:spPr>
+          <c:txPr>
+            <a:bodyPr rot="0" spcFirstLastPara="1" vertOverflow="ellipsis" vert="horz" wrap="square" anchor="ctr" anchorCtr="1"/>
+            <a:lstStyle/>
+            <a:p>
+              <a:pPr>
+                <a:defRPr sz="1000" b="0" i="0" u="none" strike="noStrike" kern="1200" baseline="0">
+                  <a:solidFill>
+                    <a:schemeClr val="tx1">
+                      <a:lumMod val="65000"/>
+                      <a:lumOff val="35000"/>
+                    </a:schemeClr>
+                  </a:solidFill>
+                  <a:latin typeface="+mn-lt"/>
+                  <a:ea typeface="+mn-ea"/>
+                  <a:cs typeface="+mn-cs"/>
+                </a:defRPr>
+              </a:pPr>
+              <a:endParaRPr lang="en-US"/>
+            </a:p>
+          </c:txPr>
+        </c:title>
+        <c:numFmt formatCode="General" sourceLinked="1"/>
+        <c:majorTickMark val="none"/>
+        <c:minorTickMark val="none"/>
+        <c:tickLblPos val="nextTo"/>
+        <c:spPr>
+          <a:noFill/>
+          <a:ln w="9525" cap="flat" cmpd="sng" algn="ctr">
+            <a:solidFill>
+              <a:schemeClr val="tx1">
+                <a:lumMod val="15000"/>
+                <a:lumOff val="85000"/>
+              </a:schemeClr>
+            </a:solidFill>
+            <a:round/>
+          </a:ln>
+          <a:effectLst/>
+        </c:spPr>
+        <c:txPr>
+          <a:bodyPr rot="-60000000" spcFirstLastPara="1" vertOverflow="ellipsis" vert="horz" wrap="square" anchor="ctr" anchorCtr="1"/>
+          <a:lstStyle/>
+          <a:p>
+            <a:pPr>
+              <a:defRPr sz="900" b="0" i="0" u="none" strike="noStrike" kern="1200" baseline="0">
+                <a:solidFill>
+                  <a:schemeClr val="tx1">
+                    <a:lumMod val="65000"/>
+                    <a:lumOff val="35000"/>
+                  </a:schemeClr>
+                </a:solidFill>
+                <a:latin typeface="+mn-lt"/>
+                <a:ea typeface="+mn-ea"/>
+                <a:cs typeface="+mn-cs"/>
+              </a:defRPr>
+            </a:pPr>
+            <a:endParaRPr lang="en-US"/>
+          </a:p>
+        </c:txPr>
+        <c:crossAx val="519175456"/>
+        <c:crosses val="autoZero"/>
+        <c:auto val="1"/>
+        <c:lblAlgn val="ctr"/>
+        <c:lblOffset val="100"/>
+        <c:noMultiLvlLbl val="0"/>
+      </c:catAx>
+      <c:valAx>
+        <c:axId val="519175456"/>
+        <c:scaling>
+          <c:orientation val="minMax"/>
+          <c:max val="1"/>
+        </c:scaling>
+        <c:delete val="0"/>
+        <c:axPos val="l"/>
+        <c:majorGridlines>
+          <c:spPr>
+            <a:ln w="9525" cap="flat" cmpd="sng" algn="ctr">
+              <a:solidFill>
+                <a:schemeClr val="bg1">
+                  <a:lumMod val="95000"/>
+                </a:schemeClr>
+              </a:solidFill>
+              <a:round/>
+            </a:ln>
+            <a:effectLst/>
+          </c:spPr>
+        </c:majorGridlines>
+        <c:title>
+          <c:tx>
+            <c:rich>
+              <a:bodyPr rot="-5400000" spcFirstLastPara="1" vertOverflow="ellipsis" vert="horz" wrap="square" anchor="ctr" anchorCtr="1"/>
+              <a:lstStyle/>
+              <a:p>
+                <a:pPr>
+                  <a:defRPr sz="1000" b="0" i="0" u="none" strike="noStrike" kern="1200" baseline="0">
+                    <a:solidFill>
+                      <a:schemeClr val="tx1">
+                        <a:lumMod val="65000"/>
+                        <a:lumOff val="35000"/>
+                      </a:schemeClr>
+                    </a:solidFill>
+                    <a:latin typeface="+mn-lt"/>
+                    <a:ea typeface="+mn-ea"/>
+                    <a:cs typeface="+mn-cs"/>
+                  </a:defRPr>
+                </a:pPr>
+                <a:r>
+                  <a:rPr lang="en-US"/>
+                  <a:t>Error</a:t>
+                </a:r>
+                <a:r>
+                  <a:rPr lang="en-US" baseline="0"/>
+                  <a:t> Rate</a:t>
+                </a:r>
+              </a:p>
+              <a:p>
+                <a:pPr>
+                  <a:defRPr/>
+                </a:pPr>
+                <a:endParaRPr lang="en-US"/>
+              </a:p>
+            </c:rich>
+          </c:tx>
+          <c:overlay val="0"/>
+          <c:spPr>
+            <a:noFill/>
+            <a:ln>
+              <a:noFill/>
+            </a:ln>
+            <a:effectLst/>
+          </c:spPr>
+          <c:txPr>
+            <a:bodyPr rot="-5400000" spcFirstLastPara="1" vertOverflow="ellipsis" vert="horz" wrap="square" anchor="ctr" anchorCtr="1"/>
+            <a:lstStyle/>
+            <a:p>
+              <a:pPr>
+                <a:defRPr sz="1000" b="0" i="0" u="none" strike="noStrike" kern="1200" baseline="0">
+                  <a:solidFill>
+                    <a:schemeClr val="tx1">
+                      <a:lumMod val="65000"/>
+                      <a:lumOff val="35000"/>
+                    </a:schemeClr>
+                  </a:solidFill>
+                  <a:latin typeface="+mn-lt"/>
+                  <a:ea typeface="+mn-ea"/>
+                  <a:cs typeface="+mn-cs"/>
+                </a:defRPr>
+              </a:pPr>
+              <a:endParaRPr lang="en-US"/>
+            </a:p>
+          </c:txPr>
+        </c:title>
+        <c:numFmt formatCode="General" sourceLinked="1"/>
+        <c:majorTickMark val="none"/>
+        <c:minorTickMark val="none"/>
+        <c:tickLblPos val="nextTo"/>
+        <c:spPr>
+          <a:noFill/>
+          <a:ln>
+            <a:noFill/>
+          </a:ln>
+          <a:effectLst/>
+        </c:spPr>
+        <c:txPr>
+          <a:bodyPr rot="-60000000" spcFirstLastPara="1" vertOverflow="ellipsis" vert="horz" wrap="square" anchor="ctr" anchorCtr="1"/>
+          <a:lstStyle/>
+          <a:p>
+            <a:pPr>
+              <a:defRPr sz="900" b="0" i="0" u="none" strike="noStrike" kern="1200" baseline="0">
+                <a:solidFill>
+                  <a:schemeClr val="tx1">
+                    <a:lumMod val="65000"/>
+                    <a:lumOff val="35000"/>
+                  </a:schemeClr>
+                </a:solidFill>
+                <a:latin typeface="+mn-lt"/>
+                <a:ea typeface="+mn-ea"/>
+                <a:cs typeface="+mn-cs"/>
+              </a:defRPr>
+            </a:pPr>
+            <a:endParaRPr lang="en-US"/>
+          </a:p>
+        </c:txPr>
+        <c:crossAx val="519174144"/>
+        <c:crosses val="autoZero"/>
+        <c:crossBetween val="between"/>
+      </c:valAx>
+      <c:spPr>
+        <a:noFill/>
+        <a:ln>
+          <a:noFill/>
+        </a:ln>
+        <a:effectLst/>
+      </c:spPr>
+    </c:plotArea>
+    <c:legend>
+      <c:legendPos val="t"/>
+      <c:overlay val="0"/>
+      <c:spPr>
+        <a:noFill/>
+        <a:ln>
+          <a:noFill/>
+        </a:ln>
+        <a:effectLst/>
+      </c:spPr>
+      <c:txPr>
+        <a:bodyPr rot="0" spcFirstLastPara="1" vertOverflow="ellipsis" vert="horz" wrap="square" anchor="ctr" anchorCtr="1"/>
+        <a:lstStyle/>
+        <a:p>
+          <a:pPr>
+            <a:defRPr sz="900" b="0" i="0" u="none" strike="noStrike" kern="1200" baseline="0">
+              <a:solidFill>
+                <a:schemeClr val="tx1">
+                  <a:lumMod val="65000"/>
+                  <a:lumOff val="35000"/>
+                </a:schemeClr>
+              </a:solidFill>
+              <a:latin typeface="+mn-lt"/>
+              <a:ea typeface="+mn-ea"/>
+              <a:cs typeface="+mn-cs"/>
+            </a:defRPr>
+          </a:pPr>
+          <a:endParaRPr lang="en-US"/>
+        </a:p>
+      </c:txPr>
+    </c:legend>
+    <c:plotVisOnly val="1"/>
+    <c:dispBlanksAs val="gap"/>
+    <c:extLst>
+      <c:ext xmlns:c16r3="http://schemas.microsoft.com/office/drawing/2017/03/chart" uri="{56B9EC1D-385E-4148-901F-78D8002777C0}">
+        <c16r3:dataDisplayOptions16>
+          <c16r3:dispNaAsBlank val="1"/>
+        </c16r3:dataDisplayOptions16>
+      </c:ext>
+    </c:extLst>
+    <c:showDLblsOverMax val="0"/>
+  </c:chart>
+  <c:spPr>
+    <a:noFill/>
+    <a:ln>
+      <a:noFill/>
+    </a:ln>
+    <a:effectLst/>
+  </c:spPr>
+  <c:txPr>
+    <a:bodyPr/>
+    <a:lstStyle/>
+    <a:p>
+      <a:pPr>
+        <a:defRPr/>
+      </a:pPr>
+      <a:endParaRPr lang="en-US"/>
+    </a:p>
+  </c:txPr>
+  <c:externalData r:id="rId3">
+    <c:autoUpdate val="0"/>
+  </c:externalData>
+</c:chartSpace>
+</file>
+
+<file path=ppt/charts/chart3.xml><?xml version="1.0" encoding="utf-8"?>
+<c:chartSpace xmlns:c="http://schemas.openxmlformats.org/drawingml/2006/chart" xmlns:a="http://schemas.openxmlformats.org/drawingml/2006/main" xmlns:r="http://schemas.openxmlformats.org/officeDocument/2006/relationships" xmlns:c16r2="http://schemas.microsoft.com/office/drawing/2015/06/chart">
+  <c:date1904 val="0"/>
+  <c:lang val="en-US"/>
+  <c:roundedCorners val="0"/>
+  <mc:AlternateContent xmlns:mc="http://schemas.openxmlformats.org/markup-compatibility/2006">
+    <mc:Choice xmlns:c14="http://schemas.microsoft.com/office/drawing/2007/8/2/chart" Requires="c14">
+      <c14:style val="102"/>
+    </mc:Choice>
+    <mc:Fallback>
+      <c:style val="2"/>
+    </mc:Fallback>
+  </mc:AlternateContent>
+  <c:chart>
+    <c:title>
+      <c:tx>
+        <c:rich>
+          <a:bodyPr rot="0" spcFirstLastPara="1" vertOverflow="ellipsis" vert="horz" wrap="square" anchor="ctr" anchorCtr="1"/>
+          <a:lstStyle/>
+          <a:p>
+            <a:pPr>
+              <a:defRPr sz="1400" b="0" i="0" u="none" strike="noStrike" kern="1200" spc="0" baseline="0">
+                <a:solidFill>
+                  <a:schemeClr val="tx1">
+                    <a:lumMod val="65000"/>
+                    <a:lumOff val="35000"/>
+                  </a:schemeClr>
+                </a:solidFill>
+                <a:latin typeface="+mn-lt"/>
+                <a:ea typeface="+mn-ea"/>
+                <a:cs typeface="+mn-cs"/>
+              </a:defRPr>
+            </a:pPr>
+            <a:r>
+              <a:rPr lang="en-US"/>
+              <a:t>Evaluation FineTuned Models in addition</a:t>
+            </a:r>
+            <a:r>
+              <a:rPr lang="en-US" baseline="0"/>
+              <a:t> to Language Model</a:t>
+            </a:r>
+            <a:endParaRPr lang="en-US"/>
+          </a:p>
+        </c:rich>
+      </c:tx>
+      <c:overlay val="0"/>
+      <c:spPr>
+        <a:noFill/>
+        <a:ln>
+          <a:noFill/>
+        </a:ln>
+        <a:effectLst/>
+      </c:spPr>
+    </c:title>
+    <c:autoTitleDeleted val="0"/>
+    <c:plotArea>
+      <c:layout/>
+      <c:barChart>
+        <c:barDir val="col"/>
+        <c:grouping val="clustered"/>
+        <c:varyColors val="0"/>
+        <c:ser>
+          <c:idx val="0"/>
+          <c:order val="0"/>
+          <c:tx>
+            <c:strRef>
+              <c:f>transcribed_metrics_graphs!$H$1</c:f>
+              <c:strCache>
+                <c:ptCount val="1"/>
+                <c:pt idx="0">
+                  <c:v>WER</c:v>
+                </c:pt>
+              </c:strCache>
+            </c:strRef>
+          </c:tx>
+          <c:spPr>
+            <a:solidFill>
+              <a:srgbClr val="C00000"/>
+            </a:solidFill>
+            <a:ln>
+              <a:noFill/>
+            </a:ln>
+            <a:effectLst/>
+          </c:spPr>
+          <c:invertIfNegative val="0"/>
+          <c:dLbls>
+            <c:dLbl>
+              <c:idx val="0"/>
+              <c:numFmt formatCode="#,##0.00" sourceLinked="0"/>
+              <c:spPr>
+                <a:noFill/>
+                <a:ln>
+                  <a:noFill/>
+                </a:ln>
+                <a:effectLst/>
+              </c:spPr>
+              <c:txPr>
+                <a:bodyPr rot="0" spcFirstLastPara="1" vertOverflow="ellipsis" vert="horz" wrap="square" lIns="38100" tIns="19050" rIns="38100" bIns="182880" anchor="t" anchorCtr="0">
+                  <a:spAutoFit/>
+                </a:bodyPr>
+                <a:lstStyle/>
+                <a:p>
+                  <a:pPr>
+                    <a:defRPr sz="900" b="0" i="0" u="none" strike="noStrike" kern="1200" baseline="0">
+                      <a:solidFill>
+                        <a:schemeClr val="tx1">
+                          <a:lumMod val="75000"/>
+                          <a:lumOff val="25000"/>
+                        </a:schemeClr>
+                      </a:solidFill>
+                      <a:latin typeface="+mn-lt"/>
+                      <a:ea typeface="+mn-ea"/>
+                      <a:cs typeface="+mn-cs"/>
+                    </a:defRPr>
+                  </a:pPr>
+                  <a:endParaRPr lang="en-US"/>
+                </a:p>
+              </c:txPr>
+              <c:dLblPos val="outEnd"/>
+              <c:showLegendKey val="0"/>
+              <c:showVal val="1"/>
+              <c:showCatName val="0"/>
+              <c:showSerName val="0"/>
+              <c:showPercent val="0"/>
+              <c:showBubbleSize val="0"/>
+              <c:extLst>
+                <c:ext xmlns:c15="http://schemas.microsoft.com/office/drawing/2012/chart" uri="{CE6537A1-D6FC-4f65-9D91-7224C49458BB}">
+                  <c15:spPr xmlns:c15="http://schemas.microsoft.com/office/drawing/2012/chart">
+                    <a:prstGeom prst="rect">
+                      <a:avLst/>
+                    </a:prstGeom>
+                  </c15:spPr>
+                </c:ext>
+                <c:ext xmlns:c16="http://schemas.microsoft.com/office/drawing/2014/chart" uri="{C3380CC4-5D6E-409C-BE32-E72D297353CC}">
+                  <c16:uniqueId val="{00000000-953B-4111-BFEB-34A4CC001FBC}"/>
+                </c:ext>
+              </c:extLst>
+            </c:dLbl>
+            <c:numFmt formatCode="#,##0.00" sourceLinked="0"/>
+            <c:spPr>
+              <a:noFill/>
+              <a:ln>
+                <a:noFill/>
+              </a:ln>
+              <a:effectLst/>
+            </c:spPr>
+            <c:txPr>
+              <a:bodyPr rot="0" spcFirstLastPara="1" vertOverflow="ellipsis" vert="horz" wrap="square" lIns="38100" tIns="19050" rIns="38100" bIns="1005840" anchor="t" anchorCtr="0">
+                <a:spAutoFit/>
+              </a:bodyPr>
+              <a:lstStyle/>
+              <a:p>
+                <a:pPr>
+                  <a:defRPr sz="900" b="0" i="0" u="none" strike="noStrike" kern="1200" baseline="0">
+                    <a:solidFill>
+                      <a:schemeClr val="tx1">
+                        <a:lumMod val="75000"/>
+                        <a:lumOff val="25000"/>
+                      </a:schemeClr>
+                    </a:solidFill>
+                    <a:latin typeface="+mn-lt"/>
+                    <a:ea typeface="+mn-ea"/>
+                    <a:cs typeface="+mn-cs"/>
+                  </a:defRPr>
+                </a:pPr>
+                <a:endParaRPr lang="en-US"/>
+              </a:p>
+            </c:txPr>
+            <c:dLblPos val="outEnd"/>
+            <c:showLegendKey val="0"/>
+            <c:showVal val="1"/>
+            <c:showCatName val="0"/>
+            <c:showSerName val="0"/>
+            <c:showPercent val="0"/>
+            <c:showBubbleSize val="0"/>
+            <c:showLeaderLines val="0"/>
+            <c:extLst>
+              <c:ext xmlns:c15="http://schemas.microsoft.com/office/drawing/2012/chart" uri="{CE6537A1-D6FC-4f65-9D91-7224C49458BB}">
+                <c15:spPr xmlns:c15="http://schemas.microsoft.com/office/drawing/2012/chart">
+                  <a:prstGeom prst="rect">
+                    <a:avLst/>
+                  </a:prstGeom>
+                </c15:spPr>
+                <c15:showLeaderLines val="1"/>
+                <c15:leaderLines>
+                  <c:spPr>
+                    <a:ln w="9525" cap="flat" cmpd="sng" algn="ctr">
+                      <a:solidFill>
+                        <a:schemeClr val="tx1">
+                          <a:lumMod val="35000"/>
+                          <a:lumOff val="65000"/>
+                        </a:schemeClr>
+                      </a:solidFill>
+                      <a:round/>
+                    </a:ln>
+                    <a:effectLst/>
+                  </c:spPr>
+                </c15:leaderLines>
+              </c:ext>
+            </c:extLst>
+          </c:dLbls>
+          <c:cat>
+            <c:strRef>
+              <c:f>transcribed_metrics_graphs!$G$13:$G$17</c:f>
+              <c:strCache>
+                <c:ptCount val="5"/>
+                <c:pt idx="0">
+                  <c:v>xls-r-10*</c:v>
+                </c:pt>
+                <c:pt idx="1">
+                  <c:v>xls-r-50*</c:v>
+                </c:pt>
+                <c:pt idx="2">
+                  <c:v>xls-r-150*</c:v>
+                </c:pt>
+                <c:pt idx="3">
+                  <c:v>xls-r-500*</c:v>
+                </c:pt>
+                <c:pt idx="4">
+                  <c:v>xls-r-1000*</c:v>
+                </c:pt>
+              </c:strCache>
+            </c:strRef>
+          </c:cat>
+          <c:val>
+            <c:numRef>
+              <c:f>transcribed_metrics_graphs!$H$13:$H$17</c:f>
+              <c:numCache>
+                <c:formatCode>General</c:formatCode>
+                <c:ptCount val="5"/>
+                <c:pt idx="0">
+                  <c:v>0.29113</c:v>
+                </c:pt>
+                <c:pt idx="1">
+                  <c:v>0.14505000000000001</c:v>
+                </c:pt>
+                <c:pt idx="2">
+                  <c:v>0.11837</c:v>
+                </c:pt>
+                <c:pt idx="3">
+                  <c:v>5.5930000000000001E-2</c:v>
+                </c:pt>
+                <c:pt idx="4">
+                  <c:v>3.1320000000000001E-2</c:v>
+                </c:pt>
+              </c:numCache>
+            </c:numRef>
+          </c:val>
+          <c:extLst>
+            <c:ext xmlns:c16="http://schemas.microsoft.com/office/drawing/2014/chart" uri="{C3380CC4-5D6E-409C-BE32-E72D297353CC}">
+              <c16:uniqueId val="{00000001-953B-4111-BFEB-34A4CC001FBC}"/>
+            </c:ext>
+          </c:extLst>
+        </c:ser>
+        <c:ser>
+          <c:idx val="1"/>
+          <c:order val="1"/>
+          <c:tx>
+            <c:strRef>
+              <c:f>transcribed_metrics_graphs!$I$1</c:f>
+              <c:strCache>
+                <c:ptCount val="1"/>
+                <c:pt idx="0">
+                  <c:v>CER</c:v>
+                </c:pt>
+              </c:strCache>
+            </c:strRef>
+          </c:tx>
+          <c:spPr>
+            <a:pattFill prst="wdUpDiag">
+              <a:fgClr>
+                <a:srgbClr val="C00000"/>
+              </a:fgClr>
+              <a:bgClr>
+                <a:schemeClr val="bg1"/>
+              </a:bgClr>
+            </a:pattFill>
+            <a:ln>
+              <a:noFill/>
+            </a:ln>
+            <a:effectLst/>
+          </c:spPr>
+          <c:invertIfNegative val="0"/>
+          <c:dLbls>
+            <c:numFmt formatCode="#,##0.00" sourceLinked="0"/>
+            <c:spPr>
+              <a:noFill/>
+              <a:ln>
+                <a:noFill/>
+              </a:ln>
+              <a:effectLst/>
+            </c:spPr>
+            <c:txPr>
+              <a:bodyPr rot="0" spcFirstLastPara="1" vertOverflow="ellipsis" vert="horz" wrap="square" lIns="38100" tIns="19050" rIns="38100" bIns="19050" anchor="ctr" anchorCtr="1">
+                <a:spAutoFit/>
+              </a:bodyPr>
+              <a:lstStyle/>
+              <a:p>
+                <a:pPr>
+                  <a:defRPr sz="900" b="0" i="0" u="none" strike="noStrike" kern="1200" baseline="0">
+                    <a:solidFill>
+                      <a:schemeClr val="tx1">
+                        <a:lumMod val="75000"/>
+                        <a:lumOff val="25000"/>
+                      </a:schemeClr>
+                    </a:solidFill>
+                    <a:latin typeface="+mn-lt"/>
+                    <a:ea typeface="+mn-ea"/>
+                    <a:cs typeface="+mn-cs"/>
+                  </a:defRPr>
+                </a:pPr>
+                <a:endParaRPr lang="en-US"/>
+              </a:p>
+            </c:txPr>
+            <c:dLblPos val="outEnd"/>
+            <c:showLegendKey val="0"/>
+            <c:showVal val="1"/>
+            <c:showCatName val="0"/>
+            <c:showSerName val="0"/>
+            <c:showPercent val="0"/>
+            <c:showBubbleSize val="0"/>
+            <c:showLeaderLines val="0"/>
+            <c:extLst>
+              <c:ext xmlns:c15="http://schemas.microsoft.com/office/drawing/2012/chart" uri="{CE6537A1-D6FC-4f65-9D91-7224C49458BB}">
+                <c15:showLeaderLines val="1"/>
+                <c15:leaderLines>
+                  <c:spPr>
+                    <a:ln w="9525" cap="flat" cmpd="sng" algn="ctr">
+                      <a:solidFill>
+                        <a:schemeClr val="tx1">
+                          <a:lumMod val="35000"/>
+                          <a:lumOff val="65000"/>
+                        </a:schemeClr>
+                      </a:solidFill>
+                      <a:round/>
+                    </a:ln>
+                    <a:effectLst/>
+                  </c:spPr>
+                </c15:leaderLines>
+              </c:ext>
+            </c:extLst>
+          </c:dLbls>
+          <c:cat>
+            <c:strRef>
+              <c:f>transcribed_metrics_graphs!$G$13:$G$17</c:f>
+              <c:strCache>
+                <c:ptCount val="5"/>
+                <c:pt idx="0">
+                  <c:v>xls-r-10*</c:v>
+                </c:pt>
+                <c:pt idx="1">
+                  <c:v>xls-r-50*</c:v>
+                </c:pt>
+                <c:pt idx="2">
+                  <c:v>xls-r-150*</c:v>
+                </c:pt>
+                <c:pt idx="3">
+                  <c:v>xls-r-500*</c:v>
+                </c:pt>
+                <c:pt idx="4">
+                  <c:v>xls-r-1000*</c:v>
+                </c:pt>
+              </c:strCache>
+            </c:strRef>
+          </c:cat>
+          <c:val>
+            <c:numRef>
+              <c:f>transcribed_metrics_graphs!$I$13:$I$17</c:f>
+              <c:numCache>
+                <c:formatCode>General</c:formatCode>
+                <c:ptCount val="5"/>
+                <c:pt idx="0">
+                  <c:v>0.13813</c:v>
+                </c:pt>
+                <c:pt idx="1">
+                  <c:v>6.7659999999999998E-2</c:v>
+                </c:pt>
+                <c:pt idx="2">
+                  <c:v>4.8059999999999999E-2</c:v>
+                </c:pt>
+                <c:pt idx="3">
+                  <c:v>2.1530000000000001E-2</c:v>
+                </c:pt>
+                <c:pt idx="4">
+                  <c:v>1.2970000000000001E-2</c:v>
+                </c:pt>
+              </c:numCache>
+            </c:numRef>
+          </c:val>
+          <c:extLst>
+            <c:ext xmlns:c16="http://schemas.microsoft.com/office/drawing/2014/chart" uri="{C3380CC4-5D6E-409C-BE32-E72D297353CC}">
+              <c16:uniqueId val="{00000002-953B-4111-BFEB-34A4CC001FBC}"/>
+            </c:ext>
+          </c:extLst>
+        </c:ser>
+        <c:dLbls>
+          <c:dLblPos val="outEnd"/>
+          <c:showLegendKey val="0"/>
+          <c:showVal val="1"/>
+          <c:showCatName val="0"/>
+          <c:showSerName val="0"/>
+          <c:showPercent val="0"/>
+          <c:showBubbleSize val="0"/>
+        </c:dLbls>
+        <c:gapWidth val="219"/>
+        <c:overlap val="-27"/>
+        <c:axId val="519174144"/>
+        <c:axId val="519175456"/>
+      </c:barChart>
+      <c:catAx>
+        <c:axId val="519174144"/>
+        <c:scaling>
+          <c:orientation val="minMax"/>
+        </c:scaling>
+        <c:delete val="0"/>
+        <c:axPos val="b"/>
+        <c:title>
+          <c:tx>
+            <c:rich>
+              <a:bodyPr rot="0" spcFirstLastPara="1" vertOverflow="ellipsis" vert="horz" wrap="square" anchor="ctr" anchorCtr="1"/>
+              <a:lstStyle/>
+              <a:p>
+                <a:pPr>
+                  <a:defRPr sz="1000" b="0" i="0" u="none" strike="noStrike" kern="1200" baseline="0">
+                    <a:solidFill>
+                      <a:schemeClr val="tx1">
+                        <a:lumMod val="65000"/>
+                        <a:lumOff val="35000"/>
+                      </a:schemeClr>
+                    </a:solidFill>
+                    <a:latin typeface="+mn-lt"/>
+                    <a:ea typeface="+mn-ea"/>
+                    <a:cs typeface="+mn-cs"/>
+                  </a:defRPr>
+                </a:pPr>
+                <a:r>
+                  <a:rPr lang="en-US"/>
+                  <a:t>Models</a:t>
+                </a:r>
+              </a:p>
+            </c:rich>
+          </c:tx>
+          <c:overlay val="0"/>
+          <c:spPr>
+            <a:noFill/>
+            <a:ln>
+              <a:noFill/>
+            </a:ln>
+            <a:effectLst/>
+          </c:spPr>
+        </c:title>
+        <c:numFmt formatCode="General" sourceLinked="1"/>
+        <c:majorTickMark val="none"/>
+        <c:minorTickMark val="none"/>
+        <c:tickLblPos val="nextTo"/>
+        <c:spPr>
+          <a:noFill/>
+          <a:ln w="9525" cap="flat" cmpd="sng" algn="ctr">
+            <a:solidFill>
+              <a:schemeClr val="tx1">
+                <a:lumMod val="15000"/>
+                <a:lumOff val="85000"/>
+              </a:schemeClr>
+            </a:solidFill>
+            <a:round/>
+          </a:ln>
+          <a:effectLst/>
+        </c:spPr>
+        <c:txPr>
+          <a:bodyPr rot="-60000000" spcFirstLastPara="1" vertOverflow="ellipsis" vert="horz" wrap="square" anchor="ctr" anchorCtr="1"/>
+          <a:lstStyle/>
+          <a:p>
+            <a:pPr>
+              <a:defRPr sz="900" b="0" i="0" u="none" strike="noStrike" kern="1200" baseline="0">
+                <a:solidFill>
+                  <a:schemeClr val="tx1">
+                    <a:lumMod val="65000"/>
+                    <a:lumOff val="35000"/>
+                  </a:schemeClr>
+                </a:solidFill>
+                <a:latin typeface="+mn-lt"/>
+                <a:ea typeface="+mn-ea"/>
+                <a:cs typeface="+mn-cs"/>
+              </a:defRPr>
+            </a:pPr>
+            <a:endParaRPr lang="en-US"/>
+          </a:p>
+        </c:txPr>
+        <c:crossAx val="519175456"/>
+        <c:crosses val="autoZero"/>
+        <c:auto val="1"/>
+        <c:lblAlgn val="ctr"/>
+        <c:lblOffset val="100"/>
+        <c:noMultiLvlLbl val="0"/>
+      </c:catAx>
+      <c:valAx>
+        <c:axId val="519175456"/>
+        <c:scaling>
+          <c:orientation val="minMax"/>
+          <c:max val="1"/>
+        </c:scaling>
+        <c:delete val="0"/>
+        <c:axPos val="l"/>
+        <c:majorGridlines>
+          <c:spPr>
+            <a:ln w="9525" cap="flat" cmpd="sng" algn="ctr">
+              <a:solidFill>
+                <a:schemeClr val="bg1">
+                  <a:lumMod val="95000"/>
+                </a:schemeClr>
+              </a:solidFill>
+              <a:round/>
+            </a:ln>
+            <a:effectLst/>
+          </c:spPr>
+        </c:majorGridlines>
+        <c:title>
+          <c:tx>
+            <c:rich>
+              <a:bodyPr rot="-5400000" spcFirstLastPara="1" vertOverflow="ellipsis" vert="horz" wrap="square" anchor="ctr" anchorCtr="1"/>
+              <a:lstStyle/>
+              <a:p>
+                <a:pPr>
+                  <a:defRPr sz="1000" b="0" i="0" u="none" strike="noStrike" kern="1200" baseline="0">
+                    <a:solidFill>
+                      <a:schemeClr val="tx1">
+                        <a:lumMod val="65000"/>
+                        <a:lumOff val="35000"/>
+                      </a:schemeClr>
+                    </a:solidFill>
+                    <a:latin typeface="+mn-lt"/>
+                    <a:ea typeface="+mn-ea"/>
+                    <a:cs typeface="+mn-cs"/>
+                  </a:defRPr>
+                </a:pPr>
+                <a:r>
+                  <a:rPr lang="en-US"/>
+                  <a:t>Error</a:t>
+                </a:r>
+                <a:r>
+                  <a:rPr lang="en-US" baseline="0"/>
+                  <a:t> Rate</a:t>
+                </a:r>
+              </a:p>
+              <a:p>
+                <a:pPr>
+                  <a:defRPr sz="1000" b="0" i="0" u="none" strike="noStrike" kern="1200" baseline="0">
+                    <a:solidFill>
+                      <a:schemeClr val="tx1">
+                        <a:lumMod val="65000"/>
+                        <a:lumOff val="35000"/>
+                      </a:schemeClr>
+                    </a:solidFill>
+                    <a:latin typeface="+mn-lt"/>
+                    <a:ea typeface="+mn-ea"/>
+                    <a:cs typeface="+mn-cs"/>
+                  </a:defRPr>
+                </a:pPr>
+                <a:endParaRPr lang="en-US"/>
+              </a:p>
+            </c:rich>
+          </c:tx>
+          <c:overlay val="0"/>
+          <c:spPr>
+            <a:noFill/>
+            <a:ln>
+              <a:noFill/>
+            </a:ln>
+            <a:effectLst/>
+          </c:spPr>
+        </c:title>
+        <c:numFmt formatCode="General" sourceLinked="1"/>
+        <c:majorTickMark val="none"/>
+        <c:minorTickMark val="none"/>
+        <c:tickLblPos val="nextTo"/>
+        <c:spPr>
+          <a:noFill/>
+          <a:ln>
+            <a:noFill/>
+          </a:ln>
+          <a:effectLst/>
+        </c:spPr>
+        <c:txPr>
+          <a:bodyPr rot="-60000000" spcFirstLastPara="1" vertOverflow="ellipsis" vert="horz" wrap="square" anchor="ctr" anchorCtr="1"/>
+          <a:lstStyle/>
+          <a:p>
+            <a:pPr>
+              <a:defRPr sz="900" b="0" i="0" u="none" strike="noStrike" kern="1200" baseline="0">
+                <a:solidFill>
+                  <a:schemeClr val="tx1">
+                    <a:lumMod val="65000"/>
+                    <a:lumOff val="35000"/>
+                  </a:schemeClr>
+                </a:solidFill>
+                <a:latin typeface="+mn-lt"/>
+                <a:ea typeface="+mn-ea"/>
+                <a:cs typeface="+mn-cs"/>
+              </a:defRPr>
+            </a:pPr>
+            <a:endParaRPr lang="en-US"/>
+          </a:p>
+        </c:txPr>
+        <c:crossAx val="519174144"/>
+        <c:crosses val="autoZero"/>
+        <c:crossBetween val="between"/>
+      </c:valAx>
+      <c:spPr>
+        <a:noFill/>
+        <a:ln>
+          <a:noFill/>
+        </a:ln>
+        <a:effectLst/>
+      </c:spPr>
+    </c:plotArea>
+    <c:legend>
+      <c:legendPos val="t"/>
+      <c:overlay val="0"/>
+      <c:spPr>
+        <a:noFill/>
+        <a:ln>
+          <a:noFill/>
+        </a:ln>
+        <a:effectLst/>
+      </c:spPr>
+      <c:txPr>
+        <a:bodyPr rot="0" spcFirstLastPara="1" vertOverflow="ellipsis" vert="horz" wrap="square" anchor="ctr" anchorCtr="1"/>
+        <a:lstStyle/>
+        <a:p>
+          <a:pPr>
+            <a:defRPr sz="900" b="0" i="0" u="none" strike="noStrike" kern="1200" baseline="0">
+              <a:solidFill>
+                <a:schemeClr val="tx1">
+                  <a:lumMod val="65000"/>
+                  <a:lumOff val="35000"/>
+                </a:schemeClr>
+              </a:solidFill>
+              <a:latin typeface="+mn-lt"/>
+              <a:ea typeface="+mn-ea"/>
+              <a:cs typeface="+mn-cs"/>
+            </a:defRPr>
+          </a:pPr>
+          <a:endParaRPr lang="en-US"/>
+        </a:p>
+      </c:txPr>
+    </c:legend>
+    <c:plotVisOnly val="1"/>
+    <c:dispBlanksAs val="gap"/>
+    <c:extLst>
+      <c:ext xmlns:c16r3="http://schemas.microsoft.com/office/drawing/2017/03/chart" uri="{56B9EC1D-385E-4148-901F-78D8002777C0}">
+        <c16r3:dataDisplayOptions16>
+          <c16r3:dispNaAsBlank val="1"/>
+        </c16r3:dataDisplayOptions16>
+      </c:ext>
+    </c:extLst>
+    <c:showDLblsOverMax val="0"/>
+  </c:chart>
+  <c:spPr>
+    <a:solidFill>
+      <a:schemeClr val="bg1"/>
+    </a:solidFill>
+    <a:ln w="9525" cap="flat" cmpd="sng" algn="ctr">
+      <a:solidFill>
+        <a:schemeClr val="tx1">
+          <a:lumMod val="15000"/>
+          <a:lumOff val="85000"/>
+        </a:schemeClr>
+      </a:solidFill>
+      <a:round/>
+    </a:ln>
+    <a:effectLst/>
+  </c:spPr>
+  <c:txPr>
+    <a:bodyPr/>
+    <a:lstStyle/>
+    <a:p>
+      <a:pPr>
+        <a:defRPr/>
+      </a:pPr>
+      <a:endParaRPr lang="en-US"/>
+    </a:p>
+  </c:txPr>
+  <c:externalData r:id="rId1">
+    <c:autoUpdate val="0"/>
+  </c:externalData>
+</c:chartSpace>
+</file>
+
+<file path=ppt/charts/chart4.xml><?xml version="1.0" encoding="utf-8"?>
+<c:chartSpace xmlns:c="http://schemas.openxmlformats.org/drawingml/2006/chart" xmlns:a="http://schemas.openxmlformats.org/drawingml/2006/main" xmlns:r="http://schemas.openxmlformats.org/officeDocument/2006/relationships" xmlns:c16r2="http://schemas.microsoft.com/office/drawing/2015/06/chart">
+  <c:date1904 val="0"/>
+  <c:lang val="en-US"/>
+  <c:roundedCorners val="0"/>
+  <mc:AlternateContent xmlns:mc="http://schemas.openxmlformats.org/markup-compatibility/2006">
+    <mc:Choice xmlns:c14="http://schemas.microsoft.com/office/drawing/2007/8/2/chart" Requires="c14">
+      <c14:style val="102"/>
+    </mc:Choice>
+    <mc:Fallback>
+      <c:style val="2"/>
+    </mc:Fallback>
+  </mc:AlternateContent>
+  <c:chart>
+    <c:title>
+      <c:tx>
+        <c:rich>
+          <a:bodyPr rot="0" spcFirstLastPara="1" vertOverflow="ellipsis" vert="horz" wrap="square" anchor="ctr" anchorCtr="1"/>
+          <a:lstStyle/>
+          <a:p>
+            <a:pPr>
+              <a:defRPr sz="1400" b="0" i="0" u="none" strike="noStrike" kern="1200" spc="0" baseline="0">
+                <a:solidFill>
+                  <a:schemeClr val="tx1">
+                    <a:lumMod val="65000"/>
+                    <a:lumOff val="35000"/>
+                  </a:schemeClr>
+                </a:solidFill>
+                <a:latin typeface="+mn-lt"/>
+                <a:ea typeface="+mn-ea"/>
+                <a:cs typeface="+mn-cs"/>
+              </a:defRPr>
+            </a:pPr>
+            <a:r>
+              <a:rPr lang="en-US"/>
+              <a:t>Improvement</a:t>
+            </a:r>
+            <a:r>
+              <a:rPr lang="en-US" baseline="0"/>
+              <a:t> of XLS-R Model</a:t>
+            </a:r>
+          </a:p>
+        </c:rich>
+      </c:tx>
+      <c:overlay val="0"/>
+      <c:spPr>
+        <a:noFill/>
+        <a:ln>
+          <a:noFill/>
+        </a:ln>
+        <a:effectLst/>
+      </c:spPr>
+      <c:txPr>
+        <a:bodyPr rot="0" spcFirstLastPara="1" vertOverflow="ellipsis" vert="horz" wrap="square" anchor="ctr" anchorCtr="1"/>
+        <a:lstStyle/>
+        <a:p>
+          <a:pPr>
+            <a:defRPr sz="1400" b="0" i="0" u="none" strike="noStrike" kern="1200" spc="0" baseline="0">
+              <a:solidFill>
+                <a:schemeClr val="tx1">
+                  <a:lumMod val="65000"/>
+                  <a:lumOff val="35000"/>
+                </a:schemeClr>
+              </a:solidFill>
+              <a:latin typeface="+mn-lt"/>
+              <a:ea typeface="+mn-ea"/>
+              <a:cs typeface="+mn-cs"/>
+            </a:defRPr>
+          </a:pPr>
+          <a:endParaRPr lang="en-US"/>
+        </a:p>
+      </c:txPr>
+    </c:title>
+    <c:autoTitleDeleted val="0"/>
+    <c:plotArea>
+      <c:layout/>
+      <c:barChart>
+        <c:barDir val="col"/>
+        <c:grouping val="clustered"/>
+        <c:varyColors val="0"/>
+        <c:ser>
+          <c:idx val="0"/>
+          <c:order val="0"/>
+          <c:tx>
+            <c:strRef>
+              <c:f>transcribed_metrics_graphs!$H$1</c:f>
+              <c:strCache>
+                <c:ptCount val="1"/>
+                <c:pt idx="0">
+                  <c:v>WER</c:v>
+                </c:pt>
+              </c:strCache>
+            </c:strRef>
+          </c:tx>
+          <c:spPr>
+            <a:solidFill>
+              <a:srgbClr val="C00000"/>
+            </a:solidFill>
+            <a:ln>
+              <a:noFill/>
+            </a:ln>
+            <a:effectLst/>
+          </c:spPr>
+          <c:invertIfNegative val="0"/>
+          <c:dLbls>
+            <c:dLbl>
+              <c:idx val="0"/>
+              <c:numFmt formatCode="#,##0.00" sourceLinked="0"/>
+              <c:spPr>
+                <a:noFill/>
+                <a:ln>
+                  <a:noFill/>
+                </a:ln>
+                <a:effectLst/>
+              </c:spPr>
+              <c:txPr>
+                <a:bodyPr rot="0" spcFirstLastPara="1" vertOverflow="ellipsis" horzOverflow="clip" vert="horz" wrap="square" lIns="38100" tIns="19050" rIns="38100" bIns="182880" anchor="t" anchorCtr="0">
+                  <a:spAutoFit/>
+                </a:bodyPr>
+                <a:lstStyle/>
+                <a:p>
+                  <a:pPr>
+                    <a:defRPr sz="900" b="0" i="0" u="none" strike="noStrike" kern="1200" baseline="0">
+                      <a:solidFill>
+                        <a:schemeClr val="tx1">
+                          <a:lumMod val="75000"/>
+                          <a:lumOff val="25000"/>
+                        </a:schemeClr>
+                      </a:solidFill>
+                      <a:latin typeface="+mn-lt"/>
+                      <a:ea typeface="+mn-ea"/>
+                      <a:cs typeface="+mn-cs"/>
+                    </a:defRPr>
+                  </a:pPr>
+                  <a:endParaRPr lang="en-US"/>
+                </a:p>
+              </c:txPr>
+              <c:dLblPos val="outEnd"/>
+              <c:showLegendKey val="0"/>
+              <c:showVal val="1"/>
+              <c:showCatName val="0"/>
+              <c:showSerName val="0"/>
+              <c:showPercent val="0"/>
+              <c:showBubbleSize val="0"/>
+              <c:extLst>
+                <c:ext xmlns:c15="http://schemas.microsoft.com/office/drawing/2012/chart" uri="{CE6537A1-D6FC-4f65-9D91-7224C49458BB}">
+                  <c15:spPr xmlns:c15="http://schemas.microsoft.com/office/drawing/2012/chart">
+                    <a:prstGeom prst="rect">
+                      <a:avLst/>
+                    </a:prstGeom>
+                    <a:noFill/>
+                    <a:ln>
+                      <a:noFill/>
+                    </a:ln>
+                  </c15:spPr>
+                </c:ext>
+                <c:ext xmlns:c16="http://schemas.microsoft.com/office/drawing/2014/chart" uri="{C3380CC4-5D6E-409C-BE32-E72D297353CC}">
+                  <c16:uniqueId val="{00000000-4A57-4B28-BE13-1E74D3D1939B}"/>
+                </c:ext>
+              </c:extLst>
+            </c:dLbl>
+            <c:numFmt formatCode="#,##0.00" sourceLinked="0"/>
+            <c:spPr>
+              <a:noFill/>
+              <a:ln>
+                <a:noFill/>
+              </a:ln>
+              <a:effectLst/>
+            </c:spPr>
+            <c:txPr>
+              <a:bodyPr rot="0" spcFirstLastPara="1" vertOverflow="ellipsis" horzOverflow="clip" vert="horz" wrap="square" lIns="38100" tIns="19050" rIns="38100" bIns="1005840" anchor="t" anchorCtr="0">
+                <a:spAutoFit/>
+              </a:bodyPr>
+              <a:lstStyle/>
+              <a:p>
+                <a:pPr>
+                  <a:defRPr sz="900" b="0" i="0" u="none" strike="noStrike" kern="1200" baseline="0">
+                    <a:solidFill>
+                      <a:schemeClr val="tx1">
+                        <a:lumMod val="75000"/>
+                        <a:lumOff val="25000"/>
+                      </a:schemeClr>
+                    </a:solidFill>
+                    <a:latin typeface="+mn-lt"/>
+                    <a:ea typeface="+mn-ea"/>
+                    <a:cs typeface="+mn-cs"/>
+                  </a:defRPr>
+                </a:pPr>
+                <a:endParaRPr lang="en-US"/>
+              </a:p>
+            </c:txPr>
+            <c:dLblPos val="outEnd"/>
+            <c:showLegendKey val="0"/>
+            <c:showVal val="1"/>
+            <c:showCatName val="0"/>
+            <c:showSerName val="0"/>
+            <c:showPercent val="0"/>
+            <c:showBubbleSize val="0"/>
+            <c:showLeaderLines val="0"/>
+            <c:extLst>
+              <c:ext xmlns:c15="http://schemas.microsoft.com/office/drawing/2012/chart" uri="{CE6537A1-D6FC-4f65-9D91-7224C49458BB}">
+                <c15:spPr xmlns:c15="http://schemas.microsoft.com/office/drawing/2012/chart">
+                  <a:prstGeom prst="rect">
+                    <a:avLst/>
+                  </a:prstGeom>
+                  <a:noFill/>
+                  <a:ln>
+                    <a:noFill/>
+                  </a:ln>
+                </c15:spPr>
+                <c15:showLeaderLines val="1"/>
+                <c15:leaderLines>
+                  <c:spPr>
+                    <a:ln w="9525" cap="flat" cmpd="sng" algn="ctr">
+                      <a:solidFill>
+                        <a:schemeClr val="tx1">
+                          <a:lumMod val="35000"/>
+                          <a:lumOff val="65000"/>
+                        </a:schemeClr>
+                      </a:solidFill>
+                      <a:round/>
+                    </a:ln>
+                    <a:effectLst/>
+                  </c:spPr>
+                </c15:leaderLines>
+              </c:ext>
+            </c:extLst>
+          </c:dLbls>
+          <c:cat>
+            <c:strRef>
+              <c:f>transcribed_metrics_graphs!$G$19:$G$21</c:f>
+              <c:strCache>
+                <c:ptCount val="3"/>
+                <c:pt idx="0">
+                  <c:v>xls-r</c:v>
+                </c:pt>
+                <c:pt idx="1">
+                  <c:v>xls-r-1000</c:v>
+                </c:pt>
+                <c:pt idx="2">
+                  <c:v>xls-r-1000*</c:v>
+                </c:pt>
+              </c:strCache>
+            </c:strRef>
+          </c:cat>
+          <c:val>
+            <c:numRef>
+              <c:f>transcribed_metrics_graphs!$H$19:$H$21</c:f>
+              <c:numCache>
+                <c:formatCode>General</c:formatCode>
+                <c:ptCount val="3"/>
+                <c:pt idx="0">
+                  <c:v>0.66610000000000003</c:v>
+                </c:pt>
+                <c:pt idx="1">
+                  <c:v>4.6440000000000002E-2</c:v>
+                </c:pt>
+                <c:pt idx="2">
+                  <c:v>3.1320000000000001E-2</c:v>
+                </c:pt>
+              </c:numCache>
+            </c:numRef>
+          </c:val>
+          <c:extLst>
+            <c:ext xmlns:c16="http://schemas.microsoft.com/office/drawing/2014/chart" uri="{C3380CC4-5D6E-409C-BE32-E72D297353CC}">
+              <c16:uniqueId val="{00000001-4A57-4B28-BE13-1E74D3D1939B}"/>
+            </c:ext>
+          </c:extLst>
+        </c:ser>
+        <c:ser>
+          <c:idx val="1"/>
+          <c:order val="1"/>
+          <c:tx>
+            <c:strRef>
+              <c:f>transcribed_metrics_graphs!$I$1</c:f>
+              <c:strCache>
+                <c:ptCount val="1"/>
+                <c:pt idx="0">
+                  <c:v>CER</c:v>
+                </c:pt>
+              </c:strCache>
+            </c:strRef>
+          </c:tx>
+          <c:spPr>
+            <a:pattFill prst="wdUpDiag">
+              <a:fgClr>
+                <a:srgbClr val="C00000"/>
+              </a:fgClr>
+              <a:bgClr>
+                <a:schemeClr val="bg1"/>
+              </a:bgClr>
+            </a:pattFill>
+            <a:ln>
+              <a:noFill/>
+            </a:ln>
+            <a:effectLst/>
+          </c:spPr>
+          <c:invertIfNegative val="0"/>
+          <c:dLbls>
+            <c:numFmt formatCode="#,##0.00" sourceLinked="0"/>
+            <c:spPr>
+              <a:noFill/>
+              <a:ln>
+                <a:noFill/>
+              </a:ln>
+              <a:effectLst/>
+            </c:spPr>
+            <c:txPr>
+              <a:bodyPr rot="0" spcFirstLastPara="1" vertOverflow="ellipsis" vert="horz" wrap="square" lIns="38100" tIns="19050" rIns="38100" bIns="19050" anchor="ctr" anchorCtr="1">
+                <a:spAutoFit/>
+              </a:bodyPr>
+              <a:lstStyle/>
+              <a:p>
+                <a:pPr>
+                  <a:defRPr sz="900" b="0" i="0" u="none" strike="noStrike" kern="1200" baseline="0">
+                    <a:solidFill>
+                      <a:schemeClr val="tx1">
+                        <a:lumMod val="75000"/>
+                        <a:lumOff val="25000"/>
+                      </a:schemeClr>
+                    </a:solidFill>
+                    <a:latin typeface="+mn-lt"/>
+                    <a:ea typeface="+mn-ea"/>
+                    <a:cs typeface="+mn-cs"/>
+                  </a:defRPr>
+                </a:pPr>
+                <a:endParaRPr lang="en-US"/>
+              </a:p>
+            </c:txPr>
+            <c:dLblPos val="outEnd"/>
+            <c:showLegendKey val="0"/>
+            <c:showVal val="1"/>
+            <c:showCatName val="0"/>
+            <c:showSerName val="0"/>
+            <c:showPercent val="0"/>
+            <c:showBubbleSize val="0"/>
+            <c:showLeaderLines val="0"/>
+            <c:extLst>
+              <c:ext xmlns:c15="http://schemas.microsoft.com/office/drawing/2012/chart" uri="{CE6537A1-D6FC-4f65-9D91-7224C49458BB}">
+                <c15:showLeaderLines val="1"/>
+                <c15:leaderLines>
+                  <c:spPr>
+                    <a:ln w="9525" cap="flat" cmpd="sng" algn="ctr">
+                      <a:solidFill>
+                        <a:schemeClr val="tx1">
+                          <a:lumMod val="35000"/>
+                          <a:lumOff val="65000"/>
+                        </a:schemeClr>
+                      </a:solidFill>
+                      <a:round/>
+                    </a:ln>
+                    <a:effectLst/>
+                  </c:spPr>
+                </c15:leaderLines>
+              </c:ext>
+            </c:extLst>
+          </c:dLbls>
+          <c:cat>
+            <c:strRef>
+              <c:f>transcribed_metrics_graphs!$G$19:$G$21</c:f>
+              <c:strCache>
+                <c:ptCount val="3"/>
+                <c:pt idx="0">
+                  <c:v>xls-r</c:v>
+                </c:pt>
+                <c:pt idx="1">
+                  <c:v>xls-r-1000</c:v>
+                </c:pt>
+                <c:pt idx="2">
+                  <c:v>xls-r-1000*</c:v>
+                </c:pt>
+              </c:strCache>
+            </c:strRef>
+          </c:cat>
+          <c:val>
+            <c:numRef>
+              <c:f>transcribed_metrics_graphs!$I$19:$I$21</c:f>
+              <c:numCache>
+                <c:formatCode>General</c:formatCode>
+                <c:ptCount val="3"/>
+                <c:pt idx="0">
+                  <c:v>0.26167000000000001</c:v>
+                </c:pt>
+                <c:pt idx="1">
+                  <c:v>1.541E-2</c:v>
+                </c:pt>
+                <c:pt idx="2">
+                  <c:v>1.2970000000000001E-2</c:v>
+                </c:pt>
+              </c:numCache>
+            </c:numRef>
+          </c:val>
+          <c:extLst>
+            <c:ext xmlns:c16="http://schemas.microsoft.com/office/drawing/2014/chart" uri="{C3380CC4-5D6E-409C-BE32-E72D297353CC}">
+              <c16:uniqueId val="{00000002-4A57-4B28-BE13-1E74D3D1939B}"/>
+            </c:ext>
+          </c:extLst>
+        </c:ser>
+        <c:dLbls>
+          <c:dLblPos val="outEnd"/>
+          <c:showLegendKey val="0"/>
+          <c:showVal val="1"/>
+          <c:showCatName val="0"/>
+          <c:showSerName val="0"/>
+          <c:showPercent val="0"/>
+          <c:showBubbleSize val="0"/>
+        </c:dLbls>
+        <c:gapWidth val="219"/>
+        <c:overlap val="-27"/>
+        <c:axId val="519174144"/>
+        <c:axId val="519175456"/>
+      </c:barChart>
+      <c:catAx>
+        <c:axId val="519174144"/>
+        <c:scaling>
+          <c:orientation val="minMax"/>
+        </c:scaling>
+        <c:delete val="0"/>
+        <c:axPos val="b"/>
+        <c:title>
+          <c:tx>
+            <c:rich>
+              <a:bodyPr rot="0" spcFirstLastPara="1" vertOverflow="ellipsis" vert="horz" wrap="square" anchor="ctr" anchorCtr="1"/>
+              <a:lstStyle/>
+              <a:p>
+                <a:pPr>
+                  <a:defRPr sz="1000" b="0" i="0" u="none" strike="noStrike" kern="1200" baseline="0">
+                    <a:solidFill>
+                      <a:schemeClr val="tx1">
+                        <a:lumMod val="65000"/>
+                        <a:lumOff val="35000"/>
+                      </a:schemeClr>
+                    </a:solidFill>
+                    <a:latin typeface="+mn-lt"/>
+                    <a:ea typeface="+mn-ea"/>
+                    <a:cs typeface="+mn-cs"/>
+                  </a:defRPr>
+                </a:pPr>
+                <a:r>
+                  <a:rPr lang="en-US"/>
+                  <a:t>Models</a:t>
+                </a:r>
+              </a:p>
+            </c:rich>
+          </c:tx>
+          <c:overlay val="0"/>
+          <c:spPr>
+            <a:noFill/>
+            <a:ln>
+              <a:noFill/>
+            </a:ln>
+            <a:effectLst/>
+          </c:spPr>
+          <c:txPr>
+            <a:bodyPr rot="0" spcFirstLastPara="1" vertOverflow="ellipsis" vert="horz" wrap="square" anchor="ctr" anchorCtr="1"/>
+            <a:lstStyle/>
+            <a:p>
+              <a:pPr>
+                <a:defRPr sz="1000" b="0" i="0" u="none" strike="noStrike" kern="1200" baseline="0">
+                  <a:solidFill>
+                    <a:schemeClr val="tx1">
+                      <a:lumMod val="65000"/>
+                      <a:lumOff val="35000"/>
+                    </a:schemeClr>
+                  </a:solidFill>
+                  <a:latin typeface="+mn-lt"/>
+                  <a:ea typeface="+mn-ea"/>
+                  <a:cs typeface="+mn-cs"/>
+                </a:defRPr>
+              </a:pPr>
+              <a:endParaRPr lang="en-US"/>
+            </a:p>
+          </c:txPr>
+        </c:title>
+        <c:numFmt formatCode="General" sourceLinked="1"/>
+        <c:majorTickMark val="none"/>
+        <c:minorTickMark val="none"/>
+        <c:tickLblPos val="nextTo"/>
+        <c:spPr>
+          <a:noFill/>
+          <a:ln w="9525" cap="flat" cmpd="sng" algn="ctr">
+            <a:solidFill>
+              <a:schemeClr val="tx1">
+                <a:lumMod val="15000"/>
+                <a:lumOff val="85000"/>
+              </a:schemeClr>
+            </a:solidFill>
+            <a:round/>
+          </a:ln>
+          <a:effectLst/>
+        </c:spPr>
+        <c:txPr>
+          <a:bodyPr rot="-60000000" spcFirstLastPara="1" vertOverflow="ellipsis" vert="horz" wrap="square" anchor="ctr" anchorCtr="1"/>
+          <a:lstStyle/>
+          <a:p>
+            <a:pPr>
+              <a:defRPr sz="900" b="0" i="0" u="none" strike="noStrike" kern="1200" baseline="0">
+                <a:solidFill>
+                  <a:schemeClr val="tx1">
+                    <a:lumMod val="65000"/>
+                    <a:lumOff val="35000"/>
+                  </a:schemeClr>
+                </a:solidFill>
+                <a:latin typeface="+mn-lt"/>
+                <a:ea typeface="+mn-ea"/>
+                <a:cs typeface="+mn-cs"/>
+              </a:defRPr>
+            </a:pPr>
+            <a:endParaRPr lang="en-US"/>
+          </a:p>
+        </c:txPr>
+        <c:crossAx val="519175456"/>
+        <c:crosses val="autoZero"/>
+        <c:auto val="1"/>
+        <c:lblAlgn val="ctr"/>
+        <c:lblOffset val="100"/>
+        <c:noMultiLvlLbl val="0"/>
+      </c:catAx>
+      <c:valAx>
+        <c:axId val="519175456"/>
+        <c:scaling>
+          <c:orientation val="minMax"/>
+          <c:max val="1"/>
+        </c:scaling>
+        <c:delete val="0"/>
+        <c:axPos val="l"/>
+        <c:majorGridlines>
+          <c:spPr>
+            <a:ln w="9525" cap="flat" cmpd="sng" algn="ctr">
+              <a:solidFill>
+                <a:schemeClr val="bg1">
+                  <a:lumMod val="95000"/>
+                </a:schemeClr>
+              </a:solidFill>
+              <a:round/>
+            </a:ln>
+            <a:effectLst/>
+          </c:spPr>
+        </c:majorGridlines>
+        <c:title>
+          <c:tx>
+            <c:rich>
+              <a:bodyPr rot="-5400000" spcFirstLastPara="1" vertOverflow="ellipsis" vert="horz" wrap="square" anchor="ctr" anchorCtr="1"/>
+              <a:lstStyle/>
+              <a:p>
+                <a:pPr>
+                  <a:defRPr sz="1000" b="0" i="0" u="none" strike="noStrike" kern="1200" baseline="0">
+                    <a:solidFill>
+                      <a:schemeClr val="tx1">
+                        <a:lumMod val="65000"/>
+                        <a:lumOff val="35000"/>
+                      </a:schemeClr>
+                    </a:solidFill>
+                    <a:latin typeface="+mn-lt"/>
+                    <a:ea typeface="+mn-ea"/>
+                    <a:cs typeface="+mn-cs"/>
+                  </a:defRPr>
+                </a:pPr>
+                <a:r>
+                  <a:rPr lang="en-US"/>
+                  <a:t>Error</a:t>
+                </a:r>
+                <a:r>
+                  <a:rPr lang="en-US" baseline="0"/>
+                  <a:t> Rate</a:t>
+                </a:r>
+              </a:p>
+              <a:p>
+                <a:pPr>
+                  <a:defRPr/>
+                </a:pPr>
+                <a:endParaRPr lang="en-US"/>
+              </a:p>
+            </c:rich>
+          </c:tx>
+          <c:overlay val="0"/>
+          <c:spPr>
+            <a:noFill/>
+            <a:ln>
+              <a:noFill/>
+            </a:ln>
+            <a:effectLst/>
+          </c:spPr>
+          <c:txPr>
+            <a:bodyPr rot="-5400000" spcFirstLastPara="1" vertOverflow="ellipsis" vert="horz" wrap="square" anchor="ctr" anchorCtr="1"/>
+            <a:lstStyle/>
+            <a:p>
+              <a:pPr>
+                <a:defRPr sz="1000" b="0" i="0" u="none" strike="noStrike" kern="1200" baseline="0">
+                  <a:solidFill>
+                    <a:schemeClr val="tx1">
+                      <a:lumMod val="65000"/>
+                      <a:lumOff val="35000"/>
+                    </a:schemeClr>
+                  </a:solidFill>
+                  <a:latin typeface="+mn-lt"/>
+                  <a:ea typeface="+mn-ea"/>
+                  <a:cs typeface="+mn-cs"/>
+                </a:defRPr>
+              </a:pPr>
+              <a:endParaRPr lang="en-US"/>
+            </a:p>
+          </c:txPr>
+        </c:title>
+        <c:numFmt formatCode="General" sourceLinked="1"/>
+        <c:majorTickMark val="none"/>
+        <c:minorTickMark val="none"/>
+        <c:tickLblPos val="nextTo"/>
+        <c:spPr>
+          <a:noFill/>
+          <a:ln>
+            <a:noFill/>
+          </a:ln>
+          <a:effectLst/>
+        </c:spPr>
+        <c:txPr>
+          <a:bodyPr rot="-60000000" spcFirstLastPara="1" vertOverflow="ellipsis" vert="horz" wrap="square" anchor="ctr" anchorCtr="1"/>
+          <a:lstStyle/>
+          <a:p>
+            <a:pPr>
+              <a:defRPr sz="900" b="0" i="0" u="none" strike="noStrike" kern="1200" baseline="0">
+                <a:solidFill>
+                  <a:schemeClr val="tx1">
+                    <a:lumMod val="65000"/>
+                    <a:lumOff val="35000"/>
+                  </a:schemeClr>
+                </a:solidFill>
+                <a:latin typeface="+mn-lt"/>
+                <a:ea typeface="+mn-ea"/>
+                <a:cs typeface="+mn-cs"/>
+              </a:defRPr>
+            </a:pPr>
+            <a:endParaRPr lang="en-US"/>
+          </a:p>
+        </c:txPr>
+        <c:crossAx val="519174144"/>
+        <c:crosses val="autoZero"/>
+        <c:crossBetween val="between"/>
+      </c:valAx>
+      <c:spPr>
+        <a:noFill/>
+        <a:ln>
+          <a:noFill/>
+        </a:ln>
+        <a:effectLst/>
+      </c:spPr>
+    </c:plotArea>
+    <c:legend>
+      <c:legendPos val="t"/>
+      <c:overlay val="0"/>
+      <c:spPr>
+        <a:noFill/>
+        <a:ln>
+          <a:noFill/>
+        </a:ln>
+        <a:effectLst/>
+      </c:spPr>
+      <c:txPr>
+        <a:bodyPr rot="0" spcFirstLastPara="1" vertOverflow="ellipsis" vert="horz" wrap="square" anchor="ctr" anchorCtr="1"/>
+        <a:lstStyle/>
+        <a:p>
+          <a:pPr>
+            <a:defRPr sz="900" b="0" i="0" u="none" strike="noStrike" kern="1200" baseline="0">
+              <a:solidFill>
+                <a:schemeClr val="tx1">
+                  <a:lumMod val="65000"/>
+                  <a:lumOff val="35000"/>
+                </a:schemeClr>
+              </a:solidFill>
+              <a:latin typeface="+mn-lt"/>
+              <a:ea typeface="+mn-ea"/>
+              <a:cs typeface="+mn-cs"/>
+            </a:defRPr>
+          </a:pPr>
+          <a:endParaRPr lang="en-US"/>
+        </a:p>
+      </c:txPr>
+    </c:legend>
+    <c:plotVisOnly val="1"/>
+    <c:dispBlanksAs val="gap"/>
+    <c:extLst>
+      <c:ext xmlns:c16r3="http://schemas.microsoft.com/office/drawing/2017/03/chart" uri="{56B9EC1D-385E-4148-901F-78D8002777C0}">
+        <c16r3:dataDisplayOptions16>
+          <c16r3:dispNaAsBlank val="1"/>
+        </c16r3:dataDisplayOptions16>
+      </c:ext>
+    </c:extLst>
+    <c:showDLblsOverMax val="0"/>
+  </c:chart>
+  <c:spPr>
+    <a:noFill/>
+    <a:ln>
+      <a:noFill/>
+    </a:ln>
+    <a:effectLst/>
+  </c:spPr>
+  <c:txPr>
+    <a:bodyPr/>
+    <a:lstStyle/>
+    <a:p>
+      <a:pPr>
+        <a:defRPr/>
+      </a:pPr>
+      <a:endParaRPr lang="en-US"/>
+    </a:p>
+  </c:txPr>
+  <c:externalData r:id="rId3">
+    <c:autoUpdate val="0"/>
+  </c:externalData>
+</c:chartSpace>
+</file>
+
+<file path=ppt/charts/colors1.xml><?xml version="1.0" encoding="utf-8"?>
+<cs:colorStyle xmlns:cs="http://schemas.microsoft.com/office/drawing/2012/chartStyle" xmlns:a="http://schemas.openxmlformats.org/drawingml/2006/main" meth="cycle" id="10">
+  <a:schemeClr val="accent1"/>
+  <a:schemeClr val="accent2"/>
+  <a:schemeClr val="accent3"/>
+  <a:schemeClr val="accent4"/>
+  <a:schemeClr val="accent5"/>
+  <a:schemeClr val="accent6"/>
+  <cs:variation/>
+  <cs:variation>
+    <a:lumMod val="60000"/>
+  </cs:variation>
+  <cs:variation>
+    <a:lumMod val="80000"/>
+    <a:lumOff val="20000"/>
+  </cs:variation>
+  <cs:variation>
+    <a:lumMod val="80000"/>
+  </cs:variation>
+  <cs:variation>
+    <a:lumMod val="60000"/>
+    <a:lumOff val="40000"/>
+  </cs:variation>
+  <cs:variation>
+    <a:lumMod val="50000"/>
+  </cs:variation>
+  <cs:variation>
+    <a:lumMod val="70000"/>
+    <a:lumOff val="30000"/>
+  </cs:variation>
+  <cs:variation>
+    <a:lumMod val="70000"/>
+  </cs:variation>
+  <cs:variation>
+    <a:lumMod val="50000"/>
+    <a:lumOff val="50000"/>
+  </cs:variation>
+</cs:colorStyle>
+</file>
+
+<file path=ppt/charts/colors2.xml><?xml version="1.0" encoding="utf-8"?>
+<cs:colorStyle xmlns:cs="http://schemas.microsoft.com/office/drawing/2012/chartStyle" xmlns:a="http://schemas.openxmlformats.org/drawingml/2006/main" meth="cycle" id="10">
+  <a:schemeClr val="accent1"/>
+  <a:schemeClr val="accent2"/>
+  <a:schemeClr val="accent3"/>
+  <a:schemeClr val="accent4"/>
+  <a:schemeClr val="accent5"/>
+  <a:schemeClr val="accent6"/>
+  <cs:variation/>
+  <cs:variation>
+    <a:lumMod val="60000"/>
+  </cs:variation>
+  <cs:variation>
+    <a:lumMod val="80000"/>
+    <a:lumOff val="20000"/>
+  </cs:variation>
+  <cs:variation>
+    <a:lumMod val="80000"/>
+  </cs:variation>
+  <cs:variation>
+    <a:lumMod val="60000"/>
+    <a:lumOff val="40000"/>
+  </cs:variation>
+  <cs:variation>
+    <a:lumMod val="50000"/>
+  </cs:variation>
+  <cs:variation>
+    <a:lumMod val="70000"/>
+    <a:lumOff val="30000"/>
+  </cs:variation>
+  <cs:variation>
+    <a:lumMod val="70000"/>
+  </cs:variation>
+  <cs:variation>
+    <a:lumMod val="50000"/>
+    <a:lumOff val="50000"/>
+  </cs:variation>
+</cs:colorStyle>
+</file>
+
+<file path=ppt/charts/colors3.xml><?xml version="1.0" encoding="utf-8"?>
+<cs:colorStyle xmlns:cs="http://schemas.microsoft.com/office/drawing/2012/chartStyle" xmlns:a="http://schemas.openxmlformats.org/drawingml/2006/main" meth="cycle" id="10">
+  <a:schemeClr val="accent1"/>
+  <a:schemeClr val="accent2"/>
+  <a:schemeClr val="accent3"/>
+  <a:schemeClr val="accent4"/>
+  <a:schemeClr val="accent5"/>
+  <a:schemeClr val="accent6"/>
+  <cs:variation/>
+  <cs:variation>
+    <a:lumMod val="60000"/>
+  </cs:variation>
+  <cs:variation>
+    <a:lumMod val="80000"/>
+    <a:lumOff val="20000"/>
+  </cs:variation>
+  <cs:variation>
+    <a:lumMod val="80000"/>
+  </cs:variation>
+  <cs:variation>
+    <a:lumMod val="60000"/>
+    <a:lumOff val="40000"/>
+  </cs:variation>
+  <cs:variation>
+    <a:lumMod val="50000"/>
+  </cs:variation>
+  <cs:variation>
+    <a:lumMod val="70000"/>
+    <a:lumOff val="30000"/>
+  </cs:variation>
+  <cs:variation>
+    <a:lumMod val="70000"/>
+  </cs:variation>
+  <cs:variation>
+    <a:lumMod val="50000"/>
+    <a:lumOff val="50000"/>
+  </cs:variation>
+</cs:colorStyle>
+</file>
+
+<file path=ppt/charts/style1.xml><?xml version="1.0" encoding="utf-8"?>
+<cs:chartStyle xmlns:cs="http://schemas.microsoft.com/office/drawing/2012/chartStyle" xmlns:a="http://schemas.openxmlformats.org/drawingml/2006/main" id="201">
+  <cs:axisTitle>
+    <cs:lnRef idx="0"/>
+    <cs:fillRef idx="0"/>
+    <cs:effectRef idx="0"/>
+    <cs:fontRef idx="minor">
+      <a:schemeClr val="tx1">
+        <a:lumMod val="65000"/>
+        <a:lumOff val="35000"/>
+      </a:schemeClr>
+    </cs:fontRef>
+    <cs:defRPr sz="1000" kern="1200"/>
+  </cs:axisTitle>
+  <cs:categoryAxis>
+    <cs:lnRef idx="0"/>
+    <cs:fillRef idx="0"/>
+    <cs:effectRef idx="0"/>
+    <cs:fontRef idx="minor">
+      <a:schemeClr val="tx1">
+        <a:lumMod val="65000"/>
+        <a:lumOff val="35000"/>
+      </a:schemeClr>
+    </cs:fontRef>
+    <cs:spPr>
+      <a:ln w="9525" cap="flat" cmpd="sng" algn="ctr">
+        <a:solidFill>
+          <a:schemeClr val="tx1">
+            <a:lumMod val="15000"/>
+            <a:lumOff val="85000"/>
+          </a:schemeClr>
+        </a:solidFill>
+        <a:round/>
+      </a:ln>
+    </cs:spPr>
+    <cs:defRPr sz="900" kern="1200"/>
+  </cs:categoryAxis>
+  <cs:chartArea mods="allowNoFillOverride allowNoLineOverride">
+    <cs:lnRef idx="0"/>
+    <cs:fillRef idx="0"/>
+    <cs:effectRef idx="0"/>
+    <cs:fontRef idx="minor">
+      <a:schemeClr val="tx1"/>
+    </cs:fontRef>
+    <cs:spPr>
+      <a:solidFill>
+        <a:schemeClr val="bg1"/>
+      </a:solidFill>
+      <a:ln w="9525" cap="flat" cmpd="sng" algn="ctr">
+        <a:solidFill>
+          <a:schemeClr val="tx1">
+            <a:lumMod val="15000"/>
+            <a:lumOff val="85000"/>
+          </a:schemeClr>
+        </a:solidFill>
+        <a:round/>
+      </a:ln>
+    </cs:spPr>
+    <cs:defRPr sz="1000" kern="1200"/>
+  </cs:chartArea>
+  <cs:dataLabel>
+    <cs:lnRef idx="0"/>
+    <cs:fillRef idx="0"/>
+    <cs:effectRef idx="0"/>
+    <cs:fontRef idx="minor">
+      <a:schemeClr val="tx1">
+        <a:lumMod val="75000"/>
+        <a:lumOff val="25000"/>
+      </a:schemeClr>
+    </cs:fontRef>
+    <cs:defRPr sz="900" kern="1200"/>
+  </cs:dataLabel>
+  <cs:dataLabelCallout>
+    <cs:lnRef idx="0"/>
+    <cs:fillRef idx="0"/>
+    <cs:effectRef idx="0"/>
+    <cs:fontRef idx="minor">
+      <a:schemeClr val="dk1">
+        <a:lumMod val="65000"/>
+        <a:lumOff val="35000"/>
+      </a:schemeClr>
+    </cs:fontRef>
+    <cs:spPr>
+      <a:solidFill>
+        <a:schemeClr val="lt1"/>
+      </a:solidFill>
+      <a:ln>
+        <a:solidFill>
+          <a:schemeClr val="dk1">
+            <a:lumMod val="25000"/>
+            <a:lumOff val="75000"/>
+          </a:schemeClr>
+        </a:solidFill>
+      </a:ln>
+    </cs:spPr>
+    <cs:defRPr sz="900" kern="1200"/>
+    <cs:bodyPr rot="0" spcFirstLastPara="1" vertOverflow="clip" horzOverflow="clip" vert="horz" wrap="square" lIns="36576" tIns="18288" rIns="36576" bIns="18288" anchor="ctr" anchorCtr="1">
+      <a:spAutoFit/>
+    </cs:bodyPr>
+  </cs:dataLabelCallout>
+  <cs:dataPoint>
+    <cs:lnRef idx="0"/>
+    <cs:fillRef idx="1">
+      <cs:styleClr val="auto"/>
+    </cs:fillRef>
+    <cs:effectRef idx="0"/>
+    <cs:fontRef idx="minor">
+      <a:schemeClr val="tx1"/>
+    </cs:fontRef>
+  </cs:dataPoint>
+  <cs:dataPoint3D>
+    <cs:lnRef idx="0"/>
+    <cs:fillRef idx="1">
+      <cs:styleClr val="auto"/>
+    </cs:fillRef>
+    <cs:effectRef idx="0"/>
+    <cs:fontRef idx="minor">
+      <a:schemeClr val="tx1"/>
+    </cs:fontRef>
+  </cs:dataPoint3D>
+  <cs:dataPointLine>
+    <cs:lnRef idx="0">
+      <cs:styleClr val="auto"/>
+    </cs:lnRef>
+    <cs:fillRef idx="1"/>
+    <cs:effectRef idx="0"/>
+    <cs:fontRef idx="minor">
+      <a:schemeClr val="tx1"/>
+    </cs:fontRef>
+    <cs:spPr>
+      <a:ln w="28575" cap="rnd">
+        <a:solidFill>
+          <a:schemeClr val="phClr"/>
+        </a:solidFill>
+        <a:round/>
+      </a:ln>
+    </cs:spPr>
+  </cs:dataPointLine>
+  <cs:dataPointMarker>
+    <cs:lnRef idx="0">
+      <cs:styleClr val="auto"/>
+    </cs:lnRef>
+    <cs:fillRef idx="1">
+      <cs:styleClr val="auto"/>
+    </cs:fillRef>
+    <cs:effectRef idx="0"/>
+    <cs:fontRef idx="minor">
+      <a:schemeClr val="tx1"/>
+    </cs:fontRef>
+    <cs:spPr>
+      <a:ln w="9525">
+        <a:solidFill>
+          <a:schemeClr val="phClr"/>
+        </a:solidFill>
+      </a:ln>
+    </cs:spPr>
+  </cs:dataPointMarker>
+  <cs:dataPointMarkerLayout symbol="circle" size="5"/>
+  <cs:dataPointWireframe>
+    <cs:lnRef idx="0">
+      <cs:styleClr val="auto"/>
+    </cs:lnRef>
+    <cs:fillRef idx="1"/>
+    <cs:effectRef idx="0"/>
+    <cs:fontRef idx="minor">
+      <a:schemeClr val="tx1"/>
+    </cs:fontRef>
+    <cs:spPr>
+      <a:ln w="9525" cap="rnd">
+        <a:solidFill>
+          <a:schemeClr val="phClr"/>
+        </a:solidFill>
+        <a:round/>
+      </a:ln>
+    </cs:spPr>
+  </cs:dataPointWireframe>
+  <cs:dataTable>
+    <cs:lnRef idx="0"/>
+    <cs:fillRef idx="0"/>
+    <cs:effectRef idx="0"/>
+    <cs:fontRef idx="minor">
+      <a:schemeClr val="tx1">
+        <a:lumMod val="65000"/>
+        <a:lumOff val="35000"/>
+      </a:schemeClr>
+    </cs:fontRef>
+    <cs:spPr>
+      <a:noFill/>
+      <a:ln w="9525" cap="flat" cmpd="sng" algn="ctr">
+        <a:solidFill>
+          <a:schemeClr val="tx1">
+            <a:lumMod val="15000"/>
+            <a:lumOff val="85000"/>
+          </a:schemeClr>
+        </a:solidFill>
+        <a:round/>
+      </a:ln>
+    </cs:spPr>
+    <cs:defRPr sz="900" kern="1200"/>
+  </cs:dataTable>
+  <cs:downBar>
+    <cs:lnRef idx="0"/>
+    <cs:fillRef idx="0"/>
+    <cs:effectRef idx="0"/>
+    <cs:fontRef idx="minor">
+      <a:schemeClr val="dk1"/>
+    </cs:fontRef>
+    <cs:spPr>
+      <a:solidFill>
+        <a:schemeClr val="dk1">
+          <a:lumMod val="65000"/>
+          <a:lumOff val="35000"/>
+        </a:schemeClr>
+      </a:solidFill>
+      <a:ln w="9525">
+        <a:solidFill>
+          <a:schemeClr val="tx1">
+            <a:lumMod val="65000"/>
+            <a:lumOff val="35000"/>
+          </a:schemeClr>
+        </a:solidFill>
+      </a:ln>
+    </cs:spPr>
+  </cs:downBar>
+  <cs:dropLine>
+    <cs:lnRef idx="0"/>
+    <cs:fillRef idx="0"/>
+    <cs:effectRef idx="0"/>
+    <cs:fontRef idx="minor">
+      <a:schemeClr val="tx1"/>
+    </cs:fontRef>
+    <cs:spPr>
+      <a:ln w="9525" cap="flat" cmpd="sng" algn="ctr">
+        <a:solidFill>
+          <a:schemeClr val="tx1">
+            <a:lumMod val="35000"/>
+            <a:lumOff val="65000"/>
+          </a:schemeClr>
+        </a:solidFill>
+        <a:round/>
+      </a:ln>
+    </cs:spPr>
+  </cs:dropLine>
+  <cs:errorBar>
+    <cs:lnRef idx="0"/>
+    <cs:fillRef idx="0"/>
+    <cs:effectRef idx="0"/>
+    <cs:fontRef idx="minor">
+      <a:schemeClr val="tx1"/>
+    </cs:fontRef>
+    <cs:spPr>
+      <a:ln w="9525" cap="flat" cmpd="sng" algn="ctr">
+        <a:solidFill>
+          <a:schemeClr val="tx1">
+            <a:lumMod val="65000"/>
+            <a:lumOff val="35000"/>
+          </a:schemeClr>
+        </a:solidFill>
+        <a:round/>
+      </a:ln>
+    </cs:spPr>
+  </cs:errorBar>
+  <cs:floor>
+    <cs:lnRef idx="0"/>
+    <cs:fillRef idx="0"/>
+    <cs:effectRef idx="0"/>
+    <cs:fontRef idx="minor">
+      <a:schemeClr val="tx1"/>
+    </cs:fontRef>
+    <cs:spPr>
+      <a:noFill/>
+      <a:ln>
+        <a:noFill/>
+      </a:ln>
+    </cs:spPr>
+  </cs:floor>
+  <cs:gridlineMajor>
+    <cs:lnRef idx="0"/>
+    <cs:fillRef idx="0"/>
+    <cs:effectRef idx="0"/>
+    <cs:fontRef idx="minor">
+      <a:schemeClr val="tx1"/>
+    </cs:fontRef>
+    <cs:spPr>
+      <a:ln w="9525" cap="flat" cmpd="sng" algn="ctr">
+        <a:solidFill>
+          <a:schemeClr val="tx1">
+            <a:lumMod val="15000"/>
+            <a:lumOff val="85000"/>
+          </a:schemeClr>
+        </a:solidFill>
+        <a:round/>
+      </a:ln>
+    </cs:spPr>
+  </cs:gridlineMajor>
+  <cs:gridlineMinor>
+    <cs:lnRef idx="0"/>
+    <cs:fillRef idx="0"/>
+    <cs:effectRef idx="0"/>
+    <cs:fontRef idx="minor">
+      <a:schemeClr val="tx1"/>
+    </cs:fontRef>
+    <cs:spPr>
+      <a:ln w="9525" cap="flat" cmpd="sng" algn="ctr">
+        <a:solidFill>
+          <a:schemeClr val="tx1">
+            <a:lumMod val="5000"/>
+            <a:lumOff val="95000"/>
+          </a:schemeClr>
+        </a:solidFill>
+        <a:round/>
+      </a:ln>
+    </cs:spPr>
+  </cs:gridlineMinor>
+  <cs:hiLoLine>
+    <cs:lnRef idx="0"/>
+    <cs:fillRef idx="0"/>
+    <cs:effectRef idx="0"/>
+    <cs:fontRef idx="minor">
+      <a:schemeClr val="tx1"/>
+    </cs:fontRef>
+    <cs:spPr>
+      <a:ln w="9525" cap="flat" cmpd="sng" algn="ctr">
+        <a:solidFill>
+          <a:schemeClr val="tx1">
+            <a:lumMod val="75000"/>
+            <a:lumOff val="25000"/>
+          </a:schemeClr>
+        </a:solidFill>
+        <a:round/>
+      </a:ln>
+    </cs:spPr>
+  </cs:hiLoLine>
+  <cs:leaderLine>
+    <cs:lnRef idx="0"/>
+    <cs:fillRef idx="0"/>
+    <cs:effectRef idx="0"/>
+    <cs:fontRef idx="minor">
+      <a:schemeClr val="tx1"/>
+    </cs:fontRef>
+    <cs:spPr>
+      <a:ln w="9525" cap="flat" cmpd="sng" algn="ctr">
+        <a:solidFill>
+          <a:schemeClr val="tx1">
+            <a:lumMod val="35000"/>
+            <a:lumOff val="65000"/>
+          </a:schemeClr>
+        </a:solidFill>
+        <a:round/>
+      </a:ln>
+    </cs:spPr>
+  </cs:leaderLine>
+  <cs:legend>
+    <cs:lnRef idx="0"/>
+    <cs:fillRef idx="0"/>
+    <cs:effectRef idx="0"/>
+    <cs:fontRef idx="minor">
+      <a:schemeClr val="tx1">
+        <a:lumMod val="65000"/>
+        <a:lumOff val="35000"/>
+      </a:schemeClr>
+    </cs:fontRef>
+    <cs:defRPr sz="900" kern="1200"/>
+  </cs:legend>
+  <cs:plotArea mods="allowNoFillOverride allowNoLineOverride">
+    <cs:lnRef idx="0"/>
+    <cs:fillRef idx="0"/>
+    <cs:effectRef idx="0"/>
+    <cs:fontRef idx="minor">
+      <a:schemeClr val="tx1"/>
+    </cs:fontRef>
+  </cs:plotArea>
+  <cs:plotArea3D mods="allowNoFillOverride allowNoLineOverride">
+    <cs:lnRef idx="0"/>
+    <cs:fillRef idx="0"/>
+    <cs:effectRef idx="0"/>
+    <cs:fontRef idx="minor">
+      <a:schemeClr val="tx1"/>
+    </cs:fontRef>
+  </cs:plotArea3D>
+  <cs:seriesAxis>
+    <cs:lnRef idx="0"/>
+    <cs:fillRef idx="0"/>
+    <cs:effectRef idx="0"/>
+    <cs:fontRef idx="minor">
+      <a:schemeClr val="tx1">
+        <a:lumMod val="65000"/>
+        <a:lumOff val="35000"/>
+      </a:schemeClr>
+    </cs:fontRef>
+    <cs:defRPr sz="900" kern="1200"/>
+  </cs:seriesAxis>
+  <cs:seriesLine>
+    <cs:lnRef idx="0"/>
+    <cs:fillRef idx="0"/>
+    <cs:effectRef idx="0"/>
+    <cs:fontRef idx="minor">
+      <a:schemeClr val="tx1"/>
+    </cs:fontRef>
+    <cs:spPr>
+      <a:ln w="9525" cap="flat" cmpd="sng" algn="ctr">
+        <a:solidFill>
+          <a:schemeClr val="tx1">
+            <a:lumMod val="35000"/>
+            <a:lumOff val="65000"/>
+          </a:schemeClr>
+        </a:solidFill>
+        <a:round/>
+      </a:ln>
+    </cs:spPr>
+  </cs:seriesLine>
+  <cs:title>
+    <cs:lnRef idx="0"/>
+    <cs:fillRef idx="0"/>
+    <cs:effectRef idx="0"/>
+    <cs:fontRef idx="minor">
+      <a:schemeClr val="tx1">
+        <a:lumMod val="65000"/>
+        <a:lumOff val="35000"/>
+      </a:schemeClr>
+    </cs:fontRef>
+    <cs:defRPr sz="1400" b="0" kern="1200" spc="0" baseline="0"/>
+  </cs:title>
+  <cs:trendline>
+    <cs:lnRef idx="0">
+      <cs:styleClr val="auto"/>
+    </cs:lnRef>
+    <cs:fillRef idx="0"/>
+    <cs:effectRef idx="0"/>
+    <cs:fontRef idx="minor">
+      <a:schemeClr val="tx1"/>
+    </cs:fontRef>
+    <cs:spPr>
+      <a:ln w="19050" cap="rnd">
+        <a:solidFill>
+          <a:schemeClr val="phClr"/>
+        </a:solidFill>
+        <a:prstDash val="sysDot"/>
+      </a:ln>
+    </cs:spPr>
+  </cs:trendline>
+  <cs:trendlineLabel>
+    <cs:lnRef idx="0"/>
+    <cs:fillRef idx="0"/>
+    <cs:effectRef idx="0"/>
+    <cs:fontRef idx="minor">
+      <a:schemeClr val="tx1">
+        <a:lumMod val="65000"/>
+        <a:lumOff val="35000"/>
+      </a:schemeClr>
+    </cs:fontRef>
+    <cs:defRPr sz="900" kern="1200"/>
+  </cs:trendlineLabel>
+  <cs:upBar>
+    <cs:lnRef idx="0"/>
+    <cs:fillRef idx="0"/>
+    <cs:effectRef idx="0"/>
+    <cs:fontRef idx="minor">
+      <a:schemeClr val="dk1"/>
+    </cs:fontRef>
+    <cs:spPr>
+      <a:solidFill>
+        <a:schemeClr val="lt1"/>
+      </a:solidFill>
+      <a:ln w="9525">
+        <a:solidFill>
+          <a:schemeClr val="tx1">
+            <a:lumMod val="15000"/>
+            <a:lumOff val="85000"/>
+          </a:schemeClr>
+        </a:solidFill>
+      </a:ln>
+    </cs:spPr>
+  </cs:upBar>
+  <cs:valueAxis>
+    <cs:lnRef idx="0"/>
+    <cs:fillRef idx="0"/>
+    <cs:effectRef idx="0"/>
+    <cs:fontRef idx="minor">
+      <a:schemeClr val="tx1">
+        <a:lumMod val="65000"/>
+        <a:lumOff val="35000"/>
+      </a:schemeClr>
+    </cs:fontRef>
+    <cs:defRPr sz="900" kern="1200"/>
+  </cs:valueAxis>
+  <cs:wall>
+    <cs:lnRef idx="0"/>
+    <cs:fillRef idx="0"/>
+    <cs:effectRef idx="0"/>
+    <cs:fontRef idx="minor">
+      <a:schemeClr val="tx1"/>
+    </cs:fontRef>
+    <cs:spPr>
+      <a:noFill/>
+      <a:ln>
+        <a:noFill/>
+      </a:ln>
+    </cs:spPr>
+  </cs:wall>
+</cs:chartStyle>
+</file>
+
+<file path=ppt/charts/style2.xml><?xml version="1.0" encoding="utf-8"?>
+<cs:chartStyle xmlns:cs="http://schemas.microsoft.com/office/drawing/2012/chartStyle" xmlns:a="http://schemas.openxmlformats.org/drawingml/2006/main" id="201">
+  <cs:axisTitle>
+    <cs:lnRef idx="0"/>
+    <cs:fillRef idx="0"/>
+    <cs:effectRef idx="0"/>
+    <cs:fontRef idx="minor">
+      <a:schemeClr val="tx1">
+        <a:lumMod val="65000"/>
+        <a:lumOff val="35000"/>
+      </a:schemeClr>
+    </cs:fontRef>
+    <cs:defRPr sz="1000" kern="1200"/>
+  </cs:axisTitle>
+  <cs:categoryAxis>
+    <cs:lnRef idx="0"/>
+    <cs:fillRef idx="0"/>
+    <cs:effectRef idx="0"/>
+    <cs:fontRef idx="minor">
+      <a:schemeClr val="tx1">
+        <a:lumMod val="65000"/>
+        <a:lumOff val="35000"/>
+      </a:schemeClr>
+    </cs:fontRef>
+    <cs:spPr>
+      <a:ln w="9525" cap="flat" cmpd="sng" algn="ctr">
+        <a:solidFill>
+          <a:schemeClr val="tx1">
+            <a:lumMod val="15000"/>
+            <a:lumOff val="85000"/>
+          </a:schemeClr>
+        </a:solidFill>
+        <a:round/>
+      </a:ln>
+    </cs:spPr>
+    <cs:defRPr sz="900" kern="1200"/>
+  </cs:categoryAxis>
+  <cs:chartArea mods="allowNoFillOverride allowNoLineOverride">
+    <cs:lnRef idx="0"/>
+    <cs:fillRef idx="0"/>
+    <cs:effectRef idx="0"/>
+    <cs:fontRef idx="minor">
+      <a:schemeClr val="tx1"/>
+    </cs:fontRef>
+    <cs:spPr>
+      <a:solidFill>
+        <a:schemeClr val="bg1"/>
+      </a:solidFill>
+      <a:ln w="9525" cap="flat" cmpd="sng" algn="ctr">
+        <a:solidFill>
+          <a:schemeClr val="tx1">
+            <a:lumMod val="15000"/>
+            <a:lumOff val="85000"/>
+          </a:schemeClr>
+        </a:solidFill>
+        <a:round/>
+      </a:ln>
+    </cs:spPr>
+    <cs:defRPr sz="1000" kern="1200"/>
+  </cs:chartArea>
+  <cs:dataLabel>
+    <cs:lnRef idx="0"/>
+    <cs:fillRef idx="0"/>
+    <cs:effectRef idx="0"/>
+    <cs:fontRef idx="minor">
+      <a:schemeClr val="tx1">
+        <a:lumMod val="75000"/>
+        <a:lumOff val="25000"/>
+      </a:schemeClr>
+    </cs:fontRef>
+    <cs:defRPr sz="900" kern="1200"/>
+  </cs:dataLabel>
+  <cs:dataLabelCallout>
+    <cs:lnRef idx="0"/>
+    <cs:fillRef idx="0"/>
+    <cs:effectRef idx="0"/>
+    <cs:fontRef idx="minor">
+      <a:schemeClr val="dk1">
+        <a:lumMod val="65000"/>
+        <a:lumOff val="35000"/>
+      </a:schemeClr>
+    </cs:fontRef>
+    <cs:spPr>
+      <a:solidFill>
+        <a:schemeClr val="lt1"/>
+      </a:solidFill>
+      <a:ln>
+        <a:solidFill>
+          <a:schemeClr val="dk1">
+            <a:lumMod val="25000"/>
+            <a:lumOff val="75000"/>
+          </a:schemeClr>
+        </a:solidFill>
+      </a:ln>
+    </cs:spPr>
+    <cs:defRPr sz="900" kern="1200"/>
+    <cs:bodyPr rot="0" spcFirstLastPara="1" vertOverflow="clip" horzOverflow="clip" vert="horz" wrap="square" lIns="36576" tIns="18288" rIns="36576" bIns="18288" anchor="ctr" anchorCtr="1">
+      <a:spAutoFit/>
+    </cs:bodyPr>
+  </cs:dataLabelCallout>
+  <cs:dataPoint>
+    <cs:lnRef idx="0"/>
+    <cs:fillRef idx="1">
+      <cs:styleClr val="auto"/>
+    </cs:fillRef>
+    <cs:effectRef idx="0"/>
+    <cs:fontRef idx="minor">
+      <a:schemeClr val="tx1"/>
+    </cs:fontRef>
+  </cs:dataPoint>
+  <cs:dataPoint3D>
+    <cs:lnRef idx="0"/>
+    <cs:fillRef idx="1">
+      <cs:styleClr val="auto"/>
+    </cs:fillRef>
+    <cs:effectRef idx="0"/>
+    <cs:fontRef idx="minor">
+      <a:schemeClr val="tx1"/>
+    </cs:fontRef>
+  </cs:dataPoint3D>
+  <cs:dataPointLine>
+    <cs:lnRef idx="0">
+      <cs:styleClr val="auto"/>
+    </cs:lnRef>
+    <cs:fillRef idx="1"/>
+    <cs:effectRef idx="0"/>
+    <cs:fontRef idx="minor">
+      <a:schemeClr val="tx1"/>
+    </cs:fontRef>
+    <cs:spPr>
+      <a:ln w="28575" cap="rnd">
+        <a:solidFill>
+          <a:schemeClr val="phClr"/>
+        </a:solidFill>
+        <a:round/>
+      </a:ln>
+    </cs:spPr>
+  </cs:dataPointLine>
+  <cs:dataPointMarker>
+    <cs:lnRef idx="0">
+      <cs:styleClr val="auto"/>
+    </cs:lnRef>
+    <cs:fillRef idx="1">
+      <cs:styleClr val="auto"/>
+    </cs:fillRef>
+    <cs:effectRef idx="0"/>
+    <cs:fontRef idx="minor">
+      <a:schemeClr val="tx1"/>
+    </cs:fontRef>
+    <cs:spPr>
+      <a:ln w="9525">
+        <a:solidFill>
+          <a:schemeClr val="phClr"/>
+        </a:solidFill>
+      </a:ln>
+    </cs:spPr>
+  </cs:dataPointMarker>
+  <cs:dataPointMarkerLayout symbol="circle" size="5"/>
+  <cs:dataPointWireframe>
+    <cs:lnRef idx="0">
+      <cs:styleClr val="auto"/>
+    </cs:lnRef>
+    <cs:fillRef idx="1"/>
+    <cs:effectRef idx="0"/>
+    <cs:fontRef idx="minor">
+      <a:schemeClr val="tx1"/>
+    </cs:fontRef>
+    <cs:spPr>
+      <a:ln w="9525" cap="rnd">
+        <a:solidFill>
+          <a:schemeClr val="phClr"/>
+        </a:solidFill>
+        <a:round/>
+      </a:ln>
+    </cs:spPr>
+  </cs:dataPointWireframe>
+  <cs:dataTable>
+    <cs:lnRef idx="0"/>
+    <cs:fillRef idx="0"/>
+    <cs:effectRef idx="0"/>
+    <cs:fontRef idx="minor">
+      <a:schemeClr val="tx1">
+        <a:lumMod val="65000"/>
+        <a:lumOff val="35000"/>
+      </a:schemeClr>
+    </cs:fontRef>
+    <cs:spPr>
+      <a:noFill/>
+      <a:ln w="9525" cap="flat" cmpd="sng" algn="ctr">
+        <a:solidFill>
+          <a:schemeClr val="tx1">
+            <a:lumMod val="15000"/>
+            <a:lumOff val="85000"/>
+          </a:schemeClr>
+        </a:solidFill>
+        <a:round/>
+      </a:ln>
+    </cs:spPr>
+    <cs:defRPr sz="900" kern="1200"/>
+  </cs:dataTable>
+  <cs:downBar>
+    <cs:lnRef idx="0"/>
+    <cs:fillRef idx="0"/>
+    <cs:effectRef idx="0"/>
+    <cs:fontRef idx="minor">
+      <a:schemeClr val="dk1"/>
+    </cs:fontRef>
+    <cs:spPr>
+      <a:solidFill>
+        <a:schemeClr val="dk1">
+          <a:lumMod val="65000"/>
+          <a:lumOff val="35000"/>
+        </a:schemeClr>
+      </a:solidFill>
+      <a:ln w="9525">
+        <a:solidFill>
+          <a:schemeClr val="tx1">
+            <a:lumMod val="65000"/>
+            <a:lumOff val="35000"/>
+          </a:schemeClr>
+        </a:solidFill>
+      </a:ln>
+    </cs:spPr>
+  </cs:downBar>
+  <cs:dropLine>
+    <cs:lnRef idx="0"/>
+    <cs:fillRef idx="0"/>
+    <cs:effectRef idx="0"/>
+    <cs:fontRef idx="minor">
+      <a:schemeClr val="tx1"/>
+    </cs:fontRef>
+    <cs:spPr>
+      <a:ln w="9525" cap="flat" cmpd="sng" algn="ctr">
+        <a:solidFill>
+          <a:schemeClr val="tx1">
+            <a:lumMod val="35000"/>
+            <a:lumOff val="65000"/>
+          </a:schemeClr>
+        </a:solidFill>
+        <a:round/>
+      </a:ln>
+    </cs:spPr>
+  </cs:dropLine>
+  <cs:errorBar>
+    <cs:lnRef idx="0"/>
+    <cs:fillRef idx="0"/>
+    <cs:effectRef idx="0"/>
+    <cs:fontRef idx="minor">
+      <a:schemeClr val="tx1"/>
+    </cs:fontRef>
+    <cs:spPr>
+      <a:ln w="9525" cap="flat" cmpd="sng" algn="ctr">
+        <a:solidFill>
+          <a:schemeClr val="tx1">
+            <a:lumMod val="65000"/>
+            <a:lumOff val="35000"/>
+          </a:schemeClr>
+        </a:solidFill>
+        <a:round/>
+      </a:ln>
+    </cs:spPr>
+  </cs:errorBar>
+  <cs:floor>
+    <cs:lnRef idx="0"/>
+    <cs:fillRef idx="0"/>
+    <cs:effectRef idx="0"/>
+    <cs:fontRef idx="minor">
+      <a:schemeClr val="tx1"/>
+    </cs:fontRef>
+    <cs:spPr>
+      <a:noFill/>
+      <a:ln>
+        <a:noFill/>
+      </a:ln>
+    </cs:spPr>
+  </cs:floor>
+  <cs:gridlineMajor>
+    <cs:lnRef idx="0"/>
+    <cs:fillRef idx="0"/>
+    <cs:effectRef idx="0"/>
+    <cs:fontRef idx="minor">
+      <a:schemeClr val="tx1"/>
+    </cs:fontRef>
+    <cs:spPr>
+      <a:ln w="9525" cap="flat" cmpd="sng" algn="ctr">
+        <a:solidFill>
+          <a:schemeClr val="tx1">
+            <a:lumMod val="15000"/>
+            <a:lumOff val="85000"/>
+          </a:schemeClr>
+        </a:solidFill>
+        <a:round/>
+      </a:ln>
+    </cs:spPr>
+  </cs:gridlineMajor>
+  <cs:gridlineMinor>
+    <cs:lnRef idx="0"/>
+    <cs:fillRef idx="0"/>
+    <cs:effectRef idx="0"/>
+    <cs:fontRef idx="minor">
+      <a:schemeClr val="tx1"/>
+    </cs:fontRef>
+    <cs:spPr>
+      <a:ln w="9525" cap="flat" cmpd="sng" algn="ctr">
+        <a:solidFill>
+          <a:schemeClr val="tx1">
+            <a:lumMod val="5000"/>
+            <a:lumOff val="95000"/>
+          </a:schemeClr>
+        </a:solidFill>
+        <a:round/>
+      </a:ln>
+    </cs:spPr>
+  </cs:gridlineMinor>
+  <cs:hiLoLine>
+    <cs:lnRef idx="0"/>
+    <cs:fillRef idx="0"/>
+    <cs:effectRef idx="0"/>
+    <cs:fontRef idx="minor">
+      <a:schemeClr val="tx1"/>
+    </cs:fontRef>
+    <cs:spPr>
+      <a:ln w="9525" cap="flat" cmpd="sng" algn="ctr">
+        <a:solidFill>
+          <a:schemeClr val="tx1">
+            <a:lumMod val="75000"/>
+            <a:lumOff val="25000"/>
+          </a:schemeClr>
+        </a:solidFill>
+        <a:round/>
+      </a:ln>
+    </cs:spPr>
+  </cs:hiLoLine>
+  <cs:leaderLine>
+    <cs:lnRef idx="0"/>
+    <cs:fillRef idx="0"/>
+    <cs:effectRef idx="0"/>
+    <cs:fontRef idx="minor">
+      <a:schemeClr val="tx1"/>
+    </cs:fontRef>
+    <cs:spPr>
+      <a:ln w="9525" cap="flat" cmpd="sng" algn="ctr">
+        <a:solidFill>
+          <a:schemeClr val="tx1">
+            <a:lumMod val="35000"/>
+            <a:lumOff val="65000"/>
+          </a:schemeClr>
+        </a:solidFill>
+        <a:round/>
+      </a:ln>
+    </cs:spPr>
+  </cs:leaderLine>
+  <cs:legend>
+    <cs:lnRef idx="0"/>
+    <cs:fillRef idx="0"/>
+    <cs:effectRef idx="0"/>
+    <cs:fontRef idx="minor">
+      <a:schemeClr val="tx1">
+        <a:lumMod val="65000"/>
+        <a:lumOff val="35000"/>
+      </a:schemeClr>
+    </cs:fontRef>
+    <cs:defRPr sz="900" kern="1200"/>
+  </cs:legend>
+  <cs:plotArea mods="allowNoFillOverride allowNoLineOverride">
+    <cs:lnRef idx="0"/>
+    <cs:fillRef idx="0"/>
+    <cs:effectRef idx="0"/>
+    <cs:fontRef idx="minor">
+      <a:schemeClr val="tx1"/>
+    </cs:fontRef>
+  </cs:plotArea>
+  <cs:plotArea3D mods="allowNoFillOverride allowNoLineOverride">
+    <cs:lnRef idx="0"/>
+    <cs:fillRef idx="0"/>
+    <cs:effectRef idx="0"/>
+    <cs:fontRef idx="minor">
+      <a:schemeClr val="tx1"/>
+    </cs:fontRef>
+  </cs:plotArea3D>
+  <cs:seriesAxis>
+    <cs:lnRef idx="0"/>
+    <cs:fillRef idx="0"/>
+    <cs:effectRef idx="0"/>
+    <cs:fontRef idx="minor">
+      <a:schemeClr val="tx1">
+        <a:lumMod val="65000"/>
+        <a:lumOff val="35000"/>
+      </a:schemeClr>
+    </cs:fontRef>
+    <cs:defRPr sz="900" kern="1200"/>
+  </cs:seriesAxis>
+  <cs:seriesLine>
+    <cs:lnRef idx="0"/>
+    <cs:fillRef idx="0"/>
+    <cs:effectRef idx="0"/>
+    <cs:fontRef idx="minor">
+      <a:schemeClr val="tx1"/>
+    </cs:fontRef>
+    <cs:spPr>
+      <a:ln w="9525" cap="flat" cmpd="sng" algn="ctr">
+        <a:solidFill>
+          <a:schemeClr val="tx1">
+            <a:lumMod val="35000"/>
+            <a:lumOff val="65000"/>
+          </a:schemeClr>
+        </a:solidFill>
+        <a:round/>
+      </a:ln>
+    </cs:spPr>
+  </cs:seriesLine>
+  <cs:title>
+    <cs:lnRef idx="0"/>
+    <cs:fillRef idx="0"/>
+    <cs:effectRef idx="0"/>
+    <cs:fontRef idx="minor">
+      <a:schemeClr val="tx1">
+        <a:lumMod val="65000"/>
+        <a:lumOff val="35000"/>
+      </a:schemeClr>
+    </cs:fontRef>
+    <cs:defRPr sz="1400" b="0" kern="1200" spc="0" baseline="0"/>
+  </cs:title>
+  <cs:trendline>
+    <cs:lnRef idx="0">
+      <cs:styleClr val="auto"/>
+    </cs:lnRef>
+    <cs:fillRef idx="0"/>
+    <cs:effectRef idx="0"/>
+    <cs:fontRef idx="minor">
+      <a:schemeClr val="tx1"/>
+    </cs:fontRef>
+    <cs:spPr>
+      <a:ln w="19050" cap="rnd">
+        <a:solidFill>
+          <a:schemeClr val="phClr"/>
+        </a:solidFill>
+        <a:prstDash val="sysDot"/>
+      </a:ln>
+    </cs:spPr>
+  </cs:trendline>
+  <cs:trendlineLabel>
+    <cs:lnRef idx="0"/>
+    <cs:fillRef idx="0"/>
+    <cs:effectRef idx="0"/>
+    <cs:fontRef idx="minor">
+      <a:schemeClr val="tx1">
+        <a:lumMod val="65000"/>
+        <a:lumOff val="35000"/>
+      </a:schemeClr>
+    </cs:fontRef>
+    <cs:defRPr sz="900" kern="1200"/>
+  </cs:trendlineLabel>
+  <cs:upBar>
+    <cs:lnRef idx="0"/>
+    <cs:fillRef idx="0"/>
+    <cs:effectRef idx="0"/>
+    <cs:fontRef idx="minor">
+      <a:schemeClr val="dk1"/>
+    </cs:fontRef>
+    <cs:spPr>
+      <a:solidFill>
+        <a:schemeClr val="lt1"/>
+      </a:solidFill>
+      <a:ln w="9525">
+        <a:solidFill>
+          <a:schemeClr val="tx1">
+            <a:lumMod val="15000"/>
+            <a:lumOff val="85000"/>
+          </a:schemeClr>
+        </a:solidFill>
+      </a:ln>
+    </cs:spPr>
+  </cs:upBar>
+  <cs:valueAxis>
+    <cs:lnRef idx="0"/>
+    <cs:fillRef idx="0"/>
+    <cs:effectRef idx="0"/>
+    <cs:fontRef idx="minor">
+      <a:schemeClr val="tx1">
+        <a:lumMod val="65000"/>
+        <a:lumOff val="35000"/>
+      </a:schemeClr>
+    </cs:fontRef>
+    <cs:defRPr sz="900" kern="1200"/>
+  </cs:valueAxis>
+  <cs:wall>
+    <cs:lnRef idx="0"/>
+    <cs:fillRef idx="0"/>
+    <cs:effectRef idx="0"/>
+    <cs:fontRef idx="minor">
+      <a:schemeClr val="tx1"/>
+    </cs:fontRef>
+    <cs:spPr>
+      <a:noFill/>
+      <a:ln>
+        <a:noFill/>
+      </a:ln>
+    </cs:spPr>
+  </cs:wall>
+</cs:chartStyle>
+</file>
+
+<file path=ppt/charts/style3.xml><?xml version="1.0" encoding="utf-8"?>
+<cs:chartStyle xmlns:cs="http://schemas.microsoft.com/office/drawing/2012/chartStyle" xmlns:a="http://schemas.openxmlformats.org/drawingml/2006/main" id="201">
+  <cs:axisTitle>
+    <cs:lnRef idx="0"/>
+    <cs:fillRef idx="0"/>
+    <cs:effectRef idx="0"/>
+    <cs:fontRef idx="minor">
+      <a:schemeClr val="tx1">
+        <a:lumMod val="65000"/>
+        <a:lumOff val="35000"/>
+      </a:schemeClr>
+    </cs:fontRef>
+    <cs:defRPr sz="1000" kern="1200"/>
+  </cs:axisTitle>
+  <cs:categoryAxis>
+    <cs:lnRef idx="0"/>
+    <cs:fillRef idx="0"/>
+    <cs:effectRef idx="0"/>
+    <cs:fontRef idx="minor">
+      <a:schemeClr val="tx1">
+        <a:lumMod val="65000"/>
+        <a:lumOff val="35000"/>
+      </a:schemeClr>
+    </cs:fontRef>
+    <cs:spPr>
+      <a:ln w="9525" cap="flat" cmpd="sng" algn="ctr">
+        <a:solidFill>
+          <a:schemeClr val="tx1">
+            <a:lumMod val="15000"/>
+            <a:lumOff val="85000"/>
+          </a:schemeClr>
+        </a:solidFill>
+        <a:round/>
+      </a:ln>
+    </cs:spPr>
+    <cs:defRPr sz="900" kern="1200"/>
+  </cs:categoryAxis>
+  <cs:chartArea mods="allowNoFillOverride allowNoLineOverride">
+    <cs:lnRef idx="0"/>
+    <cs:fillRef idx="0"/>
+    <cs:effectRef idx="0"/>
+    <cs:fontRef idx="minor">
+      <a:schemeClr val="tx1"/>
+    </cs:fontRef>
+    <cs:spPr>
+      <a:solidFill>
+        <a:schemeClr val="bg1"/>
+      </a:solidFill>
+      <a:ln w="9525" cap="flat" cmpd="sng" algn="ctr">
+        <a:solidFill>
+          <a:schemeClr val="tx1">
+            <a:lumMod val="15000"/>
+            <a:lumOff val="85000"/>
+          </a:schemeClr>
+        </a:solidFill>
+        <a:round/>
+      </a:ln>
+    </cs:spPr>
+    <cs:defRPr sz="1000" kern="1200"/>
+  </cs:chartArea>
+  <cs:dataLabel>
+    <cs:lnRef idx="0"/>
+    <cs:fillRef idx="0"/>
+    <cs:effectRef idx="0"/>
+    <cs:fontRef idx="minor">
+      <a:schemeClr val="tx1">
+        <a:lumMod val="75000"/>
+        <a:lumOff val="25000"/>
+      </a:schemeClr>
+    </cs:fontRef>
+    <cs:defRPr sz="900" kern="1200"/>
+  </cs:dataLabel>
+  <cs:dataLabelCallout>
+    <cs:lnRef idx="0"/>
+    <cs:fillRef idx="0"/>
+    <cs:effectRef idx="0"/>
+    <cs:fontRef idx="minor">
+      <a:schemeClr val="dk1">
+        <a:lumMod val="65000"/>
+        <a:lumOff val="35000"/>
+      </a:schemeClr>
+    </cs:fontRef>
+    <cs:spPr>
+      <a:solidFill>
+        <a:schemeClr val="lt1"/>
+      </a:solidFill>
+      <a:ln>
+        <a:solidFill>
+          <a:schemeClr val="dk1">
+            <a:lumMod val="25000"/>
+            <a:lumOff val="75000"/>
+          </a:schemeClr>
+        </a:solidFill>
+      </a:ln>
+    </cs:spPr>
+    <cs:defRPr sz="900" kern="1200"/>
+    <cs:bodyPr rot="0" spcFirstLastPara="1" vertOverflow="clip" horzOverflow="clip" vert="horz" wrap="square" lIns="36576" tIns="18288" rIns="36576" bIns="18288" anchor="ctr" anchorCtr="1">
+      <a:spAutoFit/>
+    </cs:bodyPr>
+  </cs:dataLabelCallout>
+  <cs:dataPoint>
+    <cs:lnRef idx="0"/>
+    <cs:fillRef idx="1">
+      <cs:styleClr val="auto"/>
+    </cs:fillRef>
+    <cs:effectRef idx="0"/>
+    <cs:fontRef idx="minor">
+      <a:schemeClr val="tx1"/>
+    </cs:fontRef>
+  </cs:dataPoint>
+  <cs:dataPoint3D>
+    <cs:lnRef idx="0"/>
+    <cs:fillRef idx="1">
+      <cs:styleClr val="auto"/>
+    </cs:fillRef>
+    <cs:effectRef idx="0"/>
+    <cs:fontRef idx="minor">
+      <a:schemeClr val="tx1"/>
+    </cs:fontRef>
+  </cs:dataPoint3D>
+  <cs:dataPointLine>
+    <cs:lnRef idx="0">
+      <cs:styleClr val="auto"/>
+    </cs:lnRef>
+    <cs:fillRef idx="1"/>
+    <cs:effectRef idx="0"/>
+    <cs:fontRef idx="minor">
+      <a:schemeClr val="tx1"/>
+    </cs:fontRef>
+    <cs:spPr>
+      <a:ln w="28575" cap="rnd">
+        <a:solidFill>
+          <a:schemeClr val="phClr"/>
+        </a:solidFill>
+        <a:round/>
+      </a:ln>
+    </cs:spPr>
+  </cs:dataPointLine>
+  <cs:dataPointMarker>
+    <cs:lnRef idx="0">
+      <cs:styleClr val="auto"/>
+    </cs:lnRef>
+    <cs:fillRef idx="1">
+      <cs:styleClr val="auto"/>
+    </cs:fillRef>
+    <cs:effectRef idx="0"/>
+    <cs:fontRef idx="minor">
+      <a:schemeClr val="tx1"/>
+    </cs:fontRef>
+    <cs:spPr>
+      <a:ln w="9525">
+        <a:solidFill>
+          <a:schemeClr val="phClr"/>
+        </a:solidFill>
+      </a:ln>
+    </cs:spPr>
+  </cs:dataPointMarker>
+  <cs:dataPointMarkerLayout symbol="circle" size="5"/>
+  <cs:dataPointWireframe>
+    <cs:lnRef idx="0">
+      <cs:styleClr val="auto"/>
+    </cs:lnRef>
+    <cs:fillRef idx="1"/>
+    <cs:effectRef idx="0"/>
+    <cs:fontRef idx="minor">
+      <a:schemeClr val="tx1"/>
+    </cs:fontRef>
+    <cs:spPr>
+      <a:ln w="9525" cap="rnd">
+        <a:solidFill>
+          <a:schemeClr val="phClr"/>
+        </a:solidFill>
+        <a:round/>
+      </a:ln>
+    </cs:spPr>
+  </cs:dataPointWireframe>
+  <cs:dataTable>
+    <cs:lnRef idx="0"/>
+    <cs:fillRef idx="0"/>
+    <cs:effectRef idx="0"/>
+    <cs:fontRef idx="minor">
+      <a:schemeClr val="tx1">
+        <a:lumMod val="65000"/>
+        <a:lumOff val="35000"/>
+      </a:schemeClr>
+    </cs:fontRef>
+    <cs:spPr>
+      <a:noFill/>
+      <a:ln w="9525" cap="flat" cmpd="sng" algn="ctr">
+        <a:solidFill>
+          <a:schemeClr val="tx1">
+            <a:lumMod val="15000"/>
+            <a:lumOff val="85000"/>
+          </a:schemeClr>
+        </a:solidFill>
+        <a:round/>
+      </a:ln>
+    </cs:spPr>
+    <cs:defRPr sz="900" kern="1200"/>
+  </cs:dataTable>
+  <cs:downBar>
+    <cs:lnRef idx="0"/>
+    <cs:fillRef idx="0"/>
+    <cs:effectRef idx="0"/>
+    <cs:fontRef idx="minor">
+      <a:schemeClr val="dk1"/>
+    </cs:fontRef>
+    <cs:spPr>
+      <a:solidFill>
+        <a:schemeClr val="dk1">
+          <a:lumMod val="65000"/>
+          <a:lumOff val="35000"/>
+        </a:schemeClr>
+      </a:solidFill>
+      <a:ln w="9525">
+        <a:solidFill>
+          <a:schemeClr val="tx1">
+            <a:lumMod val="65000"/>
+            <a:lumOff val="35000"/>
+          </a:schemeClr>
+        </a:solidFill>
+      </a:ln>
+    </cs:spPr>
+  </cs:downBar>
+  <cs:dropLine>
+    <cs:lnRef idx="0"/>
+    <cs:fillRef idx="0"/>
+    <cs:effectRef idx="0"/>
+    <cs:fontRef idx="minor">
+      <a:schemeClr val="tx1"/>
+    </cs:fontRef>
+    <cs:spPr>
+      <a:ln w="9525" cap="flat" cmpd="sng" algn="ctr">
+        <a:solidFill>
+          <a:schemeClr val="tx1">
+            <a:lumMod val="35000"/>
+            <a:lumOff val="65000"/>
+          </a:schemeClr>
+        </a:solidFill>
+        <a:round/>
+      </a:ln>
+    </cs:spPr>
+  </cs:dropLine>
+  <cs:errorBar>
+    <cs:lnRef idx="0"/>
+    <cs:fillRef idx="0"/>
+    <cs:effectRef idx="0"/>
+    <cs:fontRef idx="minor">
+      <a:schemeClr val="tx1"/>
+    </cs:fontRef>
+    <cs:spPr>
+      <a:ln w="9525" cap="flat" cmpd="sng" algn="ctr">
+        <a:solidFill>
+          <a:schemeClr val="tx1">
+            <a:lumMod val="65000"/>
+            <a:lumOff val="35000"/>
+          </a:schemeClr>
+        </a:solidFill>
+        <a:round/>
+      </a:ln>
+    </cs:spPr>
+  </cs:errorBar>
+  <cs:floor>
+    <cs:lnRef idx="0"/>
+    <cs:fillRef idx="0"/>
+    <cs:effectRef idx="0"/>
+    <cs:fontRef idx="minor">
+      <a:schemeClr val="tx1"/>
+    </cs:fontRef>
+    <cs:spPr>
+      <a:noFill/>
+      <a:ln>
+        <a:noFill/>
+      </a:ln>
+    </cs:spPr>
+  </cs:floor>
+  <cs:gridlineMajor>
+    <cs:lnRef idx="0"/>
+    <cs:fillRef idx="0"/>
+    <cs:effectRef idx="0"/>
+    <cs:fontRef idx="minor">
+      <a:schemeClr val="tx1"/>
+    </cs:fontRef>
+    <cs:spPr>
+      <a:ln w="9525" cap="flat" cmpd="sng" algn="ctr">
+        <a:solidFill>
+          <a:schemeClr val="tx1">
+            <a:lumMod val="15000"/>
+            <a:lumOff val="85000"/>
+          </a:schemeClr>
+        </a:solidFill>
+        <a:round/>
+      </a:ln>
+    </cs:spPr>
+  </cs:gridlineMajor>
+  <cs:gridlineMinor>
+    <cs:lnRef idx="0"/>
+    <cs:fillRef idx="0"/>
+    <cs:effectRef idx="0"/>
+    <cs:fontRef idx="minor">
+      <a:schemeClr val="tx1"/>
+    </cs:fontRef>
+    <cs:spPr>
+      <a:ln w="9525" cap="flat" cmpd="sng" algn="ctr">
+        <a:solidFill>
+          <a:schemeClr val="tx1">
+            <a:lumMod val="5000"/>
+            <a:lumOff val="95000"/>
+          </a:schemeClr>
+        </a:solidFill>
+        <a:round/>
+      </a:ln>
+    </cs:spPr>
+  </cs:gridlineMinor>
+  <cs:hiLoLine>
+    <cs:lnRef idx="0"/>
+    <cs:fillRef idx="0"/>
+    <cs:effectRef idx="0"/>
+    <cs:fontRef idx="minor">
+      <a:schemeClr val="tx1"/>
+    </cs:fontRef>
+    <cs:spPr>
+      <a:ln w="9525" cap="flat" cmpd="sng" algn="ctr">
+        <a:solidFill>
+          <a:schemeClr val="tx1">
+            <a:lumMod val="75000"/>
+            <a:lumOff val="25000"/>
+          </a:schemeClr>
+        </a:solidFill>
+        <a:round/>
+      </a:ln>
+    </cs:spPr>
+  </cs:hiLoLine>
+  <cs:leaderLine>
+    <cs:lnRef idx="0"/>
+    <cs:fillRef idx="0"/>
+    <cs:effectRef idx="0"/>
+    <cs:fontRef idx="minor">
+      <a:schemeClr val="tx1"/>
+    </cs:fontRef>
+    <cs:spPr>
+      <a:ln w="9525" cap="flat" cmpd="sng" algn="ctr">
+        <a:solidFill>
+          <a:schemeClr val="tx1">
+            <a:lumMod val="35000"/>
+            <a:lumOff val="65000"/>
+          </a:schemeClr>
+        </a:solidFill>
+        <a:round/>
+      </a:ln>
+    </cs:spPr>
+  </cs:leaderLine>
+  <cs:legend>
+    <cs:lnRef idx="0"/>
+    <cs:fillRef idx="0"/>
+    <cs:effectRef idx="0"/>
+    <cs:fontRef idx="minor">
+      <a:schemeClr val="tx1">
+        <a:lumMod val="65000"/>
+        <a:lumOff val="35000"/>
+      </a:schemeClr>
+    </cs:fontRef>
+    <cs:defRPr sz="900" kern="1200"/>
+  </cs:legend>
+  <cs:plotArea mods="allowNoFillOverride allowNoLineOverride">
+    <cs:lnRef idx="0"/>
+    <cs:fillRef idx="0"/>
+    <cs:effectRef idx="0"/>
+    <cs:fontRef idx="minor">
+      <a:schemeClr val="tx1"/>
+    </cs:fontRef>
+  </cs:plotArea>
+  <cs:plotArea3D mods="allowNoFillOverride allowNoLineOverride">
+    <cs:lnRef idx="0"/>
+    <cs:fillRef idx="0"/>
+    <cs:effectRef idx="0"/>
+    <cs:fontRef idx="minor">
+      <a:schemeClr val="tx1"/>
+    </cs:fontRef>
+  </cs:plotArea3D>
+  <cs:seriesAxis>
+    <cs:lnRef idx="0"/>
+    <cs:fillRef idx="0"/>
+    <cs:effectRef idx="0"/>
+    <cs:fontRef idx="minor">
+      <a:schemeClr val="tx1">
+        <a:lumMod val="65000"/>
+        <a:lumOff val="35000"/>
+      </a:schemeClr>
+    </cs:fontRef>
+    <cs:defRPr sz="900" kern="1200"/>
+  </cs:seriesAxis>
+  <cs:seriesLine>
+    <cs:lnRef idx="0"/>
+    <cs:fillRef idx="0"/>
+    <cs:effectRef idx="0"/>
+    <cs:fontRef idx="minor">
+      <a:schemeClr val="tx1"/>
+    </cs:fontRef>
+    <cs:spPr>
+      <a:ln w="9525" cap="flat" cmpd="sng" algn="ctr">
+        <a:solidFill>
+          <a:schemeClr val="tx1">
+            <a:lumMod val="35000"/>
+            <a:lumOff val="65000"/>
+          </a:schemeClr>
+        </a:solidFill>
+        <a:round/>
+      </a:ln>
+    </cs:spPr>
+  </cs:seriesLine>
+  <cs:title>
+    <cs:lnRef idx="0"/>
+    <cs:fillRef idx="0"/>
+    <cs:effectRef idx="0"/>
+    <cs:fontRef idx="minor">
+      <a:schemeClr val="tx1">
+        <a:lumMod val="65000"/>
+        <a:lumOff val="35000"/>
+      </a:schemeClr>
+    </cs:fontRef>
+    <cs:defRPr sz="1400" b="0" kern="1200" spc="0" baseline="0"/>
+  </cs:title>
+  <cs:trendline>
+    <cs:lnRef idx="0">
+      <cs:styleClr val="auto"/>
+    </cs:lnRef>
+    <cs:fillRef idx="0"/>
+    <cs:effectRef idx="0"/>
+    <cs:fontRef idx="minor">
+      <a:schemeClr val="tx1"/>
+    </cs:fontRef>
+    <cs:spPr>
+      <a:ln w="19050" cap="rnd">
+        <a:solidFill>
+          <a:schemeClr val="phClr"/>
+        </a:solidFill>
+        <a:prstDash val="sysDot"/>
+      </a:ln>
+    </cs:spPr>
+  </cs:trendline>
+  <cs:trendlineLabel>
+    <cs:lnRef idx="0"/>
+    <cs:fillRef idx="0"/>
+    <cs:effectRef idx="0"/>
+    <cs:fontRef idx="minor">
+      <a:schemeClr val="tx1">
+        <a:lumMod val="65000"/>
+        <a:lumOff val="35000"/>
+      </a:schemeClr>
+    </cs:fontRef>
+    <cs:defRPr sz="900" kern="1200"/>
+  </cs:trendlineLabel>
+  <cs:upBar>
+    <cs:lnRef idx="0"/>
+    <cs:fillRef idx="0"/>
+    <cs:effectRef idx="0"/>
+    <cs:fontRef idx="minor">
+      <a:schemeClr val="dk1"/>
+    </cs:fontRef>
+    <cs:spPr>
+      <a:solidFill>
+        <a:schemeClr val="lt1"/>
+      </a:solidFill>
+      <a:ln w="9525">
+        <a:solidFill>
+          <a:schemeClr val="tx1">
+            <a:lumMod val="15000"/>
+            <a:lumOff val="85000"/>
+          </a:schemeClr>
+        </a:solidFill>
+      </a:ln>
+    </cs:spPr>
+  </cs:upBar>
+  <cs:valueAxis>
+    <cs:lnRef idx="0"/>
+    <cs:fillRef idx="0"/>
+    <cs:effectRef idx="0"/>
+    <cs:fontRef idx="minor">
+      <a:schemeClr val="tx1">
+        <a:lumMod val="65000"/>
+        <a:lumOff val="35000"/>
+      </a:schemeClr>
+    </cs:fontRef>
+    <cs:defRPr sz="900" kern="1200"/>
+  </cs:valueAxis>
+  <cs:wall>
+    <cs:lnRef idx="0"/>
+    <cs:fillRef idx="0"/>
+    <cs:effectRef idx="0"/>
+    <cs:fontRef idx="minor">
+      <a:schemeClr val="tx1"/>
+    </cs:fontRef>
+    <cs:spPr>
+      <a:noFill/>
+      <a:ln>
+        <a:noFill/>
+      </a:ln>
+    </cs:spPr>
+  </cs:wall>
+</cs:chartStyle>
+</file>
+
 <file path=ppt/notesMasters/notesMaster1.xml><?xml version="1.0" encoding="utf-8"?>
 <p:notesMaster xmlns:a="http://schemas.openxmlformats.org/drawingml/2006/main" xmlns:r="http://schemas.openxmlformats.org/officeDocument/2006/relationships" xmlns:p="http://schemas.openxmlformats.org/presentationml/2006/main">
   <p:cSld>
@@ -225,7 +4580,7 @@
           <a:p>
             <a:fld id="{D629BCAA-3248-4FC9-8652-C27287EE51FE}" type="datetimeFigureOut">
               <a:rPr lang="en-US" smtClean="0"/>
-              <a:t>10/2/2022</a:t>
+              <a:t>10/3/2022</a:t>
             </a:fld>
             <a:endParaRPr lang="en-US"/>
           </a:p>
@@ -707,7 +5062,7 @@
           <a:p>
             <a:fld id="{18130A72-798E-4C06-9A59-DB007F4D64ED}" type="datetime1">
               <a:rPr lang="nl-NL" smtClean="0"/>
-              <a:t>2-10-2022</a:t>
+              <a:t>3-10-2022</a:t>
             </a:fld>
             <a:endParaRPr lang="nl-NL"/>
           </a:p>
@@ -877,7 +5232,7 @@
           <a:p>
             <a:fld id="{4189B83E-1FC0-419B-B5C8-B7E9C09BD398}" type="datetime1">
               <a:rPr lang="nl-NL" smtClean="0"/>
-              <a:t>2-10-2022</a:t>
+              <a:t>3-10-2022</a:t>
             </a:fld>
             <a:endParaRPr lang="nl-NL"/>
           </a:p>
@@ -1057,7 +5412,7 @@
           <a:p>
             <a:fld id="{1CA840BC-1DAD-43FF-A554-13E5E31D4947}" type="datetime1">
               <a:rPr lang="nl-NL" smtClean="0"/>
-              <a:t>2-10-2022</a:t>
+              <a:t>3-10-2022</a:t>
             </a:fld>
             <a:endParaRPr lang="nl-NL"/>
           </a:p>
@@ -1186,7 +5541,7 @@
           <a:p>
             <a:fld id="{D8720F31-A0D8-4809-BE7F-6A59FC4DE6AD}" type="datetime1">
               <a:rPr lang="nl-NL" smtClean="0"/>
-              <a:t>2-10-2022</a:t>
+              <a:t>3-10-2022</a:t>
             </a:fld>
             <a:endParaRPr lang="nl-NL" dirty="0">
               <a:latin typeface="Open Sans" panose="020B0606030504020204" pitchFamily="34" charset="0"/>
@@ -1419,7 +5774,7 @@
           <a:p>
             <a:fld id="{782D92BB-CDF8-4AA2-B3F9-7F6830C377B1}" type="datetime1">
               <a:rPr lang="nl-NL" smtClean="0"/>
-              <a:t>2-10-2022</a:t>
+              <a:t>3-10-2022</a:t>
             </a:fld>
             <a:endParaRPr lang="nl-NL"/>
           </a:p>
@@ -1617,7 +5972,7 @@
           <a:p>
             <a:fld id="{B4BE20E8-EC78-4344-8E9A-A4B6FB5F8AC9}" type="datetime1">
               <a:rPr lang="nl-NL" smtClean="0"/>
-              <a:t>2-10-2022</a:t>
+              <a:t>3-10-2022</a:t>
             </a:fld>
             <a:endParaRPr lang="nl-NL"/>
           </a:p>
@@ -1892,7 +6247,7 @@
           <a:p>
             <a:fld id="{AB090569-E398-4B11-9228-BC4A73119814}" type="datetime1">
               <a:rPr lang="nl-NL" smtClean="0"/>
-              <a:t>2-10-2022</a:t>
+              <a:t>3-10-2022</a:t>
             </a:fld>
             <a:endParaRPr lang="nl-NL"/>
           </a:p>
@@ -2157,7 +6512,7 @@
           <a:p>
             <a:fld id="{DEA5E422-6963-405C-A1AC-04831DE82936}" type="datetime1">
               <a:rPr lang="nl-NL" smtClean="0"/>
-              <a:t>2-10-2022</a:t>
+              <a:t>3-10-2022</a:t>
             </a:fld>
             <a:endParaRPr lang="nl-NL"/>
           </a:p>
@@ -2569,7 +6924,7 @@
           <a:p>
             <a:fld id="{F8F9D86C-9988-45FF-B7E6-B8961E8A07B3}" type="datetime1">
               <a:rPr lang="nl-NL" smtClean="0"/>
-              <a:t>2-10-2022</a:t>
+              <a:t>3-10-2022</a:t>
             </a:fld>
             <a:endParaRPr lang="nl-NL"/>
           </a:p>
@@ -2710,7 +7065,7 @@
           <a:p>
             <a:fld id="{5A551417-7EF5-433C-AA7C-514377B8C0AF}" type="datetime1">
               <a:rPr lang="nl-NL" smtClean="0"/>
-              <a:t>2-10-2022</a:t>
+              <a:t>3-10-2022</a:t>
             </a:fld>
             <a:endParaRPr lang="nl-NL"/>
           </a:p>
@@ -2823,7 +7178,7 @@
           <a:p>
             <a:fld id="{175C7022-05F1-4A64-A1D8-940DC1A6F753}" type="datetime1">
               <a:rPr lang="nl-NL" smtClean="0"/>
-              <a:t>2-10-2022</a:t>
+              <a:t>3-10-2022</a:t>
             </a:fld>
             <a:endParaRPr lang="nl-NL"/>
           </a:p>
@@ -3010,7 +7365,7 @@
           <a:p>
             <a:fld id="{01EA445C-D728-4B0A-B2BB-5493D648EA02}" type="datetime1">
               <a:rPr lang="nl-NL" smtClean="0"/>
-              <a:t>2-10-2022</a:t>
+              <a:t>3-10-2022</a:t>
             </a:fld>
             <a:endParaRPr lang="nl-NL"/>
           </a:p>
@@ -3314,7 +7669,7 @@
           <a:p>
             <a:fld id="{FD32A731-21D8-4ADE-9475-F626FB02C611}" type="datetime1">
               <a:rPr lang="nl-NL" smtClean="0"/>
-              <a:t>2-10-2022</a:t>
+              <a:t>3-10-2022</a:t>
             </a:fld>
             <a:endParaRPr lang="nl-NL"/>
           </a:p>
@@ -3602,7 +7957,7 @@
           <a:p>
             <a:fld id="{1BE0784C-A773-4E69-ACAA-73A3EE4CC8DB}" type="datetime1">
               <a:rPr lang="nl-NL" smtClean="0"/>
-              <a:t>2-10-2022</a:t>
+              <a:t>3-10-2022</a:t>
             </a:fld>
             <a:endParaRPr lang="nl-NL"/>
           </a:p>
@@ -3800,7 +8155,7 @@
           <a:p>
             <a:fld id="{764F9B4E-FE62-4B34-B3FA-D5F6F458898F}" type="datetime1">
               <a:rPr lang="nl-NL" smtClean="0"/>
-              <a:t>2-10-2022</a:t>
+              <a:t>3-10-2022</a:t>
             </a:fld>
             <a:endParaRPr lang="nl-NL"/>
           </a:p>
@@ -4008,7 +8363,7 @@
           <a:p>
             <a:fld id="{69E4275D-6497-4CDA-98DC-1E6DFA2C47E1}" type="datetime1">
               <a:rPr lang="nl-NL" smtClean="0"/>
-              <a:t>2-10-2022</a:t>
+              <a:t>3-10-2022</a:t>
             </a:fld>
             <a:endParaRPr lang="nl-NL"/>
           </a:p>
@@ -4264,7 +8619,7 @@
           <a:p>
             <a:fld id="{75FC15D6-2DD3-456A-A5C9-643FC2C96214}" type="datetime1">
               <a:rPr lang="nl-NL" smtClean="0"/>
-              <a:t>2-10-2022</a:t>
+              <a:t>3-10-2022</a:t>
             </a:fld>
             <a:endParaRPr lang="nl-NL"/>
           </a:p>
@@ -4496,7 +8851,7 @@
           <a:p>
             <a:fld id="{9CC0C4B4-C60E-4107-8338-A16F47E712BA}" type="datetime1">
               <a:rPr lang="nl-NL" smtClean="0"/>
-              <a:t>2-10-2022</a:t>
+              <a:t>3-10-2022</a:t>
             </a:fld>
             <a:endParaRPr lang="nl-NL"/>
           </a:p>
@@ -4863,7 +9218,7 @@
           <a:p>
             <a:fld id="{ED97B69D-25EE-4F6B-A025-C9356BF5196F}" type="datetime1">
               <a:rPr lang="nl-NL" smtClean="0"/>
-              <a:t>2-10-2022</a:t>
+              <a:t>3-10-2022</a:t>
             </a:fld>
             <a:endParaRPr lang="nl-NL"/>
           </a:p>
@@ -4981,7 +9336,7 @@
           <a:p>
             <a:fld id="{135BA7EE-4350-4E9D-8482-E4106E74C348}" type="datetime1">
               <a:rPr lang="nl-NL" smtClean="0"/>
-              <a:t>2-10-2022</a:t>
+              <a:t>3-10-2022</a:t>
             </a:fld>
             <a:endParaRPr lang="nl-NL"/>
           </a:p>
@@ -5076,7 +9431,7 @@
           <a:p>
             <a:fld id="{5985CAE9-7880-4C9A-8D76-CF15052E52CC}" type="datetime1">
               <a:rPr lang="nl-NL" smtClean="0"/>
-              <a:t>2-10-2022</a:t>
+              <a:t>3-10-2022</a:t>
             </a:fld>
             <a:endParaRPr lang="nl-NL"/>
           </a:p>
@@ -5353,7 +9708,7 @@
           <a:p>
             <a:fld id="{9F7639AC-17FC-4D70-A0E3-0F8D800275E8}" type="datetime1">
               <a:rPr lang="nl-NL" smtClean="0"/>
-              <a:t>2-10-2022</a:t>
+              <a:t>3-10-2022</a:t>
             </a:fld>
             <a:endParaRPr lang="nl-NL"/>
           </a:p>
@@ -5610,7 +9965,7 @@
           <a:p>
             <a:fld id="{A7D1C640-FDFA-4B54-ACC0-9BFA0F6DC2E5}" type="datetime1">
               <a:rPr lang="nl-NL" smtClean="0"/>
-              <a:t>2-10-2022</a:t>
+              <a:t>3-10-2022</a:t>
             </a:fld>
             <a:endParaRPr lang="nl-NL"/>
           </a:p>
@@ -5835,7 +10190,7 @@
           <a:p>
             <a:fld id="{7D9CE99F-90D7-49FC-BFC9-DC2836ABCB14}" type="datetime1">
               <a:rPr lang="nl-NL" smtClean="0"/>
-              <a:t>2-10-2022</a:t>
+              <a:t>3-10-2022</a:t>
             </a:fld>
             <a:endParaRPr lang="nl-NL" dirty="0">
               <a:latin typeface="Open Sans" panose="020B0606030504020204" pitchFamily="34" charset="0"/>
@@ -6421,7 +10776,7 @@
           <a:p>
             <a:fld id="{DDB7B9B1-682F-4483-B0F1-5BF417E9590B}" type="datetime1">
               <a:rPr lang="nl-NL" smtClean="0"/>
-              <a:t>2-10-2022</a:t>
+              <a:t>3-10-2022</a:t>
             </a:fld>
             <a:endParaRPr lang="nl-NL" dirty="0">
               <a:latin typeface="Open Sans" panose="020B0606030504020204" pitchFamily="34" charset="0"/>
@@ -7132,25 +11487,25 @@
           </a:p>
           <a:p>
             <a:r>
-              <a:rPr lang="nl-NL" sz="1800" dirty="0"/>
+              <a:rPr lang="nl-NL" sz="2000" dirty="0"/>
               <a:t>10 hours of speech – average of 3.8s per utterance</a:t>
             </a:r>
           </a:p>
           <a:p>
             <a:r>
-              <a:rPr lang="nl-NL" sz="1800" dirty="0"/>
+              <a:rPr lang="nl-NL" sz="2000" dirty="0"/>
               <a:t>Simulated real-time ATC</a:t>
             </a:r>
           </a:p>
           <a:p>
             <a:r>
-              <a:rPr lang="nl-NL" sz="1800" dirty="0"/>
+              <a:rPr lang="nl-NL" sz="2000" dirty="0"/>
               <a:t>For public use</a:t>
             </a:r>
           </a:p>
           <a:p>
             <a:r>
-              <a:rPr lang="nl-NL" sz="1800" dirty="0">
+              <a:rPr lang="nl-NL" sz="2000" dirty="0">
                 <a:latin typeface="Open Sans" panose="020B0606030504020204" pitchFamily="34" charset="0"/>
                 <a:ea typeface="Open Sans" panose="020B0606030504020204" pitchFamily="34" charset="0"/>
                 <a:cs typeface="Open Sans" panose="020B0606030504020204" pitchFamily="34" charset="0"/>
@@ -7161,7 +11516,7 @@
           <a:p>
             <a:pPr lvl="1"/>
             <a:r>
-              <a:rPr lang="nl-NL" sz="1400" dirty="0">
+              <a:rPr lang="nl-NL" sz="1600" dirty="0">
                 <a:latin typeface="Open Sans" panose="020B0606030504020204" pitchFamily="34" charset="0"/>
                 <a:ea typeface="Open Sans" panose="020B0606030504020204" pitchFamily="34" charset="0"/>
                 <a:cs typeface="Open Sans" panose="020B0606030504020204" pitchFamily="34" charset="0"/>
@@ -7172,14 +11527,14 @@
           <a:p>
             <a:pPr lvl="1"/>
             <a:r>
-              <a:rPr lang="nl-NL" sz="1400" dirty="0">
+              <a:rPr lang="nl-NL" sz="1600" dirty="0">
                 <a:latin typeface="Open Sans" panose="020B0606030504020204" pitchFamily="34" charset="0"/>
                 <a:ea typeface="Open Sans" panose="020B0606030504020204" pitchFamily="34" charset="0"/>
                 <a:cs typeface="Open Sans" panose="020B0606030504020204" pitchFamily="34" charset="0"/>
               </a:rPr>
               <a:t>ATCOSIM: 		175.08</a:t>
             </a:r>
-            <a:endParaRPr lang="nl-NL" sz="1400" dirty="0"/>
+            <a:endParaRPr lang="nl-NL" sz="1600" dirty="0"/>
           </a:p>
         </p:txBody>
       </p:sp>
@@ -7322,14 +11677,14 @@
           <a:p>
             <a:r>
               <a:rPr lang="en-US" sz="1800" dirty="0"/>
-              <a:t>Characters found in transcriptions, separated by “\”: </a:t>
+              <a:t>Characters found in transcriptions were removed: </a:t>
             </a:r>
             <a:br>
               <a:rPr lang="en-US" sz="1800" dirty="0"/>
             </a:br>
             <a:r>
               <a:rPr lang="en-US" sz="1800" dirty="0"/>
-              <a:t>[\=\ ̃\@\,\?\.\!\-\;\:\”\“\%\‘\”\’]</a:t>
+              <a:t>[ =  ̃ @ , ? . ! - ; : ” “ % ‘  ” ’ ]</a:t>
             </a:r>
           </a:p>
           <a:p>
@@ -7643,36 +11998,6 @@
           </a:p>
         </p:txBody>
       </p:sp>
-      <p:pic>
-        <p:nvPicPr>
-          <p:cNvPr id="6" name="Picture 5">
-            <a:extLst>
-              <a:ext uri="{FF2B5EF4-FFF2-40B4-BE49-F238E27FC236}">
-                <a16:creationId xmlns:a16="http://schemas.microsoft.com/office/drawing/2014/main" id="{A191D0F8-E7C6-4461-B826-4769CC6822CC}"/>
-              </a:ext>
-            </a:extLst>
-          </p:cNvPr>
-          <p:cNvPicPr>
-            <a:picLocks noChangeAspect="1"/>
-          </p:cNvPicPr>
-          <p:nvPr/>
-        </p:nvPicPr>
-        <p:blipFill>
-          <a:blip r:embed="rId2"/>
-          <a:stretch>
-            <a:fillRect/>
-          </a:stretch>
-        </p:blipFill>
-        <p:spPr>
-          <a:xfrm>
-            <a:off x="1136939" y="1361469"/>
-            <a:ext cx="6870122" cy="4135062"/>
-          </a:xfrm>
-          <a:prstGeom prst="rect">
-            <a:avLst/>
-          </a:prstGeom>
-        </p:spPr>
-      </p:pic>
       <p:sp>
         <p:nvSpPr>
           <p:cNvPr id="9" name="TextBox 8">
@@ -7708,6 +12033,36 @@
           </a:p>
         </p:txBody>
       </p:sp>
+      <p:graphicFrame>
+        <p:nvGraphicFramePr>
+          <p:cNvPr id="3" name="Chart 2">
+            <a:extLst>
+              <a:ext uri="{FF2B5EF4-FFF2-40B4-BE49-F238E27FC236}">
+                <a16:creationId xmlns:a16="http://schemas.microsoft.com/office/drawing/2014/main" id="{FB7B52CA-0955-4C0A-AFC1-F5F5BBFD20E6}"/>
+              </a:ext>
+            </a:extLst>
+          </p:cNvPr>
+          <p:cNvGraphicFramePr>
+            <a:graphicFrameLocks/>
+          </p:cNvGraphicFramePr>
+          <p:nvPr>
+            <p:extLst>
+              <p:ext uri="{D42A27DB-BD31-4B8C-83A1-F6EECF244321}">
+                <p14:modId xmlns:p14="http://schemas.microsoft.com/office/powerpoint/2010/main" val="884626233"/>
+              </p:ext>
+            </p:extLst>
+          </p:nvPr>
+        </p:nvGraphicFramePr>
+        <p:xfrm>
+          <a:off x="1185519" y="1581984"/>
+          <a:ext cx="6772962" cy="4063777"/>
+        </p:xfrm>
+        <a:graphic>
+          <a:graphicData uri="http://schemas.openxmlformats.org/drawingml/2006/chart">
+            <c:chart xmlns:c="http://schemas.openxmlformats.org/drawingml/2006/chart" xmlns:r="http://schemas.openxmlformats.org/officeDocument/2006/relationships" r:id="rId2"/>
+          </a:graphicData>
+        </a:graphic>
+      </p:graphicFrame>
     </p:spTree>
     <p:extLst>
       <p:ext uri="{BB962C8B-B14F-4D97-AF65-F5344CB8AC3E}">
@@ -7767,36 +12122,6 @@
           </a:p>
         </p:txBody>
       </p:sp>
-      <p:pic>
-        <p:nvPicPr>
-          <p:cNvPr id="4" name="Picture 3">
-            <a:extLst>
-              <a:ext uri="{FF2B5EF4-FFF2-40B4-BE49-F238E27FC236}">
-                <a16:creationId xmlns:a16="http://schemas.microsoft.com/office/drawing/2014/main" id="{579FFC7F-B0C1-67D8-0F8B-E3936EBBC3A7}"/>
-              </a:ext>
-            </a:extLst>
-          </p:cNvPr>
-          <p:cNvPicPr>
-            <a:picLocks noChangeAspect="1"/>
-          </p:cNvPicPr>
-          <p:nvPr/>
-        </p:nvPicPr>
-        <p:blipFill>
-          <a:blip r:embed="rId2"/>
-          <a:stretch>
-            <a:fillRect/>
-          </a:stretch>
-        </p:blipFill>
-        <p:spPr>
-          <a:xfrm>
-            <a:off x="1143597" y="1361874"/>
-            <a:ext cx="6856806" cy="4134251"/>
-          </a:xfrm>
-          <a:prstGeom prst="rect">
-            <a:avLst/>
-          </a:prstGeom>
-        </p:spPr>
-      </p:pic>
       <p:sp>
         <p:nvSpPr>
           <p:cNvPr id="5" name="TextBox 4">
@@ -7877,6 +12202,36 @@
           </a:p>
         </p:txBody>
       </p:sp>
+      <p:graphicFrame>
+        <p:nvGraphicFramePr>
+          <p:cNvPr id="3" name="Chart 2">
+            <a:extLst>
+              <a:ext uri="{FF2B5EF4-FFF2-40B4-BE49-F238E27FC236}">
+                <a16:creationId xmlns:a16="http://schemas.microsoft.com/office/drawing/2014/main" id="{DE9EF523-EC05-4A82-AC63-F6D78EE32BD4}"/>
+              </a:ext>
+            </a:extLst>
+          </p:cNvPr>
+          <p:cNvGraphicFramePr>
+            <a:graphicFrameLocks/>
+          </p:cNvGraphicFramePr>
+          <p:nvPr>
+            <p:extLst>
+              <p:ext uri="{D42A27DB-BD31-4B8C-83A1-F6EECF244321}">
+                <p14:modId xmlns:p14="http://schemas.microsoft.com/office/powerpoint/2010/main" val="2184592449"/>
+              </p:ext>
+            </p:extLst>
+          </p:nvPr>
+        </p:nvGraphicFramePr>
+        <p:xfrm>
+          <a:off x="1143597" y="1464330"/>
+          <a:ext cx="6772962" cy="4063777"/>
+        </p:xfrm>
+        <a:graphic>
+          <a:graphicData uri="http://schemas.openxmlformats.org/drawingml/2006/chart">
+            <c:chart xmlns:c="http://schemas.openxmlformats.org/drawingml/2006/chart" xmlns:r="http://schemas.openxmlformats.org/officeDocument/2006/relationships" r:id="rId2"/>
+          </a:graphicData>
+        </a:graphic>
+      </p:graphicFrame>
     </p:spTree>
     <p:extLst>
       <p:ext uri="{BB962C8B-B14F-4D97-AF65-F5344CB8AC3E}">
@@ -7936,12 +12291,90 @@
           </a:p>
         </p:txBody>
       </p:sp>
+      <p:sp>
+        <p:nvSpPr>
+          <p:cNvPr id="6" name="TextBox 5">
+            <a:extLst>
+              <a:ext uri="{FF2B5EF4-FFF2-40B4-BE49-F238E27FC236}">
+                <a16:creationId xmlns:a16="http://schemas.microsoft.com/office/drawing/2014/main" id="{EA32BA1B-724D-E822-6120-2CBF1D075384}"/>
+              </a:ext>
+            </a:extLst>
+          </p:cNvPr>
+          <p:cNvSpPr txBox="1"/>
+          <p:nvPr/>
+        </p:nvSpPr>
+        <p:spPr>
+          <a:xfrm>
+            <a:off x="815825" y="665182"/>
+            <a:ext cx="6681077" cy="369332"/>
+          </a:xfrm>
+          <a:prstGeom prst="rect">
+            <a:avLst/>
+          </a:prstGeom>
+          <a:noFill/>
+        </p:spPr>
+        <p:txBody>
+          <a:bodyPr wrap="square" rtlCol="0">
+            <a:spAutoFit/>
+          </a:bodyPr>
+          <a:lstStyle/>
+          <a:p>
+            <a:pPr marL="285750" indent="-285750">
+              <a:buFont typeface="Arial" panose="020B0604020202020204" pitchFamily="34" charset="0"/>
+              <a:buChar char="•"/>
+            </a:pPr>
+            <a:r>
+              <a:rPr lang="nl-NL" dirty="0"/>
+              <a:t>Relative ~33% WERR and ~20% CERR</a:t>
+            </a:r>
+            <a:endParaRPr lang="en-US" dirty="0"/>
+          </a:p>
+        </p:txBody>
+      </p:sp>
+      <p:sp>
+        <p:nvSpPr>
+          <p:cNvPr id="7" name="TextBox 6">
+            <a:extLst>
+              <a:ext uri="{FF2B5EF4-FFF2-40B4-BE49-F238E27FC236}">
+                <a16:creationId xmlns:a16="http://schemas.microsoft.com/office/drawing/2014/main" id="{8BC89E69-B1EF-B78A-2FF7-1FA24199F289}"/>
+              </a:ext>
+            </a:extLst>
+          </p:cNvPr>
+          <p:cNvSpPr txBox="1"/>
+          <p:nvPr/>
+        </p:nvSpPr>
+        <p:spPr>
+          <a:xfrm>
+            <a:off x="285929" y="4976659"/>
+            <a:ext cx="3989153" cy="461665"/>
+          </a:xfrm>
+          <a:prstGeom prst="rect">
+            <a:avLst/>
+          </a:prstGeom>
+          <a:noFill/>
+        </p:spPr>
+        <p:txBody>
+          <a:bodyPr wrap="square" rtlCol="0">
+            <a:spAutoFit/>
+          </a:bodyPr>
+          <a:lstStyle/>
+          <a:p>
+            <a:r>
+              <a:rPr lang="en-US" sz="1200" b="0" i="0" dirty="0">
+                <a:effectLst/>
+              </a:rPr>
+              <a:t>Figure 3: Evaluation of the fine-tuned XLS-R models in addition to a LM in WER and CER.</a:t>
+            </a:r>
+            <a:endParaRPr lang="en-US" sz="1200" dirty="0"/>
+          </a:p>
+        </p:txBody>
+      </p:sp>
       <p:pic>
         <p:nvPicPr>
-          <p:cNvPr id="4" name="Picture 3">
+          <p:cNvPr id="10" name="Picture 9">
             <a:extLst>
               <a:ext uri="{FF2B5EF4-FFF2-40B4-BE49-F238E27FC236}">
-                <a16:creationId xmlns:a16="http://schemas.microsoft.com/office/drawing/2014/main" id="{FF6C746F-8F32-276C-EA21-27B355945EE3}"/>
+                <a16:creationId xmlns:a16="http://schemas.microsoft.com/office/drawing/2014/main" id="{B0AFE45F-41CE-FBB3-1269-4869FDD9D455}"/>
               </a:ext>
             </a:extLst>
           </p:cNvPr>
@@ -7958,115 +12391,7 @@
         </p:blipFill>
         <p:spPr>
           <a:xfrm>
-            <a:off x="285929" y="1120947"/>
-            <a:ext cx="5340804" cy="3221181"/>
-          </a:xfrm>
-          <a:prstGeom prst="rect">
-            <a:avLst/>
-          </a:prstGeom>
-        </p:spPr>
-      </p:pic>
-      <p:sp>
-        <p:nvSpPr>
-          <p:cNvPr id="6" name="TextBox 5">
-            <a:extLst>
-              <a:ext uri="{FF2B5EF4-FFF2-40B4-BE49-F238E27FC236}">
-                <a16:creationId xmlns:a16="http://schemas.microsoft.com/office/drawing/2014/main" id="{EA32BA1B-724D-E822-6120-2CBF1D075384}"/>
-              </a:ext>
-            </a:extLst>
-          </p:cNvPr>
-          <p:cNvSpPr txBox="1"/>
-          <p:nvPr/>
-        </p:nvSpPr>
-        <p:spPr>
-          <a:xfrm>
-            <a:off x="815825" y="665182"/>
-            <a:ext cx="6681077" cy="369332"/>
-          </a:xfrm>
-          <a:prstGeom prst="rect">
-            <a:avLst/>
-          </a:prstGeom>
-          <a:noFill/>
-        </p:spPr>
-        <p:txBody>
-          <a:bodyPr wrap="square" rtlCol="0">
-            <a:spAutoFit/>
-          </a:bodyPr>
-          <a:lstStyle/>
-          <a:p>
-            <a:pPr marL="285750" indent="-285750">
-              <a:buFont typeface="Arial" panose="020B0604020202020204" pitchFamily="34" charset="0"/>
-              <a:buChar char="•"/>
-            </a:pPr>
-            <a:r>
-              <a:rPr lang="nl-NL" dirty="0"/>
-              <a:t>Relative ~33% WERR and ~20% CERR</a:t>
-            </a:r>
-            <a:endParaRPr lang="en-US" dirty="0"/>
-          </a:p>
-        </p:txBody>
-      </p:sp>
-      <p:sp>
-        <p:nvSpPr>
-          <p:cNvPr id="7" name="TextBox 6">
-            <a:extLst>
-              <a:ext uri="{FF2B5EF4-FFF2-40B4-BE49-F238E27FC236}">
-                <a16:creationId xmlns:a16="http://schemas.microsoft.com/office/drawing/2014/main" id="{8BC89E69-B1EF-B78A-2FF7-1FA24199F289}"/>
-              </a:ext>
-            </a:extLst>
-          </p:cNvPr>
-          <p:cNvSpPr txBox="1"/>
-          <p:nvPr/>
-        </p:nvSpPr>
-        <p:spPr>
-          <a:xfrm>
-            <a:off x="285929" y="4428561"/>
-            <a:ext cx="3989153" cy="461665"/>
-          </a:xfrm>
-          <a:prstGeom prst="rect">
-            <a:avLst/>
-          </a:prstGeom>
-          <a:noFill/>
-        </p:spPr>
-        <p:txBody>
-          <a:bodyPr wrap="square" rtlCol="0">
-            <a:spAutoFit/>
-          </a:bodyPr>
-          <a:lstStyle/>
-          <a:p>
-            <a:r>
-              <a:rPr lang="en-US" sz="1200" b="0" i="0" dirty="0">
-                <a:effectLst/>
-              </a:rPr>
-              <a:t>Figure 3: Evaluation of the fine-tuned XLS-R models in addition to a LM in WER and CER.</a:t>
-            </a:r>
-            <a:endParaRPr lang="en-US" sz="1200" dirty="0"/>
-          </a:p>
-        </p:txBody>
-      </p:sp>
-      <p:pic>
-        <p:nvPicPr>
-          <p:cNvPr id="10" name="Picture 9">
-            <a:extLst>
-              <a:ext uri="{FF2B5EF4-FFF2-40B4-BE49-F238E27FC236}">
-                <a16:creationId xmlns:a16="http://schemas.microsoft.com/office/drawing/2014/main" id="{B0AFE45F-41CE-FBB3-1269-4869FDD9D455}"/>
-              </a:ext>
-            </a:extLst>
-          </p:cNvPr>
-          <p:cNvPicPr>
-            <a:picLocks noChangeAspect="1"/>
-          </p:cNvPicPr>
-          <p:nvPr/>
-        </p:nvPicPr>
-        <p:blipFill>
-          <a:blip r:embed="rId3"/>
-          <a:stretch>
-            <a:fillRect/>
-          </a:stretch>
-        </p:blipFill>
-        <p:spPr>
-          <a:xfrm>
-            <a:off x="5937948" y="1256246"/>
+            <a:off x="5937948" y="1804344"/>
             <a:ext cx="2920123" cy="1322892"/>
           </a:xfrm>
           <a:prstGeom prst="rect">
@@ -8118,7 +12443,7 @@
         </p:nvSpPr>
         <p:spPr>
           <a:xfrm>
-            <a:off x="5992091" y="2819400"/>
+            <a:off x="5992091" y="3367498"/>
             <a:ext cx="2660073" cy="1015663"/>
           </a:xfrm>
           <a:prstGeom prst="rect">
@@ -8146,6 +12471,36 @@
           </a:p>
         </p:txBody>
       </p:sp>
+      <p:graphicFrame>
+        <p:nvGraphicFramePr>
+          <p:cNvPr id="5" name="Chart 4">
+            <a:extLst>
+              <a:ext uri="{FF2B5EF4-FFF2-40B4-BE49-F238E27FC236}">
+                <a16:creationId xmlns:a16="http://schemas.microsoft.com/office/drawing/2014/main" id="{05A83820-E549-46B4-912B-6EB4818B2F0B}"/>
+              </a:ext>
+            </a:extLst>
+          </p:cNvPr>
+          <p:cNvGraphicFramePr>
+            <a:graphicFrameLocks/>
+          </p:cNvGraphicFramePr>
+          <p:nvPr>
+            <p:extLst>
+              <p:ext uri="{D42A27DB-BD31-4B8C-83A1-F6EECF244321}">
+                <p14:modId xmlns:p14="http://schemas.microsoft.com/office/powerpoint/2010/main" val="4220643548"/>
+              </p:ext>
+            </p:extLst>
+          </p:nvPr>
+        </p:nvGraphicFramePr>
+        <p:xfrm>
+          <a:off x="378243" y="1689404"/>
+          <a:ext cx="5092963" cy="3055778"/>
+        </p:xfrm>
+        <a:graphic>
+          <a:graphicData uri="http://schemas.openxmlformats.org/drawingml/2006/chart">
+            <c:chart xmlns:c="http://schemas.openxmlformats.org/drawingml/2006/chart" xmlns:r="http://schemas.openxmlformats.org/officeDocument/2006/relationships" r:id="rId3"/>
+          </a:graphicData>
+        </a:graphic>
+      </p:graphicFrame>
     </p:spTree>
     <p:extLst>
       <p:ext uri="{BB962C8B-B14F-4D97-AF65-F5344CB8AC3E}">
@@ -8205,36 +12560,6 @@
           </a:p>
         </p:txBody>
       </p:sp>
-      <p:pic>
-        <p:nvPicPr>
-          <p:cNvPr id="4" name="Picture 3">
-            <a:extLst>
-              <a:ext uri="{FF2B5EF4-FFF2-40B4-BE49-F238E27FC236}">
-                <a16:creationId xmlns:a16="http://schemas.microsoft.com/office/drawing/2014/main" id="{28EE06A0-41CB-C871-B773-12D755FCA7B0}"/>
-              </a:ext>
-            </a:extLst>
-          </p:cNvPr>
-          <p:cNvPicPr>
-            <a:picLocks noChangeAspect="1"/>
-          </p:cNvPicPr>
-          <p:nvPr/>
-        </p:nvPicPr>
-        <p:blipFill>
-          <a:blip r:embed="rId2"/>
-          <a:stretch>
-            <a:fillRect/>
-          </a:stretch>
-        </p:blipFill>
-        <p:spPr>
-          <a:xfrm>
-            <a:off x="1153089" y="1368136"/>
-            <a:ext cx="6837821" cy="4121727"/>
-          </a:xfrm>
-          <a:prstGeom prst="rect">
-            <a:avLst/>
-          </a:prstGeom>
-        </p:spPr>
-      </p:pic>
       <p:sp>
         <p:nvSpPr>
           <p:cNvPr id="5" name="TextBox 4">
@@ -8270,6 +12595,36 @@
           </a:p>
         </p:txBody>
       </p:sp>
+      <p:graphicFrame>
+        <p:nvGraphicFramePr>
+          <p:cNvPr id="3" name="Chart 2">
+            <a:extLst>
+              <a:ext uri="{FF2B5EF4-FFF2-40B4-BE49-F238E27FC236}">
+                <a16:creationId xmlns:a16="http://schemas.microsoft.com/office/drawing/2014/main" id="{06E5A497-7A0E-4E43-9CDB-EBF6CBF69434}"/>
+              </a:ext>
+            </a:extLst>
+          </p:cNvPr>
+          <p:cNvGraphicFramePr>
+            <a:graphicFrameLocks/>
+          </p:cNvGraphicFramePr>
+          <p:nvPr>
+            <p:extLst>
+              <p:ext uri="{D42A27DB-BD31-4B8C-83A1-F6EECF244321}">
+                <p14:modId xmlns:p14="http://schemas.microsoft.com/office/powerpoint/2010/main" val="386560042"/>
+              </p:ext>
+            </p:extLst>
+          </p:nvPr>
+        </p:nvGraphicFramePr>
+        <p:xfrm>
+          <a:off x="1185519" y="1375374"/>
+          <a:ext cx="6845420" cy="4107252"/>
+        </p:xfrm>
+        <a:graphic>
+          <a:graphicData uri="http://schemas.openxmlformats.org/drawingml/2006/chart">
+            <c:chart xmlns:c="http://schemas.openxmlformats.org/drawingml/2006/chart" xmlns:r="http://schemas.openxmlformats.org/officeDocument/2006/relationships" r:id="rId2"/>
+          </a:graphicData>
+        </a:graphic>
+      </p:graphicFrame>
     </p:spTree>
     <p:extLst>
       <p:ext uri="{BB962C8B-B14F-4D97-AF65-F5344CB8AC3E}">
@@ -8431,7 +12786,7 @@
         <p:spPr>
           <a:xfrm>
             <a:off x="685800" y="4128655"/>
-            <a:ext cx="5867400" cy="646331"/>
+            <a:ext cx="5867400" cy="738664"/>
           </a:xfrm>
           <a:prstGeom prst="rect">
             <a:avLst/>
@@ -8445,10 +12800,9 @@
           <a:lstStyle/>
           <a:p>
             <a:r>
-              <a:rPr lang="en-US" sz="1800" dirty="0"/>
+              <a:rPr lang="en-US" sz="2400" dirty="0"/>
               <a:t>Comparison should not be made</a:t>
             </a:r>
-            <a:endParaRPr lang="en-US" sz="1600" dirty="0"/>
           </a:p>
           <a:p>
             <a:endParaRPr lang="en-US" dirty="0"/>
@@ -11458,7 +15812,61 @@
           <a:bodyPr/>
           <a:lstStyle/>
           <a:p>
-            <a:endParaRPr lang="en-US"/>
+            <a:r>
+              <a:rPr lang="en-US" sz="2000" dirty="0"/>
+              <a:t>Adaption, analyzation and evaluation</a:t>
+            </a:r>
+          </a:p>
+          <a:p>
+            <a:r>
+              <a:rPr lang="en-US" sz="2000" dirty="0"/>
+              <a:t>WER and CER of ∼95.5% and ∼96.1% respectively</a:t>
+            </a:r>
+          </a:p>
+          <a:p>
+            <a:pPr marL="457200" lvl="1" indent="0">
+              <a:buNone/>
+            </a:pPr>
+            <a:r>
+              <a:rPr lang="en-US" sz="1800" dirty="0"/>
+              <a:t>Callsign detection, single word prediction and +/- non-lexical words</a:t>
+            </a:r>
+          </a:p>
+          <a:p>
+            <a:r>
+              <a:rPr lang="en-US" sz="2000" dirty="0"/>
+              <a:t>‘Raw’ </a:t>
+            </a:r>
+            <a:r>
+              <a:rPr lang="en-US" sz="2000" dirty="0" err="1"/>
+              <a:t>HuggingFace</a:t>
+            </a:r>
+            <a:r>
+              <a:rPr lang="en-US" sz="2000" dirty="0"/>
+              <a:t> models are not robust</a:t>
+            </a:r>
+          </a:p>
+          <a:p>
+            <a:r>
+              <a:rPr lang="en-US" sz="2000" dirty="0"/>
+              <a:t>In-domain LM achieves WERR and CERR of ~33% and 18% on finetuned XLS-R models</a:t>
+            </a:r>
+          </a:p>
+          <a:p>
+            <a:r>
+              <a:rPr lang="en-US" sz="2000" dirty="0"/>
+              <a:t>Negative correlation in amount of training data and WER and CER</a:t>
+            </a:r>
+          </a:p>
+          <a:p>
+            <a:pPr lvl="1"/>
+            <a:endParaRPr lang="en-US" sz="2000" dirty="0"/>
+          </a:p>
+          <a:p>
+            <a:endParaRPr lang="en-US" sz="2400" dirty="0"/>
+          </a:p>
+          <a:p>
+            <a:endParaRPr lang="en-US" dirty="0"/>
           </a:p>
         </p:txBody>
       </p:sp>
@@ -11986,8 +16394,8 @@
         </p:blipFill>
         <p:spPr bwMode="auto">
           <a:xfrm>
-            <a:off x="6966858" y="2505017"/>
-            <a:ext cx="1679574" cy="2515867"/>
+            <a:off x="6594764" y="1947651"/>
+            <a:ext cx="2051668" cy="3073234"/>
           </a:xfrm>
           <a:prstGeom prst="rect">
             <a:avLst/>
@@ -12018,8 +16426,8 @@
         </p:nvSpPr>
         <p:spPr>
           <a:xfrm>
-            <a:off x="6898535" y="4991454"/>
-            <a:ext cx="1953108" cy="553998"/>
+            <a:off x="6465842" y="5142911"/>
+            <a:ext cx="2385801" cy="553998"/>
           </a:xfrm>
           <a:prstGeom prst="rect">
             <a:avLst/>

--- a/Thesis presentation ATC.pptx
+++ b/Thesis presentation ATC.pptx
@@ -2869,6 +2869,678 @@
 </c:chartSpace>
 </file>
 
+<file path=ppt/charts/chart5.xml><?xml version="1.0" encoding="utf-8"?>
+<c:chartSpace xmlns:c="http://schemas.openxmlformats.org/drawingml/2006/chart" xmlns:a="http://schemas.openxmlformats.org/drawingml/2006/main" xmlns:r="http://schemas.openxmlformats.org/officeDocument/2006/relationships" xmlns:c16r2="http://schemas.microsoft.com/office/drawing/2015/06/chart">
+  <c:date1904 val="0"/>
+  <c:lang val="en-US"/>
+  <c:roundedCorners val="0"/>
+  <mc:AlternateContent xmlns:mc="http://schemas.openxmlformats.org/markup-compatibility/2006">
+    <mc:Choice xmlns:c14="http://schemas.microsoft.com/office/drawing/2007/8/2/chart" Requires="c14">
+      <c14:style val="102"/>
+    </mc:Choice>
+    <mc:Fallback>
+      <c:style val="2"/>
+    </mc:Fallback>
+  </mc:AlternateContent>
+  <c:chart>
+    <c:title>
+      <c:tx>
+        <c:rich>
+          <a:bodyPr rot="0" spcFirstLastPara="1" vertOverflow="ellipsis" vert="horz" wrap="square" anchor="ctr" anchorCtr="1"/>
+          <a:lstStyle/>
+          <a:p>
+            <a:pPr>
+              <a:defRPr sz="1400" b="0" i="0" u="none" strike="noStrike" kern="1200" spc="0" baseline="0">
+                <a:solidFill>
+                  <a:schemeClr val="tx1">
+                    <a:lumMod val="65000"/>
+                    <a:lumOff val="35000"/>
+                  </a:schemeClr>
+                </a:solidFill>
+                <a:latin typeface="+mn-lt"/>
+                <a:ea typeface="+mn-ea"/>
+                <a:cs typeface="+mn-cs"/>
+              </a:defRPr>
+            </a:pPr>
+            <a:r>
+              <a:rPr lang="en-US"/>
+              <a:t>Evaluation Finetuned</a:t>
+            </a:r>
+            <a:r>
+              <a:rPr lang="en-US" baseline="0"/>
+              <a:t> Models</a:t>
+            </a:r>
+            <a:endParaRPr lang="en-US"/>
+          </a:p>
+        </c:rich>
+      </c:tx>
+      <c:overlay val="0"/>
+      <c:spPr>
+        <a:noFill/>
+        <a:ln>
+          <a:noFill/>
+        </a:ln>
+        <a:effectLst/>
+      </c:spPr>
+      <c:txPr>
+        <a:bodyPr rot="0" spcFirstLastPara="1" vertOverflow="ellipsis" vert="horz" wrap="square" anchor="ctr" anchorCtr="1"/>
+        <a:lstStyle/>
+        <a:p>
+          <a:pPr>
+            <a:defRPr sz="1400" b="0" i="0" u="none" strike="noStrike" kern="1200" spc="0" baseline="0">
+              <a:solidFill>
+                <a:schemeClr val="tx1">
+                  <a:lumMod val="65000"/>
+                  <a:lumOff val="35000"/>
+                </a:schemeClr>
+              </a:solidFill>
+              <a:latin typeface="+mn-lt"/>
+              <a:ea typeface="+mn-ea"/>
+              <a:cs typeface="+mn-cs"/>
+            </a:defRPr>
+          </a:pPr>
+          <a:endParaRPr lang="en-US"/>
+        </a:p>
+      </c:txPr>
+    </c:title>
+    <c:autoTitleDeleted val="0"/>
+    <c:plotArea>
+      <c:layout/>
+      <c:barChart>
+        <c:barDir val="col"/>
+        <c:grouping val="clustered"/>
+        <c:varyColors val="0"/>
+        <c:ser>
+          <c:idx val="0"/>
+          <c:order val="0"/>
+          <c:tx>
+            <c:strRef>
+              <c:f>transcribed_metrics_graphs!$H$1</c:f>
+              <c:strCache>
+                <c:ptCount val="1"/>
+                <c:pt idx="0">
+                  <c:v>WER</c:v>
+                </c:pt>
+              </c:strCache>
+            </c:strRef>
+          </c:tx>
+          <c:spPr>
+            <a:solidFill>
+              <a:srgbClr val="C00000"/>
+            </a:solidFill>
+            <a:ln>
+              <a:noFill/>
+            </a:ln>
+            <a:effectLst/>
+          </c:spPr>
+          <c:invertIfNegative val="0"/>
+          <c:dLbls>
+            <c:numFmt formatCode="#,##0.00" sourceLinked="0"/>
+            <c:spPr>
+              <a:noFill/>
+              <a:ln>
+                <a:noFill/>
+              </a:ln>
+              <a:effectLst/>
+            </c:spPr>
+            <c:txPr>
+              <a:bodyPr rot="0" spcFirstLastPara="1" vertOverflow="ellipsis" vert="horz" wrap="square" lIns="38100" tIns="19050" rIns="38100" bIns="19050" anchor="ctr" anchorCtr="1">
+                <a:spAutoFit/>
+              </a:bodyPr>
+              <a:lstStyle/>
+              <a:p>
+                <a:pPr>
+                  <a:defRPr sz="900" b="0" i="0" u="none" strike="noStrike" kern="1200" baseline="0">
+                    <a:solidFill>
+                      <a:schemeClr val="tx1">
+                        <a:lumMod val="75000"/>
+                        <a:lumOff val="25000"/>
+                      </a:schemeClr>
+                    </a:solidFill>
+                    <a:latin typeface="+mn-lt"/>
+                    <a:ea typeface="+mn-ea"/>
+                    <a:cs typeface="+mn-cs"/>
+                  </a:defRPr>
+                </a:pPr>
+                <a:endParaRPr lang="en-US"/>
+              </a:p>
+            </c:txPr>
+            <c:dLblPos val="outEnd"/>
+            <c:showLegendKey val="0"/>
+            <c:showVal val="1"/>
+            <c:showCatName val="0"/>
+            <c:showSerName val="0"/>
+            <c:showPercent val="0"/>
+            <c:showBubbleSize val="0"/>
+            <c:showLeaderLines val="0"/>
+            <c:extLst>
+              <c:ext xmlns:c15="http://schemas.microsoft.com/office/drawing/2012/chart" uri="{CE6537A1-D6FC-4f65-9D91-7224C49458BB}">
+                <c15:showLeaderLines val="1"/>
+                <c15:leaderLines>
+                  <c:spPr>
+                    <a:ln w="9525" cap="flat" cmpd="sng" algn="ctr">
+                      <a:solidFill>
+                        <a:schemeClr val="tx1">
+                          <a:lumMod val="35000"/>
+                          <a:lumOff val="65000"/>
+                        </a:schemeClr>
+                      </a:solidFill>
+                      <a:round/>
+                    </a:ln>
+                    <a:effectLst/>
+                  </c:spPr>
+                </c15:leaderLines>
+              </c:ext>
+            </c:extLst>
+          </c:dLbls>
+          <c:cat>
+            <c:strRef>
+              <c:f>transcribed_metrics_graphs!$G$7:$G$11</c:f>
+              <c:strCache>
+                <c:ptCount val="5"/>
+                <c:pt idx="0">
+                  <c:v>xls-r-10</c:v>
+                </c:pt>
+                <c:pt idx="1">
+                  <c:v>xls-r-50</c:v>
+                </c:pt>
+                <c:pt idx="2">
+                  <c:v>xls-r-150</c:v>
+                </c:pt>
+                <c:pt idx="3">
+                  <c:v>xls-r-500</c:v>
+                </c:pt>
+                <c:pt idx="4">
+                  <c:v>xls-r-1000</c:v>
+                </c:pt>
+              </c:strCache>
+            </c:strRef>
+          </c:cat>
+          <c:val>
+            <c:numRef>
+              <c:f>transcribed_metrics_graphs!$H$7:$H$11</c:f>
+              <c:numCache>
+                <c:formatCode>General</c:formatCode>
+                <c:ptCount val="5"/>
+                <c:pt idx="0">
+                  <c:v>0.43075999999999998</c:v>
+                </c:pt>
+                <c:pt idx="1">
+                  <c:v>0.26016</c:v>
+                </c:pt>
+                <c:pt idx="2">
+                  <c:v>0.16975000000000001</c:v>
+                </c:pt>
+                <c:pt idx="3">
+                  <c:v>8.3210000000000006E-2</c:v>
+                </c:pt>
+                <c:pt idx="4">
+                  <c:v>4.6440000000000002E-2</c:v>
+                </c:pt>
+              </c:numCache>
+            </c:numRef>
+          </c:val>
+          <c:extLst>
+            <c:ext xmlns:c16="http://schemas.microsoft.com/office/drawing/2014/chart" uri="{C3380CC4-5D6E-409C-BE32-E72D297353CC}">
+              <c16:uniqueId val="{00000000-FD9C-4973-BD51-7DBD4D65C7ED}"/>
+            </c:ext>
+          </c:extLst>
+        </c:ser>
+        <c:ser>
+          <c:idx val="1"/>
+          <c:order val="1"/>
+          <c:tx>
+            <c:strRef>
+              <c:f>transcribed_metrics_graphs!$I$1</c:f>
+              <c:strCache>
+                <c:ptCount val="1"/>
+                <c:pt idx="0">
+                  <c:v>CER</c:v>
+                </c:pt>
+              </c:strCache>
+            </c:strRef>
+          </c:tx>
+          <c:spPr>
+            <a:pattFill prst="wdUpDiag">
+              <a:fgClr>
+                <a:srgbClr val="C00000"/>
+              </a:fgClr>
+              <a:bgClr>
+                <a:schemeClr val="bg1"/>
+              </a:bgClr>
+            </a:pattFill>
+            <a:ln>
+              <a:noFill/>
+            </a:ln>
+            <a:effectLst/>
+          </c:spPr>
+          <c:invertIfNegative val="0"/>
+          <c:dLbls>
+            <c:numFmt formatCode="#,##0.00" sourceLinked="0"/>
+            <c:spPr>
+              <a:noFill/>
+              <a:ln>
+                <a:noFill/>
+              </a:ln>
+              <a:effectLst/>
+            </c:spPr>
+            <c:txPr>
+              <a:bodyPr rot="0" spcFirstLastPara="1" vertOverflow="ellipsis" vert="horz" wrap="square" lIns="38100" tIns="19050" rIns="38100" bIns="19050" anchor="ctr" anchorCtr="1">
+                <a:spAutoFit/>
+              </a:bodyPr>
+              <a:lstStyle/>
+              <a:p>
+                <a:pPr>
+                  <a:defRPr sz="900" b="0" i="0" u="none" strike="noStrike" kern="1200" baseline="0">
+                    <a:solidFill>
+                      <a:schemeClr val="tx1">
+                        <a:lumMod val="75000"/>
+                        <a:lumOff val="25000"/>
+                      </a:schemeClr>
+                    </a:solidFill>
+                    <a:latin typeface="+mn-lt"/>
+                    <a:ea typeface="+mn-ea"/>
+                    <a:cs typeface="+mn-cs"/>
+                  </a:defRPr>
+                </a:pPr>
+                <a:endParaRPr lang="en-US"/>
+              </a:p>
+            </c:txPr>
+            <c:dLblPos val="outEnd"/>
+            <c:showLegendKey val="0"/>
+            <c:showVal val="1"/>
+            <c:showCatName val="0"/>
+            <c:showSerName val="0"/>
+            <c:showPercent val="0"/>
+            <c:showBubbleSize val="0"/>
+            <c:showLeaderLines val="0"/>
+            <c:extLst>
+              <c:ext xmlns:c15="http://schemas.microsoft.com/office/drawing/2012/chart" uri="{CE6537A1-D6FC-4f65-9D91-7224C49458BB}">
+                <c15:showLeaderLines val="1"/>
+                <c15:leaderLines>
+                  <c:spPr>
+                    <a:ln w="9525" cap="flat" cmpd="sng" algn="ctr">
+                      <a:solidFill>
+                        <a:schemeClr val="tx1">
+                          <a:lumMod val="35000"/>
+                          <a:lumOff val="65000"/>
+                        </a:schemeClr>
+                      </a:solidFill>
+                      <a:round/>
+                    </a:ln>
+                    <a:effectLst/>
+                  </c:spPr>
+                </c15:leaderLines>
+              </c:ext>
+            </c:extLst>
+          </c:dLbls>
+          <c:cat>
+            <c:strRef>
+              <c:f>transcribed_metrics_graphs!$G$7:$G$11</c:f>
+              <c:strCache>
+                <c:ptCount val="5"/>
+                <c:pt idx="0">
+                  <c:v>xls-r-10</c:v>
+                </c:pt>
+                <c:pt idx="1">
+                  <c:v>xls-r-50</c:v>
+                </c:pt>
+                <c:pt idx="2">
+                  <c:v>xls-r-150</c:v>
+                </c:pt>
+                <c:pt idx="3">
+                  <c:v>xls-r-500</c:v>
+                </c:pt>
+                <c:pt idx="4">
+                  <c:v>xls-r-1000</c:v>
+                </c:pt>
+              </c:strCache>
+            </c:strRef>
+          </c:cat>
+          <c:val>
+            <c:numRef>
+              <c:f>transcribed_metrics_graphs!$I$7:$I$11</c:f>
+              <c:numCache>
+                <c:formatCode>General</c:formatCode>
+                <c:ptCount val="5"/>
+                <c:pt idx="0">
+                  <c:v>0.17469999999999999</c:v>
+                </c:pt>
+                <c:pt idx="1">
+                  <c:v>9.5299999999999996E-2</c:v>
+                </c:pt>
+                <c:pt idx="2">
+                  <c:v>5.799E-2</c:v>
+                </c:pt>
+                <c:pt idx="3">
+                  <c:v>2.6249999999999999E-2</c:v>
+                </c:pt>
+                <c:pt idx="4">
+                  <c:v>1.541E-2</c:v>
+                </c:pt>
+              </c:numCache>
+            </c:numRef>
+          </c:val>
+          <c:extLst>
+            <c:ext xmlns:c16="http://schemas.microsoft.com/office/drawing/2014/chart" uri="{C3380CC4-5D6E-409C-BE32-E72D297353CC}">
+              <c16:uniqueId val="{00000001-FD9C-4973-BD51-7DBD4D65C7ED}"/>
+            </c:ext>
+          </c:extLst>
+        </c:ser>
+        <c:dLbls>
+          <c:dLblPos val="outEnd"/>
+          <c:showLegendKey val="0"/>
+          <c:showVal val="1"/>
+          <c:showCatName val="0"/>
+          <c:showSerName val="0"/>
+          <c:showPercent val="0"/>
+          <c:showBubbleSize val="0"/>
+        </c:dLbls>
+        <c:gapWidth val="219"/>
+        <c:overlap val="-27"/>
+        <c:axId val="519174144"/>
+        <c:axId val="519175456"/>
+      </c:barChart>
+      <c:catAx>
+        <c:axId val="519174144"/>
+        <c:scaling>
+          <c:orientation val="minMax"/>
+        </c:scaling>
+        <c:delete val="0"/>
+        <c:axPos val="b"/>
+        <c:title>
+          <c:tx>
+            <c:rich>
+              <a:bodyPr rot="0" spcFirstLastPara="1" vertOverflow="ellipsis" vert="horz" wrap="square" anchor="ctr" anchorCtr="1"/>
+              <a:lstStyle/>
+              <a:p>
+                <a:pPr>
+                  <a:defRPr sz="1000" b="0" i="0" u="none" strike="noStrike" kern="1200" baseline="0">
+                    <a:solidFill>
+                      <a:schemeClr val="tx1">
+                        <a:lumMod val="65000"/>
+                        <a:lumOff val="35000"/>
+                      </a:schemeClr>
+                    </a:solidFill>
+                    <a:latin typeface="+mn-lt"/>
+                    <a:ea typeface="+mn-ea"/>
+                    <a:cs typeface="+mn-cs"/>
+                  </a:defRPr>
+                </a:pPr>
+                <a:r>
+                  <a:rPr lang="en-US"/>
+                  <a:t>Models</a:t>
+                </a:r>
+              </a:p>
+            </c:rich>
+          </c:tx>
+          <c:overlay val="0"/>
+          <c:spPr>
+            <a:noFill/>
+            <a:ln>
+              <a:noFill/>
+            </a:ln>
+            <a:effectLst/>
+          </c:spPr>
+          <c:txPr>
+            <a:bodyPr rot="0" spcFirstLastPara="1" vertOverflow="ellipsis" vert="horz" wrap="square" anchor="ctr" anchorCtr="1"/>
+            <a:lstStyle/>
+            <a:p>
+              <a:pPr>
+                <a:defRPr sz="1000" b="0" i="0" u="none" strike="noStrike" kern="1200" baseline="0">
+                  <a:solidFill>
+                    <a:schemeClr val="tx1">
+                      <a:lumMod val="65000"/>
+                      <a:lumOff val="35000"/>
+                    </a:schemeClr>
+                  </a:solidFill>
+                  <a:latin typeface="+mn-lt"/>
+                  <a:ea typeface="+mn-ea"/>
+                  <a:cs typeface="+mn-cs"/>
+                </a:defRPr>
+              </a:pPr>
+              <a:endParaRPr lang="en-US"/>
+            </a:p>
+          </c:txPr>
+        </c:title>
+        <c:numFmt formatCode="General" sourceLinked="1"/>
+        <c:majorTickMark val="none"/>
+        <c:minorTickMark val="none"/>
+        <c:tickLblPos val="nextTo"/>
+        <c:spPr>
+          <a:noFill/>
+          <a:ln w="9525" cap="flat" cmpd="sng" algn="ctr">
+            <a:solidFill>
+              <a:schemeClr val="tx1">
+                <a:lumMod val="15000"/>
+                <a:lumOff val="85000"/>
+              </a:schemeClr>
+            </a:solidFill>
+            <a:round/>
+          </a:ln>
+          <a:effectLst/>
+        </c:spPr>
+        <c:txPr>
+          <a:bodyPr rot="-60000000" spcFirstLastPara="1" vertOverflow="ellipsis" vert="horz" wrap="square" anchor="ctr" anchorCtr="1"/>
+          <a:lstStyle/>
+          <a:p>
+            <a:pPr>
+              <a:defRPr sz="900" b="0" i="0" u="none" strike="noStrike" kern="1200" baseline="0">
+                <a:solidFill>
+                  <a:schemeClr val="tx1">
+                    <a:lumMod val="65000"/>
+                    <a:lumOff val="35000"/>
+                  </a:schemeClr>
+                </a:solidFill>
+                <a:latin typeface="+mn-lt"/>
+                <a:ea typeface="+mn-ea"/>
+                <a:cs typeface="+mn-cs"/>
+              </a:defRPr>
+            </a:pPr>
+            <a:endParaRPr lang="en-US"/>
+          </a:p>
+        </c:txPr>
+        <c:crossAx val="519175456"/>
+        <c:crosses val="autoZero"/>
+        <c:auto val="1"/>
+        <c:lblAlgn val="ctr"/>
+        <c:lblOffset val="100"/>
+        <c:noMultiLvlLbl val="0"/>
+      </c:catAx>
+      <c:valAx>
+        <c:axId val="519175456"/>
+        <c:scaling>
+          <c:orientation val="minMax"/>
+          <c:max val="1"/>
+        </c:scaling>
+        <c:delete val="0"/>
+        <c:axPos val="l"/>
+        <c:majorGridlines>
+          <c:spPr>
+            <a:ln w="9525" cap="flat" cmpd="sng" algn="ctr">
+              <a:solidFill>
+                <a:schemeClr val="bg1">
+                  <a:lumMod val="95000"/>
+                </a:schemeClr>
+              </a:solidFill>
+              <a:round/>
+            </a:ln>
+            <a:effectLst/>
+          </c:spPr>
+        </c:majorGridlines>
+        <c:title>
+          <c:tx>
+            <c:rich>
+              <a:bodyPr rot="-5400000" spcFirstLastPara="1" vertOverflow="ellipsis" vert="horz" wrap="square" anchor="ctr" anchorCtr="1"/>
+              <a:lstStyle/>
+              <a:p>
+                <a:pPr>
+                  <a:defRPr sz="1000" b="0" i="0" u="none" strike="noStrike" kern="1200" baseline="0">
+                    <a:solidFill>
+                      <a:schemeClr val="tx1">
+                        <a:lumMod val="65000"/>
+                        <a:lumOff val="35000"/>
+                      </a:schemeClr>
+                    </a:solidFill>
+                    <a:latin typeface="+mn-lt"/>
+                    <a:ea typeface="+mn-ea"/>
+                    <a:cs typeface="+mn-cs"/>
+                  </a:defRPr>
+                </a:pPr>
+                <a:r>
+                  <a:rPr lang="en-US"/>
+                  <a:t>Error</a:t>
+                </a:r>
+                <a:r>
+                  <a:rPr lang="en-US" baseline="0"/>
+                  <a:t> Rate</a:t>
+                </a:r>
+              </a:p>
+              <a:p>
+                <a:pPr>
+                  <a:defRPr/>
+                </a:pPr>
+                <a:endParaRPr lang="en-US"/>
+              </a:p>
+            </c:rich>
+          </c:tx>
+          <c:overlay val="0"/>
+          <c:spPr>
+            <a:noFill/>
+            <a:ln>
+              <a:noFill/>
+            </a:ln>
+            <a:effectLst/>
+          </c:spPr>
+          <c:txPr>
+            <a:bodyPr rot="-5400000" spcFirstLastPara="1" vertOverflow="ellipsis" vert="horz" wrap="square" anchor="ctr" anchorCtr="1"/>
+            <a:lstStyle/>
+            <a:p>
+              <a:pPr>
+                <a:defRPr sz="1000" b="0" i="0" u="none" strike="noStrike" kern="1200" baseline="0">
+                  <a:solidFill>
+                    <a:schemeClr val="tx1">
+                      <a:lumMod val="65000"/>
+                      <a:lumOff val="35000"/>
+                    </a:schemeClr>
+                  </a:solidFill>
+                  <a:latin typeface="+mn-lt"/>
+                  <a:ea typeface="+mn-ea"/>
+                  <a:cs typeface="+mn-cs"/>
+                </a:defRPr>
+              </a:pPr>
+              <a:endParaRPr lang="en-US"/>
+            </a:p>
+          </c:txPr>
+        </c:title>
+        <c:numFmt formatCode="General" sourceLinked="1"/>
+        <c:majorTickMark val="none"/>
+        <c:minorTickMark val="none"/>
+        <c:tickLblPos val="nextTo"/>
+        <c:spPr>
+          <a:noFill/>
+          <a:ln>
+            <a:noFill/>
+          </a:ln>
+          <a:effectLst/>
+        </c:spPr>
+        <c:txPr>
+          <a:bodyPr rot="-60000000" spcFirstLastPara="1" vertOverflow="ellipsis" vert="horz" wrap="square" anchor="ctr" anchorCtr="1"/>
+          <a:lstStyle/>
+          <a:p>
+            <a:pPr>
+              <a:defRPr sz="900" b="0" i="0" u="none" strike="noStrike" kern="1200" baseline="0">
+                <a:solidFill>
+                  <a:schemeClr val="tx1">
+                    <a:lumMod val="65000"/>
+                    <a:lumOff val="35000"/>
+                  </a:schemeClr>
+                </a:solidFill>
+                <a:latin typeface="+mn-lt"/>
+                <a:ea typeface="+mn-ea"/>
+                <a:cs typeface="+mn-cs"/>
+              </a:defRPr>
+            </a:pPr>
+            <a:endParaRPr lang="en-US"/>
+          </a:p>
+        </c:txPr>
+        <c:crossAx val="519174144"/>
+        <c:crosses val="autoZero"/>
+        <c:crossBetween val="between"/>
+      </c:valAx>
+      <c:spPr>
+        <a:noFill/>
+        <a:ln>
+          <a:noFill/>
+        </a:ln>
+        <a:effectLst/>
+      </c:spPr>
+    </c:plotArea>
+    <c:legend>
+      <c:legendPos val="t"/>
+      <c:overlay val="0"/>
+      <c:spPr>
+        <a:noFill/>
+        <a:ln>
+          <a:noFill/>
+        </a:ln>
+        <a:effectLst/>
+      </c:spPr>
+      <c:txPr>
+        <a:bodyPr rot="0" spcFirstLastPara="1" vertOverflow="ellipsis" vert="horz" wrap="square" anchor="ctr" anchorCtr="1"/>
+        <a:lstStyle/>
+        <a:p>
+          <a:pPr>
+            <a:defRPr sz="900" b="0" i="0" u="none" strike="noStrike" kern="1200" baseline="0">
+              <a:solidFill>
+                <a:schemeClr val="tx1">
+                  <a:lumMod val="65000"/>
+                  <a:lumOff val="35000"/>
+                </a:schemeClr>
+              </a:solidFill>
+              <a:latin typeface="+mn-lt"/>
+              <a:ea typeface="+mn-ea"/>
+              <a:cs typeface="+mn-cs"/>
+            </a:defRPr>
+          </a:pPr>
+          <a:endParaRPr lang="en-US"/>
+        </a:p>
+      </c:txPr>
+    </c:legend>
+    <c:plotVisOnly val="1"/>
+    <c:dispBlanksAs val="gap"/>
+    <c:extLst>
+      <c:ext xmlns:c16r3="http://schemas.microsoft.com/office/drawing/2017/03/chart" uri="{56B9EC1D-385E-4148-901F-78D8002777C0}">
+        <c16r3:dataDisplayOptions16>
+          <c16r3:dispNaAsBlank val="1"/>
+        </c16r3:dataDisplayOptions16>
+      </c:ext>
+    </c:extLst>
+    <c:showDLblsOverMax val="0"/>
+  </c:chart>
+  <c:spPr>
+    <a:noFill/>
+    <a:ln>
+      <a:noFill/>
+    </a:ln>
+    <a:effectLst/>
+  </c:spPr>
+  <c:txPr>
+    <a:bodyPr/>
+    <a:lstStyle/>
+    <a:p>
+      <a:pPr>
+        <a:defRPr/>
+      </a:pPr>
+      <a:endParaRPr lang="en-US"/>
+    </a:p>
+  </c:txPr>
+  <c:externalData r:id="rId3">
+    <c:autoUpdate val="0"/>
+  </c:externalData>
+</c:chartSpace>
+</file>
+
 <file path=ppt/charts/colors1.xml><?xml version="1.0" encoding="utf-8"?>
 <cs:colorStyle xmlns:cs="http://schemas.microsoft.com/office/drawing/2012/chartStyle" xmlns:a="http://schemas.openxmlformats.org/drawingml/2006/main" meth="cycle" id="10">
   <a:schemeClr val="accent1"/>
@@ -2950,6 +3622,46 @@
 </file>
 
 <file path=ppt/charts/colors3.xml><?xml version="1.0" encoding="utf-8"?>
+<cs:colorStyle xmlns:cs="http://schemas.microsoft.com/office/drawing/2012/chartStyle" xmlns:a="http://schemas.openxmlformats.org/drawingml/2006/main" meth="cycle" id="10">
+  <a:schemeClr val="accent1"/>
+  <a:schemeClr val="accent2"/>
+  <a:schemeClr val="accent3"/>
+  <a:schemeClr val="accent4"/>
+  <a:schemeClr val="accent5"/>
+  <a:schemeClr val="accent6"/>
+  <cs:variation/>
+  <cs:variation>
+    <a:lumMod val="60000"/>
+  </cs:variation>
+  <cs:variation>
+    <a:lumMod val="80000"/>
+    <a:lumOff val="20000"/>
+  </cs:variation>
+  <cs:variation>
+    <a:lumMod val="80000"/>
+  </cs:variation>
+  <cs:variation>
+    <a:lumMod val="60000"/>
+    <a:lumOff val="40000"/>
+  </cs:variation>
+  <cs:variation>
+    <a:lumMod val="50000"/>
+  </cs:variation>
+  <cs:variation>
+    <a:lumMod val="70000"/>
+    <a:lumOff val="30000"/>
+  </cs:variation>
+  <cs:variation>
+    <a:lumMod val="70000"/>
+  </cs:variation>
+  <cs:variation>
+    <a:lumMod val="50000"/>
+    <a:lumOff val="50000"/>
+  </cs:variation>
+</cs:colorStyle>
+</file>
+
+<file path=ppt/charts/colors4.xml><?xml version="1.0" encoding="utf-8"?>
 <cs:colorStyle xmlns:cs="http://schemas.microsoft.com/office/drawing/2012/chartStyle" xmlns:a="http://schemas.openxmlformats.org/drawingml/2006/main" meth="cycle" id="10">
   <a:schemeClr val="accent1"/>
   <a:schemeClr val="accent2"/>
@@ -4498,6 +5210,509 @@
 </cs:chartStyle>
 </file>
 
+<file path=ppt/charts/style4.xml><?xml version="1.0" encoding="utf-8"?>
+<cs:chartStyle xmlns:cs="http://schemas.microsoft.com/office/drawing/2012/chartStyle" xmlns:a="http://schemas.openxmlformats.org/drawingml/2006/main" id="201">
+  <cs:axisTitle>
+    <cs:lnRef idx="0"/>
+    <cs:fillRef idx="0"/>
+    <cs:effectRef idx="0"/>
+    <cs:fontRef idx="minor">
+      <a:schemeClr val="tx1">
+        <a:lumMod val="65000"/>
+        <a:lumOff val="35000"/>
+      </a:schemeClr>
+    </cs:fontRef>
+    <cs:defRPr sz="1000" kern="1200"/>
+  </cs:axisTitle>
+  <cs:categoryAxis>
+    <cs:lnRef idx="0"/>
+    <cs:fillRef idx="0"/>
+    <cs:effectRef idx="0"/>
+    <cs:fontRef idx="minor">
+      <a:schemeClr val="tx1">
+        <a:lumMod val="65000"/>
+        <a:lumOff val="35000"/>
+      </a:schemeClr>
+    </cs:fontRef>
+    <cs:spPr>
+      <a:ln w="9525" cap="flat" cmpd="sng" algn="ctr">
+        <a:solidFill>
+          <a:schemeClr val="tx1">
+            <a:lumMod val="15000"/>
+            <a:lumOff val="85000"/>
+          </a:schemeClr>
+        </a:solidFill>
+        <a:round/>
+      </a:ln>
+    </cs:spPr>
+    <cs:defRPr sz="900" kern="1200"/>
+  </cs:categoryAxis>
+  <cs:chartArea mods="allowNoFillOverride allowNoLineOverride">
+    <cs:lnRef idx="0"/>
+    <cs:fillRef idx="0"/>
+    <cs:effectRef idx="0"/>
+    <cs:fontRef idx="minor">
+      <a:schemeClr val="tx1"/>
+    </cs:fontRef>
+    <cs:spPr>
+      <a:solidFill>
+        <a:schemeClr val="bg1"/>
+      </a:solidFill>
+      <a:ln w="9525" cap="flat" cmpd="sng" algn="ctr">
+        <a:solidFill>
+          <a:schemeClr val="tx1">
+            <a:lumMod val="15000"/>
+            <a:lumOff val="85000"/>
+          </a:schemeClr>
+        </a:solidFill>
+        <a:round/>
+      </a:ln>
+    </cs:spPr>
+    <cs:defRPr sz="1000" kern="1200"/>
+  </cs:chartArea>
+  <cs:dataLabel>
+    <cs:lnRef idx="0"/>
+    <cs:fillRef idx="0"/>
+    <cs:effectRef idx="0"/>
+    <cs:fontRef idx="minor">
+      <a:schemeClr val="tx1">
+        <a:lumMod val="75000"/>
+        <a:lumOff val="25000"/>
+      </a:schemeClr>
+    </cs:fontRef>
+    <cs:defRPr sz="900" kern="1200"/>
+  </cs:dataLabel>
+  <cs:dataLabelCallout>
+    <cs:lnRef idx="0"/>
+    <cs:fillRef idx="0"/>
+    <cs:effectRef idx="0"/>
+    <cs:fontRef idx="minor">
+      <a:schemeClr val="dk1">
+        <a:lumMod val="65000"/>
+        <a:lumOff val="35000"/>
+      </a:schemeClr>
+    </cs:fontRef>
+    <cs:spPr>
+      <a:solidFill>
+        <a:schemeClr val="lt1"/>
+      </a:solidFill>
+      <a:ln>
+        <a:solidFill>
+          <a:schemeClr val="dk1">
+            <a:lumMod val="25000"/>
+            <a:lumOff val="75000"/>
+          </a:schemeClr>
+        </a:solidFill>
+      </a:ln>
+    </cs:spPr>
+    <cs:defRPr sz="900" kern="1200"/>
+    <cs:bodyPr rot="0" spcFirstLastPara="1" vertOverflow="clip" horzOverflow="clip" vert="horz" wrap="square" lIns="36576" tIns="18288" rIns="36576" bIns="18288" anchor="ctr" anchorCtr="1">
+      <a:spAutoFit/>
+    </cs:bodyPr>
+  </cs:dataLabelCallout>
+  <cs:dataPoint>
+    <cs:lnRef idx="0"/>
+    <cs:fillRef idx="1">
+      <cs:styleClr val="auto"/>
+    </cs:fillRef>
+    <cs:effectRef idx="0"/>
+    <cs:fontRef idx="minor">
+      <a:schemeClr val="tx1"/>
+    </cs:fontRef>
+  </cs:dataPoint>
+  <cs:dataPoint3D>
+    <cs:lnRef idx="0"/>
+    <cs:fillRef idx="1">
+      <cs:styleClr val="auto"/>
+    </cs:fillRef>
+    <cs:effectRef idx="0"/>
+    <cs:fontRef idx="minor">
+      <a:schemeClr val="tx1"/>
+    </cs:fontRef>
+  </cs:dataPoint3D>
+  <cs:dataPointLine>
+    <cs:lnRef idx="0">
+      <cs:styleClr val="auto"/>
+    </cs:lnRef>
+    <cs:fillRef idx="1"/>
+    <cs:effectRef idx="0"/>
+    <cs:fontRef idx="minor">
+      <a:schemeClr val="tx1"/>
+    </cs:fontRef>
+    <cs:spPr>
+      <a:ln w="28575" cap="rnd">
+        <a:solidFill>
+          <a:schemeClr val="phClr"/>
+        </a:solidFill>
+        <a:round/>
+      </a:ln>
+    </cs:spPr>
+  </cs:dataPointLine>
+  <cs:dataPointMarker>
+    <cs:lnRef idx="0">
+      <cs:styleClr val="auto"/>
+    </cs:lnRef>
+    <cs:fillRef idx="1">
+      <cs:styleClr val="auto"/>
+    </cs:fillRef>
+    <cs:effectRef idx="0"/>
+    <cs:fontRef idx="minor">
+      <a:schemeClr val="tx1"/>
+    </cs:fontRef>
+    <cs:spPr>
+      <a:ln w="9525">
+        <a:solidFill>
+          <a:schemeClr val="phClr"/>
+        </a:solidFill>
+      </a:ln>
+    </cs:spPr>
+  </cs:dataPointMarker>
+  <cs:dataPointMarkerLayout symbol="circle" size="5"/>
+  <cs:dataPointWireframe>
+    <cs:lnRef idx="0">
+      <cs:styleClr val="auto"/>
+    </cs:lnRef>
+    <cs:fillRef idx="1"/>
+    <cs:effectRef idx="0"/>
+    <cs:fontRef idx="minor">
+      <a:schemeClr val="tx1"/>
+    </cs:fontRef>
+    <cs:spPr>
+      <a:ln w="9525" cap="rnd">
+        <a:solidFill>
+          <a:schemeClr val="phClr"/>
+        </a:solidFill>
+        <a:round/>
+      </a:ln>
+    </cs:spPr>
+  </cs:dataPointWireframe>
+  <cs:dataTable>
+    <cs:lnRef idx="0"/>
+    <cs:fillRef idx="0"/>
+    <cs:effectRef idx="0"/>
+    <cs:fontRef idx="minor">
+      <a:schemeClr val="tx1">
+        <a:lumMod val="65000"/>
+        <a:lumOff val="35000"/>
+      </a:schemeClr>
+    </cs:fontRef>
+    <cs:spPr>
+      <a:noFill/>
+      <a:ln w="9525" cap="flat" cmpd="sng" algn="ctr">
+        <a:solidFill>
+          <a:schemeClr val="tx1">
+            <a:lumMod val="15000"/>
+            <a:lumOff val="85000"/>
+          </a:schemeClr>
+        </a:solidFill>
+        <a:round/>
+      </a:ln>
+    </cs:spPr>
+    <cs:defRPr sz="900" kern="1200"/>
+  </cs:dataTable>
+  <cs:downBar>
+    <cs:lnRef idx="0"/>
+    <cs:fillRef idx="0"/>
+    <cs:effectRef idx="0"/>
+    <cs:fontRef idx="minor">
+      <a:schemeClr val="dk1"/>
+    </cs:fontRef>
+    <cs:spPr>
+      <a:solidFill>
+        <a:schemeClr val="dk1">
+          <a:lumMod val="65000"/>
+          <a:lumOff val="35000"/>
+        </a:schemeClr>
+      </a:solidFill>
+      <a:ln w="9525">
+        <a:solidFill>
+          <a:schemeClr val="tx1">
+            <a:lumMod val="65000"/>
+            <a:lumOff val="35000"/>
+          </a:schemeClr>
+        </a:solidFill>
+      </a:ln>
+    </cs:spPr>
+  </cs:downBar>
+  <cs:dropLine>
+    <cs:lnRef idx="0"/>
+    <cs:fillRef idx="0"/>
+    <cs:effectRef idx="0"/>
+    <cs:fontRef idx="minor">
+      <a:schemeClr val="tx1"/>
+    </cs:fontRef>
+    <cs:spPr>
+      <a:ln w="9525" cap="flat" cmpd="sng" algn="ctr">
+        <a:solidFill>
+          <a:schemeClr val="tx1">
+            <a:lumMod val="35000"/>
+            <a:lumOff val="65000"/>
+          </a:schemeClr>
+        </a:solidFill>
+        <a:round/>
+      </a:ln>
+    </cs:spPr>
+  </cs:dropLine>
+  <cs:errorBar>
+    <cs:lnRef idx="0"/>
+    <cs:fillRef idx="0"/>
+    <cs:effectRef idx="0"/>
+    <cs:fontRef idx="minor">
+      <a:schemeClr val="tx1"/>
+    </cs:fontRef>
+    <cs:spPr>
+      <a:ln w="9525" cap="flat" cmpd="sng" algn="ctr">
+        <a:solidFill>
+          <a:schemeClr val="tx1">
+            <a:lumMod val="65000"/>
+            <a:lumOff val="35000"/>
+          </a:schemeClr>
+        </a:solidFill>
+        <a:round/>
+      </a:ln>
+    </cs:spPr>
+  </cs:errorBar>
+  <cs:floor>
+    <cs:lnRef idx="0"/>
+    <cs:fillRef idx="0"/>
+    <cs:effectRef idx="0"/>
+    <cs:fontRef idx="minor">
+      <a:schemeClr val="tx1"/>
+    </cs:fontRef>
+    <cs:spPr>
+      <a:noFill/>
+      <a:ln>
+        <a:noFill/>
+      </a:ln>
+    </cs:spPr>
+  </cs:floor>
+  <cs:gridlineMajor>
+    <cs:lnRef idx="0"/>
+    <cs:fillRef idx="0"/>
+    <cs:effectRef idx="0"/>
+    <cs:fontRef idx="minor">
+      <a:schemeClr val="tx1"/>
+    </cs:fontRef>
+    <cs:spPr>
+      <a:ln w="9525" cap="flat" cmpd="sng" algn="ctr">
+        <a:solidFill>
+          <a:schemeClr val="tx1">
+            <a:lumMod val="15000"/>
+            <a:lumOff val="85000"/>
+          </a:schemeClr>
+        </a:solidFill>
+        <a:round/>
+      </a:ln>
+    </cs:spPr>
+  </cs:gridlineMajor>
+  <cs:gridlineMinor>
+    <cs:lnRef idx="0"/>
+    <cs:fillRef idx="0"/>
+    <cs:effectRef idx="0"/>
+    <cs:fontRef idx="minor">
+      <a:schemeClr val="tx1"/>
+    </cs:fontRef>
+    <cs:spPr>
+      <a:ln w="9525" cap="flat" cmpd="sng" algn="ctr">
+        <a:solidFill>
+          <a:schemeClr val="tx1">
+            <a:lumMod val="5000"/>
+            <a:lumOff val="95000"/>
+          </a:schemeClr>
+        </a:solidFill>
+        <a:round/>
+      </a:ln>
+    </cs:spPr>
+  </cs:gridlineMinor>
+  <cs:hiLoLine>
+    <cs:lnRef idx="0"/>
+    <cs:fillRef idx="0"/>
+    <cs:effectRef idx="0"/>
+    <cs:fontRef idx="minor">
+      <a:schemeClr val="tx1"/>
+    </cs:fontRef>
+    <cs:spPr>
+      <a:ln w="9525" cap="flat" cmpd="sng" algn="ctr">
+        <a:solidFill>
+          <a:schemeClr val="tx1">
+            <a:lumMod val="75000"/>
+            <a:lumOff val="25000"/>
+          </a:schemeClr>
+        </a:solidFill>
+        <a:round/>
+      </a:ln>
+    </cs:spPr>
+  </cs:hiLoLine>
+  <cs:leaderLine>
+    <cs:lnRef idx="0"/>
+    <cs:fillRef idx="0"/>
+    <cs:effectRef idx="0"/>
+    <cs:fontRef idx="minor">
+      <a:schemeClr val="tx1"/>
+    </cs:fontRef>
+    <cs:spPr>
+      <a:ln w="9525" cap="flat" cmpd="sng" algn="ctr">
+        <a:solidFill>
+          <a:schemeClr val="tx1">
+            <a:lumMod val="35000"/>
+            <a:lumOff val="65000"/>
+          </a:schemeClr>
+        </a:solidFill>
+        <a:round/>
+      </a:ln>
+    </cs:spPr>
+  </cs:leaderLine>
+  <cs:legend>
+    <cs:lnRef idx="0"/>
+    <cs:fillRef idx="0"/>
+    <cs:effectRef idx="0"/>
+    <cs:fontRef idx="minor">
+      <a:schemeClr val="tx1">
+        <a:lumMod val="65000"/>
+        <a:lumOff val="35000"/>
+      </a:schemeClr>
+    </cs:fontRef>
+    <cs:defRPr sz="900" kern="1200"/>
+  </cs:legend>
+  <cs:plotArea mods="allowNoFillOverride allowNoLineOverride">
+    <cs:lnRef idx="0"/>
+    <cs:fillRef idx="0"/>
+    <cs:effectRef idx="0"/>
+    <cs:fontRef idx="minor">
+      <a:schemeClr val="tx1"/>
+    </cs:fontRef>
+  </cs:plotArea>
+  <cs:plotArea3D mods="allowNoFillOverride allowNoLineOverride">
+    <cs:lnRef idx="0"/>
+    <cs:fillRef idx="0"/>
+    <cs:effectRef idx="0"/>
+    <cs:fontRef idx="minor">
+      <a:schemeClr val="tx1"/>
+    </cs:fontRef>
+  </cs:plotArea3D>
+  <cs:seriesAxis>
+    <cs:lnRef idx="0"/>
+    <cs:fillRef idx="0"/>
+    <cs:effectRef idx="0"/>
+    <cs:fontRef idx="minor">
+      <a:schemeClr val="tx1">
+        <a:lumMod val="65000"/>
+        <a:lumOff val="35000"/>
+      </a:schemeClr>
+    </cs:fontRef>
+    <cs:defRPr sz="900" kern="1200"/>
+  </cs:seriesAxis>
+  <cs:seriesLine>
+    <cs:lnRef idx="0"/>
+    <cs:fillRef idx="0"/>
+    <cs:effectRef idx="0"/>
+    <cs:fontRef idx="minor">
+      <a:schemeClr val="tx1"/>
+    </cs:fontRef>
+    <cs:spPr>
+      <a:ln w="9525" cap="flat" cmpd="sng" algn="ctr">
+        <a:solidFill>
+          <a:schemeClr val="tx1">
+            <a:lumMod val="35000"/>
+            <a:lumOff val="65000"/>
+          </a:schemeClr>
+        </a:solidFill>
+        <a:round/>
+      </a:ln>
+    </cs:spPr>
+  </cs:seriesLine>
+  <cs:title>
+    <cs:lnRef idx="0"/>
+    <cs:fillRef idx="0"/>
+    <cs:effectRef idx="0"/>
+    <cs:fontRef idx="minor">
+      <a:schemeClr val="tx1">
+        <a:lumMod val="65000"/>
+        <a:lumOff val="35000"/>
+      </a:schemeClr>
+    </cs:fontRef>
+    <cs:defRPr sz="1400" b="0" kern="1200" spc="0" baseline="0"/>
+  </cs:title>
+  <cs:trendline>
+    <cs:lnRef idx="0">
+      <cs:styleClr val="auto"/>
+    </cs:lnRef>
+    <cs:fillRef idx="0"/>
+    <cs:effectRef idx="0"/>
+    <cs:fontRef idx="minor">
+      <a:schemeClr val="tx1"/>
+    </cs:fontRef>
+    <cs:spPr>
+      <a:ln w="19050" cap="rnd">
+        <a:solidFill>
+          <a:schemeClr val="phClr"/>
+        </a:solidFill>
+        <a:prstDash val="sysDot"/>
+      </a:ln>
+    </cs:spPr>
+  </cs:trendline>
+  <cs:trendlineLabel>
+    <cs:lnRef idx="0"/>
+    <cs:fillRef idx="0"/>
+    <cs:effectRef idx="0"/>
+    <cs:fontRef idx="minor">
+      <a:schemeClr val="tx1">
+        <a:lumMod val="65000"/>
+        <a:lumOff val="35000"/>
+      </a:schemeClr>
+    </cs:fontRef>
+    <cs:defRPr sz="900" kern="1200"/>
+  </cs:trendlineLabel>
+  <cs:upBar>
+    <cs:lnRef idx="0"/>
+    <cs:fillRef idx="0"/>
+    <cs:effectRef idx="0"/>
+    <cs:fontRef idx="minor">
+      <a:schemeClr val="dk1"/>
+    </cs:fontRef>
+    <cs:spPr>
+      <a:solidFill>
+        <a:schemeClr val="lt1"/>
+      </a:solidFill>
+      <a:ln w="9525">
+        <a:solidFill>
+          <a:schemeClr val="tx1">
+            <a:lumMod val="15000"/>
+            <a:lumOff val="85000"/>
+          </a:schemeClr>
+        </a:solidFill>
+      </a:ln>
+    </cs:spPr>
+  </cs:upBar>
+  <cs:valueAxis>
+    <cs:lnRef idx="0"/>
+    <cs:fillRef idx="0"/>
+    <cs:effectRef idx="0"/>
+    <cs:fontRef idx="minor">
+      <a:schemeClr val="tx1">
+        <a:lumMod val="65000"/>
+        <a:lumOff val="35000"/>
+      </a:schemeClr>
+    </cs:fontRef>
+    <cs:defRPr sz="900" kern="1200"/>
+  </cs:valueAxis>
+  <cs:wall>
+    <cs:lnRef idx="0"/>
+    <cs:fillRef idx="0"/>
+    <cs:effectRef idx="0"/>
+    <cs:fontRef idx="minor">
+      <a:schemeClr val="tx1"/>
+    </cs:fontRef>
+    <cs:spPr>
+      <a:noFill/>
+      <a:ln>
+        <a:noFill/>
+      </a:ln>
+    </cs:spPr>
+  </cs:wall>
+</cs:chartStyle>
+</file>
+
 <file path=ppt/notesMasters/notesMaster1.xml><?xml version="1.0" encoding="utf-8"?>
 <p:notesMaster xmlns:a="http://schemas.openxmlformats.org/drawingml/2006/main" xmlns:r="http://schemas.openxmlformats.org/officeDocument/2006/relationships" xmlns:p="http://schemas.openxmlformats.org/presentationml/2006/main">
   <p:cSld>
@@ -4922,6 +6137,174 @@
     <p:extLst>
       <p:ext uri="{BB962C8B-B14F-4D97-AF65-F5344CB8AC3E}">
         <p14:creationId xmlns:p14="http://schemas.microsoft.com/office/powerpoint/2010/main" val="47019417"/>
+      </p:ext>
+    </p:extLst>
+  </p:cSld>
+  <p:clrMapOvr>
+    <a:masterClrMapping/>
+  </p:clrMapOvr>
+</p:notes>
+</file>
+
+<file path=ppt/notesSlides/notesSlide2.xml><?xml version="1.0" encoding="utf-8"?>
+<p:notes xmlns:a="http://schemas.openxmlformats.org/drawingml/2006/main" xmlns:r="http://schemas.openxmlformats.org/officeDocument/2006/relationships" xmlns:p="http://schemas.openxmlformats.org/presentationml/2006/main">
+  <p:cSld>
+    <p:spTree>
+      <p:nvGrpSpPr>
+        <p:cNvPr id="1" name=""/>
+        <p:cNvGrpSpPr/>
+        <p:nvPr/>
+      </p:nvGrpSpPr>
+      <p:grpSpPr>
+        <a:xfrm>
+          <a:off x="0" y="0"/>
+          <a:ext cx="0" cy="0"/>
+          <a:chOff x="0" y="0"/>
+          <a:chExt cx="0" cy="0"/>
+        </a:xfrm>
+      </p:grpSpPr>
+      <p:sp>
+        <p:nvSpPr>
+          <p:cNvPr id="2" name="Slide Image Placeholder 1"/>
+          <p:cNvSpPr>
+            <a:spLocks noGrp="1" noRot="1" noChangeAspect="1"/>
+          </p:cNvSpPr>
+          <p:nvPr>
+            <p:ph type="sldImg"/>
+          </p:nvPr>
+        </p:nvSpPr>
+        <p:spPr/>
+      </p:sp>
+      <p:sp>
+        <p:nvSpPr>
+          <p:cNvPr id="3" name="Notes Placeholder 2"/>
+          <p:cNvSpPr>
+            <a:spLocks noGrp="1"/>
+          </p:cNvSpPr>
+          <p:nvPr>
+            <p:ph type="body" idx="1"/>
+          </p:nvPr>
+        </p:nvSpPr>
+        <p:spPr/>
+        <p:txBody>
+          <a:bodyPr/>
+          <a:lstStyle/>
+          <a:p>
+            <a:endParaRPr lang="en-US" dirty="0"/>
+          </a:p>
+        </p:txBody>
+      </p:sp>
+      <p:sp>
+        <p:nvSpPr>
+          <p:cNvPr id="4" name="Slide Number Placeholder 3"/>
+          <p:cNvSpPr>
+            <a:spLocks noGrp="1"/>
+          </p:cNvSpPr>
+          <p:nvPr>
+            <p:ph type="sldNum" sz="quarter" idx="5"/>
+          </p:nvPr>
+        </p:nvSpPr>
+        <p:spPr/>
+        <p:txBody>
+          <a:bodyPr/>
+          <a:lstStyle/>
+          <a:p>
+            <a:fld id="{87CEC00A-5A5C-47B4-A2FB-52340FEA7003}" type="slidenum">
+              <a:rPr lang="en-US" smtClean="0"/>
+              <a:t>12</a:t>
+            </a:fld>
+            <a:endParaRPr lang="en-US"/>
+          </a:p>
+        </p:txBody>
+      </p:sp>
+    </p:spTree>
+    <p:extLst>
+      <p:ext uri="{BB962C8B-B14F-4D97-AF65-F5344CB8AC3E}">
+        <p14:creationId xmlns:p14="http://schemas.microsoft.com/office/powerpoint/2010/main" val="3303793151"/>
+      </p:ext>
+    </p:extLst>
+  </p:cSld>
+  <p:clrMapOvr>
+    <a:masterClrMapping/>
+  </p:clrMapOvr>
+</p:notes>
+</file>
+
+<file path=ppt/notesSlides/notesSlide3.xml><?xml version="1.0" encoding="utf-8"?>
+<p:notes xmlns:a="http://schemas.openxmlformats.org/drawingml/2006/main" xmlns:r="http://schemas.openxmlformats.org/officeDocument/2006/relationships" xmlns:p="http://schemas.openxmlformats.org/presentationml/2006/main">
+  <p:cSld>
+    <p:spTree>
+      <p:nvGrpSpPr>
+        <p:cNvPr id="1" name=""/>
+        <p:cNvGrpSpPr/>
+        <p:nvPr/>
+      </p:nvGrpSpPr>
+      <p:grpSpPr>
+        <a:xfrm>
+          <a:off x="0" y="0"/>
+          <a:ext cx="0" cy="0"/>
+          <a:chOff x="0" y="0"/>
+          <a:chExt cx="0" cy="0"/>
+        </a:xfrm>
+      </p:grpSpPr>
+      <p:sp>
+        <p:nvSpPr>
+          <p:cNvPr id="2" name="Slide Image Placeholder 1"/>
+          <p:cNvSpPr>
+            <a:spLocks noGrp="1" noRot="1" noChangeAspect="1"/>
+          </p:cNvSpPr>
+          <p:nvPr>
+            <p:ph type="sldImg"/>
+          </p:nvPr>
+        </p:nvSpPr>
+        <p:spPr/>
+      </p:sp>
+      <p:sp>
+        <p:nvSpPr>
+          <p:cNvPr id="3" name="Notes Placeholder 2"/>
+          <p:cNvSpPr>
+            <a:spLocks noGrp="1"/>
+          </p:cNvSpPr>
+          <p:nvPr>
+            <p:ph type="body" idx="1"/>
+          </p:nvPr>
+        </p:nvSpPr>
+        <p:spPr/>
+        <p:txBody>
+          <a:bodyPr/>
+          <a:lstStyle/>
+          <a:p>
+            <a:endParaRPr lang="en-US" dirty="0"/>
+          </a:p>
+        </p:txBody>
+      </p:sp>
+      <p:sp>
+        <p:nvSpPr>
+          <p:cNvPr id="4" name="Slide Number Placeholder 3"/>
+          <p:cNvSpPr>
+            <a:spLocks noGrp="1"/>
+          </p:cNvSpPr>
+          <p:nvPr>
+            <p:ph type="sldNum" sz="quarter" idx="5"/>
+          </p:nvPr>
+        </p:nvSpPr>
+        <p:spPr/>
+        <p:txBody>
+          <a:bodyPr/>
+          <a:lstStyle/>
+          <a:p>
+            <a:fld id="{87CEC00A-5A5C-47B4-A2FB-52340FEA7003}" type="slidenum">
+              <a:rPr lang="en-US" smtClean="0"/>
+              <a:t>23</a:t>
+            </a:fld>
+            <a:endParaRPr lang="en-US"/>
+          </a:p>
+        </p:txBody>
+      </p:sp>
+    </p:spTree>
+    <p:extLst>
+      <p:ext uri="{BB962C8B-B14F-4D97-AF65-F5344CB8AC3E}">
+        <p14:creationId xmlns:p14="http://schemas.microsoft.com/office/powerpoint/2010/main" val="118164189"/>
       </p:ext>
     </p:extLst>
   </p:cSld>
@@ -11331,14 +12714,15 @@
         </p:nvSpPr>
         <p:spPr>
           <a:xfrm>
-            <a:off x="-1506894" y="5374854"/>
-            <a:ext cx="6858000" cy="1655762"/>
+            <a:off x="202433" y="5162648"/>
+            <a:ext cx="3918858" cy="1009552"/>
           </a:xfrm>
         </p:spPr>
         <p:txBody>
           <a:bodyPr/>
           <a:lstStyle/>
           <a:p>
+            <a:pPr algn="l"/>
             <a:r>
               <a:rPr lang="nl-NL" dirty="0">
                 <a:solidFill>
@@ -11348,7 +12732,28 @@
                 <a:ea typeface="Nirmala UI Semilight" panose="020B0402040204020203" pitchFamily="34" charset="0"/>
                 <a:cs typeface="Nirmala UI Semilight" panose="020B0402040204020203" pitchFamily="34" charset="0"/>
               </a:rPr>
-              <a:t>Karan Chand s1033357</a:t>
+              <a:t>Karan Chand</a:t>
+            </a:r>
+            <a:br>
+              <a:rPr lang="nl-NL" dirty="0">
+                <a:solidFill>
+                  <a:schemeClr val="bg1"/>
+                </a:solidFill>
+                <a:latin typeface="Open Sans"/>
+                <a:ea typeface="Nirmala UI Semilight" panose="020B0402040204020203" pitchFamily="34" charset="0"/>
+                <a:cs typeface="Nirmala UI Semilight" panose="020B0402040204020203" pitchFamily="34" charset="0"/>
+              </a:rPr>
+            </a:br>
+            <a:r>
+              <a:rPr lang="nl-NL" dirty="0">
+                <a:solidFill>
+                  <a:schemeClr val="bg1"/>
+                </a:solidFill>
+                <a:latin typeface="Open Sans"/>
+                <a:ea typeface="Nirmala UI Semilight" panose="020B0402040204020203" pitchFamily="34" charset="0"/>
+                <a:cs typeface="Nirmala UI Semilight" panose="020B0402040204020203" pitchFamily="34" charset="0"/>
+              </a:rPr>
+              <a:t>s1033357</a:t>
             </a:r>
             <a:endParaRPr lang="en-US" dirty="0">
               <a:solidFill>
@@ -11482,7 +12887,7 @@
             </a:pPr>
             <a:r>
               <a:rPr lang="nl-NL" sz="2400" dirty="0"/>
-              <a:t>Data</a:t>
+              <a:t>ATCOSIM dataset</a:t>
             </a:r>
           </a:p>
           <a:p>
@@ -11510,7 +12915,7 @@
                 <a:ea typeface="Open Sans" panose="020B0606030504020204" pitchFamily="34" charset="0"/>
                 <a:cs typeface="Open Sans" panose="020B0606030504020204" pitchFamily="34" charset="0"/>
               </a:rPr>
-              <a:t>Mean perplexity datasets:</a:t>
+              <a:t>Mean perplexity datasets (GPT-2):</a:t>
             </a:r>
           </a:p>
           <a:p>
@@ -11671,7 +13076,7 @@
           <a:p>
             <a:r>
               <a:rPr lang="en-US" sz="1800" dirty="0"/>
-              <a:t>Transcription containing tags: [HNOISE], [FRAGMENT], [EMPTY],  (&lt;OT&gt;. . .&lt;/OT&gt;), [NONSENSE] and (&lt;FL&gt;. . .&lt;/FL&gt;).</a:t>
+              <a:t>Transcription containing tags: [HNOISE], [FRAGMENT], [EMPTY],  (&lt;OT&gt;. . .&lt;/OT&gt;), [NONSENSE],  (&lt;FL&gt;. . .&lt;/FL&gt;) and [UNKNOWN].</a:t>
             </a:r>
           </a:p>
           <a:p>
@@ -11849,31 +13254,31 @@
           <a:p>
             <a:r>
               <a:rPr lang="nl-NL" sz="2000" dirty="0"/>
-              <a:t>Fine-tune for 7500 steps</a:t>
+              <a:t>Fine-tune for 7500 steps - 30 epochs, 250 steps each</a:t>
             </a:r>
           </a:p>
           <a:p>
             <a:r>
               <a:rPr lang="nl-NL" sz="2000" dirty="0"/>
-              <a:t>100 step warm-up phase</a:t>
+              <a:t>100 step warm-up steps</a:t>
+            </a:r>
+          </a:p>
+          <a:p>
+            <a:r>
+              <a:rPr lang="nl-NL" sz="2000" dirty="0"/>
+              <a:t>Effective batch size of 8</a:t>
+            </a:r>
+          </a:p>
+          <a:p>
+            <a:r>
+              <a:rPr lang="nl-NL" sz="2000" dirty="0"/>
+              <a:t>Linear learning rate of 3e-4</a:t>
             </a:r>
           </a:p>
           <a:p>
             <a:r>
               <a:rPr lang="nl-NL" sz="2000" dirty="0"/>
               <a:t>Locally on Geforce GTX 1080</a:t>
-            </a:r>
-          </a:p>
-          <a:p>
-            <a:r>
-              <a:rPr lang="nl-NL" sz="2000" dirty="0"/>
-              <a:t>Effective batch size of 8</a:t>
-            </a:r>
-          </a:p>
-          <a:p>
-            <a:r>
-              <a:rPr lang="nl-NL" sz="2000" dirty="0"/>
-              <a:t>Linear learning rate of 3e-4</a:t>
             </a:r>
           </a:p>
           <a:p>
@@ -12012,7 +13417,7 @@
         </p:nvSpPr>
         <p:spPr>
           <a:xfrm>
-            <a:off x="1185519" y="5537057"/>
+            <a:off x="2491805" y="5582915"/>
             <a:ext cx="6845420" cy="276999"/>
           </a:xfrm>
           <a:prstGeom prst="rect">
@@ -12048,7 +13453,7 @@
           <p:nvPr>
             <p:extLst>
               <p:ext uri="{D42A27DB-BD31-4B8C-83A1-F6EECF244321}">
-                <p14:modId xmlns:p14="http://schemas.microsoft.com/office/powerpoint/2010/main" val="884626233"/>
+                <p14:modId xmlns:p14="http://schemas.microsoft.com/office/powerpoint/2010/main" val="2504391579"/>
               </p:ext>
             </p:extLst>
           </p:nvPr>
@@ -12625,6 +14030,41 @@
           </a:graphicData>
         </a:graphic>
       </p:graphicFrame>
+      <p:sp>
+        <p:nvSpPr>
+          <p:cNvPr id="6" name="TextBox 5">
+            <a:extLst>
+              <a:ext uri="{FF2B5EF4-FFF2-40B4-BE49-F238E27FC236}">
+                <a16:creationId xmlns:a16="http://schemas.microsoft.com/office/drawing/2014/main" id="{44C63E1D-543D-927C-F781-62D72039A4C8}"/>
+              </a:ext>
+            </a:extLst>
+          </p:cNvPr>
+          <p:cNvSpPr txBox="1"/>
+          <p:nvPr/>
+        </p:nvSpPr>
+        <p:spPr>
+          <a:xfrm>
+            <a:off x="1185519" y="695131"/>
+            <a:ext cx="6223519" cy="369332"/>
+          </a:xfrm>
+          <a:prstGeom prst="rect">
+            <a:avLst/>
+          </a:prstGeom>
+          <a:noFill/>
+        </p:spPr>
+        <p:txBody>
+          <a:bodyPr wrap="square" rtlCol="0">
+            <a:spAutoFit/>
+          </a:bodyPr>
+          <a:lstStyle/>
+          <a:p>
+            <a:r>
+              <a:rPr lang="en-US" dirty="0"/>
+              <a:t>WERR and CERR of ∼95.5% and ∼96.1% respectively</a:t>
+            </a:r>
+          </a:p>
+        </p:txBody>
+      </p:sp>
     </p:spTree>
     <p:extLst>
       <p:ext uri="{BB962C8B-B14F-4D97-AF65-F5344CB8AC3E}">
@@ -12801,7 +14241,7 @@
           <a:p>
             <a:r>
               <a:rPr lang="en-US" sz="2400" dirty="0"/>
-              <a:t>Comparison should not be made</a:t>
+              <a:t>Should a comparison be made?</a:t>
             </a:r>
           </a:p>
           <a:p>
@@ -12979,7 +14419,7 @@
             </a:pPr>
             <a:r>
               <a:rPr lang="en-US" sz="2400" dirty="0"/>
-              <a:t>Unusually high performance – Overfitting</a:t>
+              <a:t>Unusually high performance – Overfitting?</a:t>
             </a:r>
           </a:p>
           <a:p>
@@ -13184,14 +14624,14 @@
           <p:nvPr>
             <p:extLst>
               <p:ext uri="{D42A27DB-BD31-4B8C-83A1-F6EECF244321}">
-                <p14:modId xmlns:p14="http://schemas.microsoft.com/office/powerpoint/2010/main" val="4013104529"/>
+                <p14:modId xmlns:p14="http://schemas.microsoft.com/office/powerpoint/2010/main" val="2477681169"/>
               </p:ext>
             </p:extLst>
           </p:nvPr>
         </p:nvGraphicFramePr>
         <p:xfrm>
-          <a:off x="533400" y="2777838"/>
-          <a:ext cx="8285018" cy="3096489"/>
+          <a:off x="454940" y="2777838"/>
+          <a:ext cx="8060410" cy="2880433"/>
         </p:xfrm>
         <a:graphic>
           <a:graphicData uri="http://schemas.openxmlformats.org/drawingml/2006/table">
@@ -13200,28 +14640,28 @@
                 <a:tableStyleId>{8799B23B-EC83-4686-B30A-512413B5E67A}</a:tableStyleId>
               </a:tblPr>
               <a:tblGrid>
-                <a:gridCol w="1905000">
+                <a:gridCol w="2699657">
                   <a:extLst>
                     <a:ext uri="{9D8B030D-6E8A-4147-A177-3AD203B41FA5}">
                       <a16:colId xmlns:a16="http://schemas.microsoft.com/office/drawing/2014/main" val="1878286377"/>
                     </a:ext>
                   </a:extLst>
                 </a:gridCol>
-                <a:gridCol w="1530927">
+                <a:gridCol w="1455892">
                   <a:extLst>
                     <a:ext uri="{9D8B030D-6E8A-4147-A177-3AD203B41FA5}">
                       <a16:colId xmlns:a16="http://schemas.microsoft.com/office/drawing/2014/main" val="804173087"/>
                     </a:ext>
                   </a:extLst>
                 </a:gridCol>
-                <a:gridCol w="2769022">
+                <a:gridCol w="2696231">
                   <a:extLst>
                     <a:ext uri="{9D8B030D-6E8A-4147-A177-3AD203B41FA5}">
                       <a16:colId xmlns:a16="http://schemas.microsoft.com/office/drawing/2014/main" val="3386221360"/>
                     </a:ext>
                   </a:extLst>
                 </a:gridCol>
-                <a:gridCol w="2080069">
+                <a:gridCol w="1208630">
                   <a:extLst>
                     <a:ext uri="{9D8B030D-6E8A-4147-A177-3AD203B41FA5}">
                       <a16:colId xmlns:a16="http://schemas.microsoft.com/office/drawing/2014/main" val="2266367497"/>
@@ -13328,7 +14768,7 @@
                   </a:ext>
                 </a:extLst>
               </a:tr>
-              <a:tr h="1429904">
+              <a:tr h="1213848">
                 <a:tc>
                   <a:txBody>
                     <a:bodyPr/>
@@ -13336,10 +14776,16 @@
                     <a:p>
                       <a:pPr algn="l" fontAlgn="b"/>
                       <a:r>
+                        <a:rPr lang="en-US" sz="1600" b="1" u="none" strike="noStrike" dirty="0">
+                          <a:effectLst/>
+                        </a:rPr>
+                        <a:t>golf</a:t>
+                      </a:r>
+                      <a:r>
                         <a:rPr lang="en-US" sz="1600" u="none" strike="noStrike" dirty="0">
                           <a:effectLst/>
                         </a:rPr>
-                        <a:t>golf bravo victor </a:t>
+                        <a:t> bravo victor </a:t>
                       </a:r>
                       <a:r>
                         <a:rPr lang="en-US" sz="1600" u="none" strike="noStrike" dirty="0" err="1">
@@ -13406,7 +14852,7 @@
                     <a:p>
                       <a:pPr algn="l" fontAlgn="b"/>
                       <a:r>
-                        <a:rPr lang="en-US" sz="1600" u="none" strike="noStrike" dirty="0" err="1">
+                        <a:rPr lang="en-US" sz="1600" b="1" u="none" strike="noStrike" dirty="0" err="1">
                           <a:effectLst/>
                         </a:rPr>
                         <a:t>goll</a:t>
@@ -13489,7 +14935,7 @@
                     <a:p>
                       <a:pPr algn="l" fontAlgn="b"/>
                       <a:r>
-                        <a:rPr lang="en-US" sz="1600" u="none" strike="noStrike" kern="1200">
+                        <a:rPr lang="en-US" sz="1600" u="none" strike="noStrike" kern="1200" dirty="0">
                           <a:solidFill>
                             <a:schemeClr val="tx1"/>
                           </a:solidFill>
@@ -13498,7 +14944,79 @@
                           <a:ea typeface="+mn-ea"/>
                           <a:cs typeface="+mn-cs"/>
                         </a:rPr>
-                        <a:t>hallo lufthansa five two nine four radar contact climb flight level three three zero</a:t>
+                        <a:t>hallo </a:t>
+                      </a:r>
+                      <a:r>
+                        <a:rPr lang="en-US" sz="1600" u="none" strike="noStrike" kern="1200" dirty="0" err="1">
+                          <a:solidFill>
+                            <a:schemeClr val="tx1"/>
+                          </a:solidFill>
+                          <a:effectLst/>
+                          <a:latin typeface="+mn-lt"/>
+                          <a:ea typeface="+mn-ea"/>
+                          <a:cs typeface="+mn-cs"/>
+                        </a:rPr>
+                        <a:t>lufthansa</a:t>
+                      </a:r>
+                      <a:r>
+                        <a:rPr lang="en-US" sz="1600" u="none" strike="noStrike" kern="1200" dirty="0">
+                          <a:solidFill>
+                            <a:schemeClr val="tx1"/>
+                          </a:solidFill>
+                          <a:effectLst/>
+                          <a:latin typeface="+mn-lt"/>
+                          <a:ea typeface="+mn-ea"/>
+                          <a:cs typeface="+mn-cs"/>
+                        </a:rPr>
+                        <a:t> five </a:t>
+                      </a:r>
+                      <a:r>
+                        <a:rPr lang="en-US" sz="1600" b="1" u="none" strike="noStrike" kern="1200" dirty="0">
+                          <a:solidFill>
+                            <a:schemeClr val="tx1"/>
+                          </a:solidFill>
+                          <a:effectLst/>
+                          <a:latin typeface="+mn-lt"/>
+                          <a:ea typeface="+mn-ea"/>
+                          <a:cs typeface="+mn-cs"/>
+                        </a:rPr>
+                        <a:t>two</a:t>
+                      </a:r>
+                      <a:r>
+                        <a:rPr lang="en-US" sz="1600" u="none" strike="noStrike" kern="1200" dirty="0">
+                          <a:solidFill>
+                            <a:schemeClr val="tx1"/>
+                          </a:solidFill>
+                          <a:effectLst/>
+                          <a:latin typeface="+mn-lt"/>
+                          <a:ea typeface="+mn-ea"/>
+                          <a:cs typeface="+mn-cs"/>
+                        </a:rPr>
+                        <a:t> nine four radar contact climb flight level three </a:t>
+                      </a:r>
+                      <a:r>
+                        <a:rPr lang="en-US" sz="1600" u="none" strike="noStrike" kern="1200" dirty="0" err="1">
+                          <a:solidFill>
+                            <a:schemeClr val="tx1"/>
+                          </a:solidFill>
+                          <a:effectLst/>
+                          <a:latin typeface="+mn-lt"/>
+                          <a:ea typeface="+mn-ea"/>
+                          <a:cs typeface="+mn-cs"/>
+                        </a:rPr>
+                        <a:t>three</a:t>
+                      </a:r>
+                      <a:r>
+                        <a:rPr lang="en-US" sz="1600" u="none" strike="noStrike" kern="1200" dirty="0">
+                          <a:solidFill>
+                            <a:schemeClr val="tx1"/>
+                          </a:solidFill>
+                          <a:effectLst/>
+                          <a:latin typeface="+mn-lt"/>
+                          <a:ea typeface="+mn-ea"/>
+                          <a:cs typeface="+mn-cs"/>
+                        </a:rPr>
+                        <a:t> zero</a:t>
                       </a:r>
                     </a:p>
                   </a:txBody>
@@ -13511,7 +15029,7 @@
                     <a:p>
                       <a:pPr algn="l" fontAlgn="b"/>
                       <a:r>
-                        <a:rPr lang="en-US" sz="1600" u="none" strike="noStrike" kern="1200">
+                        <a:rPr lang="en-US" sz="1600" u="none" strike="noStrike" kern="1200" dirty="0">
                           <a:solidFill>
                             <a:schemeClr val="tx1"/>
                           </a:solidFill>
@@ -13566,7 +15084,31 @@
                           <a:ea typeface="+mn-ea"/>
                           <a:cs typeface="+mn-cs"/>
                         </a:rPr>
-                        <a:t> five to nine four radar contact climb flight level three </a:t>
+                        <a:t> five </a:t>
+                      </a:r>
+                      <a:r>
+                        <a:rPr lang="en-US" sz="1600" b="1" u="none" strike="noStrike" kern="1200" dirty="0">
+                          <a:solidFill>
+                            <a:schemeClr val="tx1"/>
+                          </a:solidFill>
+                          <a:effectLst/>
+                          <a:latin typeface="+mn-lt"/>
+                          <a:ea typeface="+mn-ea"/>
+                          <a:cs typeface="+mn-cs"/>
+                        </a:rPr>
+                        <a:t>to</a:t>
+                      </a:r>
+                      <a:r>
+                        <a:rPr lang="en-US" sz="1600" u="none" strike="noStrike" kern="1200" dirty="0">
+                          <a:solidFill>
+                            <a:schemeClr val="tx1"/>
+                          </a:solidFill>
+                          <a:effectLst/>
+                          <a:latin typeface="+mn-lt"/>
+                          <a:ea typeface="+mn-ea"/>
+                          <a:cs typeface="+mn-cs"/>
+                        </a:rPr>
+                        <a:t> nine four radar contact climb flight level three </a:t>
                       </a:r>
                       <a:r>
                         <a:rPr lang="en-US" sz="1600" u="none" strike="noStrike" kern="1200" dirty="0" err="1">
@@ -13883,7 +15425,7 @@
           <a:p>
             <a:r>
               <a:rPr lang="en-US" sz="2000" dirty="0"/>
-              <a:t>Without context, model relies on the LM</a:t>
+              <a:t>Without context, LM is ineffective</a:t>
             </a:r>
           </a:p>
           <a:p>
@@ -14749,7 +16291,7 @@
             </a:pPr>
             <a:r>
               <a:rPr lang="nl-NL" sz="2000" dirty="0"/>
-              <a:t>Use labelled transcribed data for classification (Command or callsign)</a:t>
+              <a:t>Use labelled transcribed data for classification (instruction or callsign)</a:t>
             </a:r>
           </a:p>
           <a:p>
@@ -15447,36 +16989,6 @@
           </a:p>
         </p:txBody>
       </p:sp>
-      <p:pic>
-        <p:nvPicPr>
-          <p:cNvPr id="5" name="Picture 4">
-            <a:extLst>
-              <a:ext uri="{FF2B5EF4-FFF2-40B4-BE49-F238E27FC236}">
-                <a16:creationId xmlns:a16="http://schemas.microsoft.com/office/drawing/2014/main" id="{54D7664A-21B7-88D5-7A08-8EFFB9171371}"/>
-              </a:ext>
-            </a:extLst>
-          </p:cNvPr>
-          <p:cNvPicPr>
-            <a:picLocks noChangeAspect="1"/>
-          </p:cNvPicPr>
-          <p:nvPr/>
-        </p:nvPicPr>
-        <p:blipFill>
-          <a:blip r:embed="rId2"/>
-          <a:stretch>
-            <a:fillRect/>
-          </a:stretch>
-        </p:blipFill>
-        <p:spPr>
-          <a:xfrm>
-            <a:off x="671693" y="3173298"/>
-            <a:ext cx="4422309" cy="2666393"/>
-          </a:xfrm>
-          <a:prstGeom prst="rect">
-            <a:avLst/>
-          </a:prstGeom>
-        </p:spPr>
-      </p:pic>
       <p:sp>
         <p:nvSpPr>
           <p:cNvPr id="6" name="TextBox 5">
@@ -15491,7 +17003,7 @@
         </p:nvSpPr>
         <p:spPr>
           <a:xfrm>
-            <a:off x="5137046" y="3916175"/>
+            <a:off x="5470564" y="3978883"/>
             <a:ext cx="2990125" cy="830997"/>
           </a:xfrm>
           <a:prstGeom prst="rect">
@@ -15515,6 +17027,36 @@
           </a:p>
         </p:txBody>
       </p:sp>
+      <p:graphicFrame>
+        <p:nvGraphicFramePr>
+          <p:cNvPr id="7" name="Chart 6">
+            <a:extLst>
+              <a:ext uri="{FF2B5EF4-FFF2-40B4-BE49-F238E27FC236}">
+                <a16:creationId xmlns:a16="http://schemas.microsoft.com/office/drawing/2014/main" id="{47785987-8B23-E674-FBF4-E289F18F56B2}"/>
+              </a:ext>
+            </a:extLst>
+          </p:cNvPr>
+          <p:cNvGraphicFramePr>
+            <a:graphicFrameLocks/>
+          </p:cNvGraphicFramePr>
+          <p:nvPr>
+            <p:extLst>
+              <p:ext uri="{D42A27DB-BD31-4B8C-83A1-F6EECF244321}">
+                <p14:modId xmlns:p14="http://schemas.microsoft.com/office/powerpoint/2010/main" val="2646993821"/>
+              </p:ext>
+            </p:extLst>
+          </p:nvPr>
+        </p:nvGraphicFramePr>
+        <p:xfrm>
+          <a:off x="429490" y="3074045"/>
+          <a:ext cx="4841915" cy="2911262"/>
+        </p:xfrm>
+        <a:graphic>
+          <a:graphicData uri="http://schemas.openxmlformats.org/drawingml/2006/chart">
+            <c:chart xmlns:c="http://schemas.openxmlformats.org/drawingml/2006/chart" xmlns:r="http://schemas.openxmlformats.org/officeDocument/2006/relationships" r:id="rId2"/>
+          </a:graphicData>
+        </a:graphic>
+      </p:graphicFrame>
     </p:spTree>
     <p:extLst>
       <p:ext uri="{BB962C8B-B14F-4D97-AF65-F5344CB8AC3E}">
@@ -15632,7 +17174,7 @@
             <a:pPr lvl="1"/>
             <a:r>
               <a:rPr lang="en-US" sz="2000" dirty="0"/>
-              <a:t>~1 hour of training data</a:t>
+              <a:t>Only ~1 hour of training data</a:t>
             </a:r>
           </a:p>
           <a:p>
@@ -15849,7 +17391,7 @@
           <a:p>
             <a:r>
               <a:rPr lang="en-US" sz="2000" dirty="0"/>
-              <a:t>In-domain LM achieves WERR and CERR of ~33% and 18% on finetuned XLS-R models</a:t>
+              <a:t>In-domain LM achieves WERRs and CERRs of ~33% and ~18% on finetuned XLS-R models</a:t>
             </a:r>
           </a:p>
           <a:p>
@@ -18138,17 +19680,6 @@
               <a:t>No hyperparameter tuning</a:t>
             </a:r>
           </a:p>
-          <a:p>
-            <a:pPr lvl="1"/>
-            <a:r>
-              <a:rPr lang="nl-NL" sz="1600" dirty="0"/>
-              <a:t>Low-medium-high ranges of training data</a:t>
-            </a:r>
-          </a:p>
-          <a:p>
-            <a:pPr lvl="1"/>
-            <a:endParaRPr lang="nl-NL" sz="1600" dirty="0"/>
-          </a:p>
         </p:txBody>
       </p:sp>
       <p:pic>
@@ -18173,7 +19704,7 @@
         </p:blipFill>
         <p:spPr>
           <a:xfrm>
-            <a:off x="5373686" y="4285563"/>
+            <a:off x="5373686" y="3934143"/>
             <a:ext cx="2484758" cy="1530247"/>
           </a:xfrm>
           <a:prstGeom prst="rect">

--- a/Thesis presentation ATC.pptx
+++ b/Thesis presentation ATC.pptx
@@ -5795,7 +5795,7 @@
           <a:p>
             <a:fld id="{D629BCAA-3248-4FC9-8652-C27287EE51FE}" type="datetimeFigureOut">
               <a:rPr lang="en-US" smtClean="0"/>
-              <a:t>10/3/2022</a:t>
+              <a:t>10/6/2022</a:t>
             </a:fld>
             <a:endParaRPr lang="en-US"/>
           </a:p>
@@ -6445,7 +6445,7 @@
           <a:p>
             <a:fld id="{18130A72-798E-4C06-9A59-DB007F4D64ED}" type="datetime1">
               <a:rPr lang="nl-NL" smtClean="0"/>
-              <a:t>3-10-2022</a:t>
+              <a:t>6-10-2022</a:t>
             </a:fld>
             <a:endParaRPr lang="nl-NL"/>
           </a:p>
@@ -6615,7 +6615,7 @@
           <a:p>
             <a:fld id="{4189B83E-1FC0-419B-B5C8-B7E9C09BD398}" type="datetime1">
               <a:rPr lang="nl-NL" smtClean="0"/>
-              <a:t>3-10-2022</a:t>
+              <a:t>6-10-2022</a:t>
             </a:fld>
             <a:endParaRPr lang="nl-NL"/>
           </a:p>
@@ -6795,7 +6795,7 @@
           <a:p>
             <a:fld id="{1CA840BC-1DAD-43FF-A554-13E5E31D4947}" type="datetime1">
               <a:rPr lang="nl-NL" smtClean="0"/>
-              <a:t>3-10-2022</a:t>
+              <a:t>6-10-2022</a:t>
             </a:fld>
             <a:endParaRPr lang="nl-NL"/>
           </a:p>
@@ -6924,7 +6924,7 @@
           <a:p>
             <a:fld id="{D8720F31-A0D8-4809-BE7F-6A59FC4DE6AD}" type="datetime1">
               <a:rPr lang="nl-NL" smtClean="0"/>
-              <a:t>3-10-2022</a:t>
+              <a:t>6-10-2022</a:t>
             </a:fld>
             <a:endParaRPr lang="nl-NL" dirty="0">
               <a:latin typeface="Open Sans" panose="020B0606030504020204" pitchFamily="34" charset="0"/>
@@ -7157,7 +7157,7 @@
           <a:p>
             <a:fld id="{782D92BB-CDF8-4AA2-B3F9-7F6830C377B1}" type="datetime1">
               <a:rPr lang="nl-NL" smtClean="0"/>
-              <a:t>3-10-2022</a:t>
+              <a:t>6-10-2022</a:t>
             </a:fld>
             <a:endParaRPr lang="nl-NL"/>
           </a:p>
@@ -7355,7 +7355,7 @@
           <a:p>
             <a:fld id="{B4BE20E8-EC78-4344-8E9A-A4B6FB5F8AC9}" type="datetime1">
               <a:rPr lang="nl-NL" smtClean="0"/>
-              <a:t>3-10-2022</a:t>
+              <a:t>6-10-2022</a:t>
             </a:fld>
             <a:endParaRPr lang="nl-NL"/>
           </a:p>
@@ -7630,7 +7630,7 @@
           <a:p>
             <a:fld id="{AB090569-E398-4B11-9228-BC4A73119814}" type="datetime1">
               <a:rPr lang="nl-NL" smtClean="0"/>
-              <a:t>3-10-2022</a:t>
+              <a:t>6-10-2022</a:t>
             </a:fld>
             <a:endParaRPr lang="nl-NL"/>
           </a:p>
@@ -7895,7 +7895,7 @@
           <a:p>
             <a:fld id="{DEA5E422-6963-405C-A1AC-04831DE82936}" type="datetime1">
               <a:rPr lang="nl-NL" smtClean="0"/>
-              <a:t>3-10-2022</a:t>
+              <a:t>6-10-2022</a:t>
             </a:fld>
             <a:endParaRPr lang="nl-NL"/>
           </a:p>
@@ -8307,7 +8307,7 @@
           <a:p>
             <a:fld id="{F8F9D86C-9988-45FF-B7E6-B8961E8A07B3}" type="datetime1">
               <a:rPr lang="nl-NL" smtClean="0"/>
-              <a:t>3-10-2022</a:t>
+              <a:t>6-10-2022</a:t>
             </a:fld>
             <a:endParaRPr lang="nl-NL"/>
           </a:p>
@@ -8448,7 +8448,7 @@
           <a:p>
             <a:fld id="{5A551417-7EF5-433C-AA7C-514377B8C0AF}" type="datetime1">
               <a:rPr lang="nl-NL" smtClean="0"/>
-              <a:t>3-10-2022</a:t>
+              <a:t>6-10-2022</a:t>
             </a:fld>
             <a:endParaRPr lang="nl-NL"/>
           </a:p>
@@ -8561,7 +8561,7 @@
           <a:p>
             <a:fld id="{175C7022-05F1-4A64-A1D8-940DC1A6F753}" type="datetime1">
               <a:rPr lang="nl-NL" smtClean="0"/>
-              <a:t>3-10-2022</a:t>
+              <a:t>6-10-2022</a:t>
             </a:fld>
             <a:endParaRPr lang="nl-NL"/>
           </a:p>
@@ -8748,7 +8748,7 @@
           <a:p>
             <a:fld id="{01EA445C-D728-4B0A-B2BB-5493D648EA02}" type="datetime1">
               <a:rPr lang="nl-NL" smtClean="0"/>
-              <a:t>3-10-2022</a:t>
+              <a:t>6-10-2022</a:t>
             </a:fld>
             <a:endParaRPr lang="nl-NL"/>
           </a:p>
@@ -9052,7 +9052,7 @@
           <a:p>
             <a:fld id="{FD32A731-21D8-4ADE-9475-F626FB02C611}" type="datetime1">
               <a:rPr lang="nl-NL" smtClean="0"/>
-              <a:t>3-10-2022</a:t>
+              <a:t>6-10-2022</a:t>
             </a:fld>
             <a:endParaRPr lang="nl-NL"/>
           </a:p>
@@ -9340,7 +9340,7 @@
           <a:p>
             <a:fld id="{1BE0784C-A773-4E69-ACAA-73A3EE4CC8DB}" type="datetime1">
               <a:rPr lang="nl-NL" smtClean="0"/>
-              <a:t>3-10-2022</a:t>
+              <a:t>6-10-2022</a:t>
             </a:fld>
             <a:endParaRPr lang="nl-NL"/>
           </a:p>
@@ -9538,7 +9538,7 @@
           <a:p>
             <a:fld id="{764F9B4E-FE62-4B34-B3FA-D5F6F458898F}" type="datetime1">
               <a:rPr lang="nl-NL" smtClean="0"/>
-              <a:t>3-10-2022</a:t>
+              <a:t>6-10-2022</a:t>
             </a:fld>
             <a:endParaRPr lang="nl-NL"/>
           </a:p>
@@ -9746,7 +9746,7 @@
           <a:p>
             <a:fld id="{69E4275D-6497-4CDA-98DC-1E6DFA2C47E1}" type="datetime1">
               <a:rPr lang="nl-NL" smtClean="0"/>
-              <a:t>3-10-2022</a:t>
+              <a:t>6-10-2022</a:t>
             </a:fld>
             <a:endParaRPr lang="nl-NL"/>
           </a:p>
@@ -10002,7 +10002,7 @@
           <a:p>
             <a:fld id="{75FC15D6-2DD3-456A-A5C9-643FC2C96214}" type="datetime1">
               <a:rPr lang="nl-NL" smtClean="0"/>
-              <a:t>3-10-2022</a:t>
+              <a:t>6-10-2022</a:t>
             </a:fld>
             <a:endParaRPr lang="nl-NL"/>
           </a:p>
@@ -10234,7 +10234,7 @@
           <a:p>
             <a:fld id="{9CC0C4B4-C60E-4107-8338-A16F47E712BA}" type="datetime1">
               <a:rPr lang="nl-NL" smtClean="0"/>
-              <a:t>3-10-2022</a:t>
+              <a:t>6-10-2022</a:t>
             </a:fld>
             <a:endParaRPr lang="nl-NL"/>
           </a:p>
@@ -10601,7 +10601,7 @@
           <a:p>
             <a:fld id="{ED97B69D-25EE-4F6B-A025-C9356BF5196F}" type="datetime1">
               <a:rPr lang="nl-NL" smtClean="0"/>
-              <a:t>3-10-2022</a:t>
+              <a:t>6-10-2022</a:t>
             </a:fld>
             <a:endParaRPr lang="nl-NL"/>
           </a:p>
@@ -10719,7 +10719,7 @@
           <a:p>
             <a:fld id="{135BA7EE-4350-4E9D-8482-E4106E74C348}" type="datetime1">
               <a:rPr lang="nl-NL" smtClean="0"/>
-              <a:t>3-10-2022</a:t>
+              <a:t>6-10-2022</a:t>
             </a:fld>
             <a:endParaRPr lang="nl-NL"/>
           </a:p>
@@ -10814,7 +10814,7 @@
           <a:p>
             <a:fld id="{5985CAE9-7880-4C9A-8D76-CF15052E52CC}" type="datetime1">
               <a:rPr lang="nl-NL" smtClean="0"/>
-              <a:t>3-10-2022</a:t>
+              <a:t>6-10-2022</a:t>
             </a:fld>
             <a:endParaRPr lang="nl-NL"/>
           </a:p>
@@ -11091,7 +11091,7 @@
           <a:p>
             <a:fld id="{9F7639AC-17FC-4D70-A0E3-0F8D800275E8}" type="datetime1">
               <a:rPr lang="nl-NL" smtClean="0"/>
-              <a:t>3-10-2022</a:t>
+              <a:t>6-10-2022</a:t>
             </a:fld>
             <a:endParaRPr lang="nl-NL"/>
           </a:p>
@@ -11348,7 +11348,7 @@
           <a:p>
             <a:fld id="{A7D1C640-FDFA-4B54-ACC0-9BFA0F6DC2E5}" type="datetime1">
               <a:rPr lang="nl-NL" smtClean="0"/>
-              <a:t>3-10-2022</a:t>
+              <a:t>6-10-2022</a:t>
             </a:fld>
             <a:endParaRPr lang="nl-NL"/>
           </a:p>
@@ -11573,7 +11573,7 @@
           <a:p>
             <a:fld id="{7D9CE99F-90D7-49FC-BFC9-DC2836ABCB14}" type="datetime1">
               <a:rPr lang="nl-NL" smtClean="0"/>
-              <a:t>3-10-2022</a:t>
+              <a:t>6-10-2022</a:t>
             </a:fld>
             <a:endParaRPr lang="nl-NL" dirty="0">
               <a:latin typeface="Open Sans" panose="020B0606030504020204" pitchFamily="34" charset="0"/>
@@ -12159,7 +12159,7 @@
           <a:p>
             <a:fld id="{DDB7B9B1-682F-4483-B0F1-5BF417E9590B}" type="datetime1">
               <a:rPr lang="nl-NL" smtClean="0"/>
-              <a:t>3-10-2022</a:t>
+              <a:t>6-10-2022</a:t>
             </a:fld>
             <a:endParaRPr lang="nl-NL" dirty="0">
               <a:latin typeface="Open Sans" panose="020B0606030504020204" pitchFamily="34" charset="0"/>
@@ -12628,7 +12628,7 @@
                 <a:ea typeface="Nirmala UI Semilight" panose="020B0402040204020203" pitchFamily="34" charset="0"/>
                 <a:cs typeface="Nirmala UI Semilight" panose="020B0402040204020203" pitchFamily="34" charset="0"/>
               </a:rPr>
-              <a:t>Adaption, Analysis and Evaluation</a:t>
+              <a:t>Adaption and Evaluation</a:t>
             </a:r>
             <a:br>
               <a:rPr lang="en-US" sz="3600" dirty="0">
@@ -17362,7 +17362,7 @@
           <a:p>
             <a:r>
               <a:rPr lang="en-US" sz="2000" dirty="0"/>
-              <a:t>WER and CER of ∼95.5% and ∼96.1% respectively</a:t>
+              <a:t>WERR and CERR of ∼95.5% and ∼96.1% respectively</a:t>
             </a:r>
           </a:p>
           <a:p>
@@ -17391,7 +17391,15 @@
           <a:p>
             <a:r>
               <a:rPr lang="en-US" sz="2000" dirty="0"/>
-              <a:t>In-domain LM achieves WERRs and CERRs of ~33% and ~18% on finetuned XLS-R models</a:t>
+              <a:t>In-domain LM achieves WERRs and CERRs of ~33% </a:t>
+            </a:r>
+            <a:r>
+              <a:rPr lang="en-US" sz="2000"/>
+              <a:t>and ~20% </a:t>
+            </a:r>
+            <a:r>
+              <a:rPr lang="en-US" sz="2000" dirty="0"/>
+              <a:t>on fine-tuned XLS-R models</a:t>
             </a:r>
           </a:p>
           <a:p>
@@ -17845,6 +17853,15 @@
             <a:normAutofit/>
           </a:bodyPr>
           <a:lstStyle/>
+          <a:p>
+            <a:pPr marL="0" indent="0">
+              <a:buNone/>
+            </a:pPr>
+            <a:r>
+              <a:rPr lang="nl-NL" sz="2000" dirty="0"/>
+              <a:t>Air Traffic Control (ATC)</a:t>
+            </a:r>
+          </a:p>
           <a:p>
             <a:r>
               <a:rPr lang="nl-NL" sz="2000" dirty="0"/>
@@ -19661,13 +19678,6 @@
             </a:r>
           </a:p>
           <a:p>
-            <a:pPr lvl="1"/>
-            <a:r>
-              <a:rPr lang="nl-NL" sz="1600" dirty="0"/>
-              <a:t>Variable LMs out of scope</a:t>
-            </a:r>
-          </a:p>
-          <a:p>
             <a:r>
               <a:rPr lang="nl-NL" sz="2000" dirty="0"/>
               <a:t>Fine-tuning</a:t>
@@ -19704,7 +19714,7 @@
         </p:blipFill>
         <p:spPr>
           <a:xfrm>
-            <a:off x="5373686" y="3934143"/>
+            <a:off x="5373686" y="3621773"/>
             <a:ext cx="2484758" cy="1530247"/>
           </a:xfrm>
           <a:prstGeom prst="rect">
